--- a/Эффективная длинная арифметика.pptx
+++ b/Эффективная длинная арифметика.pptx
@@ -1,9 +1,12 @@
 
 <file path=ppt/presentation.xml><?xml version="1.0" encoding="utf-8"?>
-<p:presentation xmlns:a="http://schemas.openxmlformats.org/drawingml/2006/main" xmlns:r="http://schemas.openxmlformats.org/officeDocument/2006/relationships" xmlns:p="http://schemas.openxmlformats.org/presentationml/2006/main" saveSubsetFonts="1">
+<p:presentation xmlns:a="http://schemas.openxmlformats.org/drawingml/2006/main" xmlns:r="http://schemas.openxmlformats.org/officeDocument/2006/relationships" xmlns:p="http://schemas.openxmlformats.org/presentationml/2006/main" showSpecialPlsOnTitleSld="0" saveSubsetFonts="1">
   <p:sldMasterIdLst>
     <p:sldMasterId id="2147483648" r:id="rId1"/>
   </p:sldMasterIdLst>
+  <p:notesMasterIdLst>
+    <p:notesMasterId r:id="rId14"/>
+  </p:notesMasterIdLst>
   <p:sldIdLst>
     <p:sldId id="256" r:id="rId2"/>
     <p:sldId id="257" r:id="rId3"/>
@@ -115,7 +118,361 @@
       </a:defRPr>
     </a:lvl9pPr>
   </p:defaultTextStyle>
+  <p:extLst>
+    <p:ext uri="{EFAFB233-063F-42B5-8137-9DF3F51BA10A}">
+      <p15:sldGuideLst xmlns:p15="http://schemas.microsoft.com/office/powerpoint/2012/main"/>
+    </p:ext>
+  </p:extLst>
 </p:presentation>
+</file>
+
+<file path=ppt/notesMasters/notesMaster1.xml><?xml version="1.0" encoding="utf-8"?>
+<p:notesMaster xmlns:a="http://schemas.openxmlformats.org/drawingml/2006/main" xmlns:r="http://schemas.openxmlformats.org/officeDocument/2006/relationships" xmlns:p="http://schemas.openxmlformats.org/presentationml/2006/main">
+  <p:cSld>
+    <p:bg>
+      <p:bgRef idx="1001">
+        <a:schemeClr val="bg1"/>
+      </p:bgRef>
+    </p:bg>
+    <p:spTree>
+      <p:nvGrpSpPr>
+        <p:cNvPr id="1" name=""/>
+        <p:cNvGrpSpPr/>
+        <p:nvPr/>
+      </p:nvGrpSpPr>
+      <p:grpSpPr>
+        <a:xfrm>
+          <a:off x="0" y="0"/>
+          <a:ext cx="0" cy="0"/>
+          <a:chOff x="0" y="0"/>
+          <a:chExt cx="0" cy="0"/>
+        </a:xfrm>
+      </p:grpSpPr>
+      <p:sp>
+        <p:nvSpPr>
+          <p:cNvPr id="2" name="Верхний колонтитул 1"/>
+          <p:cNvSpPr>
+            <a:spLocks noGrp="1"/>
+          </p:cNvSpPr>
+          <p:nvPr>
+            <p:ph type="hdr" sz="quarter"/>
+          </p:nvPr>
+        </p:nvSpPr>
+        <p:spPr>
+          <a:xfrm>
+            <a:off x="0" y="0"/>
+            <a:ext cx="2971800" cy="458788"/>
+          </a:xfrm>
+          <a:prstGeom prst="rect">
+            <a:avLst/>
+          </a:prstGeom>
+        </p:spPr>
+        <p:txBody>
+          <a:bodyPr vert="horz" lIns="91440" tIns="45720" rIns="91440" bIns="45720" rtlCol="0"/>
+          <a:lstStyle>
+            <a:lvl1pPr algn="l">
+              <a:defRPr sz="1200"/>
+            </a:lvl1pPr>
+          </a:lstStyle>
+          <a:p>
+            <a:endParaRPr lang="ru-RU"/>
+          </a:p>
+        </p:txBody>
+      </p:sp>
+      <p:sp>
+        <p:nvSpPr>
+          <p:cNvPr id="3" name="Дата 2"/>
+          <p:cNvSpPr>
+            <a:spLocks noGrp="1"/>
+          </p:cNvSpPr>
+          <p:nvPr>
+            <p:ph type="dt" idx="1"/>
+          </p:nvPr>
+        </p:nvSpPr>
+        <p:spPr>
+          <a:xfrm>
+            <a:off x="3884613" y="0"/>
+            <a:ext cx="2971800" cy="458788"/>
+          </a:xfrm>
+          <a:prstGeom prst="rect">
+            <a:avLst/>
+          </a:prstGeom>
+        </p:spPr>
+        <p:txBody>
+          <a:bodyPr vert="horz" lIns="91440" tIns="45720" rIns="91440" bIns="45720" rtlCol="0"/>
+          <a:lstStyle>
+            <a:lvl1pPr algn="r">
+              <a:defRPr sz="1200"/>
+            </a:lvl1pPr>
+          </a:lstStyle>
+          <a:p>
+            <a:fld id="{5C855726-600A-4BE6-AEF4-109FA0A428E7}" type="datetimeFigureOut">
+              <a:rPr lang="ru-RU" smtClean="0"/>
+              <a:t>08.02.2023</a:t>
+            </a:fld>
+            <a:endParaRPr lang="ru-RU"/>
+          </a:p>
+        </p:txBody>
+      </p:sp>
+      <p:sp>
+        <p:nvSpPr>
+          <p:cNvPr id="4" name="Образ слайда 3"/>
+          <p:cNvSpPr>
+            <a:spLocks noGrp="1" noRot="1" noChangeAspect="1"/>
+          </p:cNvSpPr>
+          <p:nvPr>
+            <p:ph type="sldImg" idx="2"/>
+          </p:nvPr>
+        </p:nvSpPr>
+        <p:spPr>
+          <a:xfrm>
+            <a:off x="685800" y="1143000"/>
+            <a:ext cx="5486400" cy="3086100"/>
+          </a:xfrm>
+          <a:prstGeom prst="rect">
+            <a:avLst/>
+          </a:prstGeom>
+          <a:noFill/>
+          <a:ln w="12700">
+            <a:solidFill>
+              <a:prstClr val="black"/>
+            </a:solidFill>
+          </a:ln>
+        </p:spPr>
+        <p:txBody>
+          <a:bodyPr vert="horz" lIns="91440" tIns="45720" rIns="91440" bIns="45720" rtlCol="0" anchor="ctr"/>
+          <a:lstStyle/>
+          <a:p>
+            <a:endParaRPr lang="ru-RU"/>
+          </a:p>
+        </p:txBody>
+      </p:sp>
+      <p:sp>
+        <p:nvSpPr>
+          <p:cNvPr id="5" name="Заметки 4"/>
+          <p:cNvSpPr>
+            <a:spLocks noGrp="1"/>
+          </p:cNvSpPr>
+          <p:nvPr>
+            <p:ph type="body" sz="quarter" idx="3"/>
+          </p:nvPr>
+        </p:nvSpPr>
+        <p:spPr>
+          <a:xfrm>
+            <a:off x="685800" y="4400550"/>
+            <a:ext cx="5486400" cy="3600450"/>
+          </a:xfrm>
+          <a:prstGeom prst="rect">
+            <a:avLst/>
+          </a:prstGeom>
+        </p:spPr>
+        <p:txBody>
+          <a:bodyPr vert="horz" lIns="91440" tIns="45720" rIns="91440" bIns="45720" rtlCol="0"/>
+          <a:lstStyle/>
+          <a:p>
+            <a:pPr lvl="0"/>
+            <a:r>
+              <a:rPr lang="ru-RU"/>
+              <a:t>Образец текста</a:t>
+            </a:r>
+          </a:p>
+          <a:p>
+            <a:pPr lvl="1"/>
+            <a:r>
+              <a:rPr lang="ru-RU"/>
+              <a:t>Второй уровень</a:t>
+            </a:r>
+          </a:p>
+          <a:p>
+            <a:pPr lvl="2"/>
+            <a:r>
+              <a:rPr lang="ru-RU"/>
+              <a:t>Третий уровень</a:t>
+            </a:r>
+          </a:p>
+          <a:p>
+            <a:pPr lvl="3"/>
+            <a:r>
+              <a:rPr lang="ru-RU"/>
+              <a:t>Четвертый уровень</a:t>
+            </a:r>
+          </a:p>
+          <a:p>
+            <a:pPr lvl="4"/>
+            <a:r>
+              <a:rPr lang="ru-RU"/>
+              <a:t>Пятый уровень</a:t>
+            </a:r>
+          </a:p>
+        </p:txBody>
+      </p:sp>
+      <p:sp>
+        <p:nvSpPr>
+          <p:cNvPr id="6" name="Нижний колонтитул 5"/>
+          <p:cNvSpPr>
+            <a:spLocks noGrp="1"/>
+          </p:cNvSpPr>
+          <p:nvPr>
+            <p:ph type="ftr" sz="quarter" idx="4"/>
+          </p:nvPr>
+        </p:nvSpPr>
+        <p:spPr>
+          <a:xfrm>
+            <a:off x="0" y="8685213"/>
+            <a:ext cx="2971800" cy="458787"/>
+          </a:xfrm>
+          <a:prstGeom prst="rect">
+            <a:avLst/>
+          </a:prstGeom>
+        </p:spPr>
+        <p:txBody>
+          <a:bodyPr vert="horz" lIns="91440" tIns="45720" rIns="91440" bIns="45720" rtlCol="0" anchor="b"/>
+          <a:lstStyle>
+            <a:lvl1pPr algn="l">
+              <a:defRPr sz="1200"/>
+            </a:lvl1pPr>
+          </a:lstStyle>
+          <a:p>
+            <a:endParaRPr lang="ru-RU"/>
+          </a:p>
+        </p:txBody>
+      </p:sp>
+      <p:sp>
+        <p:nvSpPr>
+          <p:cNvPr id="7" name="Номер слайда 6"/>
+          <p:cNvSpPr>
+            <a:spLocks noGrp="1"/>
+          </p:cNvSpPr>
+          <p:nvPr>
+            <p:ph type="sldNum" sz="quarter" idx="5"/>
+          </p:nvPr>
+        </p:nvSpPr>
+        <p:spPr>
+          <a:xfrm>
+            <a:off x="3884613" y="8685213"/>
+            <a:ext cx="2971800" cy="458787"/>
+          </a:xfrm>
+          <a:prstGeom prst="rect">
+            <a:avLst/>
+          </a:prstGeom>
+        </p:spPr>
+        <p:txBody>
+          <a:bodyPr vert="horz" lIns="91440" tIns="45720" rIns="91440" bIns="45720" rtlCol="0" anchor="b"/>
+          <a:lstStyle>
+            <a:lvl1pPr algn="r">
+              <a:defRPr sz="1200"/>
+            </a:lvl1pPr>
+          </a:lstStyle>
+          <a:p>
+            <a:fld id="{84AA5E34-4FC2-49B1-B546-332C647C7A83}" type="slidenum">
+              <a:rPr lang="ru-RU" smtClean="0"/>
+              <a:t>‹#›</a:t>
+            </a:fld>
+            <a:endParaRPr lang="ru-RU"/>
+          </a:p>
+        </p:txBody>
+      </p:sp>
+    </p:spTree>
+    <p:extLst>
+      <p:ext uri="{BB962C8B-B14F-4D97-AF65-F5344CB8AC3E}">
+        <p14:creationId xmlns:p14="http://schemas.microsoft.com/office/powerpoint/2010/main" val="3602625525"/>
+      </p:ext>
+    </p:extLst>
+  </p:cSld>
+  <p:clrMap bg1="lt1" tx1="dk1" bg2="lt2" tx2="dk2" accent1="accent1" accent2="accent2" accent3="accent3" accent4="accent4" accent5="accent5" accent6="accent6" hlink="hlink" folHlink="folHlink"/>
+  <p:notesStyle>
+    <a:lvl1pPr marL="0" algn="l" defTabSz="914400" rtl="0" eaLnBrk="1" latinLnBrk="0" hangingPunct="1">
+      <a:defRPr sz="1200" kern="1200">
+        <a:solidFill>
+          <a:schemeClr val="tx1"/>
+        </a:solidFill>
+        <a:latin typeface="+mn-lt"/>
+        <a:ea typeface="+mn-ea"/>
+        <a:cs typeface="+mn-cs"/>
+      </a:defRPr>
+    </a:lvl1pPr>
+    <a:lvl2pPr marL="457200" algn="l" defTabSz="914400" rtl="0" eaLnBrk="1" latinLnBrk="0" hangingPunct="1">
+      <a:defRPr sz="1200" kern="1200">
+        <a:solidFill>
+          <a:schemeClr val="tx1"/>
+        </a:solidFill>
+        <a:latin typeface="+mn-lt"/>
+        <a:ea typeface="+mn-ea"/>
+        <a:cs typeface="+mn-cs"/>
+      </a:defRPr>
+    </a:lvl2pPr>
+    <a:lvl3pPr marL="914400" algn="l" defTabSz="914400" rtl="0" eaLnBrk="1" latinLnBrk="0" hangingPunct="1">
+      <a:defRPr sz="1200" kern="1200">
+        <a:solidFill>
+          <a:schemeClr val="tx1"/>
+        </a:solidFill>
+        <a:latin typeface="+mn-lt"/>
+        <a:ea typeface="+mn-ea"/>
+        <a:cs typeface="+mn-cs"/>
+      </a:defRPr>
+    </a:lvl3pPr>
+    <a:lvl4pPr marL="1371600" algn="l" defTabSz="914400" rtl="0" eaLnBrk="1" latinLnBrk="0" hangingPunct="1">
+      <a:defRPr sz="1200" kern="1200">
+        <a:solidFill>
+          <a:schemeClr val="tx1"/>
+        </a:solidFill>
+        <a:latin typeface="+mn-lt"/>
+        <a:ea typeface="+mn-ea"/>
+        <a:cs typeface="+mn-cs"/>
+      </a:defRPr>
+    </a:lvl4pPr>
+    <a:lvl5pPr marL="1828800" algn="l" defTabSz="914400" rtl="0" eaLnBrk="1" latinLnBrk="0" hangingPunct="1">
+      <a:defRPr sz="1200" kern="1200">
+        <a:solidFill>
+          <a:schemeClr val="tx1"/>
+        </a:solidFill>
+        <a:latin typeface="+mn-lt"/>
+        <a:ea typeface="+mn-ea"/>
+        <a:cs typeface="+mn-cs"/>
+      </a:defRPr>
+    </a:lvl5pPr>
+    <a:lvl6pPr marL="2286000" algn="l" defTabSz="914400" rtl="0" eaLnBrk="1" latinLnBrk="0" hangingPunct="1">
+      <a:defRPr sz="1200" kern="1200">
+        <a:solidFill>
+          <a:schemeClr val="tx1"/>
+        </a:solidFill>
+        <a:latin typeface="+mn-lt"/>
+        <a:ea typeface="+mn-ea"/>
+        <a:cs typeface="+mn-cs"/>
+      </a:defRPr>
+    </a:lvl6pPr>
+    <a:lvl7pPr marL="2743200" algn="l" defTabSz="914400" rtl="0" eaLnBrk="1" latinLnBrk="0" hangingPunct="1">
+      <a:defRPr sz="1200" kern="1200">
+        <a:solidFill>
+          <a:schemeClr val="tx1"/>
+        </a:solidFill>
+        <a:latin typeface="+mn-lt"/>
+        <a:ea typeface="+mn-ea"/>
+        <a:cs typeface="+mn-cs"/>
+      </a:defRPr>
+    </a:lvl7pPr>
+    <a:lvl8pPr marL="3200400" algn="l" defTabSz="914400" rtl="0" eaLnBrk="1" latinLnBrk="0" hangingPunct="1">
+      <a:defRPr sz="1200" kern="1200">
+        <a:solidFill>
+          <a:schemeClr val="tx1"/>
+        </a:solidFill>
+        <a:latin typeface="+mn-lt"/>
+        <a:ea typeface="+mn-ea"/>
+        <a:cs typeface="+mn-cs"/>
+      </a:defRPr>
+    </a:lvl8pPr>
+    <a:lvl9pPr marL="3657600" algn="l" defTabSz="914400" rtl="0" eaLnBrk="1" latinLnBrk="0" hangingPunct="1">
+      <a:defRPr sz="1200" kern="1200">
+        <a:solidFill>
+          <a:schemeClr val="tx1"/>
+        </a:solidFill>
+        <a:latin typeface="+mn-lt"/>
+        <a:ea typeface="+mn-ea"/>
+        <a:cs typeface="+mn-cs"/>
+      </a:defRPr>
+    </a:lvl9pPr>
+  </p:notesStyle>
+</p:notesMaster>
 </file>
 
 <file path=ppt/slideLayouts/slideLayout1.xml><?xml version="1.0" encoding="utf-8"?>
@@ -263,9 +620,9 @@
           <a:bodyPr/>
           <a:lstStyle/>
           <a:p>
-            <a:fld id="{B4A6921F-E466-4677-8244-521A2B438F0A}" type="datetimeFigureOut">
+            <a:fld id="{E6137A9C-E983-4237-B0D0-7E24A6FE213C}" type="datetime1">
               <a:rPr lang="ru-RU" smtClean="0"/>
-              <a:t>05.02.2023</a:t>
+              <a:t>08.02.2023</a:t>
             </a:fld>
             <a:endParaRPr lang="ru-RU"/>
           </a:p>
@@ -461,9 +818,9 @@
           <a:bodyPr/>
           <a:lstStyle/>
           <a:p>
-            <a:fld id="{B4A6921F-E466-4677-8244-521A2B438F0A}" type="datetimeFigureOut">
+            <a:fld id="{E6CB770F-965C-4625-8174-39086D0F00FA}" type="datetime1">
               <a:rPr lang="ru-RU" smtClean="0"/>
-              <a:t>05.02.2023</a:t>
+              <a:t>08.02.2023</a:t>
             </a:fld>
             <a:endParaRPr lang="ru-RU"/>
           </a:p>
@@ -669,9 +1026,9 @@
           <a:bodyPr/>
           <a:lstStyle/>
           <a:p>
-            <a:fld id="{B4A6921F-E466-4677-8244-521A2B438F0A}" type="datetimeFigureOut">
+            <a:fld id="{CE6C9441-FDA9-40BF-8779-F36C9671FA5E}" type="datetime1">
               <a:rPr lang="ru-RU" smtClean="0"/>
-              <a:t>05.02.2023</a:t>
+              <a:t>08.02.2023</a:t>
             </a:fld>
             <a:endParaRPr lang="ru-RU"/>
           </a:p>
@@ -867,9 +1224,9 @@
           <a:bodyPr/>
           <a:lstStyle/>
           <a:p>
-            <a:fld id="{B4A6921F-E466-4677-8244-521A2B438F0A}" type="datetimeFigureOut">
+            <a:fld id="{36875C6D-A84E-43E8-A49D-2DE60A3A75AE}" type="datetime1">
               <a:rPr lang="ru-RU" smtClean="0"/>
-              <a:t>05.02.2023</a:t>
+              <a:t>08.02.2023</a:t>
             </a:fld>
             <a:endParaRPr lang="ru-RU"/>
           </a:p>
@@ -1142,9 +1499,9 @@
           <a:bodyPr/>
           <a:lstStyle/>
           <a:p>
-            <a:fld id="{B4A6921F-E466-4677-8244-521A2B438F0A}" type="datetimeFigureOut">
+            <a:fld id="{5C1EB0D1-D3B0-467B-A981-B26B7AF2879E}" type="datetime1">
               <a:rPr lang="ru-RU" smtClean="0"/>
-              <a:t>05.02.2023</a:t>
+              <a:t>08.02.2023</a:t>
             </a:fld>
             <a:endParaRPr lang="ru-RU"/>
           </a:p>
@@ -1407,9 +1764,9 @@
           <a:bodyPr/>
           <a:lstStyle/>
           <a:p>
-            <a:fld id="{B4A6921F-E466-4677-8244-521A2B438F0A}" type="datetimeFigureOut">
+            <a:fld id="{3079A377-25E8-4FAF-9329-97CE0710FDD3}" type="datetime1">
               <a:rPr lang="ru-RU" smtClean="0"/>
-              <a:t>05.02.2023</a:t>
+              <a:t>08.02.2023</a:t>
             </a:fld>
             <a:endParaRPr lang="ru-RU"/>
           </a:p>
@@ -1819,9 +2176,9 @@
           <a:bodyPr/>
           <a:lstStyle/>
           <a:p>
-            <a:fld id="{B4A6921F-E466-4677-8244-521A2B438F0A}" type="datetimeFigureOut">
+            <a:fld id="{230F68B0-33DA-4B89-BDBC-8CFF38D30EFD}" type="datetime1">
               <a:rPr lang="ru-RU" smtClean="0"/>
-              <a:t>05.02.2023</a:t>
+              <a:t>08.02.2023</a:t>
             </a:fld>
             <a:endParaRPr lang="ru-RU"/>
           </a:p>
@@ -1960,9 +2317,9 @@
           <a:bodyPr/>
           <a:lstStyle/>
           <a:p>
-            <a:fld id="{B4A6921F-E466-4677-8244-521A2B438F0A}" type="datetimeFigureOut">
+            <a:fld id="{6148F331-ECFC-4E22-A5B7-62730F29BCB8}" type="datetime1">
               <a:rPr lang="ru-RU" smtClean="0"/>
-              <a:t>05.02.2023</a:t>
+              <a:t>08.02.2023</a:t>
             </a:fld>
             <a:endParaRPr lang="ru-RU"/>
           </a:p>
@@ -2073,9 +2430,9 @@
           <a:bodyPr/>
           <a:lstStyle/>
           <a:p>
-            <a:fld id="{B4A6921F-E466-4677-8244-521A2B438F0A}" type="datetimeFigureOut">
+            <a:fld id="{758197B3-ABBF-4EB8-B9A7-32ACA64B5943}" type="datetime1">
               <a:rPr lang="ru-RU" smtClean="0"/>
-              <a:t>05.02.2023</a:t>
+              <a:t>08.02.2023</a:t>
             </a:fld>
             <a:endParaRPr lang="ru-RU"/>
           </a:p>
@@ -2384,9 +2741,9 @@
           <a:bodyPr/>
           <a:lstStyle/>
           <a:p>
-            <a:fld id="{B4A6921F-E466-4677-8244-521A2B438F0A}" type="datetimeFigureOut">
+            <a:fld id="{C607D77B-CED9-4445-8D26-F40BCEDA9675}" type="datetime1">
               <a:rPr lang="ru-RU" smtClean="0"/>
-              <a:t>05.02.2023</a:t>
+              <a:t>08.02.2023</a:t>
             </a:fld>
             <a:endParaRPr lang="ru-RU"/>
           </a:p>
@@ -2672,9 +3029,9 @@
           <a:bodyPr/>
           <a:lstStyle/>
           <a:p>
-            <a:fld id="{B4A6921F-E466-4677-8244-521A2B438F0A}" type="datetimeFigureOut">
+            <a:fld id="{706BBA63-3EFB-4435-810A-162106C2AA80}" type="datetime1">
               <a:rPr lang="ru-RU" smtClean="0"/>
-              <a:t>05.02.2023</a:t>
+              <a:t>08.02.2023</a:t>
             </a:fld>
             <a:endParaRPr lang="ru-RU"/>
           </a:p>
@@ -2913,9 +3270,9 @@
             </a:lvl1pPr>
           </a:lstStyle>
           <a:p>
-            <a:fld id="{B4A6921F-E466-4677-8244-521A2B438F0A}" type="datetimeFigureOut">
+            <a:fld id="{3BAF0B48-910D-4138-A64E-B9BF83978213}" type="datetime1">
               <a:rPr lang="ru-RU" smtClean="0"/>
-              <a:t>05.02.2023</a:t>
+              <a:t>08.02.2023</a:t>
             </a:fld>
             <a:endParaRPr lang="ru-RU"/>
           </a:p>
@@ -3032,6 +3389,7 @@
     <p:sldLayoutId id="2147483658" r:id="rId10"/>
     <p:sldLayoutId id="2147483659" r:id="rId11"/>
   </p:sldLayoutIdLst>
+  <p:hf hdr="0" ftr="0" dt="0"/>
   <p:txStyles>
     <p:titleStyle>
       <a:lvl1pPr algn="l" defTabSz="914400" rtl="0" eaLnBrk="1" latinLnBrk="0" hangingPunct="1">
@@ -3839,101 +4197,12 @@
           </a:p>
         </p:txBody>
       </p:sp>
-    </p:spTree>
-    <p:extLst>
-      <p:ext uri="{BB962C8B-B14F-4D97-AF65-F5344CB8AC3E}">
-        <p14:creationId xmlns:p14="http://schemas.microsoft.com/office/powerpoint/2010/main" val="2920262557"/>
-      </p:ext>
-    </p:extLst>
-  </p:cSld>
-  <p:clrMapOvr>
-    <a:masterClrMapping/>
-  </p:clrMapOvr>
-</p:sld>
-</file>
-
-<file path=ppt/slides/slide11.xml><?xml version="1.0" encoding="utf-8"?>
-<p:sld xmlns:a="http://schemas.openxmlformats.org/drawingml/2006/main" xmlns:r="http://schemas.openxmlformats.org/officeDocument/2006/relationships" xmlns:p="http://schemas.openxmlformats.org/presentationml/2006/main">
-  <p:cSld>
-    <p:spTree>
-      <p:nvGrpSpPr>
-        <p:cNvPr id="1" name=""/>
-        <p:cNvGrpSpPr/>
-        <p:nvPr/>
-      </p:nvGrpSpPr>
-      <p:grpSpPr>
-        <a:xfrm>
-          <a:off x="0" y="0"/>
-          <a:ext cx="0" cy="0"/>
-          <a:chOff x="0" y="0"/>
-          <a:chExt cx="0" cy="0"/>
-        </a:xfrm>
-      </p:grpSpPr>
-      <p:sp>
-        <p:nvSpPr>
-          <p:cNvPr id="2" name="Заголовок 1">
-            <a:extLst>
-              <a:ext uri="{FF2B5EF4-FFF2-40B4-BE49-F238E27FC236}">
-                <a16:creationId xmlns:a16="http://schemas.microsoft.com/office/drawing/2014/main" id="{28CC594D-815A-7496-3DCE-8CB5F38F488A}"/>
-              </a:ext>
-            </a:extLst>
-          </p:cNvPr>
-          <p:cNvSpPr>
-            <a:spLocks noGrp="1"/>
-          </p:cNvSpPr>
-          <p:nvPr>
-            <p:ph type="title"/>
-          </p:nvPr>
-        </p:nvSpPr>
-        <p:spPr/>
-        <p:txBody>
-          <a:bodyPr/>
-          <a:lstStyle/>
-          <a:p>
-            <a:r>
-              <a:rPr lang="ru-RU" dirty="0"/>
-              <a:t>Деление длинных чисел</a:t>
-            </a:r>
-          </a:p>
-        </p:txBody>
-      </p:sp>
-      <p:sp>
-        <p:nvSpPr>
-          <p:cNvPr id="3" name="Объект 2">
-            <a:extLst>
-              <a:ext uri="{FF2B5EF4-FFF2-40B4-BE49-F238E27FC236}">
-                <a16:creationId xmlns:a16="http://schemas.microsoft.com/office/drawing/2014/main" id="{8FC24F2B-7C0E-B00C-57CE-CD3D35F2900C}"/>
-              </a:ext>
-            </a:extLst>
-          </p:cNvPr>
-          <p:cNvSpPr>
-            <a:spLocks noGrp="1"/>
-          </p:cNvSpPr>
-          <p:nvPr>
-            <p:ph idx="1"/>
-          </p:nvPr>
-        </p:nvSpPr>
-        <p:spPr/>
-        <p:txBody>
-          <a:bodyPr/>
-          <a:lstStyle/>
-          <a:p>
-            <a:pPr marL="0" indent="0">
-              <a:buNone/>
-            </a:pPr>
-            <a:r>
-              <a:rPr lang="ru-RU" dirty="0"/>
-              <a:t>Для деления используется школьный алгоритм деления в столбик</a:t>
-            </a:r>
-          </a:p>
-        </p:txBody>
-      </p:sp>
       <p:pic>
         <p:nvPicPr>
           <p:cNvPr id="4" name="Picture 4">
             <a:extLst>
               <a:ext uri="{FF2B5EF4-FFF2-40B4-BE49-F238E27FC236}">
-                <a16:creationId xmlns:a16="http://schemas.microsoft.com/office/drawing/2014/main" id="{FBB4FFFC-5D17-ED68-CDF9-849C72DB55D5}"/>
+                <a16:creationId xmlns:a16="http://schemas.microsoft.com/office/drawing/2014/main" id="{0B83D84F-861A-4EDA-BF3C-96CB17ECE9C5}"/>
               </a:ext>
             </a:extLst>
           </p:cNvPr>
@@ -3986,492 +4255,50 @@
       </p:pic>
       <p:sp>
         <p:nvSpPr>
-          <p:cNvPr id="7" name="TextBox 6">
-            <a:extLst>
-              <a:ext uri="{FF2B5EF4-FFF2-40B4-BE49-F238E27FC236}">
-                <a16:creationId xmlns:a16="http://schemas.microsoft.com/office/drawing/2014/main" id="{BF6CA6D4-5185-A108-2DE6-DC2851606130}"/>
-              </a:ext>
-            </a:extLst>
-          </p:cNvPr>
-          <p:cNvSpPr txBox="1"/>
-          <p:nvPr/>
-        </p:nvSpPr>
-        <p:spPr>
-          <a:xfrm>
-            <a:off x="5630779" y="2608220"/>
-            <a:ext cx="2454442" cy="2786147"/>
-          </a:xfrm>
-          <a:prstGeom prst="rect">
-            <a:avLst/>
-          </a:prstGeom>
-          <a:noFill/>
-        </p:spPr>
-        <p:txBody>
-          <a:bodyPr wrap="square">
-            <a:spAutoFit/>
-          </a:bodyPr>
+          <p:cNvPr id="5" name="Номер слайда 4">
+            <a:extLst>
+              <a:ext uri="{FF2B5EF4-FFF2-40B4-BE49-F238E27FC236}">
+                <a16:creationId xmlns:a16="http://schemas.microsoft.com/office/drawing/2014/main" id="{CA7A3DD2-2F5E-D538-0E56-437F8E4E3427}"/>
+              </a:ext>
+            </a:extLst>
+          </p:cNvPr>
+          <p:cNvSpPr>
+            <a:spLocks noGrp="1"/>
+          </p:cNvSpPr>
+          <p:nvPr>
+            <p:ph type="sldNum" sz="quarter" idx="12"/>
+          </p:nvPr>
+        </p:nvSpPr>
+        <p:spPr/>
+        <p:txBody>
+          <a:bodyPr/>
           <a:lstStyle/>
           <a:p>
-            <a:pPr marL="0" marR="0" lvl="0" indent="0" algn="l" defTabSz="914400" rtl="0" eaLnBrk="0" fontAlgn="base" latinLnBrk="0" hangingPunct="0">
-              <a:lnSpc>
-                <a:spcPct val="90000"/>
-              </a:lnSpc>
-              <a:spcBef>
-                <a:spcPct val="20000"/>
-              </a:spcBef>
-              <a:spcAft>
-                <a:spcPct val="0"/>
-              </a:spcAft>
-              <a:buClrTx/>
-              <a:buSzPct val="100000"/>
-              <a:buFontTx/>
-              <a:buNone/>
-              <a:tabLst/>
-            </a:pPr>
-            <a:r>
-              <a:rPr lang="ru-RU" altLang="ru-RU" b="1" dirty="0">
-                <a:latin typeface="Courier New" panose="02070309020205020404" pitchFamily="49" charset="0"/>
-              </a:rPr>
-              <a:t>7 4 1</a:t>
-            </a:r>
-            <a:r>
-              <a:rPr kumimoji="0" lang="ru-RU" altLang="ru-RU" sz="1800" b="1" i="0" u="none" strike="noStrike" cap="none" normalizeH="0" baseline="0" dirty="0">
-                <a:ln>
-                  <a:noFill/>
-                </a:ln>
-                <a:solidFill>
-                  <a:schemeClr val="tx1"/>
-                </a:solidFill>
-                <a:effectLst/>
-                <a:latin typeface="Courier New" panose="02070309020205020404" pitchFamily="49" charset="0"/>
-              </a:rPr>
-              <a:t> </a:t>
-            </a:r>
-            <a:r>
-              <a:rPr kumimoji="0" lang="en-US" altLang="ru-RU" sz="1800" b="1" i="0" u="none" strike="noStrike" cap="none" normalizeH="0" baseline="0" dirty="0">
-                <a:ln>
-                  <a:noFill/>
-                </a:ln>
-                <a:solidFill>
-                  <a:schemeClr val="tx1"/>
-                </a:solidFill>
-                <a:effectLst/>
-                <a:latin typeface="Courier New" panose="02070309020205020404" pitchFamily="49" charset="0"/>
-              </a:rPr>
-              <a:t>| </a:t>
-            </a:r>
-            <a:r>
-              <a:rPr kumimoji="0" lang="ru-RU" altLang="ru-RU" sz="1800" b="1" i="0" u="none" strike="noStrike" cap="none" normalizeH="0" baseline="0" dirty="0">
-                <a:ln>
-                  <a:noFill/>
-                </a:ln>
-                <a:solidFill>
-                  <a:schemeClr val="tx1"/>
-                </a:solidFill>
-                <a:effectLst/>
-                <a:latin typeface="Courier New" panose="02070309020205020404" pitchFamily="49" charset="0"/>
-              </a:rPr>
-              <a:t>3</a:t>
-            </a:r>
-            <a:endParaRPr kumimoji="0" lang="en-US" altLang="ru-RU" sz="1800" b="1" i="0" u="none" strike="noStrike" cap="none" normalizeH="0" baseline="0" dirty="0">
-              <a:ln>
-                <a:noFill/>
-              </a:ln>
-              <a:solidFill>
-                <a:schemeClr val="tx1"/>
-              </a:solidFill>
-              <a:effectLst/>
-              <a:latin typeface="Courier New" panose="02070309020205020404" pitchFamily="49" charset="0"/>
-            </a:endParaRPr>
-          </a:p>
-          <a:p>
-            <a:pPr marL="0" marR="0" lvl="0" indent="0" algn="l" defTabSz="914400" rtl="0" eaLnBrk="0" fontAlgn="base" latinLnBrk="0" hangingPunct="0">
-              <a:lnSpc>
-                <a:spcPct val="90000"/>
-              </a:lnSpc>
-              <a:spcBef>
-                <a:spcPct val="20000"/>
-              </a:spcBef>
-              <a:spcAft>
-                <a:spcPct val="0"/>
-              </a:spcAft>
-              <a:buClrTx/>
-              <a:buSzPct val="100000"/>
-              <a:buFontTx/>
-              <a:buNone/>
-              <a:tabLst/>
-            </a:pPr>
-            <a:r>
-              <a:rPr kumimoji="0" lang="en-US" altLang="ru-RU" sz="1800" b="1" i="0" u="none" strike="noStrike" cap="none" normalizeH="0" baseline="0" dirty="0">
-                <a:ln>
-                  <a:noFill/>
-                </a:ln>
-                <a:solidFill>
-                  <a:schemeClr val="tx1"/>
-                </a:solidFill>
-                <a:effectLst/>
-                <a:latin typeface="Courier New" panose="02070309020205020404" pitchFamily="49" charset="0"/>
-              </a:rPr>
-              <a:t>-------------</a:t>
-            </a:r>
-          </a:p>
-          <a:p>
-            <a:pPr marL="0" marR="0" lvl="0" indent="0" algn="l" defTabSz="914400" rtl="0" eaLnBrk="0" fontAlgn="base" latinLnBrk="0" hangingPunct="0">
-              <a:lnSpc>
-                <a:spcPct val="90000"/>
-              </a:lnSpc>
-              <a:spcBef>
-                <a:spcPct val="20000"/>
-              </a:spcBef>
-              <a:spcAft>
-                <a:spcPct val="0"/>
-              </a:spcAft>
-              <a:buClrTx/>
-              <a:buSzPct val="100000"/>
-              <a:buFontTx/>
-              <a:buNone/>
-              <a:tabLst/>
-            </a:pPr>
-            <a:r>
-              <a:rPr lang="ru-RU" altLang="ru-RU" b="1" dirty="0">
-                <a:latin typeface="Courier New" panose="02070309020205020404" pitchFamily="49" charset="0"/>
-              </a:rPr>
-              <a:t>7 </a:t>
-            </a:r>
-            <a:r>
-              <a:rPr lang="en-US" altLang="ru-RU" b="1" dirty="0">
-                <a:latin typeface="Courier New" panose="02070309020205020404" pitchFamily="49" charset="0"/>
-              </a:rPr>
-              <a:t>4</a:t>
-            </a:r>
-            <a:r>
-              <a:rPr kumimoji="0" lang="en-US" altLang="ru-RU" sz="1800" b="1" i="0" u="none" strike="noStrike" cap="none" normalizeH="0" baseline="0" dirty="0">
-                <a:ln>
-                  <a:noFill/>
-                </a:ln>
-                <a:solidFill>
-                  <a:schemeClr val="tx1"/>
-                </a:solidFill>
-                <a:effectLst/>
-                <a:latin typeface="Courier New" panose="02070309020205020404" pitchFamily="49" charset="0"/>
-              </a:rPr>
-              <a:t>   | </a:t>
-            </a:r>
-            <a:r>
-              <a:rPr kumimoji="0" lang="ru-RU" altLang="ru-RU" sz="1800" b="1" i="0" u="none" strike="noStrike" cap="none" normalizeH="0" baseline="0" dirty="0">
-                <a:ln>
-                  <a:noFill/>
-                </a:ln>
-                <a:solidFill>
-                  <a:schemeClr val="tx1"/>
-                </a:solidFill>
-                <a:effectLst/>
-                <a:latin typeface="Courier New" panose="02070309020205020404" pitchFamily="49" charset="0"/>
-              </a:rPr>
-              <a:t>2 4</a:t>
-            </a:r>
-            <a:r>
-              <a:rPr kumimoji="0" lang="en-US" altLang="ru-RU" sz="1800" b="1" i="0" u="none" strike="noStrike" cap="none" normalizeH="0" baseline="0" dirty="0">
-                <a:ln>
-                  <a:noFill/>
-                </a:ln>
-                <a:solidFill>
-                  <a:schemeClr val="tx1"/>
-                </a:solidFill>
-                <a:effectLst/>
-                <a:latin typeface="Courier New" panose="02070309020205020404" pitchFamily="49" charset="0"/>
-              </a:rPr>
-              <a:t> </a:t>
-            </a:r>
-            <a:r>
-              <a:rPr lang="en-US" altLang="ru-RU" b="1" dirty="0">
-                <a:latin typeface="Courier New" panose="02070309020205020404" pitchFamily="49" charset="0"/>
-              </a:rPr>
-              <a:t>7</a:t>
-            </a:r>
-            <a:endParaRPr kumimoji="0" lang="en-US" altLang="ru-RU" sz="1800" b="1" i="0" u="none" strike="noStrike" cap="none" normalizeH="0" baseline="0" dirty="0">
-              <a:ln>
-                <a:noFill/>
-              </a:ln>
-              <a:solidFill>
-                <a:schemeClr val="tx1"/>
-              </a:solidFill>
-              <a:effectLst/>
-              <a:latin typeface="Courier New" panose="02070309020205020404" pitchFamily="49" charset="0"/>
-            </a:endParaRPr>
-          </a:p>
-          <a:p>
-            <a:pPr marL="0" marR="0" lvl="0" indent="0" algn="l" defTabSz="914400" rtl="0" eaLnBrk="0" fontAlgn="base" latinLnBrk="0" hangingPunct="0">
-              <a:lnSpc>
-                <a:spcPct val="90000"/>
-              </a:lnSpc>
-              <a:spcBef>
-                <a:spcPct val="20000"/>
-              </a:spcBef>
-              <a:spcAft>
-                <a:spcPct val="0"/>
-              </a:spcAft>
-              <a:buClrTx/>
-              <a:buSzPct val="100000"/>
-              <a:buFontTx/>
-              <a:buNone/>
-              <a:tabLst/>
-            </a:pPr>
-            <a:r>
-              <a:rPr kumimoji="0" lang="en-US" altLang="ru-RU" sz="1800" b="1" i="0" u="none" strike="noStrike" cap="none" normalizeH="0" baseline="0" dirty="0">
-                <a:ln>
-                  <a:noFill/>
-                </a:ln>
-                <a:solidFill>
-                  <a:schemeClr val="tx1"/>
-                </a:solidFill>
-                <a:effectLst/>
-                <a:latin typeface="Courier New" panose="02070309020205020404" pitchFamily="49" charset="0"/>
-              </a:rPr>
-              <a:t>7 2</a:t>
-            </a:r>
-          </a:p>
-          <a:p>
-            <a:pPr marL="0" marR="0" lvl="0" indent="0" algn="l" defTabSz="914400" rtl="0" eaLnBrk="0" fontAlgn="base" latinLnBrk="0" hangingPunct="0">
-              <a:lnSpc>
-                <a:spcPct val="90000"/>
-              </a:lnSpc>
-              <a:spcBef>
-                <a:spcPct val="20000"/>
-              </a:spcBef>
-              <a:spcAft>
-                <a:spcPct val="0"/>
-              </a:spcAft>
-              <a:buClrTx/>
-              <a:buSzPct val="100000"/>
-              <a:buFontTx/>
-              <a:buNone/>
-              <a:tabLst/>
-            </a:pPr>
-            <a:r>
-              <a:rPr kumimoji="0" lang="en-US" altLang="ru-RU" sz="1800" b="1" i="0" u="none" strike="noStrike" cap="none" normalizeH="0" baseline="0" dirty="0">
-                <a:ln>
-                  <a:noFill/>
-                </a:ln>
-                <a:solidFill>
-                  <a:schemeClr val="tx1"/>
-                </a:solidFill>
-                <a:effectLst/>
-                <a:latin typeface="Courier New" panose="02070309020205020404" pitchFamily="49" charset="0"/>
-              </a:rPr>
-              <a:t>---</a:t>
-            </a:r>
-          </a:p>
-          <a:p>
-            <a:pPr marL="0" marR="0" lvl="0" indent="0" algn="l" defTabSz="914400" rtl="0" eaLnBrk="0" fontAlgn="base" latinLnBrk="0" hangingPunct="0">
-              <a:lnSpc>
-                <a:spcPct val="90000"/>
-              </a:lnSpc>
-              <a:spcBef>
-                <a:spcPct val="20000"/>
-              </a:spcBef>
-              <a:spcAft>
-                <a:spcPct val="0"/>
-              </a:spcAft>
-              <a:buClrTx/>
-              <a:buSzPct val="100000"/>
-              <a:buFontTx/>
-              <a:buNone/>
-              <a:tabLst/>
-            </a:pPr>
-            <a:r>
-              <a:rPr kumimoji="0" lang="en-US" altLang="ru-RU" sz="1800" b="1" i="0" u="none" strike="noStrike" cap="none" normalizeH="0" baseline="0" dirty="0">
-                <a:ln>
-                  <a:noFill/>
-                </a:ln>
-                <a:solidFill>
-                  <a:schemeClr val="tx1"/>
-                </a:solidFill>
-                <a:effectLst/>
-                <a:latin typeface="Courier New" panose="02070309020205020404" pitchFamily="49" charset="0"/>
-              </a:rPr>
-              <a:t>  </a:t>
-            </a:r>
-            <a:r>
-              <a:rPr lang="en-US" altLang="ru-RU" b="1" dirty="0">
-                <a:latin typeface="Courier New" panose="02070309020205020404" pitchFamily="49" charset="0"/>
-              </a:rPr>
-              <a:t>2</a:t>
-            </a:r>
-            <a:r>
-              <a:rPr kumimoji="0" lang="en-US" altLang="ru-RU" sz="1800" b="1" i="0" u="none" strike="noStrike" cap="none" normalizeH="0" baseline="0" dirty="0">
-                <a:ln>
-                  <a:noFill/>
-                </a:ln>
-                <a:solidFill>
-                  <a:schemeClr val="tx1"/>
-                </a:solidFill>
-                <a:effectLst/>
-                <a:latin typeface="Courier New" panose="02070309020205020404" pitchFamily="49" charset="0"/>
-              </a:rPr>
-              <a:t> </a:t>
-            </a:r>
-            <a:r>
-              <a:rPr lang="ru-RU" altLang="ru-RU" b="1" dirty="0">
-                <a:latin typeface="Courier New" panose="02070309020205020404" pitchFamily="49" charset="0"/>
-              </a:rPr>
-              <a:t>1</a:t>
-            </a:r>
-            <a:endParaRPr kumimoji="0" lang="en-US" altLang="ru-RU" sz="1800" b="1" i="0" u="none" strike="noStrike" cap="none" normalizeH="0" baseline="0" dirty="0">
-              <a:ln>
-                <a:noFill/>
-              </a:ln>
-              <a:solidFill>
-                <a:schemeClr val="tx1"/>
-              </a:solidFill>
-              <a:effectLst/>
-              <a:latin typeface="Courier New" panose="02070309020205020404" pitchFamily="49" charset="0"/>
-            </a:endParaRPr>
-          </a:p>
-          <a:p>
-            <a:pPr marL="0" marR="0" lvl="0" indent="0" algn="l" defTabSz="914400" rtl="0" eaLnBrk="0" fontAlgn="base" latinLnBrk="0" hangingPunct="0">
-              <a:lnSpc>
-                <a:spcPct val="90000"/>
-              </a:lnSpc>
-              <a:spcBef>
-                <a:spcPct val="20000"/>
-              </a:spcBef>
-              <a:spcAft>
-                <a:spcPct val="0"/>
-              </a:spcAft>
-              <a:buClrTx/>
-              <a:buSzPct val="100000"/>
-              <a:buFontTx/>
-              <a:buNone/>
-              <a:tabLst/>
-            </a:pPr>
-            <a:r>
-              <a:rPr kumimoji="0" lang="en-US" altLang="ru-RU" sz="1800" b="1" i="0" u="none" strike="noStrike" cap="none" normalizeH="0" baseline="0" dirty="0">
-                <a:ln>
-                  <a:noFill/>
-                </a:ln>
-                <a:solidFill>
-                  <a:schemeClr val="tx1"/>
-                </a:solidFill>
-                <a:effectLst/>
-                <a:latin typeface="Courier New" panose="02070309020205020404" pitchFamily="49" charset="0"/>
-              </a:rPr>
-              <a:t>  </a:t>
-            </a:r>
-            <a:r>
-              <a:rPr lang="en-US" altLang="ru-RU" b="1" dirty="0">
-                <a:latin typeface="Courier New" panose="02070309020205020404" pitchFamily="49" charset="0"/>
-              </a:rPr>
-              <a:t>2</a:t>
-            </a:r>
-            <a:r>
-              <a:rPr kumimoji="0" lang="en-US" altLang="ru-RU" sz="1800" b="1" i="0" u="none" strike="noStrike" cap="none" normalizeH="0" baseline="0" dirty="0">
-                <a:ln>
-                  <a:noFill/>
-                </a:ln>
-                <a:solidFill>
-                  <a:schemeClr val="tx1"/>
-                </a:solidFill>
-                <a:effectLst/>
-                <a:latin typeface="Courier New" panose="02070309020205020404" pitchFamily="49" charset="0"/>
-              </a:rPr>
-              <a:t> 1</a:t>
-            </a:r>
-          </a:p>
-          <a:p>
-            <a:pPr marL="0" marR="0" lvl="0" indent="0" algn="l" defTabSz="914400" rtl="0" eaLnBrk="0" fontAlgn="base" latinLnBrk="0" hangingPunct="0">
-              <a:lnSpc>
-                <a:spcPct val="90000"/>
-              </a:lnSpc>
-              <a:spcBef>
-                <a:spcPct val="20000"/>
-              </a:spcBef>
-              <a:spcAft>
-                <a:spcPct val="0"/>
-              </a:spcAft>
-              <a:buClrTx/>
-              <a:buSzPct val="100000"/>
-              <a:buFontTx/>
-              <a:buNone/>
-              <a:tabLst/>
-            </a:pPr>
-            <a:r>
-              <a:rPr kumimoji="0" lang="en-US" altLang="ru-RU" sz="1800" b="1" i="0" u="none" strike="noStrike" cap="none" normalizeH="0" baseline="0" dirty="0">
-                <a:ln>
-                  <a:noFill/>
-                </a:ln>
-                <a:solidFill>
-                  <a:schemeClr val="tx1"/>
-                </a:solidFill>
-                <a:effectLst/>
-                <a:latin typeface="Courier New" panose="02070309020205020404" pitchFamily="49" charset="0"/>
-              </a:rPr>
-              <a:t>  ---</a:t>
-            </a:r>
-          </a:p>
-          <a:p>
-            <a:pPr marL="0" marR="0" lvl="0" indent="0" algn="l" defTabSz="914400" rtl="0" eaLnBrk="0" fontAlgn="base" latinLnBrk="0" hangingPunct="0">
-              <a:lnSpc>
-                <a:spcPct val="90000"/>
-              </a:lnSpc>
-              <a:spcBef>
-                <a:spcPct val="20000"/>
-              </a:spcBef>
-              <a:spcAft>
-                <a:spcPct val="0"/>
-              </a:spcAft>
-              <a:buClrTx/>
-              <a:buSzPct val="100000"/>
-              <a:buFontTx/>
-              <a:buNone/>
-              <a:tabLst/>
-            </a:pPr>
-            <a:r>
-              <a:rPr kumimoji="0" lang="en-US" altLang="ru-RU" sz="1800" b="1" i="0" u="none" strike="noStrike" cap="none" normalizeH="0" baseline="0" dirty="0">
-                <a:ln>
-                  <a:noFill/>
-                </a:ln>
-                <a:solidFill>
-                  <a:schemeClr val="tx1"/>
-                </a:solidFill>
-                <a:effectLst/>
-                <a:latin typeface="Courier New" panose="02070309020205020404" pitchFamily="49" charset="0"/>
-              </a:rPr>
-              <a:t>  </a:t>
-            </a:r>
-            <a:r>
-              <a:rPr lang="en-US" altLang="ru-RU" b="1" dirty="0">
-                <a:latin typeface="Courier New" panose="02070309020205020404" pitchFamily="49" charset="0"/>
-              </a:rPr>
-              <a:t>  0</a:t>
-            </a:r>
-            <a:endParaRPr kumimoji="0" lang="en-US" altLang="ru-RU" sz="1800" b="1" i="0" u="none" strike="noStrike" cap="none" normalizeH="0" baseline="0" dirty="0">
-              <a:ln>
-                <a:noFill/>
-              </a:ln>
-              <a:solidFill>
-                <a:schemeClr val="tx1"/>
-              </a:solidFill>
-              <a:effectLst/>
-              <a:latin typeface="Courier New" panose="02070309020205020404" pitchFamily="49" charset="0"/>
-            </a:endParaRPr>
+            <a:fld id="{856911BC-71D3-44B2-952E-7B925F4E2A13}" type="slidenum">
+              <a:rPr lang="ru-RU" smtClean="0"/>
+              <a:t>10</a:t>
+            </a:fld>
+            <a:endParaRPr lang="ru-RU"/>
           </a:p>
         </p:txBody>
       </p:sp>
     </p:spTree>
     <p:extLst>
       <p:ext uri="{BB962C8B-B14F-4D97-AF65-F5344CB8AC3E}">
-        <p14:creationId xmlns:p14="http://schemas.microsoft.com/office/powerpoint/2010/main" val="3740658702"/>
+        <p14:creationId xmlns:p14="http://schemas.microsoft.com/office/powerpoint/2010/main" val="2920262557"/>
       </p:ext>
     </p:extLst>
   </p:cSld>
   <p:clrMapOvr>
     <a:masterClrMapping/>
   </p:clrMapOvr>
+  <p:transition spd="slow">
+    <p:push dir="u"/>
+  </p:transition>
 </p:sld>
 </file>
 
-<file path=ppt/slides/slide12.xml><?xml version="1.0" encoding="utf-8"?>
+<file path=ppt/slides/slide11.xml><?xml version="1.0" encoding="utf-8"?>
 <p:sld xmlns:a="http://schemas.openxmlformats.org/drawingml/2006/main" xmlns:r="http://schemas.openxmlformats.org/officeDocument/2006/relationships" xmlns:p="http://schemas.openxmlformats.org/presentationml/2006/main">
   <p:cSld>
     <p:spTree>
@@ -4493,7 +4320,7 @@
           <p:cNvPr id="2" name="Заголовок 1">
             <a:extLst>
               <a:ext uri="{FF2B5EF4-FFF2-40B4-BE49-F238E27FC236}">
-                <a16:creationId xmlns:a16="http://schemas.microsoft.com/office/drawing/2014/main" id="{51527F10-3597-6880-BCD8-6B0928353762}"/>
+                <a16:creationId xmlns:a16="http://schemas.microsoft.com/office/drawing/2014/main" id="{28CC594D-815A-7496-3DCE-8CB5F38F488A}"/>
               </a:ext>
             </a:extLst>
           </p:cNvPr>
@@ -4510,10 +4337,9 @@
           <a:lstStyle/>
           <a:p>
             <a:r>
-              <a:rPr lang="ru-RU" sz="4400" dirty="0"/>
-              <a:t>Заключение</a:t>
-            </a:r>
-            <a:endParaRPr lang="ru-RU" dirty="0"/>
+              <a:rPr lang="ru-RU" dirty="0"/>
+              <a:t>Деление длинных чисел</a:t>
+            </a:r>
           </a:p>
         </p:txBody>
       </p:sp>
@@ -4522,7 +4348,7 @@
           <p:cNvPr id="3" name="Объект 2">
             <a:extLst>
               <a:ext uri="{FF2B5EF4-FFF2-40B4-BE49-F238E27FC236}">
-                <a16:creationId xmlns:a16="http://schemas.microsoft.com/office/drawing/2014/main" id="{95E6130E-6E7E-D515-E7F6-FB49188FE421}"/>
+                <a16:creationId xmlns:a16="http://schemas.microsoft.com/office/drawing/2014/main" id="{8FC24F2B-7C0E-B00C-57CE-CD3D35F2900C}"/>
               </a:ext>
             </a:extLst>
           </p:cNvPr>
@@ -4542,55 +4368,9 @@
               <a:buNone/>
             </a:pPr>
             <a:r>
-              <a:rPr lang="ru-RU" sz="2800" dirty="0"/>
-              <a:t>В ходе изучения структуры эффективная длинная арифметика были реализованы операции:</a:t>
-            </a:r>
-          </a:p>
-          <a:p>
-            <a:pPr marL="742950" lvl="1" indent="-285750">
-              <a:buFont typeface="Wingdings" panose="05000000000000000000" pitchFamily="2" charset="2"/>
-              <a:buChar char="§"/>
-            </a:pPr>
-            <a:r>
-              <a:rPr lang="ru-RU" sz="2800" dirty="0"/>
-              <a:t>Сложения</a:t>
-            </a:r>
-          </a:p>
-          <a:p>
-            <a:pPr marL="742950" lvl="1" indent="-285750">
-              <a:buFont typeface="Wingdings" panose="05000000000000000000" pitchFamily="2" charset="2"/>
-              <a:buChar char="§"/>
-            </a:pPr>
-            <a:r>
-              <a:rPr lang="ru-RU" sz="2800" dirty="0"/>
-              <a:t>Вычитания</a:t>
-            </a:r>
-          </a:p>
-          <a:p>
-            <a:pPr marL="742950" lvl="1" indent="-285750">
-              <a:buFont typeface="Wingdings" panose="05000000000000000000" pitchFamily="2" charset="2"/>
-              <a:buChar char="§"/>
-            </a:pPr>
-            <a:r>
-              <a:rPr lang="ru-RU" sz="2800" dirty="0"/>
-              <a:t>Умножения</a:t>
-            </a:r>
-          </a:p>
-          <a:p>
-            <a:pPr marL="742950" lvl="1" indent="-285750">
-              <a:buFont typeface="Wingdings" panose="05000000000000000000" pitchFamily="2" charset="2"/>
-              <a:buChar char="§"/>
-            </a:pPr>
-            <a:r>
-              <a:rPr lang="ru-RU" sz="2800" dirty="0"/>
-              <a:t>Деления нацело</a:t>
-            </a:r>
-          </a:p>
-          <a:p>
-            <a:pPr marL="0" indent="0">
-              <a:buNone/>
-            </a:pPr>
-            <a:endParaRPr lang="ru-RU" dirty="0"/>
+              <a:rPr lang="ru-RU" dirty="0"/>
+              <a:t>Для деления используется школьный алгоритм деления в столбик</a:t>
+            </a:r>
           </a:p>
         </p:txBody>
       </p:sp>
@@ -4599,7 +4379,7 @@
           <p:cNvPr id="4" name="Picture 4">
             <a:extLst>
               <a:ext uri="{FF2B5EF4-FFF2-40B4-BE49-F238E27FC236}">
-                <a16:creationId xmlns:a16="http://schemas.microsoft.com/office/drawing/2014/main" id="{DB893298-E401-D357-F2A4-130D70F283A2}"/>
+                <a16:creationId xmlns:a16="http://schemas.microsoft.com/office/drawing/2014/main" id="{FBB4FFFC-5D17-ED68-CDF9-849C72DB55D5}"/>
               </a:ext>
             </a:extLst>
           </p:cNvPr>
@@ -4650,20 +4430,526 @@
           </a:extLst>
         </p:spPr>
       </p:pic>
+      <p:sp>
+        <p:nvSpPr>
+          <p:cNvPr id="7" name="TextBox 6">
+            <a:extLst>
+              <a:ext uri="{FF2B5EF4-FFF2-40B4-BE49-F238E27FC236}">
+                <a16:creationId xmlns:a16="http://schemas.microsoft.com/office/drawing/2014/main" id="{BF6CA6D4-5185-A108-2DE6-DC2851606130}"/>
+              </a:ext>
+            </a:extLst>
+          </p:cNvPr>
+          <p:cNvSpPr txBox="1"/>
+          <p:nvPr/>
+        </p:nvSpPr>
+        <p:spPr>
+          <a:xfrm>
+            <a:off x="5630779" y="2608220"/>
+            <a:ext cx="2454442" cy="2786147"/>
+          </a:xfrm>
+          <a:prstGeom prst="rect">
+            <a:avLst/>
+          </a:prstGeom>
+          <a:noFill/>
+        </p:spPr>
+        <p:txBody>
+          <a:bodyPr wrap="square">
+            <a:spAutoFit/>
+          </a:bodyPr>
+          <a:lstStyle/>
+          <a:p>
+            <a:pPr marL="0" marR="0" lvl="0" indent="0" algn="l" defTabSz="914400" rtl="0" eaLnBrk="0" fontAlgn="base" latinLnBrk="0" hangingPunct="0">
+              <a:lnSpc>
+                <a:spcPct val="90000"/>
+              </a:lnSpc>
+              <a:spcBef>
+                <a:spcPct val="20000"/>
+              </a:spcBef>
+              <a:spcAft>
+                <a:spcPct val="0"/>
+              </a:spcAft>
+              <a:buClrTx/>
+              <a:buSzPct val="100000"/>
+              <a:buFontTx/>
+              <a:buNone/>
+              <a:tabLst/>
+            </a:pPr>
+            <a:r>
+              <a:rPr lang="ru-RU" altLang="ru-RU" b="1" dirty="0">
+                <a:latin typeface="Courier New" panose="02070309020205020404" pitchFamily="49" charset="0"/>
+              </a:rPr>
+              <a:t>7 4 1</a:t>
+            </a:r>
+            <a:r>
+              <a:rPr kumimoji="0" lang="ru-RU" altLang="ru-RU" sz="1800" b="1" i="0" u="none" strike="noStrike" cap="none" normalizeH="0" baseline="0" dirty="0">
+                <a:ln>
+                  <a:noFill/>
+                </a:ln>
+                <a:solidFill>
+                  <a:schemeClr val="tx1"/>
+                </a:solidFill>
+                <a:effectLst/>
+                <a:latin typeface="Courier New" panose="02070309020205020404" pitchFamily="49" charset="0"/>
+              </a:rPr>
+              <a:t> </a:t>
+            </a:r>
+            <a:r>
+              <a:rPr kumimoji="0" lang="en-US" altLang="ru-RU" sz="1800" b="1" i="0" u="none" strike="noStrike" cap="none" normalizeH="0" baseline="0" dirty="0">
+                <a:ln>
+                  <a:noFill/>
+                </a:ln>
+                <a:solidFill>
+                  <a:schemeClr val="tx1"/>
+                </a:solidFill>
+                <a:effectLst/>
+                <a:latin typeface="Courier New" panose="02070309020205020404" pitchFamily="49" charset="0"/>
+              </a:rPr>
+              <a:t>| </a:t>
+            </a:r>
+            <a:r>
+              <a:rPr kumimoji="0" lang="ru-RU" altLang="ru-RU" sz="1800" b="1" i="0" u="none" strike="noStrike" cap="none" normalizeH="0" baseline="0" dirty="0">
+                <a:ln>
+                  <a:noFill/>
+                </a:ln>
+                <a:solidFill>
+                  <a:schemeClr val="tx1"/>
+                </a:solidFill>
+                <a:effectLst/>
+                <a:latin typeface="Courier New" panose="02070309020205020404" pitchFamily="49" charset="0"/>
+              </a:rPr>
+              <a:t>3</a:t>
+            </a:r>
+            <a:endParaRPr kumimoji="0" lang="en-US" altLang="ru-RU" sz="1800" b="1" i="0" u="none" strike="noStrike" cap="none" normalizeH="0" baseline="0" dirty="0">
+              <a:ln>
+                <a:noFill/>
+              </a:ln>
+              <a:solidFill>
+                <a:schemeClr val="tx1"/>
+              </a:solidFill>
+              <a:effectLst/>
+              <a:latin typeface="Courier New" panose="02070309020205020404" pitchFamily="49" charset="0"/>
+            </a:endParaRPr>
+          </a:p>
+          <a:p>
+            <a:pPr marL="0" marR="0" lvl="0" indent="0" algn="l" defTabSz="914400" rtl="0" eaLnBrk="0" fontAlgn="base" latinLnBrk="0" hangingPunct="0">
+              <a:lnSpc>
+                <a:spcPct val="90000"/>
+              </a:lnSpc>
+              <a:spcBef>
+                <a:spcPct val="20000"/>
+              </a:spcBef>
+              <a:spcAft>
+                <a:spcPct val="0"/>
+              </a:spcAft>
+              <a:buClrTx/>
+              <a:buSzPct val="100000"/>
+              <a:buFontTx/>
+              <a:buNone/>
+              <a:tabLst/>
+            </a:pPr>
+            <a:r>
+              <a:rPr kumimoji="0" lang="en-US" altLang="ru-RU" sz="1800" b="1" i="0" u="none" strike="noStrike" cap="none" normalizeH="0" baseline="0" dirty="0">
+                <a:ln>
+                  <a:noFill/>
+                </a:ln>
+                <a:solidFill>
+                  <a:schemeClr val="tx1"/>
+                </a:solidFill>
+                <a:effectLst/>
+                <a:latin typeface="Courier New" panose="02070309020205020404" pitchFamily="49" charset="0"/>
+              </a:rPr>
+              <a:t>-------------</a:t>
+            </a:r>
+          </a:p>
+          <a:p>
+            <a:pPr marL="0" marR="0" lvl="0" indent="0" algn="l" defTabSz="914400" rtl="0" eaLnBrk="0" fontAlgn="base" latinLnBrk="0" hangingPunct="0">
+              <a:lnSpc>
+                <a:spcPct val="90000"/>
+              </a:lnSpc>
+              <a:spcBef>
+                <a:spcPct val="20000"/>
+              </a:spcBef>
+              <a:spcAft>
+                <a:spcPct val="0"/>
+              </a:spcAft>
+              <a:buClrTx/>
+              <a:buSzPct val="100000"/>
+              <a:buFontTx/>
+              <a:buNone/>
+              <a:tabLst/>
+            </a:pPr>
+            <a:r>
+              <a:rPr lang="ru-RU" altLang="ru-RU" b="1" dirty="0">
+                <a:latin typeface="Courier New" panose="02070309020205020404" pitchFamily="49" charset="0"/>
+              </a:rPr>
+              <a:t>7 </a:t>
+            </a:r>
+            <a:r>
+              <a:rPr lang="en-US" altLang="ru-RU" b="1" dirty="0">
+                <a:latin typeface="Courier New" panose="02070309020205020404" pitchFamily="49" charset="0"/>
+              </a:rPr>
+              <a:t>4</a:t>
+            </a:r>
+            <a:r>
+              <a:rPr kumimoji="0" lang="en-US" altLang="ru-RU" sz="1800" b="1" i="0" u="none" strike="noStrike" cap="none" normalizeH="0" baseline="0" dirty="0">
+                <a:ln>
+                  <a:noFill/>
+                </a:ln>
+                <a:solidFill>
+                  <a:schemeClr val="tx1"/>
+                </a:solidFill>
+                <a:effectLst/>
+                <a:latin typeface="Courier New" panose="02070309020205020404" pitchFamily="49" charset="0"/>
+              </a:rPr>
+              <a:t>   | </a:t>
+            </a:r>
+            <a:r>
+              <a:rPr kumimoji="0" lang="ru-RU" altLang="ru-RU" sz="1800" b="1" i="0" u="none" strike="noStrike" cap="none" normalizeH="0" baseline="0" dirty="0">
+                <a:ln>
+                  <a:noFill/>
+                </a:ln>
+                <a:solidFill>
+                  <a:schemeClr val="tx1"/>
+                </a:solidFill>
+                <a:effectLst/>
+                <a:latin typeface="Courier New" panose="02070309020205020404" pitchFamily="49" charset="0"/>
+              </a:rPr>
+              <a:t>2 4</a:t>
+            </a:r>
+            <a:r>
+              <a:rPr kumimoji="0" lang="en-US" altLang="ru-RU" sz="1800" b="1" i="0" u="none" strike="noStrike" cap="none" normalizeH="0" baseline="0" dirty="0">
+                <a:ln>
+                  <a:noFill/>
+                </a:ln>
+                <a:solidFill>
+                  <a:schemeClr val="tx1"/>
+                </a:solidFill>
+                <a:effectLst/>
+                <a:latin typeface="Courier New" panose="02070309020205020404" pitchFamily="49" charset="0"/>
+              </a:rPr>
+              <a:t> </a:t>
+            </a:r>
+            <a:r>
+              <a:rPr lang="en-US" altLang="ru-RU" b="1" dirty="0">
+                <a:latin typeface="Courier New" panose="02070309020205020404" pitchFamily="49" charset="0"/>
+              </a:rPr>
+              <a:t>7</a:t>
+            </a:r>
+            <a:endParaRPr kumimoji="0" lang="en-US" altLang="ru-RU" sz="1800" b="1" i="0" u="none" strike="noStrike" cap="none" normalizeH="0" baseline="0" dirty="0">
+              <a:ln>
+                <a:noFill/>
+              </a:ln>
+              <a:solidFill>
+                <a:schemeClr val="tx1"/>
+              </a:solidFill>
+              <a:effectLst/>
+              <a:latin typeface="Courier New" panose="02070309020205020404" pitchFamily="49" charset="0"/>
+            </a:endParaRPr>
+          </a:p>
+          <a:p>
+            <a:pPr marL="0" marR="0" lvl="0" indent="0" algn="l" defTabSz="914400" rtl="0" eaLnBrk="0" fontAlgn="base" latinLnBrk="0" hangingPunct="0">
+              <a:lnSpc>
+                <a:spcPct val="90000"/>
+              </a:lnSpc>
+              <a:spcBef>
+                <a:spcPct val="20000"/>
+              </a:spcBef>
+              <a:spcAft>
+                <a:spcPct val="0"/>
+              </a:spcAft>
+              <a:buClrTx/>
+              <a:buSzPct val="100000"/>
+              <a:buFontTx/>
+              <a:buNone/>
+              <a:tabLst/>
+            </a:pPr>
+            <a:r>
+              <a:rPr kumimoji="0" lang="en-US" altLang="ru-RU" sz="1800" b="1" i="0" u="none" strike="noStrike" cap="none" normalizeH="0" baseline="0" dirty="0">
+                <a:ln>
+                  <a:noFill/>
+                </a:ln>
+                <a:solidFill>
+                  <a:schemeClr val="tx1"/>
+                </a:solidFill>
+                <a:effectLst/>
+                <a:latin typeface="Courier New" panose="02070309020205020404" pitchFamily="49" charset="0"/>
+              </a:rPr>
+              <a:t>7 2</a:t>
+            </a:r>
+          </a:p>
+          <a:p>
+            <a:pPr marL="0" marR="0" lvl="0" indent="0" algn="l" defTabSz="914400" rtl="0" eaLnBrk="0" fontAlgn="base" latinLnBrk="0" hangingPunct="0">
+              <a:lnSpc>
+                <a:spcPct val="90000"/>
+              </a:lnSpc>
+              <a:spcBef>
+                <a:spcPct val="20000"/>
+              </a:spcBef>
+              <a:spcAft>
+                <a:spcPct val="0"/>
+              </a:spcAft>
+              <a:buClrTx/>
+              <a:buSzPct val="100000"/>
+              <a:buFontTx/>
+              <a:buNone/>
+              <a:tabLst/>
+            </a:pPr>
+            <a:r>
+              <a:rPr kumimoji="0" lang="en-US" altLang="ru-RU" sz="1800" b="1" i="0" u="none" strike="noStrike" cap="none" normalizeH="0" baseline="0" dirty="0">
+                <a:ln>
+                  <a:noFill/>
+                </a:ln>
+                <a:solidFill>
+                  <a:schemeClr val="tx1"/>
+                </a:solidFill>
+                <a:effectLst/>
+                <a:latin typeface="Courier New" panose="02070309020205020404" pitchFamily="49" charset="0"/>
+              </a:rPr>
+              <a:t>---</a:t>
+            </a:r>
+          </a:p>
+          <a:p>
+            <a:pPr marL="0" marR="0" lvl="0" indent="0" algn="l" defTabSz="914400" rtl="0" eaLnBrk="0" fontAlgn="base" latinLnBrk="0" hangingPunct="0">
+              <a:lnSpc>
+                <a:spcPct val="90000"/>
+              </a:lnSpc>
+              <a:spcBef>
+                <a:spcPct val="20000"/>
+              </a:spcBef>
+              <a:spcAft>
+                <a:spcPct val="0"/>
+              </a:spcAft>
+              <a:buClrTx/>
+              <a:buSzPct val="100000"/>
+              <a:buFontTx/>
+              <a:buNone/>
+              <a:tabLst/>
+            </a:pPr>
+            <a:r>
+              <a:rPr kumimoji="0" lang="en-US" altLang="ru-RU" sz="1800" b="1" i="0" u="none" strike="noStrike" cap="none" normalizeH="0" baseline="0" dirty="0">
+                <a:ln>
+                  <a:noFill/>
+                </a:ln>
+                <a:solidFill>
+                  <a:schemeClr val="tx1"/>
+                </a:solidFill>
+                <a:effectLst/>
+                <a:latin typeface="Courier New" panose="02070309020205020404" pitchFamily="49" charset="0"/>
+              </a:rPr>
+              <a:t>  </a:t>
+            </a:r>
+            <a:r>
+              <a:rPr lang="en-US" altLang="ru-RU" b="1" dirty="0">
+                <a:latin typeface="Courier New" panose="02070309020205020404" pitchFamily="49" charset="0"/>
+              </a:rPr>
+              <a:t>2</a:t>
+            </a:r>
+            <a:r>
+              <a:rPr kumimoji="0" lang="en-US" altLang="ru-RU" sz="1800" b="1" i="0" u="none" strike="noStrike" cap="none" normalizeH="0" baseline="0" dirty="0">
+                <a:ln>
+                  <a:noFill/>
+                </a:ln>
+                <a:solidFill>
+                  <a:schemeClr val="tx1"/>
+                </a:solidFill>
+                <a:effectLst/>
+                <a:latin typeface="Courier New" panose="02070309020205020404" pitchFamily="49" charset="0"/>
+              </a:rPr>
+              <a:t> </a:t>
+            </a:r>
+            <a:r>
+              <a:rPr lang="ru-RU" altLang="ru-RU" b="1" dirty="0">
+                <a:latin typeface="Courier New" panose="02070309020205020404" pitchFamily="49" charset="0"/>
+              </a:rPr>
+              <a:t>1</a:t>
+            </a:r>
+            <a:endParaRPr kumimoji="0" lang="en-US" altLang="ru-RU" sz="1800" b="1" i="0" u="none" strike="noStrike" cap="none" normalizeH="0" baseline="0" dirty="0">
+              <a:ln>
+                <a:noFill/>
+              </a:ln>
+              <a:solidFill>
+                <a:schemeClr val="tx1"/>
+              </a:solidFill>
+              <a:effectLst/>
+              <a:latin typeface="Courier New" panose="02070309020205020404" pitchFamily="49" charset="0"/>
+            </a:endParaRPr>
+          </a:p>
+          <a:p>
+            <a:pPr marL="0" marR="0" lvl="0" indent="0" algn="l" defTabSz="914400" rtl="0" eaLnBrk="0" fontAlgn="base" latinLnBrk="0" hangingPunct="0">
+              <a:lnSpc>
+                <a:spcPct val="90000"/>
+              </a:lnSpc>
+              <a:spcBef>
+                <a:spcPct val="20000"/>
+              </a:spcBef>
+              <a:spcAft>
+                <a:spcPct val="0"/>
+              </a:spcAft>
+              <a:buClrTx/>
+              <a:buSzPct val="100000"/>
+              <a:buFontTx/>
+              <a:buNone/>
+              <a:tabLst/>
+            </a:pPr>
+            <a:r>
+              <a:rPr kumimoji="0" lang="en-US" altLang="ru-RU" sz="1800" b="1" i="0" u="none" strike="noStrike" cap="none" normalizeH="0" baseline="0" dirty="0">
+                <a:ln>
+                  <a:noFill/>
+                </a:ln>
+                <a:solidFill>
+                  <a:schemeClr val="tx1"/>
+                </a:solidFill>
+                <a:effectLst/>
+                <a:latin typeface="Courier New" panose="02070309020205020404" pitchFamily="49" charset="0"/>
+              </a:rPr>
+              <a:t>  </a:t>
+            </a:r>
+            <a:r>
+              <a:rPr lang="en-US" altLang="ru-RU" b="1" dirty="0">
+                <a:latin typeface="Courier New" panose="02070309020205020404" pitchFamily="49" charset="0"/>
+              </a:rPr>
+              <a:t>2</a:t>
+            </a:r>
+            <a:r>
+              <a:rPr kumimoji="0" lang="en-US" altLang="ru-RU" sz="1800" b="1" i="0" u="none" strike="noStrike" cap="none" normalizeH="0" baseline="0" dirty="0">
+                <a:ln>
+                  <a:noFill/>
+                </a:ln>
+                <a:solidFill>
+                  <a:schemeClr val="tx1"/>
+                </a:solidFill>
+                <a:effectLst/>
+                <a:latin typeface="Courier New" panose="02070309020205020404" pitchFamily="49" charset="0"/>
+              </a:rPr>
+              <a:t> 1</a:t>
+            </a:r>
+          </a:p>
+          <a:p>
+            <a:pPr marL="0" marR="0" lvl="0" indent="0" algn="l" defTabSz="914400" rtl="0" eaLnBrk="0" fontAlgn="base" latinLnBrk="0" hangingPunct="0">
+              <a:lnSpc>
+                <a:spcPct val="90000"/>
+              </a:lnSpc>
+              <a:spcBef>
+                <a:spcPct val="20000"/>
+              </a:spcBef>
+              <a:spcAft>
+                <a:spcPct val="0"/>
+              </a:spcAft>
+              <a:buClrTx/>
+              <a:buSzPct val="100000"/>
+              <a:buFontTx/>
+              <a:buNone/>
+              <a:tabLst/>
+            </a:pPr>
+            <a:r>
+              <a:rPr kumimoji="0" lang="en-US" altLang="ru-RU" sz="1800" b="1" i="0" u="none" strike="noStrike" cap="none" normalizeH="0" baseline="0" dirty="0">
+                <a:ln>
+                  <a:noFill/>
+                </a:ln>
+                <a:solidFill>
+                  <a:schemeClr val="tx1"/>
+                </a:solidFill>
+                <a:effectLst/>
+                <a:latin typeface="Courier New" panose="02070309020205020404" pitchFamily="49" charset="0"/>
+              </a:rPr>
+              <a:t>  ---</a:t>
+            </a:r>
+          </a:p>
+          <a:p>
+            <a:pPr marL="0" marR="0" lvl="0" indent="0" algn="l" defTabSz="914400" rtl="0" eaLnBrk="0" fontAlgn="base" latinLnBrk="0" hangingPunct="0">
+              <a:lnSpc>
+                <a:spcPct val="90000"/>
+              </a:lnSpc>
+              <a:spcBef>
+                <a:spcPct val="20000"/>
+              </a:spcBef>
+              <a:spcAft>
+                <a:spcPct val="0"/>
+              </a:spcAft>
+              <a:buClrTx/>
+              <a:buSzPct val="100000"/>
+              <a:buFontTx/>
+              <a:buNone/>
+              <a:tabLst/>
+            </a:pPr>
+            <a:r>
+              <a:rPr kumimoji="0" lang="en-US" altLang="ru-RU" sz="1800" b="1" i="0" u="none" strike="noStrike" cap="none" normalizeH="0" baseline="0" dirty="0">
+                <a:ln>
+                  <a:noFill/>
+                </a:ln>
+                <a:solidFill>
+                  <a:schemeClr val="tx1"/>
+                </a:solidFill>
+                <a:effectLst/>
+                <a:latin typeface="Courier New" panose="02070309020205020404" pitchFamily="49" charset="0"/>
+              </a:rPr>
+              <a:t>  </a:t>
+            </a:r>
+            <a:r>
+              <a:rPr lang="en-US" altLang="ru-RU" b="1" dirty="0">
+                <a:latin typeface="Courier New" panose="02070309020205020404" pitchFamily="49" charset="0"/>
+              </a:rPr>
+              <a:t>  0</a:t>
+            </a:r>
+            <a:endParaRPr kumimoji="0" lang="en-US" altLang="ru-RU" sz="1800" b="1" i="0" u="none" strike="noStrike" cap="none" normalizeH="0" baseline="0" dirty="0">
+              <a:ln>
+                <a:noFill/>
+              </a:ln>
+              <a:solidFill>
+                <a:schemeClr val="tx1"/>
+              </a:solidFill>
+              <a:effectLst/>
+              <a:latin typeface="Courier New" panose="02070309020205020404" pitchFamily="49" charset="0"/>
+            </a:endParaRPr>
+          </a:p>
+        </p:txBody>
+      </p:sp>
+      <p:sp>
+        <p:nvSpPr>
+          <p:cNvPr id="5" name="Номер слайда 4">
+            <a:extLst>
+              <a:ext uri="{FF2B5EF4-FFF2-40B4-BE49-F238E27FC236}">
+                <a16:creationId xmlns:a16="http://schemas.microsoft.com/office/drawing/2014/main" id="{EAA46E56-FBC9-121B-DCF6-8F311C49AE9E}"/>
+              </a:ext>
+            </a:extLst>
+          </p:cNvPr>
+          <p:cNvSpPr>
+            <a:spLocks noGrp="1"/>
+          </p:cNvSpPr>
+          <p:nvPr>
+            <p:ph type="sldNum" sz="quarter" idx="12"/>
+          </p:nvPr>
+        </p:nvSpPr>
+        <p:spPr/>
+        <p:txBody>
+          <a:bodyPr/>
+          <a:lstStyle/>
+          <a:p>
+            <a:fld id="{856911BC-71D3-44B2-952E-7B925F4E2A13}" type="slidenum">
+              <a:rPr lang="ru-RU" smtClean="0"/>
+              <a:t>11</a:t>
+            </a:fld>
+            <a:endParaRPr lang="ru-RU"/>
+          </a:p>
+        </p:txBody>
+      </p:sp>
     </p:spTree>
     <p:extLst>
       <p:ext uri="{BB962C8B-B14F-4D97-AF65-F5344CB8AC3E}">
-        <p14:creationId xmlns:p14="http://schemas.microsoft.com/office/powerpoint/2010/main" val="3024499235"/>
+        <p14:creationId xmlns:p14="http://schemas.microsoft.com/office/powerpoint/2010/main" val="3740658702"/>
       </p:ext>
     </p:extLst>
   </p:cSld>
   <p:clrMapOvr>
     <a:masterClrMapping/>
   </p:clrMapOvr>
+  <p:transition spd="slow">
+    <p:push dir="u"/>
+  </p:transition>
 </p:sld>
 </file>
 
-<file path=ppt/slides/slide2.xml><?xml version="1.0" encoding="utf-8"?>
+<file path=ppt/slides/slide12.xml><?xml version="1.0" encoding="utf-8"?>
 <p:sld xmlns:a="http://schemas.openxmlformats.org/drawingml/2006/main" xmlns:r="http://schemas.openxmlformats.org/officeDocument/2006/relationships" xmlns:p="http://schemas.openxmlformats.org/presentationml/2006/main">
   <p:cSld>
     <p:spTree>
@@ -4685,7 +4971,7 @@
           <p:cNvPr id="2" name="Заголовок 1">
             <a:extLst>
               <a:ext uri="{FF2B5EF4-FFF2-40B4-BE49-F238E27FC236}">
-                <a16:creationId xmlns:a16="http://schemas.microsoft.com/office/drawing/2014/main" id="{FEDDC3FD-FF23-D4A3-C948-B9B9DBC22ABC}"/>
+                <a16:creationId xmlns:a16="http://schemas.microsoft.com/office/drawing/2014/main" id="{51527F10-3597-6880-BCD8-6B0928353762}"/>
               </a:ext>
             </a:extLst>
           </p:cNvPr>
@@ -4702,9 +4988,10 @@
           <a:lstStyle/>
           <a:p>
             <a:r>
-              <a:rPr lang="ru-RU" dirty="0"/>
-              <a:t>Длинная арифметика</a:t>
-            </a:r>
+              <a:rPr lang="ru-RU" sz="4400" dirty="0"/>
+              <a:t>Заключение</a:t>
+            </a:r>
+            <a:endParaRPr lang="ru-RU" dirty="0"/>
           </a:p>
         </p:txBody>
       </p:sp>
@@ -4713,7 +5000,7 @@
           <p:cNvPr id="3" name="Объект 2">
             <a:extLst>
               <a:ext uri="{FF2B5EF4-FFF2-40B4-BE49-F238E27FC236}">
-                <a16:creationId xmlns:a16="http://schemas.microsoft.com/office/drawing/2014/main" id="{8D800886-1EA5-E38B-E13A-357271278D0D}"/>
+                <a16:creationId xmlns:a16="http://schemas.microsoft.com/office/drawing/2014/main" id="{95E6130E-6E7E-D515-E7F6-FB49188FE421}"/>
               </a:ext>
             </a:extLst>
           </p:cNvPr>
@@ -4733,12 +5020,55 @@
               <a:buNone/>
             </a:pPr>
             <a:r>
-              <a:rPr lang="ru-RU" b="0" dirty="0">
-                <a:effectLst/>
-                <a:latin typeface="Consolas" panose="020B0609020204030204" pitchFamily="49" charset="0"/>
-              </a:rPr>
-              <a:t>Длинная арифметика - это метод вычисления для больших чисел, которые не помещаются в стандартные представления чисел компьютера.</a:t>
-            </a:r>
+              <a:rPr lang="ru-RU" sz="2800" dirty="0"/>
+              <a:t>В ходе изучения структуры эффективная длинная арифметика были реализованы операции:</a:t>
+            </a:r>
+          </a:p>
+          <a:p>
+            <a:pPr marL="742950" lvl="1" indent="-285750">
+              <a:buFont typeface="Wingdings" panose="05000000000000000000" pitchFamily="2" charset="2"/>
+              <a:buChar char="§"/>
+            </a:pPr>
+            <a:r>
+              <a:rPr lang="ru-RU" sz="2800" dirty="0"/>
+              <a:t>Сложения</a:t>
+            </a:r>
+          </a:p>
+          <a:p>
+            <a:pPr marL="742950" lvl="1" indent="-285750">
+              <a:buFont typeface="Wingdings" panose="05000000000000000000" pitchFamily="2" charset="2"/>
+              <a:buChar char="§"/>
+            </a:pPr>
+            <a:r>
+              <a:rPr lang="ru-RU" sz="2800" dirty="0"/>
+              <a:t>Вычитания</a:t>
+            </a:r>
+          </a:p>
+          <a:p>
+            <a:pPr marL="742950" lvl="1" indent="-285750">
+              <a:buFont typeface="Wingdings" panose="05000000000000000000" pitchFamily="2" charset="2"/>
+              <a:buChar char="§"/>
+            </a:pPr>
+            <a:r>
+              <a:rPr lang="ru-RU" sz="2800" dirty="0"/>
+              <a:t>Умножения</a:t>
+            </a:r>
+          </a:p>
+          <a:p>
+            <a:pPr marL="742950" lvl="1" indent="-285750">
+              <a:buFont typeface="Wingdings" panose="05000000000000000000" pitchFamily="2" charset="2"/>
+              <a:buChar char="§"/>
+            </a:pPr>
+            <a:r>
+              <a:rPr lang="ru-RU" sz="2800" dirty="0"/>
+              <a:t>Деления нацело</a:t>
+            </a:r>
+          </a:p>
+          <a:p>
+            <a:pPr marL="0" indent="0">
+              <a:buNone/>
+            </a:pPr>
+            <a:endParaRPr lang="ru-RU" dirty="0"/>
           </a:p>
         </p:txBody>
       </p:sp>
@@ -4747,7 +5077,7 @@
           <p:cNvPr id="4" name="Picture 4">
             <a:extLst>
               <a:ext uri="{FF2B5EF4-FFF2-40B4-BE49-F238E27FC236}">
-                <a16:creationId xmlns:a16="http://schemas.microsoft.com/office/drawing/2014/main" id="{84DFD5F8-5A22-1B5D-2B07-59AA2436E567}"/>
+                <a16:creationId xmlns:a16="http://schemas.microsoft.com/office/drawing/2014/main" id="{DB893298-E401-D357-F2A4-130D70F283A2}"/>
               </a:ext>
             </a:extLst>
           </p:cNvPr>
@@ -4798,20 +5128,52 @@
           </a:extLst>
         </p:spPr>
       </p:pic>
+      <p:sp>
+        <p:nvSpPr>
+          <p:cNvPr id="5" name="Номер слайда 4">
+            <a:extLst>
+              <a:ext uri="{FF2B5EF4-FFF2-40B4-BE49-F238E27FC236}">
+                <a16:creationId xmlns:a16="http://schemas.microsoft.com/office/drawing/2014/main" id="{04B6E45D-D33B-D7B3-B2C7-4D0DF56842F2}"/>
+              </a:ext>
+            </a:extLst>
+          </p:cNvPr>
+          <p:cNvSpPr>
+            <a:spLocks noGrp="1"/>
+          </p:cNvSpPr>
+          <p:nvPr>
+            <p:ph type="sldNum" sz="quarter" idx="12"/>
+          </p:nvPr>
+        </p:nvSpPr>
+        <p:spPr/>
+        <p:txBody>
+          <a:bodyPr/>
+          <a:lstStyle/>
+          <a:p>
+            <a:fld id="{856911BC-71D3-44B2-952E-7B925F4E2A13}" type="slidenum">
+              <a:rPr lang="ru-RU" smtClean="0"/>
+              <a:t>12</a:t>
+            </a:fld>
+            <a:endParaRPr lang="ru-RU"/>
+          </a:p>
+        </p:txBody>
+      </p:sp>
     </p:spTree>
     <p:extLst>
       <p:ext uri="{BB962C8B-B14F-4D97-AF65-F5344CB8AC3E}">
-        <p14:creationId xmlns:p14="http://schemas.microsoft.com/office/powerpoint/2010/main" val="1262713078"/>
+        <p14:creationId xmlns:p14="http://schemas.microsoft.com/office/powerpoint/2010/main" val="3024499235"/>
       </p:ext>
     </p:extLst>
   </p:cSld>
   <p:clrMapOvr>
     <a:masterClrMapping/>
   </p:clrMapOvr>
+  <p:transition spd="slow">
+    <p:push dir="u"/>
+  </p:transition>
 </p:sld>
 </file>
 
-<file path=ppt/slides/slide3.xml><?xml version="1.0" encoding="utf-8"?>
+<file path=ppt/slides/slide2.xml><?xml version="1.0" encoding="utf-8"?>
 <p:sld xmlns:a="http://schemas.openxmlformats.org/drawingml/2006/main" xmlns:r="http://schemas.openxmlformats.org/officeDocument/2006/relationships" xmlns:p="http://schemas.openxmlformats.org/presentationml/2006/main">
   <p:cSld>
     <p:spTree>
@@ -4833,7 +5195,7 @@
           <p:cNvPr id="2" name="Заголовок 1">
             <a:extLst>
               <a:ext uri="{FF2B5EF4-FFF2-40B4-BE49-F238E27FC236}">
-                <a16:creationId xmlns:a16="http://schemas.microsoft.com/office/drawing/2014/main" id="{F7C8FE19-1570-ACDE-9521-ABE0B6BB17E0}"/>
+                <a16:creationId xmlns:a16="http://schemas.microsoft.com/office/drawing/2014/main" id="{FEDDC3FD-FF23-D4A3-C948-B9B9DBC22ABC}"/>
               </a:ext>
             </a:extLst>
           </p:cNvPr>
@@ -4851,7 +5213,7 @@
           <a:p>
             <a:r>
               <a:rPr lang="ru-RU" dirty="0"/>
-              <a:t>Структура длинной арифметики</a:t>
+              <a:t>Длинная арифметика</a:t>
             </a:r>
           </a:p>
         </p:txBody>
@@ -4861,7 +5223,7 @@
           <p:cNvPr id="3" name="Объект 2">
             <a:extLst>
               <a:ext uri="{FF2B5EF4-FFF2-40B4-BE49-F238E27FC236}">
-                <a16:creationId xmlns:a16="http://schemas.microsoft.com/office/drawing/2014/main" id="{01F9C912-ACCA-FE1A-6793-7379092AE835}"/>
+                <a16:creationId xmlns:a16="http://schemas.microsoft.com/office/drawing/2014/main" id="{8D800886-1EA5-E38B-E13A-357271278D0D}"/>
               </a:ext>
             </a:extLst>
           </p:cNvPr>
@@ -4877,39 +5239,16 @@
           <a:bodyPr/>
           <a:lstStyle/>
           <a:p>
-            <a:r>
-              <a:rPr lang="ru-RU" dirty="0"/>
-              <a:t>Числа, представленные в виде строки – </a:t>
-            </a:r>
-            <a:r>
-              <a:rPr lang="en-US" dirty="0"/>
-              <a:t>string num</a:t>
-            </a:r>
-          </a:p>
-          <a:p>
-            <a:r>
-              <a:rPr lang="ru-RU" dirty="0"/>
-              <a:t>Числа, представленные в виде массива – </a:t>
-            </a:r>
-            <a:r>
-              <a:rPr lang="en-US" dirty="0"/>
-              <a:t>vector&lt;int&gt; op</a:t>
-            </a:r>
-          </a:p>
-          <a:p>
-            <a:r>
-              <a:rPr lang="ru-RU" dirty="0"/>
-              <a:t>Знак числа </a:t>
-            </a:r>
-            <a:r>
-              <a:rPr lang="en-US" dirty="0"/>
-              <a:t>– int </a:t>
-            </a:r>
-            <a:r>
-              <a:rPr lang="en-US" dirty="0" err="1"/>
-              <a:t>is_negative</a:t>
-            </a:r>
-            <a:endParaRPr lang="ru-RU" dirty="0"/>
+            <a:pPr marL="0" indent="0">
+              <a:buNone/>
+            </a:pPr>
+            <a:r>
+              <a:rPr lang="ru-RU" b="0" dirty="0">
+                <a:effectLst/>
+                <a:latin typeface="Consolas" panose="020B0609020204030204" pitchFamily="49" charset="0"/>
+              </a:rPr>
+              <a:t>Длинная арифметика - это метод вычисления для больших чисел, которые не помещаются в стандартные представления чисел компьютера.</a:t>
+            </a:r>
           </a:p>
         </p:txBody>
       </p:sp>
@@ -4918,7 +5257,7 @@
           <p:cNvPr id="4" name="Picture 4">
             <a:extLst>
               <a:ext uri="{FF2B5EF4-FFF2-40B4-BE49-F238E27FC236}">
-                <a16:creationId xmlns:a16="http://schemas.microsoft.com/office/drawing/2014/main" id="{A81BCA62-F3F5-E925-FD7E-CA17E973D1B2}"/>
+                <a16:creationId xmlns:a16="http://schemas.microsoft.com/office/drawing/2014/main" id="{84DFD5F8-5A22-1B5D-2B07-59AA2436E567}"/>
               </a:ext>
             </a:extLst>
           </p:cNvPr>
@@ -4969,20 +5308,52 @@
           </a:extLst>
         </p:spPr>
       </p:pic>
+      <p:sp>
+        <p:nvSpPr>
+          <p:cNvPr id="5" name="Номер слайда 4">
+            <a:extLst>
+              <a:ext uri="{FF2B5EF4-FFF2-40B4-BE49-F238E27FC236}">
+                <a16:creationId xmlns:a16="http://schemas.microsoft.com/office/drawing/2014/main" id="{B8EAD9CD-A89C-61A7-912D-E1A9448684E8}"/>
+              </a:ext>
+            </a:extLst>
+          </p:cNvPr>
+          <p:cNvSpPr>
+            <a:spLocks noGrp="1"/>
+          </p:cNvSpPr>
+          <p:nvPr>
+            <p:ph type="sldNum" sz="quarter" idx="12"/>
+          </p:nvPr>
+        </p:nvSpPr>
+        <p:spPr/>
+        <p:txBody>
+          <a:bodyPr/>
+          <a:lstStyle/>
+          <a:p>
+            <a:fld id="{856911BC-71D3-44B2-952E-7B925F4E2A13}" type="slidenum">
+              <a:rPr lang="ru-RU" smtClean="0"/>
+              <a:t>2</a:t>
+            </a:fld>
+            <a:endParaRPr lang="ru-RU"/>
+          </a:p>
+        </p:txBody>
+      </p:sp>
     </p:spTree>
     <p:extLst>
       <p:ext uri="{BB962C8B-B14F-4D97-AF65-F5344CB8AC3E}">
-        <p14:creationId xmlns:p14="http://schemas.microsoft.com/office/powerpoint/2010/main" val="1440191675"/>
+        <p14:creationId xmlns:p14="http://schemas.microsoft.com/office/powerpoint/2010/main" val="1262713078"/>
       </p:ext>
     </p:extLst>
   </p:cSld>
   <p:clrMapOvr>
     <a:masterClrMapping/>
   </p:clrMapOvr>
+  <p:transition spd="slow">
+    <p:push dir="u"/>
+  </p:transition>
 </p:sld>
 </file>
 
-<file path=ppt/slides/slide4.xml><?xml version="1.0" encoding="utf-8"?>
+<file path=ppt/slides/slide3.xml><?xml version="1.0" encoding="utf-8"?>
 <p:sld xmlns:a="http://schemas.openxmlformats.org/drawingml/2006/main" xmlns:r="http://schemas.openxmlformats.org/officeDocument/2006/relationships" xmlns:p="http://schemas.openxmlformats.org/presentationml/2006/main">
   <p:cSld>
     <p:spTree>
@@ -5004,7 +5375,7 @@
           <p:cNvPr id="2" name="Заголовок 1">
             <a:extLst>
               <a:ext uri="{FF2B5EF4-FFF2-40B4-BE49-F238E27FC236}">
-                <a16:creationId xmlns:a16="http://schemas.microsoft.com/office/drawing/2014/main" id="{3835476F-D3EC-8716-9B4F-A5B6B02F40CE}"/>
+                <a16:creationId xmlns:a16="http://schemas.microsoft.com/office/drawing/2014/main" id="{F7C8FE19-1570-ACDE-9521-ABE0B6BB17E0}"/>
               </a:ext>
             </a:extLst>
           </p:cNvPr>
@@ -5022,7 +5393,7 @@
           <a:p>
             <a:r>
               <a:rPr lang="ru-RU" dirty="0"/>
-              <a:t>Вспомогательные функции</a:t>
+              <a:t>Структура длинной арифметики</a:t>
             </a:r>
           </a:p>
         </p:txBody>
@@ -5032,7 +5403,7 @@
           <p:cNvPr id="3" name="Объект 2">
             <a:extLst>
               <a:ext uri="{FF2B5EF4-FFF2-40B4-BE49-F238E27FC236}">
-                <a16:creationId xmlns:a16="http://schemas.microsoft.com/office/drawing/2014/main" id="{90927992-659A-103A-0385-7547D055D83E}"/>
+                <a16:creationId xmlns:a16="http://schemas.microsoft.com/office/drawing/2014/main" id="{01F9C912-ACCA-FE1A-6793-7379092AE835}"/>
               </a:ext>
             </a:extLst>
           </p:cNvPr>
@@ -5049,101 +5420,37 @@
           <a:lstStyle/>
           <a:p>
             <a:r>
-              <a:rPr lang="en-US" sz="2000" b="0" dirty="0">
-                <a:effectLst/>
-                <a:latin typeface="Consolas" panose="020B0609020204030204" pitchFamily="49" charset="0"/>
-              </a:rPr>
-              <a:t>compare</a:t>
-            </a:r>
-            <a:r>
-              <a:rPr lang="ru-RU" sz="2000" b="0" dirty="0">
-                <a:effectLst/>
-                <a:latin typeface="Consolas" panose="020B0609020204030204" pitchFamily="49" charset="0"/>
-              </a:rPr>
-              <a:t> – функция, определяющая какое число больше</a:t>
-            </a:r>
-            <a:endParaRPr lang="en-US" sz="2000" b="0" dirty="0">
-              <a:effectLst/>
-              <a:latin typeface="Consolas" panose="020B0609020204030204" pitchFamily="49" charset="0"/>
-            </a:endParaRPr>
-          </a:p>
-          <a:p>
-            <a:r>
-              <a:rPr lang="en-US" sz="2000" dirty="0" err="1">
-                <a:latin typeface="Consolas" panose="020B0609020204030204" pitchFamily="49" charset="0"/>
-              </a:rPr>
-              <a:t>delete_zeroes</a:t>
-            </a:r>
-            <a:r>
-              <a:rPr lang="en-US" sz="2000" dirty="0">
-                <a:latin typeface="Consolas" panose="020B0609020204030204" pitchFamily="49" charset="0"/>
-              </a:rPr>
-              <a:t> – </a:t>
-            </a:r>
-            <a:r>
-              <a:rPr lang="ru-RU" sz="2000" dirty="0">
-                <a:latin typeface="Consolas" panose="020B0609020204030204" pitchFamily="49" charset="0"/>
-              </a:rPr>
-              <a:t>функция, удаляющая лидирующие нули</a:t>
-            </a:r>
-          </a:p>
-          <a:p>
-            <a:r>
-              <a:rPr lang="en-US" sz="2000" dirty="0" err="1">
-                <a:latin typeface="Consolas" panose="020B0609020204030204" pitchFamily="49" charset="0"/>
-              </a:rPr>
-              <a:t>convert_to_string</a:t>
-            </a:r>
-            <a:r>
-              <a:rPr lang="en-US" sz="2000" dirty="0">
-                <a:latin typeface="Consolas" panose="020B0609020204030204" pitchFamily="49" charset="0"/>
-              </a:rPr>
-              <a:t> – </a:t>
-            </a:r>
-            <a:r>
-              <a:rPr lang="ru-RU" sz="2000" dirty="0">
-                <a:latin typeface="Consolas" panose="020B0609020204030204" pitchFamily="49" charset="0"/>
-              </a:rPr>
-              <a:t>функция, конвертирующая </a:t>
-            </a:r>
-            <a:r>
-              <a:rPr lang="en-US" sz="2000" dirty="0">
-                <a:latin typeface="Consolas" panose="020B0609020204030204" pitchFamily="49" charset="0"/>
-              </a:rPr>
-              <a:t>vector&lt;int&gt; </a:t>
-            </a:r>
-            <a:r>
-              <a:rPr lang="ru-RU" sz="2000" dirty="0">
-                <a:latin typeface="Consolas" panose="020B0609020204030204" pitchFamily="49" charset="0"/>
-              </a:rPr>
-              <a:t>в </a:t>
-            </a:r>
-            <a:r>
-              <a:rPr lang="en-US" sz="2000" dirty="0">
-                <a:latin typeface="Consolas" panose="020B0609020204030204" pitchFamily="49" charset="0"/>
-              </a:rPr>
-              <a:t>string</a:t>
-            </a:r>
-          </a:p>
-          <a:p>
-            <a:endParaRPr lang="ru-RU" sz="2000" b="0" dirty="0">
-              <a:effectLst/>
-              <a:latin typeface="Consolas" panose="020B0609020204030204" pitchFamily="49" charset="0"/>
-            </a:endParaRPr>
-          </a:p>
-          <a:p>
-            <a:endParaRPr lang="en-US" sz="2000" b="0" dirty="0">
-              <a:effectLst/>
-              <a:latin typeface="Consolas" panose="020B0609020204030204" pitchFamily="49" charset="0"/>
-            </a:endParaRPr>
-          </a:p>
-          <a:p>
-            <a:endParaRPr lang="en-US" sz="2000" b="0" dirty="0">
-              <a:effectLst/>
-              <a:latin typeface="Consolas" panose="020B0609020204030204" pitchFamily="49" charset="0"/>
-            </a:endParaRPr>
-          </a:p>
-          <a:p>
+              <a:rPr lang="ru-RU" dirty="0"/>
+              <a:t>Числа, представленные в виде строки – </a:t>
+            </a:r>
+            <a:r>
+              <a:rPr lang="en-US" dirty="0"/>
+              <a:t>string num</a:t>
+            </a:r>
+          </a:p>
+          <a:p>
+            <a:r>
+              <a:rPr lang="ru-RU" dirty="0"/>
+              <a:t>Числа, представленные в виде массива – </a:t>
+            </a:r>
+            <a:r>
+              <a:rPr lang="en-US" dirty="0"/>
+              <a:t>vector&lt;int&gt; op</a:t>
+            </a:r>
+          </a:p>
+          <a:p>
+            <a:r>
+              <a:rPr lang="ru-RU" dirty="0"/>
+              <a:t>Знак числа </a:t>
+            </a:r>
+            <a:r>
+              <a:rPr lang="en-US" dirty="0"/>
+              <a:t>– int </a:t>
+            </a:r>
+            <a:r>
+              <a:rPr lang="en-US" dirty="0" err="1"/>
+              <a:t>is_negative</a:t>
+            </a:r>
             <a:endParaRPr lang="ru-RU" dirty="0"/>
           </a:p>
         </p:txBody>
@@ -5153,7 +5460,7 @@
           <p:cNvPr id="4" name="Picture 4">
             <a:extLst>
               <a:ext uri="{FF2B5EF4-FFF2-40B4-BE49-F238E27FC236}">
-                <a16:creationId xmlns:a16="http://schemas.microsoft.com/office/drawing/2014/main" id="{44634A3A-7D28-E46E-86A7-7D05966A4BA9}"/>
+                <a16:creationId xmlns:a16="http://schemas.microsoft.com/office/drawing/2014/main" id="{A81BCA62-F3F5-E925-FD7E-CA17E973D1B2}"/>
               </a:ext>
             </a:extLst>
           </p:cNvPr>
@@ -5204,6 +5511,302 @@
           </a:extLst>
         </p:spPr>
       </p:pic>
+      <p:sp>
+        <p:nvSpPr>
+          <p:cNvPr id="5" name="Номер слайда 4">
+            <a:extLst>
+              <a:ext uri="{FF2B5EF4-FFF2-40B4-BE49-F238E27FC236}">
+                <a16:creationId xmlns:a16="http://schemas.microsoft.com/office/drawing/2014/main" id="{D0187819-4B3B-90DD-25A5-8B9463841973}"/>
+              </a:ext>
+            </a:extLst>
+          </p:cNvPr>
+          <p:cNvSpPr>
+            <a:spLocks noGrp="1"/>
+          </p:cNvSpPr>
+          <p:nvPr>
+            <p:ph type="sldNum" sz="quarter" idx="12"/>
+          </p:nvPr>
+        </p:nvSpPr>
+        <p:spPr/>
+        <p:txBody>
+          <a:bodyPr/>
+          <a:lstStyle/>
+          <a:p>
+            <a:fld id="{856911BC-71D3-44B2-952E-7B925F4E2A13}" type="slidenum">
+              <a:rPr lang="ru-RU" smtClean="0"/>
+              <a:t>3</a:t>
+            </a:fld>
+            <a:endParaRPr lang="ru-RU"/>
+          </a:p>
+        </p:txBody>
+      </p:sp>
+    </p:spTree>
+    <p:extLst>
+      <p:ext uri="{BB962C8B-B14F-4D97-AF65-F5344CB8AC3E}">
+        <p14:creationId xmlns:p14="http://schemas.microsoft.com/office/powerpoint/2010/main" val="1440191675"/>
+      </p:ext>
+    </p:extLst>
+  </p:cSld>
+  <p:clrMapOvr>
+    <a:masterClrMapping/>
+  </p:clrMapOvr>
+  <p:transition spd="slow">
+    <p:push dir="u"/>
+  </p:transition>
+</p:sld>
+</file>
+
+<file path=ppt/slides/slide4.xml><?xml version="1.0" encoding="utf-8"?>
+<p:sld xmlns:a="http://schemas.openxmlformats.org/drawingml/2006/main" xmlns:r="http://schemas.openxmlformats.org/officeDocument/2006/relationships" xmlns:p="http://schemas.openxmlformats.org/presentationml/2006/main">
+  <p:cSld>
+    <p:spTree>
+      <p:nvGrpSpPr>
+        <p:cNvPr id="1" name=""/>
+        <p:cNvGrpSpPr/>
+        <p:nvPr/>
+      </p:nvGrpSpPr>
+      <p:grpSpPr>
+        <a:xfrm>
+          <a:off x="0" y="0"/>
+          <a:ext cx="0" cy="0"/>
+          <a:chOff x="0" y="0"/>
+          <a:chExt cx="0" cy="0"/>
+        </a:xfrm>
+      </p:grpSpPr>
+      <p:sp>
+        <p:nvSpPr>
+          <p:cNvPr id="2" name="Заголовок 1">
+            <a:extLst>
+              <a:ext uri="{FF2B5EF4-FFF2-40B4-BE49-F238E27FC236}">
+                <a16:creationId xmlns:a16="http://schemas.microsoft.com/office/drawing/2014/main" id="{3835476F-D3EC-8716-9B4F-A5B6B02F40CE}"/>
+              </a:ext>
+            </a:extLst>
+          </p:cNvPr>
+          <p:cNvSpPr>
+            <a:spLocks noGrp="1"/>
+          </p:cNvSpPr>
+          <p:nvPr>
+            <p:ph type="title"/>
+          </p:nvPr>
+        </p:nvSpPr>
+        <p:spPr/>
+        <p:txBody>
+          <a:bodyPr/>
+          <a:lstStyle/>
+          <a:p>
+            <a:r>
+              <a:rPr lang="ru-RU" dirty="0"/>
+              <a:t>Вспомогательные функции</a:t>
+            </a:r>
+          </a:p>
+        </p:txBody>
+      </p:sp>
+      <p:sp>
+        <p:nvSpPr>
+          <p:cNvPr id="3" name="Объект 2">
+            <a:extLst>
+              <a:ext uri="{FF2B5EF4-FFF2-40B4-BE49-F238E27FC236}">
+                <a16:creationId xmlns:a16="http://schemas.microsoft.com/office/drawing/2014/main" id="{90927992-659A-103A-0385-7547D055D83E}"/>
+              </a:ext>
+            </a:extLst>
+          </p:cNvPr>
+          <p:cNvSpPr>
+            <a:spLocks noGrp="1"/>
+          </p:cNvSpPr>
+          <p:nvPr>
+            <p:ph idx="1"/>
+          </p:nvPr>
+        </p:nvSpPr>
+        <p:spPr/>
+        <p:txBody>
+          <a:bodyPr/>
+          <a:lstStyle/>
+          <a:p>
+            <a:r>
+              <a:rPr lang="en-US" sz="2000" b="0" dirty="0">
+                <a:effectLst/>
+                <a:latin typeface="Consolas" panose="020B0609020204030204" pitchFamily="49" charset="0"/>
+              </a:rPr>
+              <a:t>compare</a:t>
+            </a:r>
+            <a:r>
+              <a:rPr lang="ru-RU" sz="2000" b="0" dirty="0">
+                <a:effectLst/>
+                <a:latin typeface="Consolas" panose="020B0609020204030204" pitchFamily="49" charset="0"/>
+              </a:rPr>
+              <a:t> – функция, определяющая какое число больше</a:t>
+            </a:r>
+            <a:endParaRPr lang="en-US" sz="2000" b="0" dirty="0">
+              <a:effectLst/>
+              <a:latin typeface="Consolas" panose="020B0609020204030204" pitchFamily="49" charset="0"/>
+            </a:endParaRPr>
+          </a:p>
+          <a:p>
+            <a:r>
+              <a:rPr lang="en-US" sz="2000" dirty="0" err="1">
+                <a:latin typeface="Consolas" panose="020B0609020204030204" pitchFamily="49" charset="0"/>
+              </a:rPr>
+              <a:t>delete_zeroes</a:t>
+            </a:r>
+            <a:r>
+              <a:rPr lang="en-US" sz="2000" dirty="0">
+                <a:latin typeface="Consolas" panose="020B0609020204030204" pitchFamily="49" charset="0"/>
+              </a:rPr>
+              <a:t> – </a:t>
+            </a:r>
+            <a:r>
+              <a:rPr lang="ru-RU" sz="2000" dirty="0">
+                <a:latin typeface="Consolas" panose="020B0609020204030204" pitchFamily="49" charset="0"/>
+              </a:rPr>
+              <a:t>функция, удаляющая лидирующие нули</a:t>
+            </a:r>
+          </a:p>
+          <a:p>
+            <a:r>
+              <a:rPr lang="en-US" sz="2000" dirty="0" err="1">
+                <a:latin typeface="Consolas" panose="020B0609020204030204" pitchFamily="49" charset="0"/>
+              </a:rPr>
+              <a:t>convert_to_string</a:t>
+            </a:r>
+            <a:r>
+              <a:rPr lang="en-US" sz="2000" dirty="0">
+                <a:latin typeface="Consolas" panose="020B0609020204030204" pitchFamily="49" charset="0"/>
+              </a:rPr>
+              <a:t> – </a:t>
+            </a:r>
+            <a:r>
+              <a:rPr lang="ru-RU" sz="2000" dirty="0">
+                <a:latin typeface="Consolas" panose="020B0609020204030204" pitchFamily="49" charset="0"/>
+              </a:rPr>
+              <a:t>функция, конвертирующая </a:t>
+            </a:r>
+            <a:r>
+              <a:rPr lang="en-US" sz="2000" dirty="0">
+                <a:latin typeface="Consolas" panose="020B0609020204030204" pitchFamily="49" charset="0"/>
+              </a:rPr>
+              <a:t>vector&lt;int&gt; </a:t>
+            </a:r>
+            <a:r>
+              <a:rPr lang="ru-RU" sz="2000" dirty="0">
+                <a:latin typeface="Consolas" panose="020B0609020204030204" pitchFamily="49" charset="0"/>
+              </a:rPr>
+              <a:t>в </a:t>
+            </a:r>
+            <a:r>
+              <a:rPr lang="en-US" sz="2000" dirty="0">
+                <a:latin typeface="Consolas" panose="020B0609020204030204" pitchFamily="49" charset="0"/>
+              </a:rPr>
+              <a:t>string</a:t>
+            </a:r>
+          </a:p>
+          <a:p>
+            <a:endParaRPr lang="ru-RU" sz="2000" b="0" dirty="0">
+              <a:effectLst/>
+              <a:latin typeface="Consolas" panose="020B0609020204030204" pitchFamily="49" charset="0"/>
+            </a:endParaRPr>
+          </a:p>
+          <a:p>
+            <a:endParaRPr lang="en-US" sz="2000" b="0" dirty="0">
+              <a:effectLst/>
+              <a:latin typeface="Consolas" panose="020B0609020204030204" pitchFamily="49" charset="0"/>
+            </a:endParaRPr>
+          </a:p>
+          <a:p>
+            <a:endParaRPr lang="en-US" sz="2000" b="0" dirty="0">
+              <a:effectLst/>
+              <a:latin typeface="Consolas" panose="020B0609020204030204" pitchFamily="49" charset="0"/>
+            </a:endParaRPr>
+          </a:p>
+          <a:p>
+            <a:endParaRPr lang="ru-RU" dirty="0"/>
+          </a:p>
+        </p:txBody>
+      </p:sp>
+      <p:pic>
+        <p:nvPicPr>
+          <p:cNvPr id="4" name="Picture 4">
+            <a:extLst>
+              <a:ext uri="{FF2B5EF4-FFF2-40B4-BE49-F238E27FC236}">
+                <a16:creationId xmlns:a16="http://schemas.microsoft.com/office/drawing/2014/main" id="{44634A3A-7D28-E46E-86A7-7D05966A4BA9}"/>
+              </a:ext>
+            </a:extLst>
+          </p:cNvPr>
+          <p:cNvPicPr>
+            <a:picLocks noChangeAspect="1" noChangeArrowheads="1"/>
+          </p:cNvPicPr>
+          <p:nvPr/>
+        </p:nvPicPr>
+        <p:blipFill>
+          <a:blip r:embed="rId2">
+            <a:extLst>
+              <a:ext uri="{BEBA8EAE-BF5A-486C-A8C5-ECC9F3942E4B}">
+                <a14:imgProps xmlns:a14="http://schemas.microsoft.com/office/drawing/2010/main">
+                  <a14:imgLayer r:embed="rId3">
+                    <a14:imgEffect>
+                      <a14:backgroundRemoval t="10000" b="90000" l="10000" r="90000"/>
+                    </a14:imgEffect>
+                  </a14:imgLayer>
+                </a14:imgProps>
+              </a:ext>
+              <a:ext uri="{28A0092B-C50C-407E-A947-70E740481C1C}">
+                <a14:useLocalDpi xmlns:a14="http://schemas.microsoft.com/office/drawing/2010/main" val="0"/>
+              </a:ext>
+            </a:extLst>
+          </a:blip>
+          <a:srcRect/>
+          <a:stretch>
+            <a:fillRect/>
+          </a:stretch>
+        </p:blipFill>
+        <p:spPr bwMode="auto">
+          <a:xfrm>
+            <a:off x="0" y="5950979"/>
+            <a:ext cx="905934" cy="905934"/>
+          </a:xfrm>
+          <a:prstGeom prst="rect">
+            <a:avLst/>
+          </a:prstGeom>
+          <a:noFill/>
+          <a:extLst>
+            <a:ext uri="{909E8E84-426E-40DD-AFC4-6F175D3DCCD1}">
+              <a14:hiddenFill xmlns:a14="http://schemas.microsoft.com/office/drawing/2010/main">
+                <a:solidFill>
+                  <a:srgbClr val="FFFFFF"/>
+                </a:solidFill>
+              </a14:hiddenFill>
+            </a:ext>
+          </a:extLst>
+        </p:spPr>
+      </p:pic>
+      <p:sp>
+        <p:nvSpPr>
+          <p:cNvPr id="5" name="Номер слайда 4">
+            <a:extLst>
+              <a:ext uri="{FF2B5EF4-FFF2-40B4-BE49-F238E27FC236}">
+                <a16:creationId xmlns:a16="http://schemas.microsoft.com/office/drawing/2014/main" id="{ADE487D1-A5E5-6ED7-830F-0374EE4B5F8C}"/>
+              </a:ext>
+            </a:extLst>
+          </p:cNvPr>
+          <p:cNvSpPr>
+            <a:spLocks noGrp="1"/>
+          </p:cNvSpPr>
+          <p:nvPr>
+            <p:ph type="sldNum" sz="quarter" idx="12"/>
+          </p:nvPr>
+        </p:nvSpPr>
+        <p:spPr/>
+        <p:txBody>
+          <a:bodyPr/>
+          <a:lstStyle/>
+          <a:p>
+            <a:fld id="{856911BC-71D3-44B2-952E-7B925F4E2A13}" type="slidenum">
+              <a:rPr lang="ru-RU" smtClean="0"/>
+              <a:t>4</a:t>
+            </a:fld>
+            <a:endParaRPr lang="ru-RU"/>
+          </a:p>
+        </p:txBody>
+      </p:sp>
     </p:spTree>
     <p:extLst>
       <p:ext uri="{BB962C8B-B14F-4D97-AF65-F5344CB8AC3E}">
@@ -5214,6 +5817,9 @@
   <p:clrMapOvr>
     <a:masterClrMapping/>
   </p:clrMapOvr>
+  <p:transition spd="slow">
+    <p:push dir="u"/>
+  </p:transition>
 </p:sld>
 </file>
 
@@ -6479,6 +7085,35 @@
           </a:fontRef>
         </p:style>
       </p:cxnSp>
+      <p:sp>
+        <p:nvSpPr>
+          <p:cNvPr id="10" name="Номер слайда 9">
+            <a:extLst>
+              <a:ext uri="{FF2B5EF4-FFF2-40B4-BE49-F238E27FC236}">
+                <a16:creationId xmlns:a16="http://schemas.microsoft.com/office/drawing/2014/main" id="{AD91EC84-79B7-F368-6E6F-C1EA7740D60C}"/>
+              </a:ext>
+            </a:extLst>
+          </p:cNvPr>
+          <p:cNvSpPr>
+            <a:spLocks noGrp="1"/>
+          </p:cNvSpPr>
+          <p:nvPr>
+            <p:ph type="sldNum" sz="quarter" idx="12"/>
+          </p:nvPr>
+        </p:nvSpPr>
+        <p:spPr/>
+        <p:txBody>
+          <a:bodyPr/>
+          <a:lstStyle/>
+          <a:p>
+            <a:fld id="{856911BC-71D3-44B2-952E-7B925F4E2A13}" type="slidenum">
+              <a:rPr lang="ru-RU" smtClean="0"/>
+              <a:t>5</a:t>
+            </a:fld>
+            <a:endParaRPr lang="ru-RU"/>
+          </a:p>
+        </p:txBody>
+      </p:sp>
     </p:spTree>
     <p:extLst>
       <p:ext uri="{BB962C8B-B14F-4D97-AF65-F5344CB8AC3E}">
@@ -6489,6 +7124,9 @@
   <p:clrMapOvr>
     <a:masterClrMapping/>
   </p:clrMapOvr>
+  <p:transition spd="slow">
+    <p:push dir="u"/>
+  </p:transition>
 </p:sld>
 </file>
 
@@ -6637,6 +7275,35 @@
           </a:extLst>
         </p:spPr>
       </p:pic>
+      <p:sp>
+        <p:nvSpPr>
+          <p:cNvPr id="5" name="Номер слайда 4">
+            <a:extLst>
+              <a:ext uri="{FF2B5EF4-FFF2-40B4-BE49-F238E27FC236}">
+                <a16:creationId xmlns:a16="http://schemas.microsoft.com/office/drawing/2014/main" id="{DE15D56A-4D8C-00BE-7867-81CC9555DE8B}"/>
+              </a:ext>
+            </a:extLst>
+          </p:cNvPr>
+          <p:cNvSpPr>
+            <a:spLocks noGrp="1"/>
+          </p:cNvSpPr>
+          <p:nvPr>
+            <p:ph type="sldNum" sz="quarter" idx="12"/>
+          </p:nvPr>
+        </p:nvSpPr>
+        <p:spPr/>
+        <p:txBody>
+          <a:bodyPr/>
+          <a:lstStyle/>
+          <a:p>
+            <a:fld id="{856911BC-71D3-44B2-952E-7B925F4E2A13}" type="slidenum">
+              <a:rPr lang="ru-RU" smtClean="0"/>
+              <a:t>6</a:t>
+            </a:fld>
+            <a:endParaRPr lang="ru-RU"/>
+          </a:p>
+        </p:txBody>
+      </p:sp>
     </p:spTree>
     <p:extLst>
       <p:ext uri="{BB962C8B-B14F-4D97-AF65-F5344CB8AC3E}">
@@ -6647,6 +7314,9 @@
   <p:clrMapOvr>
     <a:masterClrMapping/>
   </p:clrMapOvr>
+  <p:transition spd="slow">
+    <p:push dir="u"/>
+  </p:transition>
 </p:sld>
 </file>
 
@@ -6804,6 +7474,35 @@
           </a:extLst>
         </p:spPr>
       </p:pic>
+      <p:sp>
+        <p:nvSpPr>
+          <p:cNvPr id="5" name="Номер слайда 4">
+            <a:extLst>
+              <a:ext uri="{FF2B5EF4-FFF2-40B4-BE49-F238E27FC236}">
+                <a16:creationId xmlns:a16="http://schemas.microsoft.com/office/drawing/2014/main" id="{614855E0-B645-5838-E0CC-2EB8409B3C9D}"/>
+              </a:ext>
+            </a:extLst>
+          </p:cNvPr>
+          <p:cNvSpPr>
+            <a:spLocks noGrp="1"/>
+          </p:cNvSpPr>
+          <p:nvPr>
+            <p:ph type="sldNum" sz="quarter" idx="12"/>
+          </p:nvPr>
+        </p:nvSpPr>
+        <p:spPr/>
+        <p:txBody>
+          <a:bodyPr/>
+          <a:lstStyle/>
+          <a:p>
+            <a:fld id="{856911BC-71D3-44B2-952E-7B925F4E2A13}" type="slidenum">
+              <a:rPr lang="ru-RU" smtClean="0"/>
+              <a:t>7</a:t>
+            </a:fld>
+            <a:endParaRPr lang="ru-RU"/>
+          </a:p>
+        </p:txBody>
+      </p:sp>
     </p:spTree>
     <p:extLst>
       <p:ext uri="{BB962C8B-B14F-4D97-AF65-F5344CB8AC3E}">
@@ -6814,6 +7513,9 @@
   <p:clrMapOvr>
     <a:masterClrMapping/>
   </p:clrMapOvr>
+  <p:transition spd="slow">
+    <p:push dir="u"/>
+  </p:transition>
 </p:sld>
 </file>
 
@@ -7237,6 +7939,35 @@
           </a:extLst>
         </p:spPr>
       </p:pic>
+      <p:sp>
+        <p:nvSpPr>
+          <p:cNvPr id="5" name="Номер слайда 4">
+            <a:extLst>
+              <a:ext uri="{FF2B5EF4-FFF2-40B4-BE49-F238E27FC236}">
+                <a16:creationId xmlns:a16="http://schemas.microsoft.com/office/drawing/2014/main" id="{88974CC6-2DD5-F666-82B9-EAEB5E4F04CD}"/>
+              </a:ext>
+            </a:extLst>
+          </p:cNvPr>
+          <p:cNvSpPr>
+            <a:spLocks noGrp="1"/>
+          </p:cNvSpPr>
+          <p:nvPr>
+            <p:ph type="sldNum" sz="quarter" idx="12"/>
+          </p:nvPr>
+        </p:nvSpPr>
+        <p:spPr/>
+        <p:txBody>
+          <a:bodyPr/>
+          <a:lstStyle/>
+          <a:p>
+            <a:fld id="{856911BC-71D3-44B2-952E-7B925F4E2A13}" type="slidenum">
+              <a:rPr lang="ru-RU" smtClean="0"/>
+              <a:t>8</a:t>
+            </a:fld>
+            <a:endParaRPr lang="ru-RU"/>
+          </a:p>
+        </p:txBody>
+      </p:sp>
     </p:spTree>
     <p:extLst>
       <p:ext uri="{BB962C8B-B14F-4D97-AF65-F5344CB8AC3E}">
@@ -7247,6 +7978,9 @@
   <p:clrMapOvr>
     <a:masterClrMapping/>
   </p:clrMapOvr>
+  <p:transition spd="slow">
+    <p:push dir="u"/>
+  </p:transition>
 </p:sld>
 </file>
 
@@ -7659,6 +8393,35 @@
           </a:extLst>
         </p:spPr>
       </p:pic>
+      <p:sp>
+        <p:nvSpPr>
+          <p:cNvPr id="5" name="Номер слайда 4">
+            <a:extLst>
+              <a:ext uri="{FF2B5EF4-FFF2-40B4-BE49-F238E27FC236}">
+                <a16:creationId xmlns:a16="http://schemas.microsoft.com/office/drawing/2014/main" id="{EB6045EE-205F-B8E3-A2B0-7E5FA02C8F57}"/>
+              </a:ext>
+            </a:extLst>
+          </p:cNvPr>
+          <p:cNvSpPr>
+            <a:spLocks noGrp="1"/>
+          </p:cNvSpPr>
+          <p:nvPr>
+            <p:ph type="sldNum" sz="quarter" idx="12"/>
+          </p:nvPr>
+        </p:nvSpPr>
+        <p:spPr/>
+        <p:txBody>
+          <a:bodyPr/>
+          <a:lstStyle/>
+          <a:p>
+            <a:fld id="{856911BC-71D3-44B2-952E-7B925F4E2A13}" type="slidenum">
+              <a:rPr lang="ru-RU" smtClean="0"/>
+              <a:t>9</a:t>
+            </a:fld>
+            <a:endParaRPr lang="ru-RU"/>
+          </a:p>
+        </p:txBody>
+      </p:sp>
     </p:spTree>
     <p:extLst>
       <p:ext uri="{BB962C8B-B14F-4D97-AF65-F5344CB8AC3E}">
@@ -7669,6 +8432,9 @@
   <p:clrMapOvr>
     <a:masterClrMapping/>
   </p:clrMapOvr>
+  <p:transition spd="slow">
+    <p:push dir="u"/>
+  </p:transition>
 </p:sld>
 </file>
 
@@ -7965,4 +8731,299 @@
     </a:ext>
   </a:extLst>
 </a:theme>
+</file>
+
+<file path=ppt/theme/theme2.xml><?xml version="1.0" encoding="utf-8"?>
+<a:theme xmlns:a="http://schemas.openxmlformats.org/drawingml/2006/main" name="Тема Office">
+  <a:themeElements>
+    <a:clrScheme name="Стандартная">
+      <a:dk1>
+        <a:sysClr val="windowText" lastClr="000000"/>
+      </a:dk1>
+      <a:lt1>
+        <a:sysClr val="window" lastClr="FFFFFF"/>
+      </a:lt1>
+      <a:dk2>
+        <a:srgbClr val="44546A"/>
+      </a:dk2>
+      <a:lt2>
+        <a:srgbClr val="E7E6E6"/>
+      </a:lt2>
+      <a:accent1>
+        <a:srgbClr val="4472C4"/>
+      </a:accent1>
+      <a:accent2>
+        <a:srgbClr val="ED7D31"/>
+      </a:accent2>
+      <a:accent3>
+        <a:srgbClr val="A5A5A5"/>
+      </a:accent3>
+      <a:accent4>
+        <a:srgbClr val="FFC000"/>
+      </a:accent4>
+      <a:accent5>
+        <a:srgbClr val="5B9BD5"/>
+      </a:accent5>
+      <a:accent6>
+        <a:srgbClr val="70AD47"/>
+      </a:accent6>
+      <a:hlink>
+        <a:srgbClr val="0563C1"/>
+      </a:hlink>
+      <a:folHlink>
+        <a:srgbClr val="954F72"/>
+      </a:folHlink>
+    </a:clrScheme>
+    <a:fontScheme name="Стандартная">
+      <a:majorFont>
+        <a:latin typeface="Calibri Light" panose="020F0302020204030204"/>
+        <a:ea typeface=""/>
+        <a:cs typeface=""/>
+        <a:font script="Jpan" typeface="游ゴシック Light"/>
+        <a:font script="Hang" typeface="맑은 고딕"/>
+        <a:font script="Hans" typeface="等线 Light"/>
+        <a:font script="Hant" typeface="新細明體"/>
+        <a:font script="Arab" typeface="Times New Roman"/>
+        <a:font script="Hebr" typeface="Times New Roman"/>
+        <a:font script="Thai" typeface="Angsana New"/>
+        <a:font script="Ethi" typeface="Nyala"/>
+        <a:font script="Beng" typeface="Vrinda"/>
+        <a:font script="Gujr" typeface="Shruti"/>
+        <a:font script="Khmr" typeface="MoolBoran"/>
+        <a:font script="Knda" typeface="Tunga"/>
+        <a:font script="Guru" typeface="Raavi"/>
+        <a:font script="Cans" typeface="Euphemia"/>
+        <a:font script="Cher" typeface="Plantagenet Cherokee"/>
+        <a:font script="Yiii" typeface="Microsoft Yi Baiti"/>
+        <a:font script="Tibt" typeface="Microsoft Himalaya"/>
+        <a:font script="Thaa" typeface="MV Boli"/>
+        <a:font script="Deva" typeface="Mangal"/>
+        <a:font script="Telu" typeface="Gautami"/>
+        <a:font script="Taml" typeface="Latha"/>
+        <a:font script="Syrc" typeface="Estrangelo Edessa"/>
+        <a:font script="Orya" typeface="Kalinga"/>
+        <a:font script="Mlym" typeface="Kartika"/>
+        <a:font script="Laoo" typeface="DokChampa"/>
+        <a:font script="Sinh" typeface="Iskoola Pota"/>
+        <a:font script="Mong" typeface="Mongolian Baiti"/>
+        <a:font script="Viet" typeface="Times New Roman"/>
+        <a:font script="Uigh" typeface="Microsoft Uighur"/>
+        <a:font script="Geor" typeface="Sylfaen"/>
+        <a:font script="Armn" typeface="Arial"/>
+        <a:font script="Bugi" typeface="Leelawadee UI"/>
+        <a:font script="Bopo" typeface="Microsoft JhengHei"/>
+        <a:font script="Java" typeface="Javanese Text"/>
+        <a:font script="Lisu" typeface="Segoe UI"/>
+        <a:font script="Mymr" typeface="Myanmar Text"/>
+        <a:font script="Nkoo" typeface="Ebrima"/>
+        <a:font script="Olck" typeface="Nirmala UI"/>
+        <a:font script="Osma" typeface="Ebrima"/>
+        <a:font script="Phag" typeface="Phagspa"/>
+        <a:font script="Syrn" typeface="Estrangelo Edessa"/>
+        <a:font script="Syrj" typeface="Estrangelo Edessa"/>
+        <a:font script="Syre" typeface="Estrangelo Edessa"/>
+        <a:font script="Sora" typeface="Nirmala UI"/>
+        <a:font script="Tale" typeface="Microsoft Tai Le"/>
+        <a:font script="Talu" typeface="Microsoft New Tai Lue"/>
+        <a:font script="Tfng" typeface="Ebrima"/>
+      </a:majorFont>
+      <a:minorFont>
+        <a:latin typeface="Calibri" panose="020F0502020204030204"/>
+        <a:ea typeface=""/>
+        <a:cs typeface=""/>
+        <a:font script="Jpan" typeface="游ゴシック"/>
+        <a:font script="Hang" typeface="맑은 고딕"/>
+        <a:font script="Hans" typeface="等线"/>
+        <a:font script="Hant" typeface="新細明體"/>
+        <a:font script="Arab" typeface="Arial"/>
+        <a:font script="Hebr" typeface="Arial"/>
+        <a:font script="Thai" typeface="Cordia New"/>
+        <a:font script="Ethi" typeface="Nyala"/>
+        <a:font script="Beng" typeface="Vrinda"/>
+        <a:font script="Gujr" typeface="Shruti"/>
+        <a:font script="Khmr" typeface="DaunPenh"/>
+        <a:font script="Knda" typeface="Tunga"/>
+        <a:font script="Guru" typeface="Raavi"/>
+        <a:font script="Cans" typeface="Euphemia"/>
+        <a:font script="Cher" typeface="Plantagenet Cherokee"/>
+        <a:font script="Yiii" typeface="Microsoft Yi Baiti"/>
+        <a:font script="Tibt" typeface="Microsoft Himalaya"/>
+        <a:font script="Thaa" typeface="MV Boli"/>
+        <a:font script="Deva" typeface="Mangal"/>
+        <a:font script="Telu" typeface="Gautami"/>
+        <a:font script="Taml" typeface="Latha"/>
+        <a:font script="Syrc" typeface="Estrangelo Edessa"/>
+        <a:font script="Orya" typeface="Kalinga"/>
+        <a:font script="Mlym" typeface="Kartika"/>
+        <a:font script="Laoo" typeface="DokChampa"/>
+        <a:font script="Sinh" typeface="Iskoola Pota"/>
+        <a:font script="Mong" typeface="Mongolian Baiti"/>
+        <a:font script="Viet" typeface="Arial"/>
+        <a:font script="Uigh" typeface="Microsoft Uighur"/>
+        <a:font script="Geor" typeface="Sylfaen"/>
+        <a:font script="Armn" typeface="Arial"/>
+        <a:font script="Bugi" typeface="Leelawadee UI"/>
+        <a:font script="Bopo" typeface="Microsoft JhengHei"/>
+        <a:font script="Java" typeface="Javanese Text"/>
+        <a:font script="Lisu" typeface="Segoe UI"/>
+        <a:font script="Mymr" typeface="Myanmar Text"/>
+        <a:font script="Nkoo" typeface="Ebrima"/>
+        <a:font script="Olck" typeface="Nirmala UI"/>
+        <a:font script="Osma" typeface="Ebrima"/>
+        <a:font script="Phag" typeface="Phagspa"/>
+        <a:font script="Syrn" typeface="Estrangelo Edessa"/>
+        <a:font script="Syrj" typeface="Estrangelo Edessa"/>
+        <a:font script="Syre" typeface="Estrangelo Edessa"/>
+        <a:font script="Sora" typeface="Nirmala UI"/>
+        <a:font script="Tale" typeface="Microsoft Tai Le"/>
+        <a:font script="Talu" typeface="Microsoft New Tai Lue"/>
+        <a:font script="Tfng" typeface="Ebrima"/>
+      </a:minorFont>
+    </a:fontScheme>
+    <a:fmtScheme name="Стандартная">
+      <a:fillStyleLst>
+        <a:solidFill>
+          <a:schemeClr val="phClr"/>
+        </a:solidFill>
+        <a:gradFill rotWithShape="1">
+          <a:gsLst>
+            <a:gs pos="0">
+              <a:schemeClr val="phClr">
+                <a:lumMod val="110000"/>
+                <a:satMod val="105000"/>
+                <a:tint val="67000"/>
+              </a:schemeClr>
+            </a:gs>
+            <a:gs pos="50000">
+              <a:schemeClr val="phClr">
+                <a:lumMod val="105000"/>
+                <a:satMod val="103000"/>
+                <a:tint val="73000"/>
+              </a:schemeClr>
+            </a:gs>
+            <a:gs pos="100000">
+              <a:schemeClr val="phClr">
+                <a:lumMod val="105000"/>
+                <a:satMod val="109000"/>
+                <a:tint val="81000"/>
+              </a:schemeClr>
+            </a:gs>
+          </a:gsLst>
+          <a:lin ang="5400000" scaled="0"/>
+        </a:gradFill>
+        <a:gradFill rotWithShape="1">
+          <a:gsLst>
+            <a:gs pos="0">
+              <a:schemeClr val="phClr">
+                <a:satMod val="103000"/>
+                <a:lumMod val="102000"/>
+                <a:tint val="94000"/>
+              </a:schemeClr>
+            </a:gs>
+            <a:gs pos="50000">
+              <a:schemeClr val="phClr">
+                <a:satMod val="110000"/>
+                <a:lumMod val="100000"/>
+                <a:shade val="100000"/>
+              </a:schemeClr>
+            </a:gs>
+            <a:gs pos="100000">
+              <a:schemeClr val="phClr">
+                <a:lumMod val="99000"/>
+                <a:satMod val="120000"/>
+                <a:shade val="78000"/>
+              </a:schemeClr>
+            </a:gs>
+          </a:gsLst>
+          <a:lin ang="5400000" scaled="0"/>
+        </a:gradFill>
+      </a:fillStyleLst>
+      <a:lnStyleLst>
+        <a:ln w="6350" cap="flat" cmpd="sng" algn="ctr">
+          <a:solidFill>
+            <a:schemeClr val="phClr"/>
+          </a:solidFill>
+          <a:prstDash val="solid"/>
+          <a:miter lim="800000"/>
+        </a:ln>
+        <a:ln w="12700" cap="flat" cmpd="sng" algn="ctr">
+          <a:solidFill>
+            <a:schemeClr val="phClr"/>
+          </a:solidFill>
+          <a:prstDash val="solid"/>
+          <a:miter lim="800000"/>
+        </a:ln>
+        <a:ln w="19050" cap="flat" cmpd="sng" algn="ctr">
+          <a:solidFill>
+            <a:schemeClr val="phClr"/>
+          </a:solidFill>
+          <a:prstDash val="solid"/>
+          <a:miter lim="800000"/>
+        </a:ln>
+      </a:lnStyleLst>
+      <a:effectStyleLst>
+        <a:effectStyle>
+          <a:effectLst/>
+        </a:effectStyle>
+        <a:effectStyle>
+          <a:effectLst/>
+        </a:effectStyle>
+        <a:effectStyle>
+          <a:effectLst>
+            <a:outerShdw blurRad="57150" dist="19050" dir="5400000" algn="ctr" rotWithShape="0">
+              <a:srgbClr val="000000">
+                <a:alpha val="63000"/>
+              </a:srgbClr>
+            </a:outerShdw>
+          </a:effectLst>
+        </a:effectStyle>
+      </a:effectStyleLst>
+      <a:bgFillStyleLst>
+        <a:solidFill>
+          <a:schemeClr val="phClr"/>
+        </a:solidFill>
+        <a:solidFill>
+          <a:schemeClr val="phClr">
+            <a:tint val="95000"/>
+            <a:satMod val="170000"/>
+          </a:schemeClr>
+        </a:solidFill>
+        <a:gradFill rotWithShape="1">
+          <a:gsLst>
+            <a:gs pos="0">
+              <a:schemeClr val="phClr">
+                <a:tint val="93000"/>
+                <a:satMod val="150000"/>
+                <a:shade val="98000"/>
+                <a:lumMod val="102000"/>
+              </a:schemeClr>
+            </a:gs>
+            <a:gs pos="50000">
+              <a:schemeClr val="phClr">
+                <a:tint val="98000"/>
+                <a:satMod val="130000"/>
+                <a:shade val="90000"/>
+                <a:lumMod val="103000"/>
+              </a:schemeClr>
+            </a:gs>
+            <a:gs pos="100000">
+              <a:schemeClr val="phClr">
+                <a:shade val="63000"/>
+                <a:satMod val="120000"/>
+              </a:schemeClr>
+            </a:gs>
+          </a:gsLst>
+          <a:lin ang="5400000" scaled="0"/>
+        </a:gradFill>
+      </a:bgFillStyleLst>
+    </a:fmtScheme>
+  </a:themeElements>
+  <a:objectDefaults/>
+  <a:extraClrSchemeLst/>
+  <a:extLst>
+    <a:ext uri="{05A4C25C-085E-4340-85A3-A5531E510DB2}">
+      <thm15:themeFamily xmlns:thm15="http://schemas.microsoft.com/office/thememl/2012/main" name="Office Theme" id="{62F939B6-93AF-4DB8-9C6B-D6C7DFDC589F}" vid="{4A3C46E8-61CC-4603-A589-7422A47A8E4A}"/>
+    </a:ext>
+  </a:extLst>
+</a:theme>
 </file>
--- a/Эффективная длинная арифметика.pptx
+++ b/Эффективная длинная арифметика.pptx
@@ -5,21 +5,23 @@
     <p:sldMasterId id="2147483648" r:id="rId1"/>
   </p:sldMasterIdLst>
   <p:notesMasterIdLst>
-    <p:notesMasterId r:id="rId14"/>
+    <p:notesMasterId r:id="rId16"/>
   </p:notesMasterIdLst>
   <p:sldIdLst>
     <p:sldId id="256" r:id="rId2"/>
     <p:sldId id="257" r:id="rId3"/>
-    <p:sldId id="258" r:id="rId4"/>
-    <p:sldId id="259" r:id="rId5"/>
-    <p:sldId id="260" r:id="rId6"/>
-    <p:sldId id="261" r:id="rId7"/>
-    <p:sldId id="262" r:id="rId8"/>
-    <p:sldId id="263" r:id="rId9"/>
-    <p:sldId id="264" r:id="rId10"/>
-    <p:sldId id="265" r:id="rId11"/>
-    <p:sldId id="266" r:id="rId12"/>
-    <p:sldId id="267" r:id="rId13"/>
+    <p:sldId id="268" r:id="rId4"/>
+    <p:sldId id="269" r:id="rId5"/>
+    <p:sldId id="258" r:id="rId6"/>
+    <p:sldId id="259" r:id="rId7"/>
+    <p:sldId id="260" r:id="rId8"/>
+    <p:sldId id="261" r:id="rId9"/>
+    <p:sldId id="262" r:id="rId10"/>
+    <p:sldId id="263" r:id="rId11"/>
+    <p:sldId id="264" r:id="rId12"/>
+    <p:sldId id="265" r:id="rId13"/>
+    <p:sldId id="266" r:id="rId14"/>
+    <p:sldId id="267" r:id="rId15"/>
   </p:sldIdLst>
   <p:sldSz cx="12192000" cy="6858000"/>
   <p:notesSz cx="6858000" cy="9144000"/>
@@ -208,7 +210,7 @@
           <a:p>
             <a:fld id="{5C855726-600A-4BE6-AEF4-109FA0A428E7}" type="datetimeFigureOut">
               <a:rPr lang="ru-RU" smtClean="0"/>
-              <a:t>08.02.2023</a:t>
+              <a:t>11.02.2023</a:t>
             </a:fld>
             <a:endParaRPr lang="ru-RU"/>
           </a:p>
@@ -622,7 +624,7 @@
           <a:p>
             <a:fld id="{E6137A9C-E983-4237-B0D0-7E24A6FE213C}" type="datetime1">
               <a:rPr lang="ru-RU" smtClean="0"/>
-              <a:t>08.02.2023</a:t>
+              <a:t>11.02.2023</a:t>
             </a:fld>
             <a:endParaRPr lang="ru-RU"/>
           </a:p>
@@ -820,7 +822,7 @@
           <a:p>
             <a:fld id="{E6CB770F-965C-4625-8174-39086D0F00FA}" type="datetime1">
               <a:rPr lang="ru-RU" smtClean="0"/>
-              <a:t>08.02.2023</a:t>
+              <a:t>11.02.2023</a:t>
             </a:fld>
             <a:endParaRPr lang="ru-RU"/>
           </a:p>
@@ -1028,7 +1030,7 @@
           <a:p>
             <a:fld id="{CE6C9441-FDA9-40BF-8779-F36C9671FA5E}" type="datetime1">
               <a:rPr lang="ru-RU" smtClean="0"/>
-              <a:t>08.02.2023</a:t>
+              <a:t>11.02.2023</a:t>
             </a:fld>
             <a:endParaRPr lang="ru-RU"/>
           </a:p>
@@ -1226,7 +1228,7 @@
           <a:p>
             <a:fld id="{36875C6D-A84E-43E8-A49D-2DE60A3A75AE}" type="datetime1">
               <a:rPr lang="ru-RU" smtClean="0"/>
-              <a:t>08.02.2023</a:t>
+              <a:t>11.02.2023</a:t>
             </a:fld>
             <a:endParaRPr lang="ru-RU"/>
           </a:p>
@@ -1501,7 +1503,7 @@
           <a:p>
             <a:fld id="{5C1EB0D1-D3B0-467B-A981-B26B7AF2879E}" type="datetime1">
               <a:rPr lang="ru-RU" smtClean="0"/>
-              <a:t>08.02.2023</a:t>
+              <a:t>11.02.2023</a:t>
             </a:fld>
             <a:endParaRPr lang="ru-RU"/>
           </a:p>
@@ -1766,7 +1768,7 @@
           <a:p>
             <a:fld id="{3079A377-25E8-4FAF-9329-97CE0710FDD3}" type="datetime1">
               <a:rPr lang="ru-RU" smtClean="0"/>
-              <a:t>08.02.2023</a:t>
+              <a:t>11.02.2023</a:t>
             </a:fld>
             <a:endParaRPr lang="ru-RU"/>
           </a:p>
@@ -2178,7 +2180,7 @@
           <a:p>
             <a:fld id="{230F68B0-33DA-4B89-BDBC-8CFF38D30EFD}" type="datetime1">
               <a:rPr lang="ru-RU" smtClean="0"/>
-              <a:t>08.02.2023</a:t>
+              <a:t>11.02.2023</a:t>
             </a:fld>
             <a:endParaRPr lang="ru-RU"/>
           </a:p>
@@ -2319,7 +2321,7 @@
           <a:p>
             <a:fld id="{6148F331-ECFC-4E22-A5B7-62730F29BCB8}" type="datetime1">
               <a:rPr lang="ru-RU" smtClean="0"/>
-              <a:t>08.02.2023</a:t>
+              <a:t>11.02.2023</a:t>
             </a:fld>
             <a:endParaRPr lang="ru-RU"/>
           </a:p>
@@ -2432,7 +2434,7 @@
           <a:p>
             <a:fld id="{758197B3-ABBF-4EB8-B9A7-32ACA64B5943}" type="datetime1">
               <a:rPr lang="ru-RU" smtClean="0"/>
-              <a:t>08.02.2023</a:t>
+              <a:t>11.02.2023</a:t>
             </a:fld>
             <a:endParaRPr lang="ru-RU"/>
           </a:p>
@@ -2743,7 +2745,7 @@
           <a:p>
             <a:fld id="{C607D77B-CED9-4445-8D26-F40BCEDA9675}" type="datetime1">
               <a:rPr lang="ru-RU" smtClean="0"/>
-              <a:t>08.02.2023</a:t>
+              <a:t>11.02.2023</a:t>
             </a:fld>
             <a:endParaRPr lang="ru-RU"/>
           </a:p>
@@ -3031,7 +3033,7 @@
           <a:p>
             <a:fld id="{706BBA63-3EFB-4435-810A-162106C2AA80}" type="datetime1">
               <a:rPr lang="ru-RU" smtClean="0"/>
-              <a:t>08.02.2023</a:t>
+              <a:t>11.02.2023</a:t>
             </a:fld>
             <a:endParaRPr lang="ru-RU"/>
           </a:p>
@@ -3272,7 +3274,7 @@
           <a:p>
             <a:fld id="{3BAF0B48-910D-4138-A64E-B9BF83978213}" type="datetime1">
               <a:rPr lang="ru-RU" smtClean="0"/>
-              <a:t>08.02.2023</a:t>
+              <a:t>11.02.2023</a:t>
             </a:fld>
             <a:endParaRPr lang="ru-RU"/>
           </a:p>
@@ -4138,7 +4140,7 @@
           <p:cNvPr id="2" name="Заголовок 1">
             <a:extLst>
               <a:ext uri="{FF2B5EF4-FFF2-40B4-BE49-F238E27FC236}">
-                <a16:creationId xmlns:a16="http://schemas.microsoft.com/office/drawing/2014/main" id="{5CE88F6D-BB8D-5C18-B5B2-56A86506B9EF}"/>
+                <a16:creationId xmlns:a16="http://schemas.microsoft.com/office/drawing/2014/main" id="{3C8574A2-3CA3-B90F-0444-4D221C5697E3}"/>
               </a:ext>
             </a:extLst>
           </p:cNvPr>
@@ -4156,7 +4158,7 @@
           <a:p>
             <a:r>
               <a:rPr lang="ru-RU" dirty="0"/>
-              <a:t>Умножение длинных чисел</a:t>
+              <a:t>Сложение длинных чисел</a:t>
             </a:r>
           </a:p>
         </p:txBody>
@@ -4166,7 +4168,7 @@
           <p:cNvPr id="3" name="Объект 2">
             <a:extLst>
               <a:ext uri="{FF2B5EF4-FFF2-40B4-BE49-F238E27FC236}">
-                <a16:creationId xmlns:a16="http://schemas.microsoft.com/office/drawing/2014/main" id="{310AFAAC-C123-C670-C9C2-30430914ED84}"/>
+                <a16:creationId xmlns:a16="http://schemas.microsoft.com/office/drawing/2014/main" id="{532A1266-6E90-6768-F041-F42671D7DB24}"/>
               </a:ext>
             </a:extLst>
           </p:cNvPr>
@@ -4187,13 +4189,296 @@
             </a:pPr>
             <a:r>
               <a:rPr lang="ru-RU" dirty="0"/>
-              <a:t>Для эффективного умножения используется алгоритм быстрого преобразования Фурье,  позволяющий перемножать числа за время </a:t>
-            </a:r>
-            <a:r>
-              <a:rPr lang="en-US" i="1" dirty="0"/>
-              <a:t>O(n*log n).</a:t>
-            </a:r>
-            <a:endParaRPr lang="ru-RU" i="1" dirty="0"/>
+              <a:t>Для сложения используется школьный алгоритм сложения в столбик.</a:t>
+            </a:r>
+          </a:p>
+          <a:p>
+            <a:pPr marL="0" indent="0">
+              <a:buNone/>
+            </a:pPr>
+            <a:endParaRPr lang="ru-RU" dirty="0"/>
+          </a:p>
+          <a:p>
+            <a:pPr marL="0" marR="0" indent="0" algn="ctr" rtl="0" eaLnBrk="0" fontAlgn="base" latinLnBrk="0" hangingPunct="0">
+              <a:spcBef>
+                <a:spcPts val="576"/>
+              </a:spcBef>
+              <a:spcAft>
+                <a:spcPts val="0"/>
+              </a:spcAft>
+              <a:buNone/>
+            </a:pPr>
+            <a:r>
+              <a:rPr lang="en-US" sz="1800" b="1" i="0" u="none" strike="noStrike" kern="1200" baseline="0" dirty="0">
+                <a:ln>
+                  <a:noFill/>
+                </a:ln>
+                <a:solidFill>
+                  <a:srgbClr val="000000"/>
+                </a:solidFill>
+                <a:effectLst/>
+                <a:latin typeface="Courier New" panose="02070309020205020404" pitchFamily="49" charset="0"/>
+              </a:rPr>
+              <a:t>5</a:t>
+            </a:r>
+            <a:r>
+              <a:rPr lang="ru-RU" sz="1800" b="1" i="0" u="none" strike="noStrike" kern="1200" baseline="0" dirty="0">
+                <a:ln>
+                  <a:noFill/>
+                </a:ln>
+                <a:solidFill>
+                  <a:srgbClr val="000000"/>
+                </a:solidFill>
+                <a:effectLst/>
+                <a:latin typeface="Courier New" panose="02070309020205020404" pitchFamily="49" charset="0"/>
+              </a:rPr>
+              <a:t>25</a:t>
+            </a:r>
+            <a:r>
+              <a:rPr lang="en-US" sz="1800" b="1" i="0" u="none" strike="noStrike" kern="1200" baseline="0" dirty="0">
+                <a:ln>
+                  <a:noFill/>
+                </a:ln>
+                <a:solidFill>
+                  <a:srgbClr val="000000"/>
+                </a:solidFill>
+                <a:effectLst/>
+                <a:latin typeface="Courier New" panose="02070309020205020404" pitchFamily="49" charset="0"/>
+              </a:rPr>
+              <a:t>+</a:t>
+            </a:r>
+            <a:r>
+              <a:rPr lang="ru-RU" sz="1800" b="1" i="0" u="none" strike="noStrike" kern="1200" baseline="0" dirty="0">
+                <a:ln>
+                  <a:noFill/>
+                </a:ln>
+                <a:solidFill>
+                  <a:srgbClr val="000000"/>
+                </a:solidFill>
+                <a:effectLst/>
+                <a:latin typeface="Courier New" panose="02070309020205020404" pitchFamily="49" charset="0"/>
+              </a:rPr>
+              <a:t>854</a:t>
+            </a:r>
+            <a:r>
+              <a:rPr lang="en-US" sz="1800" b="1" i="0" u="none" strike="noStrike" kern="1200" baseline="0" dirty="0">
+                <a:ln>
+                  <a:noFill/>
+                </a:ln>
+                <a:solidFill>
+                  <a:srgbClr val="000000"/>
+                </a:solidFill>
+                <a:effectLst/>
+                <a:latin typeface="Courier New" panose="02070309020205020404" pitchFamily="49" charset="0"/>
+              </a:rPr>
+              <a:t>=1539</a:t>
+            </a:r>
+            <a:endParaRPr lang="ru-RU" sz="1800" b="1" i="0" u="none" strike="noStrike" kern="1200" baseline="0" dirty="0">
+              <a:ln>
+                <a:noFill/>
+              </a:ln>
+              <a:solidFill>
+                <a:srgbClr val="000000"/>
+              </a:solidFill>
+              <a:effectLst/>
+              <a:latin typeface="Courier New" panose="02070309020205020404" pitchFamily="49" charset="0"/>
+            </a:endParaRPr>
+          </a:p>
+          <a:p>
+            <a:pPr marL="0" marR="0" indent="0" algn="ctr" rtl="0" eaLnBrk="0" fontAlgn="base" latinLnBrk="0" hangingPunct="0">
+              <a:spcBef>
+                <a:spcPts val="576"/>
+              </a:spcBef>
+              <a:spcAft>
+                <a:spcPts val="0"/>
+              </a:spcAft>
+              <a:buNone/>
+            </a:pPr>
+            <a:endParaRPr lang="ru-RU" sz="1800" b="0" i="0" u="none" strike="noStrike" dirty="0">
+              <a:effectLst/>
+              <a:latin typeface="Arial" panose="020B0604020202020204" pitchFamily="34" charset="0"/>
+            </a:endParaRPr>
+          </a:p>
+          <a:p>
+            <a:pPr marL="0" marR="0" indent="0" algn="ctr" rtl="0" eaLnBrk="0" fontAlgn="base" latinLnBrk="0" hangingPunct="0">
+              <a:spcBef>
+                <a:spcPts val="576"/>
+              </a:spcBef>
+              <a:spcAft>
+                <a:spcPts val="0"/>
+              </a:spcAft>
+              <a:buNone/>
+            </a:pPr>
+            <a:r>
+              <a:rPr lang="en-US" sz="1800" b="1" i="0" u="none" strike="noStrike" kern="1200" baseline="0" dirty="0">
+                <a:ln>
+                  <a:noFill/>
+                </a:ln>
+                <a:solidFill>
+                  <a:srgbClr val="000000"/>
+                </a:solidFill>
+                <a:effectLst/>
+                <a:latin typeface="Courier New" panose="02070309020205020404" pitchFamily="49" charset="0"/>
+              </a:rPr>
+              <a:t> </a:t>
+            </a:r>
+            <a:r>
+              <a:rPr lang="ru-RU" sz="1800" b="1" dirty="0">
+                <a:solidFill>
+                  <a:srgbClr val="000000"/>
+                </a:solidFill>
+                <a:latin typeface="Courier New" panose="02070309020205020404" pitchFamily="49" charset="0"/>
+              </a:rPr>
+              <a:t>5 2 5</a:t>
+            </a:r>
+            <a:endParaRPr lang="ru-RU" sz="1800" b="0" i="0" u="none" strike="noStrike" dirty="0">
+              <a:effectLst/>
+              <a:latin typeface="Arial" panose="020B0604020202020204" pitchFamily="34" charset="0"/>
+            </a:endParaRPr>
+          </a:p>
+          <a:p>
+            <a:pPr marL="0" marR="0" indent="0" rtl="0" eaLnBrk="0" fontAlgn="base" latinLnBrk="0" hangingPunct="0">
+              <a:spcBef>
+                <a:spcPts val="576"/>
+              </a:spcBef>
+              <a:spcAft>
+                <a:spcPts val="0"/>
+              </a:spcAft>
+              <a:buNone/>
+            </a:pPr>
+            <a:r>
+              <a:rPr lang="ru-RU" sz="1800" b="1" i="0" u="none" strike="noStrike" kern="1200" baseline="0" dirty="0">
+                <a:ln>
+                  <a:noFill/>
+                </a:ln>
+                <a:solidFill>
+                  <a:srgbClr val="000000"/>
+                </a:solidFill>
+                <a:effectLst/>
+                <a:latin typeface="Courier New" panose="02070309020205020404" pitchFamily="49" charset="0"/>
+              </a:rPr>
+              <a:t>                                  </a:t>
+            </a:r>
+            <a:r>
+              <a:rPr lang="en-US" sz="1800" b="1" i="0" u="none" strike="noStrike" kern="1200" baseline="0" dirty="0">
+                <a:ln>
+                  <a:noFill/>
+                </a:ln>
+                <a:solidFill>
+                  <a:srgbClr val="000000"/>
+                </a:solidFill>
+                <a:effectLst/>
+                <a:latin typeface="Courier New" panose="02070309020205020404" pitchFamily="49" charset="0"/>
+              </a:rPr>
+              <a:t>+</a:t>
+            </a:r>
+            <a:endParaRPr lang="ru-RU" sz="1800" b="0" i="0" u="none" strike="noStrike" dirty="0">
+              <a:effectLst/>
+              <a:latin typeface="Arial" panose="020B0604020202020204" pitchFamily="34" charset="0"/>
+            </a:endParaRPr>
+          </a:p>
+          <a:p>
+            <a:pPr marL="0" marR="0" indent="0" algn="ctr" rtl="0" eaLnBrk="0" fontAlgn="base" latinLnBrk="0" hangingPunct="0">
+              <a:spcBef>
+                <a:spcPts val="576"/>
+              </a:spcBef>
+              <a:spcAft>
+                <a:spcPts val="0"/>
+              </a:spcAft>
+              <a:buNone/>
+            </a:pPr>
+            <a:r>
+              <a:rPr lang="en-US" sz="1800" b="1" i="0" u="none" strike="noStrike" kern="1200" baseline="0" dirty="0">
+                <a:ln>
+                  <a:noFill/>
+                </a:ln>
+                <a:solidFill>
+                  <a:srgbClr val="000000"/>
+                </a:solidFill>
+                <a:effectLst/>
+                <a:latin typeface="Courier New" panose="02070309020205020404" pitchFamily="49" charset="0"/>
+              </a:rPr>
+              <a:t> </a:t>
+            </a:r>
+            <a:r>
+              <a:rPr lang="ru-RU" sz="1800" b="1" dirty="0">
+                <a:solidFill>
+                  <a:srgbClr val="000000"/>
+                </a:solidFill>
+                <a:latin typeface="Courier New" panose="02070309020205020404" pitchFamily="49" charset="0"/>
+              </a:rPr>
+              <a:t>8 5 4</a:t>
+            </a:r>
+            <a:endParaRPr lang="ru-RU" sz="1800" b="0" i="0" u="none" strike="noStrike" dirty="0">
+              <a:effectLst/>
+              <a:latin typeface="Arial" panose="020B0604020202020204" pitchFamily="34" charset="0"/>
+            </a:endParaRPr>
+          </a:p>
+          <a:p>
+            <a:pPr marL="0" marR="0" indent="0" algn="ctr" rtl="0" eaLnBrk="0" fontAlgn="base" latinLnBrk="0" hangingPunct="0">
+              <a:spcBef>
+                <a:spcPts val="576"/>
+              </a:spcBef>
+              <a:spcAft>
+                <a:spcPts val="0"/>
+              </a:spcAft>
+              <a:buNone/>
+            </a:pPr>
+            <a:r>
+              <a:rPr lang="ru-RU" sz="1800" b="1" i="0" u="none" strike="noStrike" kern="1200" baseline="0" dirty="0">
+                <a:ln>
+                  <a:noFill/>
+                </a:ln>
+                <a:solidFill>
+                  <a:srgbClr val="000000"/>
+                </a:solidFill>
+                <a:effectLst/>
+                <a:latin typeface="Courier New" panose="02070309020205020404" pitchFamily="49" charset="0"/>
+              </a:rPr>
+              <a:t>-</a:t>
+            </a:r>
+            <a:r>
+              <a:rPr lang="en-US" sz="1800" b="1" i="0" u="none" strike="noStrike" kern="1200" baseline="0" dirty="0">
+                <a:ln>
+                  <a:noFill/>
+                </a:ln>
+                <a:solidFill>
+                  <a:srgbClr val="000000"/>
+                </a:solidFill>
+                <a:effectLst/>
+                <a:latin typeface="Courier New" panose="02070309020205020404" pitchFamily="49" charset="0"/>
+              </a:rPr>
+              <a:t>------</a:t>
+            </a:r>
+            <a:endParaRPr lang="ru-RU" sz="1800" b="0" i="0" u="none" strike="noStrike" dirty="0">
+              <a:effectLst/>
+              <a:latin typeface="Arial" panose="020B0604020202020204" pitchFamily="34" charset="0"/>
+            </a:endParaRPr>
+          </a:p>
+          <a:p>
+            <a:pPr marL="0" marR="0" indent="0" algn="ctr" rtl="0" eaLnBrk="0" fontAlgn="base" latinLnBrk="0" hangingPunct="0">
+              <a:spcBef>
+                <a:spcPts val="576"/>
+              </a:spcBef>
+              <a:spcAft>
+                <a:spcPts val="0"/>
+              </a:spcAft>
+              <a:buNone/>
+            </a:pPr>
+            <a:r>
+              <a:rPr lang="ru-RU" sz="1800" b="1" i="0" u="none" strike="noStrike" kern="1200" baseline="0" dirty="0">
+                <a:ln>
+                  <a:noFill/>
+                </a:ln>
+                <a:solidFill>
+                  <a:srgbClr val="000000"/>
+                </a:solidFill>
+                <a:effectLst/>
+                <a:latin typeface="Courier New" panose="02070309020205020404" pitchFamily="49" charset="0"/>
+              </a:rPr>
+              <a:t>1 3 7 9</a:t>
+            </a:r>
+            <a:endParaRPr lang="ru-RU" dirty="0"/>
           </a:p>
         </p:txBody>
       </p:sp>
@@ -4202,7 +4487,7 @@
           <p:cNvPr id="4" name="Picture 4">
             <a:extLst>
               <a:ext uri="{FF2B5EF4-FFF2-40B4-BE49-F238E27FC236}">
-                <a16:creationId xmlns:a16="http://schemas.microsoft.com/office/drawing/2014/main" id="{0B83D84F-861A-4EDA-BF3C-96CB17ECE9C5}"/>
+                <a16:creationId xmlns:a16="http://schemas.microsoft.com/office/drawing/2014/main" id="{61628088-FABC-0662-07CF-520519DA25A0}"/>
               </a:ext>
             </a:extLst>
           </p:cNvPr>
@@ -4258,7 +4543,7 @@
           <p:cNvPr id="5" name="Номер слайда 4">
             <a:extLst>
               <a:ext uri="{FF2B5EF4-FFF2-40B4-BE49-F238E27FC236}">
-                <a16:creationId xmlns:a16="http://schemas.microsoft.com/office/drawing/2014/main" id="{CA7A3DD2-2F5E-D538-0E56-437F8E4E3427}"/>
+                <a16:creationId xmlns:a16="http://schemas.microsoft.com/office/drawing/2014/main" id="{88974CC6-2DD5-F666-82B9-EAEB5E4F04CD}"/>
               </a:ext>
             </a:extLst>
           </p:cNvPr>
@@ -4285,7 +4570,7 @@
     </p:spTree>
     <p:extLst>
       <p:ext uri="{BB962C8B-B14F-4D97-AF65-F5344CB8AC3E}">
-        <p14:creationId xmlns:p14="http://schemas.microsoft.com/office/powerpoint/2010/main" val="2920262557"/>
+        <p14:creationId xmlns:p14="http://schemas.microsoft.com/office/powerpoint/2010/main" val="1548377080"/>
       </p:ext>
     </p:extLst>
   </p:cSld>
@@ -4320,7 +4605,7 @@
           <p:cNvPr id="2" name="Заголовок 1">
             <a:extLst>
               <a:ext uri="{FF2B5EF4-FFF2-40B4-BE49-F238E27FC236}">
-                <a16:creationId xmlns:a16="http://schemas.microsoft.com/office/drawing/2014/main" id="{28CC594D-815A-7496-3DCE-8CB5F38F488A}"/>
+                <a16:creationId xmlns:a16="http://schemas.microsoft.com/office/drawing/2014/main" id="{8B6595C7-B6EB-3F59-F8DE-1BC833FE1E86}"/>
               </a:ext>
             </a:extLst>
           </p:cNvPr>
@@ -4338,7 +4623,7 @@
           <a:p>
             <a:r>
               <a:rPr lang="ru-RU" dirty="0"/>
-              <a:t>Деление длинных чисел</a:t>
+              <a:t>Вычитание длинных чисел</a:t>
             </a:r>
           </a:p>
         </p:txBody>
@@ -4348,7 +4633,7 @@
           <p:cNvPr id="3" name="Объект 2">
             <a:extLst>
               <a:ext uri="{FF2B5EF4-FFF2-40B4-BE49-F238E27FC236}">
-                <a16:creationId xmlns:a16="http://schemas.microsoft.com/office/drawing/2014/main" id="{8FC24F2B-7C0E-B00C-57CE-CD3D35F2900C}"/>
+                <a16:creationId xmlns:a16="http://schemas.microsoft.com/office/drawing/2014/main" id="{8D8B33E0-99C9-01D0-7F15-54E23171F24D}"/>
               </a:ext>
             </a:extLst>
           </p:cNvPr>
@@ -4369,8 +4654,285 @@
             </a:pPr>
             <a:r>
               <a:rPr lang="ru-RU" dirty="0"/>
-              <a:t>Для деления используется школьный алгоритм деления в столбик</a:t>
-            </a:r>
+              <a:t>Для вычитания используется школьный алгоритм вычитания в столбик</a:t>
+            </a:r>
+            <a:r>
+              <a:rPr lang="en-US" dirty="0"/>
+              <a:t>.</a:t>
+            </a:r>
+            <a:endParaRPr lang="ru-RU" dirty="0"/>
+          </a:p>
+          <a:p>
+            <a:pPr marL="0" marR="0" indent="0" algn="ctr" rtl="0" eaLnBrk="0" fontAlgn="base" latinLnBrk="0" hangingPunct="0">
+              <a:spcBef>
+                <a:spcPts val="576"/>
+              </a:spcBef>
+              <a:spcAft>
+                <a:spcPts val="0"/>
+              </a:spcAft>
+              <a:buNone/>
+            </a:pPr>
+            <a:r>
+              <a:rPr lang="en-US" sz="1800" b="1" i="0" u="none" strike="noStrike" kern="1200" baseline="0" dirty="0">
+                <a:ln>
+                  <a:noFill/>
+                </a:ln>
+                <a:solidFill>
+                  <a:srgbClr val="000000"/>
+                </a:solidFill>
+                <a:effectLst/>
+                <a:latin typeface="Courier New" panose="02070309020205020404" pitchFamily="49" charset="0"/>
+              </a:rPr>
+              <a:t>972</a:t>
+            </a:r>
+            <a:r>
+              <a:rPr lang="ru-RU" sz="1800" b="1" i="0" u="none" strike="noStrike" kern="1200" baseline="0" dirty="0">
+                <a:ln>
+                  <a:noFill/>
+                </a:ln>
+                <a:solidFill>
+                  <a:srgbClr val="000000"/>
+                </a:solidFill>
+                <a:effectLst/>
+                <a:latin typeface="Courier New" panose="02070309020205020404" pitchFamily="49" charset="0"/>
+              </a:rPr>
+              <a:t>-567</a:t>
+            </a:r>
+            <a:r>
+              <a:rPr lang="en-US" sz="1800" b="1" i="0" u="none" strike="noStrike" kern="1200" baseline="0" dirty="0">
+                <a:ln>
+                  <a:noFill/>
+                </a:ln>
+                <a:solidFill>
+                  <a:srgbClr val="000000"/>
+                </a:solidFill>
+                <a:effectLst/>
+                <a:latin typeface="Courier New" panose="02070309020205020404" pitchFamily="49" charset="0"/>
+              </a:rPr>
+              <a:t>=</a:t>
+            </a:r>
+            <a:r>
+              <a:rPr lang="ru-RU" sz="1800" b="1" i="0" u="none" strike="noStrike" kern="1200" baseline="0" dirty="0">
+                <a:ln>
+                  <a:noFill/>
+                </a:ln>
+                <a:solidFill>
+                  <a:srgbClr val="000000"/>
+                </a:solidFill>
+                <a:effectLst/>
+                <a:latin typeface="Courier New" panose="02070309020205020404" pitchFamily="49" charset="0"/>
+              </a:rPr>
+              <a:t>405</a:t>
+            </a:r>
+          </a:p>
+          <a:p>
+            <a:pPr marL="0" marR="0" indent="0" algn="ctr" rtl="0" eaLnBrk="0" fontAlgn="base" latinLnBrk="0" hangingPunct="0">
+              <a:spcBef>
+                <a:spcPts val="576"/>
+              </a:spcBef>
+              <a:spcAft>
+                <a:spcPts val="0"/>
+              </a:spcAft>
+              <a:buNone/>
+            </a:pPr>
+            <a:endParaRPr lang="ru-RU" sz="1800" b="0" i="0" u="none" strike="noStrike" dirty="0">
+              <a:effectLst/>
+              <a:latin typeface="Arial" panose="020B0604020202020204" pitchFamily="34" charset="0"/>
+            </a:endParaRPr>
+          </a:p>
+          <a:p>
+            <a:pPr marL="0" marR="0" indent="0" algn="ctr" rtl="0" eaLnBrk="0" fontAlgn="base" latinLnBrk="0" hangingPunct="0">
+              <a:spcBef>
+                <a:spcPts val="576"/>
+              </a:spcBef>
+              <a:spcAft>
+                <a:spcPts val="0"/>
+              </a:spcAft>
+              <a:buNone/>
+            </a:pPr>
+            <a:r>
+              <a:rPr lang="en-US" sz="1800" b="1" i="0" u="none" strike="noStrike" kern="1200" baseline="0" dirty="0">
+                <a:ln>
+                  <a:noFill/>
+                </a:ln>
+                <a:solidFill>
+                  <a:srgbClr val="000000"/>
+                </a:solidFill>
+                <a:effectLst/>
+                <a:latin typeface="Courier New" panose="02070309020205020404" pitchFamily="49" charset="0"/>
+              </a:rPr>
+              <a:t> </a:t>
+            </a:r>
+            <a:r>
+              <a:rPr lang="ru-RU" sz="1800" b="1" i="0" u="none" strike="noStrike" kern="1200" baseline="0" dirty="0">
+                <a:ln>
+                  <a:noFill/>
+                </a:ln>
+                <a:solidFill>
+                  <a:srgbClr val="000000"/>
+                </a:solidFill>
+                <a:effectLst/>
+                <a:latin typeface="Courier New" panose="02070309020205020404" pitchFamily="49" charset="0"/>
+              </a:rPr>
+              <a:t>9 7 2</a:t>
+            </a:r>
+            <a:endParaRPr lang="ru-RU" sz="1800" dirty="0">
+              <a:latin typeface="Arial" panose="020B0604020202020204" pitchFamily="34" charset="0"/>
+            </a:endParaRPr>
+          </a:p>
+          <a:p>
+            <a:pPr marL="0" marR="0" indent="0" rtl="0" eaLnBrk="0" fontAlgn="base" latinLnBrk="0" hangingPunct="0">
+              <a:spcBef>
+                <a:spcPts val="576"/>
+              </a:spcBef>
+              <a:spcAft>
+                <a:spcPts val="0"/>
+              </a:spcAft>
+              <a:buNone/>
+            </a:pPr>
+            <a:r>
+              <a:rPr lang="ru-RU" sz="1800" b="1" i="0" u="none" strike="noStrike" kern="1200" baseline="0" dirty="0">
+                <a:ln>
+                  <a:noFill/>
+                </a:ln>
+                <a:solidFill>
+                  <a:srgbClr val="000000"/>
+                </a:solidFill>
+                <a:effectLst/>
+                <a:latin typeface="Arial" panose="020B0604020202020204" pitchFamily="34" charset="0"/>
+              </a:rPr>
+              <a:t>                                                                         </a:t>
+            </a:r>
+            <a:r>
+              <a:rPr lang="ru-RU" sz="1800" b="1" i="0" u="none" strike="noStrike" kern="1200" baseline="0" dirty="0">
+                <a:ln>
+                  <a:noFill/>
+                </a:ln>
+                <a:solidFill>
+                  <a:srgbClr val="000000"/>
+                </a:solidFill>
+                <a:effectLst/>
+                <a:latin typeface="Courier New" panose="02070309020205020404" pitchFamily="49" charset="0"/>
+              </a:rPr>
+              <a:t>-</a:t>
+            </a:r>
+            <a:endParaRPr lang="ru-RU" sz="1800" b="0" i="0" u="none" strike="noStrike" dirty="0">
+              <a:effectLst/>
+              <a:latin typeface="Arial" panose="020B0604020202020204" pitchFamily="34" charset="0"/>
+            </a:endParaRPr>
+          </a:p>
+          <a:p>
+            <a:pPr marL="0" marR="0" indent="0" algn="ctr" rtl="0" eaLnBrk="0" fontAlgn="base" latinLnBrk="0" hangingPunct="0">
+              <a:spcBef>
+                <a:spcPts val="576"/>
+              </a:spcBef>
+              <a:spcAft>
+                <a:spcPts val="0"/>
+              </a:spcAft>
+              <a:buNone/>
+            </a:pPr>
+            <a:r>
+              <a:rPr lang="en-US" sz="1800" b="1" i="0" u="none" strike="noStrike" kern="1200" baseline="0" dirty="0">
+                <a:ln>
+                  <a:noFill/>
+                </a:ln>
+                <a:solidFill>
+                  <a:srgbClr val="000000"/>
+                </a:solidFill>
+                <a:effectLst/>
+                <a:latin typeface="Courier New" panose="02070309020205020404" pitchFamily="49" charset="0"/>
+              </a:rPr>
+              <a:t> </a:t>
+            </a:r>
+            <a:r>
+              <a:rPr lang="ru-RU" sz="1800" b="1" i="0" u="none" strike="noStrike" kern="1200" baseline="0" dirty="0">
+                <a:ln>
+                  <a:noFill/>
+                </a:ln>
+                <a:solidFill>
+                  <a:srgbClr val="000000"/>
+                </a:solidFill>
+                <a:effectLst/>
+                <a:latin typeface="Courier New" panose="02070309020205020404" pitchFamily="49" charset="0"/>
+              </a:rPr>
+              <a:t>5 6 7</a:t>
+            </a:r>
+            <a:endParaRPr lang="ru-RU" sz="1800" b="0" i="0" u="none" strike="noStrike" dirty="0">
+              <a:effectLst/>
+              <a:latin typeface="Arial" panose="020B0604020202020204" pitchFamily="34" charset="0"/>
+            </a:endParaRPr>
+          </a:p>
+          <a:p>
+            <a:pPr marL="0" marR="0" indent="0" algn="ctr" rtl="0" eaLnBrk="0" fontAlgn="base" latinLnBrk="0" hangingPunct="0">
+              <a:spcBef>
+                <a:spcPts val="576"/>
+              </a:spcBef>
+              <a:spcAft>
+                <a:spcPts val="0"/>
+              </a:spcAft>
+              <a:buNone/>
+            </a:pPr>
+            <a:r>
+              <a:rPr lang="en-US" sz="1800" b="1" i="0" u="none" strike="noStrike" kern="1200" baseline="0" dirty="0">
+                <a:ln>
+                  <a:noFill/>
+                </a:ln>
+                <a:solidFill>
+                  <a:srgbClr val="000000"/>
+                </a:solidFill>
+                <a:effectLst/>
+                <a:latin typeface="Courier New" panose="02070309020205020404" pitchFamily="49" charset="0"/>
+              </a:rPr>
+              <a:t>-------</a:t>
+            </a:r>
+            <a:endParaRPr lang="ru-RU" sz="1800" b="0" i="0" u="none" strike="noStrike" dirty="0">
+              <a:effectLst/>
+              <a:latin typeface="Arial" panose="020B0604020202020204" pitchFamily="34" charset="0"/>
+            </a:endParaRPr>
+          </a:p>
+          <a:p>
+            <a:pPr marL="0" marR="0" indent="0" algn="ctr" rtl="0" eaLnBrk="0" fontAlgn="base" latinLnBrk="0" hangingPunct="0">
+              <a:spcBef>
+                <a:spcPts val="576"/>
+              </a:spcBef>
+              <a:spcAft>
+                <a:spcPts val="0"/>
+              </a:spcAft>
+              <a:buNone/>
+            </a:pPr>
+            <a:r>
+              <a:rPr lang="en-US" sz="1800" b="1" i="0" u="none" strike="noStrike" kern="1200" baseline="0" dirty="0">
+                <a:ln>
+                  <a:noFill/>
+                </a:ln>
+                <a:solidFill>
+                  <a:srgbClr val="000000"/>
+                </a:solidFill>
+                <a:effectLst/>
+                <a:latin typeface="Courier New" panose="02070309020205020404" pitchFamily="49" charset="0"/>
+              </a:rPr>
+              <a:t> </a:t>
+            </a:r>
+            <a:r>
+              <a:rPr lang="ru-RU" sz="1800" b="1" i="0" u="none" strike="noStrike" kern="1200" baseline="0" dirty="0">
+                <a:ln>
+                  <a:noFill/>
+                </a:ln>
+                <a:solidFill>
+                  <a:srgbClr val="000000"/>
+                </a:solidFill>
+                <a:effectLst/>
+                <a:latin typeface="Courier New" panose="02070309020205020404" pitchFamily="49" charset="0"/>
+              </a:rPr>
+              <a:t>4 0 5</a:t>
+            </a:r>
+            <a:endParaRPr lang="ru-RU" sz="1800" b="0" i="0" u="none" strike="noStrike" dirty="0">
+              <a:effectLst/>
+              <a:latin typeface="Arial" panose="020B0604020202020204" pitchFamily="34" charset="0"/>
+            </a:endParaRPr>
+          </a:p>
+          <a:p>
+            <a:endParaRPr lang="ru-RU" dirty="0"/>
           </a:p>
         </p:txBody>
       </p:sp>
@@ -4379,7 +4941,7 @@
           <p:cNvPr id="4" name="Picture 4">
             <a:extLst>
               <a:ext uri="{FF2B5EF4-FFF2-40B4-BE49-F238E27FC236}">
-                <a16:creationId xmlns:a16="http://schemas.microsoft.com/office/drawing/2014/main" id="{FBB4FFFC-5D17-ED68-CDF9-849C72DB55D5}"/>
+                <a16:creationId xmlns:a16="http://schemas.microsoft.com/office/drawing/2014/main" id="{8EB74F40-288A-8293-BB9C-52C41393B45E}"/>
               </a:ext>
             </a:extLst>
           </p:cNvPr>
@@ -4432,484 +4994,10 @@
       </p:pic>
       <p:sp>
         <p:nvSpPr>
-          <p:cNvPr id="7" name="TextBox 6">
-            <a:extLst>
-              <a:ext uri="{FF2B5EF4-FFF2-40B4-BE49-F238E27FC236}">
-                <a16:creationId xmlns:a16="http://schemas.microsoft.com/office/drawing/2014/main" id="{BF6CA6D4-5185-A108-2DE6-DC2851606130}"/>
-              </a:ext>
-            </a:extLst>
-          </p:cNvPr>
-          <p:cNvSpPr txBox="1"/>
-          <p:nvPr/>
-        </p:nvSpPr>
-        <p:spPr>
-          <a:xfrm>
-            <a:off x="5630779" y="2608220"/>
-            <a:ext cx="2454442" cy="2786147"/>
-          </a:xfrm>
-          <a:prstGeom prst="rect">
-            <a:avLst/>
-          </a:prstGeom>
-          <a:noFill/>
-        </p:spPr>
-        <p:txBody>
-          <a:bodyPr wrap="square">
-            <a:spAutoFit/>
-          </a:bodyPr>
-          <a:lstStyle/>
-          <a:p>
-            <a:pPr marL="0" marR="0" lvl="0" indent="0" algn="l" defTabSz="914400" rtl="0" eaLnBrk="0" fontAlgn="base" latinLnBrk="0" hangingPunct="0">
-              <a:lnSpc>
-                <a:spcPct val="90000"/>
-              </a:lnSpc>
-              <a:spcBef>
-                <a:spcPct val="20000"/>
-              </a:spcBef>
-              <a:spcAft>
-                <a:spcPct val="0"/>
-              </a:spcAft>
-              <a:buClrTx/>
-              <a:buSzPct val="100000"/>
-              <a:buFontTx/>
-              <a:buNone/>
-              <a:tabLst/>
-            </a:pPr>
-            <a:r>
-              <a:rPr lang="ru-RU" altLang="ru-RU" b="1" dirty="0">
-                <a:latin typeface="Courier New" panose="02070309020205020404" pitchFamily="49" charset="0"/>
-              </a:rPr>
-              <a:t>7 4 1</a:t>
-            </a:r>
-            <a:r>
-              <a:rPr kumimoji="0" lang="ru-RU" altLang="ru-RU" sz="1800" b="1" i="0" u="none" strike="noStrike" cap="none" normalizeH="0" baseline="0" dirty="0">
-                <a:ln>
-                  <a:noFill/>
-                </a:ln>
-                <a:solidFill>
-                  <a:schemeClr val="tx1"/>
-                </a:solidFill>
-                <a:effectLst/>
-                <a:latin typeface="Courier New" panose="02070309020205020404" pitchFamily="49" charset="0"/>
-              </a:rPr>
-              <a:t> </a:t>
-            </a:r>
-            <a:r>
-              <a:rPr kumimoji="0" lang="en-US" altLang="ru-RU" sz="1800" b="1" i="0" u="none" strike="noStrike" cap="none" normalizeH="0" baseline="0" dirty="0">
-                <a:ln>
-                  <a:noFill/>
-                </a:ln>
-                <a:solidFill>
-                  <a:schemeClr val="tx1"/>
-                </a:solidFill>
-                <a:effectLst/>
-                <a:latin typeface="Courier New" panose="02070309020205020404" pitchFamily="49" charset="0"/>
-              </a:rPr>
-              <a:t>| </a:t>
-            </a:r>
-            <a:r>
-              <a:rPr kumimoji="0" lang="ru-RU" altLang="ru-RU" sz="1800" b="1" i="0" u="none" strike="noStrike" cap="none" normalizeH="0" baseline="0" dirty="0">
-                <a:ln>
-                  <a:noFill/>
-                </a:ln>
-                <a:solidFill>
-                  <a:schemeClr val="tx1"/>
-                </a:solidFill>
-                <a:effectLst/>
-                <a:latin typeface="Courier New" panose="02070309020205020404" pitchFamily="49" charset="0"/>
-              </a:rPr>
-              <a:t>3</a:t>
-            </a:r>
-            <a:endParaRPr kumimoji="0" lang="en-US" altLang="ru-RU" sz="1800" b="1" i="0" u="none" strike="noStrike" cap="none" normalizeH="0" baseline="0" dirty="0">
-              <a:ln>
-                <a:noFill/>
-              </a:ln>
-              <a:solidFill>
-                <a:schemeClr val="tx1"/>
-              </a:solidFill>
-              <a:effectLst/>
-              <a:latin typeface="Courier New" panose="02070309020205020404" pitchFamily="49" charset="0"/>
-            </a:endParaRPr>
-          </a:p>
-          <a:p>
-            <a:pPr marL="0" marR="0" lvl="0" indent="0" algn="l" defTabSz="914400" rtl="0" eaLnBrk="0" fontAlgn="base" latinLnBrk="0" hangingPunct="0">
-              <a:lnSpc>
-                <a:spcPct val="90000"/>
-              </a:lnSpc>
-              <a:spcBef>
-                <a:spcPct val="20000"/>
-              </a:spcBef>
-              <a:spcAft>
-                <a:spcPct val="0"/>
-              </a:spcAft>
-              <a:buClrTx/>
-              <a:buSzPct val="100000"/>
-              <a:buFontTx/>
-              <a:buNone/>
-              <a:tabLst/>
-            </a:pPr>
-            <a:r>
-              <a:rPr kumimoji="0" lang="en-US" altLang="ru-RU" sz="1800" b="1" i="0" u="none" strike="noStrike" cap="none" normalizeH="0" baseline="0" dirty="0">
-                <a:ln>
-                  <a:noFill/>
-                </a:ln>
-                <a:solidFill>
-                  <a:schemeClr val="tx1"/>
-                </a:solidFill>
-                <a:effectLst/>
-                <a:latin typeface="Courier New" panose="02070309020205020404" pitchFamily="49" charset="0"/>
-              </a:rPr>
-              <a:t>-------------</a:t>
-            </a:r>
-          </a:p>
-          <a:p>
-            <a:pPr marL="0" marR="0" lvl="0" indent="0" algn="l" defTabSz="914400" rtl="0" eaLnBrk="0" fontAlgn="base" latinLnBrk="0" hangingPunct="0">
-              <a:lnSpc>
-                <a:spcPct val="90000"/>
-              </a:lnSpc>
-              <a:spcBef>
-                <a:spcPct val="20000"/>
-              </a:spcBef>
-              <a:spcAft>
-                <a:spcPct val="0"/>
-              </a:spcAft>
-              <a:buClrTx/>
-              <a:buSzPct val="100000"/>
-              <a:buFontTx/>
-              <a:buNone/>
-              <a:tabLst/>
-            </a:pPr>
-            <a:r>
-              <a:rPr lang="ru-RU" altLang="ru-RU" b="1" dirty="0">
-                <a:latin typeface="Courier New" panose="02070309020205020404" pitchFamily="49" charset="0"/>
-              </a:rPr>
-              <a:t>7 </a:t>
-            </a:r>
-            <a:r>
-              <a:rPr lang="en-US" altLang="ru-RU" b="1" dirty="0">
-                <a:latin typeface="Courier New" panose="02070309020205020404" pitchFamily="49" charset="0"/>
-              </a:rPr>
-              <a:t>4</a:t>
-            </a:r>
-            <a:r>
-              <a:rPr kumimoji="0" lang="en-US" altLang="ru-RU" sz="1800" b="1" i="0" u="none" strike="noStrike" cap="none" normalizeH="0" baseline="0" dirty="0">
-                <a:ln>
-                  <a:noFill/>
-                </a:ln>
-                <a:solidFill>
-                  <a:schemeClr val="tx1"/>
-                </a:solidFill>
-                <a:effectLst/>
-                <a:latin typeface="Courier New" panose="02070309020205020404" pitchFamily="49" charset="0"/>
-              </a:rPr>
-              <a:t>   | </a:t>
-            </a:r>
-            <a:r>
-              <a:rPr kumimoji="0" lang="ru-RU" altLang="ru-RU" sz="1800" b="1" i="0" u="none" strike="noStrike" cap="none" normalizeH="0" baseline="0" dirty="0">
-                <a:ln>
-                  <a:noFill/>
-                </a:ln>
-                <a:solidFill>
-                  <a:schemeClr val="tx1"/>
-                </a:solidFill>
-                <a:effectLst/>
-                <a:latin typeface="Courier New" panose="02070309020205020404" pitchFamily="49" charset="0"/>
-              </a:rPr>
-              <a:t>2 4</a:t>
-            </a:r>
-            <a:r>
-              <a:rPr kumimoji="0" lang="en-US" altLang="ru-RU" sz="1800" b="1" i="0" u="none" strike="noStrike" cap="none" normalizeH="0" baseline="0" dirty="0">
-                <a:ln>
-                  <a:noFill/>
-                </a:ln>
-                <a:solidFill>
-                  <a:schemeClr val="tx1"/>
-                </a:solidFill>
-                <a:effectLst/>
-                <a:latin typeface="Courier New" panose="02070309020205020404" pitchFamily="49" charset="0"/>
-              </a:rPr>
-              <a:t> </a:t>
-            </a:r>
-            <a:r>
-              <a:rPr lang="en-US" altLang="ru-RU" b="1" dirty="0">
-                <a:latin typeface="Courier New" panose="02070309020205020404" pitchFamily="49" charset="0"/>
-              </a:rPr>
-              <a:t>7</a:t>
-            </a:r>
-            <a:endParaRPr kumimoji="0" lang="en-US" altLang="ru-RU" sz="1800" b="1" i="0" u="none" strike="noStrike" cap="none" normalizeH="0" baseline="0" dirty="0">
-              <a:ln>
-                <a:noFill/>
-              </a:ln>
-              <a:solidFill>
-                <a:schemeClr val="tx1"/>
-              </a:solidFill>
-              <a:effectLst/>
-              <a:latin typeface="Courier New" panose="02070309020205020404" pitchFamily="49" charset="0"/>
-            </a:endParaRPr>
-          </a:p>
-          <a:p>
-            <a:pPr marL="0" marR="0" lvl="0" indent="0" algn="l" defTabSz="914400" rtl="0" eaLnBrk="0" fontAlgn="base" latinLnBrk="0" hangingPunct="0">
-              <a:lnSpc>
-                <a:spcPct val="90000"/>
-              </a:lnSpc>
-              <a:spcBef>
-                <a:spcPct val="20000"/>
-              </a:spcBef>
-              <a:spcAft>
-                <a:spcPct val="0"/>
-              </a:spcAft>
-              <a:buClrTx/>
-              <a:buSzPct val="100000"/>
-              <a:buFontTx/>
-              <a:buNone/>
-              <a:tabLst/>
-            </a:pPr>
-            <a:r>
-              <a:rPr kumimoji="0" lang="en-US" altLang="ru-RU" sz="1800" b="1" i="0" u="none" strike="noStrike" cap="none" normalizeH="0" baseline="0" dirty="0">
-                <a:ln>
-                  <a:noFill/>
-                </a:ln>
-                <a:solidFill>
-                  <a:schemeClr val="tx1"/>
-                </a:solidFill>
-                <a:effectLst/>
-                <a:latin typeface="Courier New" panose="02070309020205020404" pitchFamily="49" charset="0"/>
-              </a:rPr>
-              <a:t>7 2</a:t>
-            </a:r>
-          </a:p>
-          <a:p>
-            <a:pPr marL="0" marR="0" lvl="0" indent="0" algn="l" defTabSz="914400" rtl="0" eaLnBrk="0" fontAlgn="base" latinLnBrk="0" hangingPunct="0">
-              <a:lnSpc>
-                <a:spcPct val="90000"/>
-              </a:lnSpc>
-              <a:spcBef>
-                <a:spcPct val="20000"/>
-              </a:spcBef>
-              <a:spcAft>
-                <a:spcPct val="0"/>
-              </a:spcAft>
-              <a:buClrTx/>
-              <a:buSzPct val="100000"/>
-              <a:buFontTx/>
-              <a:buNone/>
-              <a:tabLst/>
-            </a:pPr>
-            <a:r>
-              <a:rPr kumimoji="0" lang="en-US" altLang="ru-RU" sz="1800" b="1" i="0" u="none" strike="noStrike" cap="none" normalizeH="0" baseline="0" dirty="0">
-                <a:ln>
-                  <a:noFill/>
-                </a:ln>
-                <a:solidFill>
-                  <a:schemeClr val="tx1"/>
-                </a:solidFill>
-                <a:effectLst/>
-                <a:latin typeface="Courier New" panose="02070309020205020404" pitchFamily="49" charset="0"/>
-              </a:rPr>
-              <a:t>---</a:t>
-            </a:r>
-          </a:p>
-          <a:p>
-            <a:pPr marL="0" marR="0" lvl="0" indent="0" algn="l" defTabSz="914400" rtl="0" eaLnBrk="0" fontAlgn="base" latinLnBrk="0" hangingPunct="0">
-              <a:lnSpc>
-                <a:spcPct val="90000"/>
-              </a:lnSpc>
-              <a:spcBef>
-                <a:spcPct val="20000"/>
-              </a:spcBef>
-              <a:spcAft>
-                <a:spcPct val="0"/>
-              </a:spcAft>
-              <a:buClrTx/>
-              <a:buSzPct val="100000"/>
-              <a:buFontTx/>
-              <a:buNone/>
-              <a:tabLst/>
-            </a:pPr>
-            <a:r>
-              <a:rPr kumimoji="0" lang="en-US" altLang="ru-RU" sz="1800" b="1" i="0" u="none" strike="noStrike" cap="none" normalizeH="0" baseline="0" dirty="0">
-                <a:ln>
-                  <a:noFill/>
-                </a:ln>
-                <a:solidFill>
-                  <a:schemeClr val="tx1"/>
-                </a:solidFill>
-                <a:effectLst/>
-                <a:latin typeface="Courier New" panose="02070309020205020404" pitchFamily="49" charset="0"/>
-              </a:rPr>
-              <a:t>  </a:t>
-            </a:r>
-            <a:r>
-              <a:rPr lang="en-US" altLang="ru-RU" b="1" dirty="0">
-                <a:latin typeface="Courier New" panose="02070309020205020404" pitchFamily="49" charset="0"/>
-              </a:rPr>
-              <a:t>2</a:t>
-            </a:r>
-            <a:r>
-              <a:rPr kumimoji="0" lang="en-US" altLang="ru-RU" sz="1800" b="1" i="0" u="none" strike="noStrike" cap="none" normalizeH="0" baseline="0" dirty="0">
-                <a:ln>
-                  <a:noFill/>
-                </a:ln>
-                <a:solidFill>
-                  <a:schemeClr val="tx1"/>
-                </a:solidFill>
-                <a:effectLst/>
-                <a:latin typeface="Courier New" panose="02070309020205020404" pitchFamily="49" charset="0"/>
-              </a:rPr>
-              <a:t> </a:t>
-            </a:r>
-            <a:r>
-              <a:rPr lang="ru-RU" altLang="ru-RU" b="1" dirty="0">
-                <a:latin typeface="Courier New" panose="02070309020205020404" pitchFamily="49" charset="0"/>
-              </a:rPr>
-              <a:t>1</a:t>
-            </a:r>
-            <a:endParaRPr kumimoji="0" lang="en-US" altLang="ru-RU" sz="1800" b="1" i="0" u="none" strike="noStrike" cap="none" normalizeH="0" baseline="0" dirty="0">
-              <a:ln>
-                <a:noFill/>
-              </a:ln>
-              <a:solidFill>
-                <a:schemeClr val="tx1"/>
-              </a:solidFill>
-              <a:effectLst/>
-              <a:latin typeface="Courier New" panose="02070309020205020404" pitchFamily="49" charset="0"/>
-            </a:endParaRPr>
-          </a:p>
-          <a:p>
-            <a:pPr marL="0" marR="0" lvl="0" indent="0" algn="l" defTabSz="914400" rtl="0" eaLnBrk="0" fontAlgn="base" latinLnBrk="0" hangingPunct="0">
-              <a:lnSpc>
-                <a:spcPct val="90000"/>
-              </a:lnSpc>
-              <a:spcBef>
-                <a:spcPct val="20000"/>
-              </a:spcBef>
-              <a:spcAft>
-                <a:spcPct val="0"/>
-              </a:spcAft>
-              <a:buClrTx/>
-              <a:buSzPct val="100000"/>
-              <a:buFontTx/>
-              <a:buNone/>
-              <a:tabLst/>
-            </a:pPr>
-            <a:r>
-              <a:rPr kumimoji="0" lang="en-US" altLang="ru-RU" sz="1800" b="1" i="0" u="none" strike="noStrike" cap="none" normalizeH="0" baseline="0" dirty="0">
-                <a:ln>
-                  <a:noFill/>
-                </a:ln>
-                <a:solidFill>
-                  <a:schemeClr val="tx1"/>
-                </a:solidFill>
-                <a:effectLst/>
-                <a:latin typeface="Courier New" panose="02070309020205020404" pitchFamily="49" charset="0"/>
-              </a:rPr>
-              <a:t>  </a:t>
-            </a:r>
-            <a:r>
-              <a:rPr lang="en-US" altLang="ru-RU" b="1" dirty="0">
-                <a:latin typeface="Courier New" panose="02070309020205020404" pitchFamily="49" charset="0"/>
-              </a:rPr>
-              <a:t>2</a:t>
-            </a:r>
-            <a:r>
-              <a:rPr kumimoji="0" lang="en-US" altLang="ru-RU" sz="1800" b="1" i="0" u="none" strike="noStrike" cap="none" normalizeH="0" baseline="0" dirty="0">
-                <a:ln>
-                  <a:noFill/>
-                </a:ln>
-                <a:solidFill>
-                  <a:schemeClr val="tx1"/>
-                </a:solidFill>
-                <a:effectLst/>
-                <a:latin typeface="Courier New" panose="02070309020205020404" pitchFamily="49" charset="0"/>
-              </a:rPr>
-              <a:t> 1</a:t>
-            </a:r>
-          </a:p>
-          <a:p>
-            <a:pPr marL="0" marR="0" lvl="0" indent="0" algn="l" defTabSz="914400" rtl="0" eaLnBrk="0" fontAlgn="base" latinLnBrk="0" hangingPunct="0">
-              <a:lnSpc>
-                <a:spcPct val="90000"/>
-              </a:lnSpc>
-              <a:spcBef>
-                <a:spcPct val="20000"/>
-              </a:spcBef>
-              <a:spcAft>
-                <a:spcPct val="0"/>
-              </a:spcAft>
-              <a:buClrTx/>
-              <a:buSzPct val="100000"/>
-              <a:buFontTx/>
-              <a:buNone/>
-              <a:tabLst/>
-            </a:pPr>
-            <a:r>
-              <a:rPr kumimoji="0" lang="en-US" altLang="ru-RU" sz="1800" b="1" i="0" u="none" strike="noStrike" cap="none" normalizeH="0" baseline="0" dirty="0">
-                <a:ln>
-                  <a:noFill/>
-                </a:ln>
-                <a:solidFill>
-                  <a:schemeClr val="tx1"/>
-                </a:solidFill>
-                <a:effectLst/>
-                <a:latin typeface="Courier New" panose="02070309020205020404" pitchFamily="49" charset="0"/>
-              </a:rPr>
-              <a:t>  ---</a:t>
-            </a:r>
-          </a:p>
-          <a:p>
-            <a:pPr marL="0" marR="0" lvl="0" indent="0" algn="l" defTabSz="914400" rtl="0" eaLnBrk="0" fontAlgn="base" latinLnBrk="0" hangingPunct="0">
-              <a:lnSpc>
-                <a:spcPct val="90000"/>
-              </a:lnSpc>
-              <a:spcBef>
-                <a:spcPct val="20000"/>
-              </a:spcBef>
-              <a:spcAft>
-                <a:spcPct val="0"/>
-              </a:spcAft>
-              <a:buClrTx/>
-              <a:buSzPct val="100000"/>
-              <a:buFontTx/>
-              <a:buNone/>
-              <a:tabLst/>
-            </a:pPr>
-            <a:r>
-              <a:rPr kumimoji="0" lang="en-US" altLang="ru-RU" sz="1800" b="1" i="0" u="none" strike="noStrike" cap="none" normalizeH="0" baseline="0" dirty="0">
-                <a:ln>
-                  <a:noFill/>
-                </a:ln>
-                <a:solidFill>
-                  <a:schemeClr val="tx1"/>
-                </a:solidFill>
-                <a:effectLst/>
-                <a:latin typeface="Courier New" panose="02070309020205020404" pitchFamily="49" charset="0"/>
-              </a:rPr>
-              <a:t>  </a:t>
-            </a:r>
-            <a:r>
-              <a:rPr lang="en-US" altLang="ru-RU" b="1" dirty="0">
-                <a:latin typeface="Courier New" panose="02070309020205020404" pitchFamily="49" charset="0"/>
-              </a:rPr>
-              <a:t>  0</a:t>
-            </a:r>
-            <a:endParaRPr kumimoji="0" lang="en-US" altLang="ru-RU" sz="1800" b="1" i="0" u="none" strike="noStrike" cap="none" normalizeH="0" baseline="0" dirty="0">
-              <a:ln>
-                <a:noFill/>
-              </a:ln>
-              <a:solidFill>
-                <a:schemeClr val="tx1"/>
-              </a:solidFill>
-              <a:effectLst/>
-              <a:latin typeface="Courier New" panose="02070309020205020404" pitchFamily="49" charset="0"/>
-            </a:endParaRPr>
-          </a:p>
-        </p:txBody>
-      </p:sp>
-      <p:sp>
-        <p:nvSpPr>
           <p:cNvPr id="5" name="Номер слайда 4">
             <a:extLst>
               <a:ext uri="{FF2B5EF4-FFF2-40B4-BE49-F238E27FC236}">
-                <a16:creationId xmlns:a16="http://schemas.microsoft.com/office/drawing/2014/main" id="{EAA46E56-FBC9-121B-DCF6-8F311C49AE9E}"/>
+                <a16:creationId xmlns:a16="http://schemas.microsoft.com/office/drawing/2014/main" id="{EB6045EE-205F-B8E3-A2B0-7E5FA02C8F57}"/>
               </a:ext>
             </a:extLst>
           </p:cNvPr>
@@ -4936,7 +5024,7 @@
     </p:spTree>
     <p:extLst>
       <p:ext uri="{BB962C8B-B14F-4D97-AF65-F5344CB8AC3E}">
-        <p14:creationId xmlns:p14="http://schemas.microsoft.com/office/powerpoint/2010/main" val="3740658702"/>
+        <p14:creationId xmlns:p14="http://schemas.microsoft.com/office/powerpoint/2010/main" val="1715075230"/>
       </p:ext>
     </p:extLst>
   </p:cSld>
@@ -4971,7 +5059,7 @@
           <p:cNvPr id="2" name="Заголовок 1">
             <a:extLst>
               <a:ext uri="{FF2B5EF4-FFF2-40B4-BE49-F238E27FC236}">
-                <a16:creationId xmlns:a16="http://schemas.microsoft.com/office/drawing/2014/main" id="{51527F10-3597-6880-BCD8-6B0928353762}"/>
+                <a16:creationId xmlns:a16="http://schemas.microsoft.com/office/drawing/2014/main" id="{5CE88F6D-BB8D-5C18-B5B2-56A86506B9EF}"/>
               </a:ext>
             </a:extLst>
           </p:cNvPr>
@@ -4988,10 +5076,9 @@
           <a:lstStyle/>
           <a:p>
             <a:r>
-              <a:rPr lang="ru-RU" sz="4400" dirty="0"/>
-              <a:t>Заключение</a:t>
-            </a:r>
-            <a:endParaRPr lang="ru-RU" dirty="0"/>
+              <a:rPr lang="ru-RU" dirty="0"/>
+              <a:t>Умножение длинных чисел</a:t>
+            </a:r>
           </a:p>
         </p:txBody>
       </p:sp>
@@ -5000,7 +5087,7 @@
           <p:cNvPr id="3" name="Объект 2">
             <a:extLst>
               <a:ext uri="{FF2B5EF4-FFF2-40B4-BE49-F238E27FC236}">
-                <a16:creationId xmlns:a16="http://schemas.microsoft.com/office/drawing/2014/main" id="{95E6130E-6E7E-D515-E7F6-FB49188FE421}"/>
+                <a16:creationId xmlns:a16="http://schemas.microsoft.com/office/drawing/2014/main" id="{310AFAAC-C123-C670-C9C2-30430914ED84}"/>
               </a:ext>
             </a:extLst>
           </p:cNvPr>
@@ -5020,55 +5107,14 @@
               <a:buNone/>
             </a:pPr>
             <a:r>
-              <a:rPr lang="ru-RU" sz="2800" dirty="0"/>
-              <a:t>В ходе изучения структуры эффективная длинная арифметика были реализованы операции:</a:t>
-            </a:r>
-          </a:p>
-          <a:p>
-            <a:pPr marL="742950" lvl="1" indent="-285750">
-              <a:buFont typeface="Wingdings" panose="05000000000000000000" pitchFamily="2" charset="2"/>
-              <a:buChar char="§"/>
-            </a:pPr>
-            <a:r>
-              <a:rPr lang="ru-RU" sz="2800" dirty="0"/>
-              <a:t>Сложения</a:t>
-            </a:r>
-          </a:p>
-          <a:p>
-            <a:pPr marL="742950" lvl="1" indent="-285750">
-              <a:buFont typeface="Wingdings" panose="05000000000000000000" pitchFamily="2" charset="2"/>
-              <a:buChar char="§"/>
-            </a:pPr>
-            <a:r>
-              <a:rPr lang="ru-RU" sz="2800" dirty="0"/>
-              <a:t>Вычитания</a:t>
-            </a:r>
-          </a:p>
-          <a:p>
-            <a:pPr marL="742950" lvl="1" indent="-285750">
-              <a:buFont typeface="Wingdings" panose="05000000000000000000" pitchFamily="2" charset="2"/>
-              <a:buChar char="§"/>
-            </a:pPr>
-            <a:r>
-              <a:rPr lang="ru-RU" sz="2800" dirty="0"/>
-              <a:t>Умножения</a:t>
-            </a:r>
-          </a:p>
-          <a:p>
-            <a:pPr marL="742950" lvl="1" indent="-285750">
-              <a:buFont typeface="Wingdings" panose="05000000000000000000" pitchFamily="2" charset="2"/>
-              <a:buChar char="§"/>
-            </a:pPr>
-            <a:r>
-              <a:rPr lang="ru-RU" sz="2800" dirty="0"/>
-              <a:t>Деления нацело</a:t>
-            </a:r>
-          </a:p>
-          <a:p>
-            <a:pPr marL="0" indent="0">
-              <a:buNone/>
-            </a:pPr>
-            <a:endParaRPr lang="ru-RU" dirty="0"/>
+              <a:rPr lang="ru-RU" dirty="0"/>
+              <a:t>Для эффективного умножения используется алгоритм быстрого преобразования Фурье,  позволяющий перемножать числа за время </a:t>
+            </a:r>
+            <a:r>
+              <a:rPr lang="en-US" i="1" dirty="0"/>
+              <a:t>O(n*log n).</a:t>
+            </a:r>
+            <a:endParaRPr lang="ru-RU" i="1" dirty="0"/>
           </a:p>
         </p:txBody>
       </p:sp>
@@ -5077,7 +5123,7 @@
           <p:cNvPr id="4" name="Picture 4">
             <a:extLst>
               <a:ext uri="{FF2B5EF4-FFF2-40B4-BE49-F238E27FC236}">
-                <a16:creationId xmlns:a16="http://schemas.microsoft.com/office/drawing/2014/main" id="{DB893298-E401-D357-F2A4-130D70F283A2}"/>
+                <a16:creationId xmlns:a16="http://schemas.microsoft.com/office/drawing/2014/main" id="{0B83D84F-861A-4EDA-BF3C-96CB17ECE9C5}"/>
               </a:ext>
             </a:extLst>
           </p:cNvPr>
@@ -5133,7 +5179,7 @@
           <p:cNvPr id="5" name="Номер слайда 4">
             <a:extLst>
               <a:ext uri="{FF2B5EF4-FFF2-40B4-BE49-F238E27FC236}">
-                <a16:creationId xmlns:a16="http://schemas.microsoft.com/office/drawing/2014/main" id="{04B6E45D-D33B-D7B3-B2C7-4D0DF56842F2}"/>
+                <a16:creationId xmlns:a16="http://schemas.microsoft.com/office/drawing/2014/main" id="{CA7A3DD2-2F5E-D538-0E56-437F8E4E3427}"/>
               </a:ext>
             </a:extLst>
           </p:cNvPr>
@@ -5152,6 +5198,963 @@
             <a:fld id="{856911BC-71D3-44B2-952E-7B925F4E2A13}" type="slidenum">
               <a:rPr lang="ru-RU" smtClean="0"/>
               <a:t>12</a:t>
+            </a:fld>
+            <a:endParaRPr lang="ru-RU"/>
+          </a:p>
+        </p:txBody>
+      </p:sp>
+      <p:pic>
+        <p:nvPicPr>
+          <p:cNvPr id="7" name="Рисунок 6">
+            <a:extLst>
+              <a:ext uri="{FF2B5EF4-FFF2-40B4-BE49-F238E27FC236}">
+                <a16:creationId xmlns:a16="http://schemas.microsoft.com/office/drawing/2014/main" id="{CB7F5083-218F-0192-A706-59F3630C0913}"/>
+              </a:ext>
+            </a:extLst>
+          </p:cNvPr>
+          <p:cNvPicPr>
+            <a:picLocks noChangeAspect="1"/>
+          </p:cNvPicPr>
+          <p:nvPr/>
+        </p:nvPicPr>
+        <p:blipFill>
+          <a:blip r:embed="rId4"/>
+          <a:stretch>
+            <a:fillRect/>
+          </a:stretch>
+        </p:blipFill>
+        <p:spPr>
+          <a:xfrm>
+            <a:off x="4961549" y="3005204"/>
+            <a:ext cx="2268902" cy="2728576"/>
+          </a:xfrm>
+          <a:prstGeom prst="rect">
+            <a:avLst/>
+          </a:prstGeom>
+          <a:ln>
+            <a:noFill/>
+          </a:ln>
+          <a:effectLst>
+            <a:outerShdw blurRad="292100" dist="139700" dir="2700000" algn="tl" rotWithShape="0">
+              <a:srgbClr val="333333">
+                <a:alpha val="65000"/>
+              </a:srgbClr>
+            </a:outerShdw>
+          </a:effectLst>
+        </p:spPr>
+      </p:pic>
+      <p:sp>
+        <p:nvSpPr>
+          <p:cNvPr id="8" name="TextBox 7">
+            <a:extLst>
+              <a:ext uri="{FF2B5EF4-FFF2-40B4-BE49-F238E27FC236}">
+                <a16:creationId xmlns:a16="http://schemas.microsoft.com/office/drawing/2014/main" id="{77CFDF81-E7C6-3E5D-A908-E4DD8CB90489}"/>
+              </a:ext>
+            </a:extLst>
+          </p:cNvPr>
+          <p:cNvSpPr txBox="1"/>
+          <p:nvPr/>
+        </p:nvSpPr>
+        <p:spPr>
+          <a:xfrm>
+            <a:off x="4721970" y="5821022"/>
+            <a:ext cx="2748060" cy="369332"/>
+          </a:xfrm>
+          <a:prstGeom prst="rect">
+            <a:avLst/>
+          </a:prstGeom>
+          <a:noFill/>
+        </p:spPr>
+        <p:txBody>
+          <a:bodyPr wrap="none" rtlCol="0">
+            <a:spAutoFit/>
+          </a:bodyPr>
+          <a:lstStyle/>
+          <a:p>
+            <a:r>
+              <a:rPr lang="ru-RU" i="0" dirty="0">
+                <a:solidFill>
+                  <a:srgbClr val="333333"/>
+                </a:solidFill>
+                <a:effectLst/>
+                <a:latin typeface="YS Text"/>
+              </a:rPr>
+              <a:t>Жан-Батист Жозеф Фурье</a:t>
+            </a:r>
+            <a:endParaRPr lang="ru-RU" dirty="0"/>
+          </a:p>
+        </p:txBody>
+      </p:sp>
+    </p:spTree>
+    <p:extLst>
+      <p:ext uri="{BB962C8B-B14F-4D97-AF65-F5344CB8AC3E}">
+        <p14:creationId xmlns:p14="http://schemas.microsoft.com/office/powerpoint/2010/main" val="2920262557"/>
+      </p:ext>
+    </p:extLst>
+  </p:cSld>
+  <p:clrMapOvr>
+    <a:masterClrMapping/>
+  </p:clrMapOvr>
+  <p:transition spd="slow">
+    <p:push dir="u"/>
+  </p:transition>
+</p:sld>
+</file>
+
+<file path=ppt/slides/slide13.xml><?xml version="1.0" encoding="utf-8"?>
+<p:sld xmlns:a="http://schemas.openxmlformats.org/drawingml/2006/main" xmlns:r="http://schemas.openxmlformats.org/officeDocument/2006/relationships" xmlns:p="http://schemas.openxmlformats.org/presentationml/2006/main">
+  <p:cSld>
+    <p:spTree>
+      <p:nvGrpSpPr>
+        <p:cNvPr id="1" name=""/>
+        <p:cNvGrpSpPr/>
+        <p:nvPr/>
+      </p:nvGrpSpPr>
+      <p:grpSpPr>
+        <a:xfrm>
+          <a:off x="0" y="0"/>
+          <a:ext cx="0" cy="0"/>
+          <a:chOff x="0" y="0"/>
+          <a:chExt cx="0" cy="0"/>
+        </a:xfrm>
+      </p:grpSpPr>
+      <p:sp>
+        <p:nvSpPr>
+          <p:cNvPr id="2" name="Заголовок 1">
+            <a:extLst>
+              <a:ext uri="{FF2B5EF4-FFF2-40B4-BE49-F238E27FC236}">
+                <a16:creationId xmlns:a16="http://schemas.microsoft.com/office/drawing/2014/main" id="{28CC594D-815A-7496-3DCE-8CB5F38F488A}"/>
+              </a:ext>
+            </a:extLst>
+          </p:cNvPr>
+          <p:cNvSpPr>
+            <a:spLocks noGrp="1"/>
+          </p:cNvSpPr>
+          <p:nvPr>
+            <p:ph type="title"/>
+          </p:nvPr>
+        </p:nvSpPr>
+        <p:spPr/>
+        <p:txBody>
+          <a:bodyPr/>
+          <a:lstStyle/>
+          <a:p>
+            <a:r>
+              <a:rPr lang="ru-RU" dirty="0"/>
+              <a:t>Деление длинных чисел</a:t>
+            </a:r>
+          </a:p>
+        </p:txBody>
+      </p:sp>
+      <p:sp>
+        <p:nvSpPr>
+          <p:cNvPr id="3" name="Объект 2">
+            <a:extLst>
+              <a:ext uri="{FF2B5EF4-FFF2-40B4-BE49-F238E27FC236}">
+                <a16:creationId xmlns:a16="http://schemas.microsoft.com/office/drawing/2014/main" id="{8FC24F2B-7C0E-B00C-57CE-CD3D35F2900C}"/>
+              </a:ext>
+            </a:extLst>
+          </p:cNvPr>
+          <p:cNvSpPr>
+            <a:spLocks noGrp="1"/>
+          </p:cNvSpPr>
+          <p:nvPr>
+            <p:ph idx="1"/>
+          </p:nvPr>
+        </p:nvSpPr>
+        <p:spPr/>
+        <p:txBody>
+          <a:bodyPr/>
+          <a:lstStyle/>
+          <a:p>
+            <a:pPr marL="0" indent="0">
+              <a:buNone/>
+            </a:pPr>
+            <a:r>
+              <a:rPr lang="ru-RU" dirty="0"/>
+              <a:t>Для деления используется школьный алгоритм деления в столбик</a:t>
+            </a:r>
+          </a:p>
+        </p:txBody>
+      </p:sp>
+      <p:pic>
+        <p:nvPicPr>
+          <p:cNvPr id="4" name="Picture 4">
+            <a:extLst>
+              <a:ext uri="{FF2B5EF4-FFF2-40B4-BE49-F238E27FC236}">
+                <a16:creationId xmlns:a16="http://schemas.microsoft.com/office/drawing/2014/main" id="{FBB4FFFC-5D17-ED68-CDF9-849C72DB55D5}"/>
+              </a:ext>
+            </a:extLst>
+          </p:cNvPr>
+          <p:cNvPicPr>
+            <a:picLocks noChangeAspect="1" noChangeArrowheads="1"/>
+          </p:cNvPicPr>
+          <p:nvPr/>
+        </p:nvPicPr>
+        <p:blipFill>
+          <a:blip r:embed="rId2">
+            <a:extLst>
+              <a:ext uri="{BEBA8EAE-BF5A-486C-A8C5-ECC9F3942E4B}">
+                <a14:imgProps xmlns:a14="http://schemas.microsoft.com/office/drawing/2010/main">
+                  <a14:imgLayer r:embed="rId3">
+                    <a14:imgEffect>
+                      <a14:backgroundRemoval t="10000" b="90000" l="10000" r="90000"/>
+                    </a14:imgEffect>
+                  </a14:imgLayer>
+                </a14:imgProps>
+              </a:ext>
+              <a:ext uri="{28A0092B-C50C-407E-A947-70E740481C1C}">
+                <a14:useLocalDpi xmlns:a14="http://schemas.microsoft.com/office/drawing/2010/main" val="0"/>
+              </a:ext>
+            </a:extLst>
+          </a:blip>
+          <a:srcRect/>
+          <a:stretch>
+            <a:fillRect/>
+          </a:stretch>
+        </p:blipFill>
+        <p:spPr bwMode="auto">
+          <a:xfrm>
+            <a:off x="0" y="5950979"/>
+            <a:ext cx="905934" cy="905934"/>
+          </a:xfrm>
+          <a:prstGeom prst="rect">
+            <a:avLst/>
+          </a:prstGeom>
+          <a:noFill/>
+          <a:extLst>
+            <a:ext uri="{909E8E84-426E-40DD-AFC4-6F175D3DCCD1}">
+              <a14:hiddenFill xmlns:a14="http://schemas.microsoft.com/office/drawing/2010/main">
+                <a:solidFill>
+                  <a:srgbClr val="FFFFFF"/>
+                </a:solidFill>
+              </a14:hiddenFill>
+            </a:ext>
+          </a:extLst>
+        </p:spPr>
+      </p:pic>
+      <p:sp>
+        <p:nvSpPr>
+          <p:cNvPr id="7" name="TextBox 6">
+            <a:extLst>
+              <a:ext uri="{FF2B5EF4-FFF2-40B4-BE49-F238E27FC236}">
+                <a16:creationId xmlns:a16="http://schemas.microsoft.com/office/drawing/2014/main" id="{BF6CA6D4-5185-A108-2DE6-DC2851606130}"/>
+              </a:ext>
+            </a:extLst>
+          </p:cNvPr>
+          <p:cNvSpPr txBox="1"/>
+          <p:nvPr/>
+        </p:nvSpPr>
+        <p:spPr>
+          <a:xfrm>
+            <a:off x="5630779" y="2608220"/>
+            <a:ext cx="2454442" cy="2786147"/>
+          </a:xfrm>
+          <a:prstGeom prst="rect">
+            <a:avLst/>
+          </a:prstGeom>
+          <a:noFill/>
+        </p:spPr>
+        <p:txBody>
+          <a:bodyPr wrap="square">
+            <a:spAutoFit/>
+          </a:bodyPr>
+          <a:lstStyle/>
+          <a:p>
+            <a:pPr marL="0" marR="0" lvl="0" indent="0" algn="l" defTabSz="914400" rtl="0" eaLnBrk="0" fontAlgn="base" latinLnBrk="0" hangingPunct="0">
+              <a:lnSpc>
+                <a:spcPct val="90000"/>
+              </a:lnSpc>
+              <a:spcBef>
+                <a:spcPct val="20000"/>
+              </a:spcBef>
+              <a:spcAft>
+                <a:spcPct val="0"/>
+              </a:spcAft>
+              <a:buClrTx/>
+              <a:buSzPct val="100000"/>
+              <a:buFontTx/>
+              <a:buNone/>
+              <a:tabLst/>
+            </a:pPr>
+            <a:r>
+              <a:rPr lang="ru-RU" altLang="ru-RU" b="1" dirty="0">
+                <a:latin typeface="Courier New" panose="02070309020205020404" pitchFamily="49" charset="0"/>
+              </a:rPr>
+              <a:t>7 4 1</a:t>
+            </a:r>
+            <a:r>
+              <a:rPr kumimoji="0" lang="ru-RU" altLang="ru-RU" sz="1800" b="1" i="0" u="none" strike="noStrike" cap="none" normalizeH="0" baseline="0" dirty="0">
+                <a:ln>
+                  <a:noFill/>
+                </a:ln>
+                <a:solidFill>
+                  <a:schemeClr val="tx1"/>
+                </a:solidFill>
+                <a:effectLst/>
+                <a:latin typeface="Courier New" panose="02070309020205020404" pitchFamily="49" charset="0"/>
+              </a:rPr>
+              <a:t> </a:t>
+            </a:r>
+            <a:r>
+              <a:rPr kumimoji="0" lang="en-US" altLang="ru-RU" sz="1800" b="1" i="0" u="none" strike="noStrike" cap="none" normalizeH="0" baseline="0" dirty="0">
+                <a:ln>
+                  <a:noFill/>
+                </a:ln>
+                <a:solidFill>
+                  <a:schemeClr val="tx1"/>
+                </a:solidFill>
+                <a:effectLst/>
+                <a:latin typeface="Courier New" panose="02070309020205020404" pitchFamily="49" charset="0"/>
+              </a:rPr>
+              <a:t>| </a:t>
+            </a:r>
+            <a:r>
+              <a:rPr kumimoji="0" lang="ru-RU" altLang="ru-RU" sz="1800" b="1" i="0" u="none" strike="noStrike" cap="none" normalizeH="0" baseline="0" dirty="0">
+                <a:ln>
+                  <a:noFill/>
+                </a:ln>
+                <a:solidFill>
+                  <a:schemeClr val="tx1"/>
+                </a:solidFill>
+                <a:effectLst/>
+                <a:latin typeface="Courier New" panose="02070309020205020404" pitchFamily="49" charset="0"/>
+              </a:rPr>
+              <a:t>3</a:t>
+            </a:r>
+            <a:endParaRPr kumimoji="0" lang="en-US" altLang="ru-RU" sz="1800" b="1" i="0" u="none" strike="noStrike" cap="none" normalizeH="0" baseline="0" dirty="0">
+              <a:ln>
+                <a:noFill/>
+              </a:ln>
+              <a:solidFill>
+                <a:schemeClr val="tx1"/>
+              </a:solidFill>
+              <a:effectLst/>
+              <a:latin typeface="Courier New" panose="02070309020205020404" pitchFamily="49" charset="0"/>
+            </a:endParaRPr>
+          </a:p>
+          <a:p>
+            <a:pPr marL="0" marR="0" lvl="0" indent="0" algn="l" defTabSz="914400" rtl="0" eaLnBrk="0" fontAlgn="base" latinLnBrk="0" hangingPunct="0">
+              <a:lnSpc>
+                <a:spcPct val="90000"/>
+              </a:lnSpc>
+              <a:spcBef>
+                <a:spcPct val="20000"/>
+              </a:spcBef>
+              <a:spcAft>
+                <a:spcPct val="0"/>
+              </a:spcAft>
+              <a:buClrTx/>
+              <a:buSzPct val="100000"/>
+              <a:buFontTx/>
+              <a:buNone/>
+              <a:tabLst/>
+            </a:pPr>
+            <a:r>
+              <a:rPr kumimoji="0" lang="en-US" altLang="ru-RU" sz="1800" b="1" i="0" u="none" strike="noStrike" cap="none" normalizeH="0" baseline="0" dirty="0">
+                <a:ln>
+                  <a:noFill/>
+                </a:ln>
+                <a:solidFill>
+                  <a:schemeClr val="tx1"/>
+                </a:solidFill>
+                <a:effectLst/>
+                <a:latin typeface="Courier New" panose="02070309020205020404" pitchFamily="49" charset="0"/>
+              </a:rPr>
+              <a:t>-------------</a:t>
+            </a:r>
+          </a:p>
+          <a:p>
+            <a:pPr marL="0" marR="0" lvl="0" indent="0" algn="l" defTabSz="914400" rtl="0" eaLnBrk="0" fontAlgn="base" latinLnBrk="0" hangingPunct="0">
+              <a:lnSpc>
+                <a:spcPct val="90000"/>
+              </a:lnSpc>
+              <a:spcBef>
+                <a:spcPct val="20000"/>
+              </a:spcBef>
+              <a:spcAft>
+                <a:spcPct val="0"/>
+              </a:spcAft>
+              <a:buClrTx/>
+              <a:buSzPct val="100000"/>
+              <a:buFontTx/>
+              <a:buNone/>
+              <a:tabLst/>
+            </a:pPr>
+            <a:r>
+              <a:rPr lang="ru-RU" altLang="ru-RU" b="1" dirty="0">
+                <a:latin typeface="Courier New" panose="02070309020205020404" pitchFamily="49" charset="0"/>
+              </a:rPr>
+              <a:t>7 </a:t>
+            </a:r>
+            <a:r>
+              <a:rPr lang="en-US" altLang="ru-RU" b="1" dirty="0">
+                <a:latin typeface="Courier New" panose="02070309020205020404" pitchFamily="49" charset="0"/>
+              </a:rPr>
+              <a:t>4</a:t>
+            </a:r>
+            <a:r>
+              <a:rPr kumimoji="0" lang="en-US" altLang="ru-RU" sz="1800" b="1" i="0" u="none" strike="noStrike" cap="none" normalizeH="0" baseline="0" dirty="0">
+                <a:ln>
+                  <a:noFill/>
+                </a:ln>
+                <a:solidFill>
+                  <a:schemeClr val="tx1"/>
+                </a:solidFill>
+                <a:effectLst/>
+                <a:latin typeface="Courier New" panose="02070309020205020404" pitchFamily="49" charset="0"/>
+              </a:rPr>
+              <a:t>   | </a:t>
+            </a:r>
+            <a:r>
+              <a:rPr kumimoji="0" lang="ru-RU" altLang="ru-RU" sz="1800" b="1" i="0" u="none" strike="noStrike" cap="none" normalizeH="0" baseline="0" dirty="0">
+                <a:ln>
+                  <a:noFill/>
+                </a:ln>
+                <a:solidFill>
+                  <a:schemeClr val="tx1"/>
+                </a:solidFill>
+                <a:effectLst/>
+                <a:latin typeface="Courier New" panose="02070309020205020404" pitchFamily="49" charset="0"/>
+              </a:rPr>
+              <a:t>2 4</a:t>
+            </a:r>
+            <a:r>
+              <a:rPr kumimoji="0" lang="en-US" altLang="ru-RU" sz="1800" b="1" i="0" u="none" strike="noStrike" cap="none" normalizeH="0" baseline="0" dirty="0">
+                <a:ln>
+                  <a:noFill/>
+                </a:ln>
+                <a:solidFill>
+                  <a:schemeClr val="tx1"/>
+                </a:solidFill>
+                <a:effectLst/>
+                <a:latin typeface="Courier New" panose="02070309020205020404" pitchFamily="49" charset="0"/>
+              </a:rPr>
+              <a:t> </a:t>
+            </a:r>
+            <a:r>
+              <a:rPr lang="en-US" altLang="ru-RU" b="1" dirty="0">
+                <a:latin typeface="Courier New" panose="02070309020205020404" pitchFamily="49" charset="0"/>
+              </a:rPr>
+              <a:t>7</a:t>
+            </a:r>
+            <a:endParaRPr kumimoji="0" lang="en-US" altLang="ru-RU" sz="1800" b="1" i="0" u="none" strike="noStrike" cap="none" normalizeH="0" baseline="0" dirty="0">
+              <a:ln>
+                <a:noFill/>
+              </a:ln>
+              <a:solidFill>
+                <a:schemeClr val="tx1"/>
+              </a:solidFill>
+              <a:effectLst/>
+              <a:latin typeface="Courier New" panose="02070309020205020404" pitchFamily="49" charset="0"/>
+            </a:endParaRPr>
+          </a:p>
+          <a:p>
+            <a:pPr marL="0" marR="0" lvl="0" indent="0" algn="l" defTabSz="914400" rtl="0" eaLnBrk="0" fontAlgn="base" latinLnBrk="0" hangingPunct="0">
+              <a:lnSpc>
+                <a:spcPct val="90000"/>
+              </a:lnSpc>
+              <a:spcBef>
+                <a:spcPct val="20000"/>
+              </a:spcBef>
+              <a:spcAft>
+                <a:spcPct val="0"/>
+              </a:spcAft>
+              <a:buClrTx/>
+              <a:buSzPct val="100000"/>
+              <a:buFontTx/>
+              <a:buNone/>
+              <a:tabLst/>
+            </a:pPr>
+            <a:r>
+              <a:rPr kumimoji="0" lang="en-US" altLang="ru-RU" sz="1800" b="1" i="0" u="none" strike="noStrike" cap="none" normalizeH="0" baseline="0" dirty="0">
+                <a:ln>
+                  <a:noFill/>
+                </a:ln>
+                <a:solidFill>
+                  <a:schemeClr val="tx1"/>
+                </a:solidFill>
+                <a:effectLst/>
+                <a:latin typeface="Courier New" panose="02070309020205020404" pitchFamily="49" charset="0"/>
+              </a:rPr>
+              <a:t>7 2</a:t>
+            </a:r>
+          </a:p>
+          <a:p>
+            <a:pPr marL="0" marR="0" lvl="0" indent="0" algn="l" defTabSz="914400" rtl="0" eaLnBrk="0" fontAlgn="base" latinLnBrk="0" hangingPunct="0">
+              <a:lnSpc>
+                <a:spcPct val="90000"/>
+              </a:lnSpc>
+              <a:spcBef>
+                <a:spcPct val="20000"/>
+              </a:spcBef>
+              <a:spcAft>
+                <a:spcPct val="0"/>
+              </a:spcAft>
+              <a:buClrTx/>
+              <a:buSzPct val="100000"/>
+              <a:buFontTx/>
+              <a:buNone/>
+              <a:tabLst/>
+            </a:pPr>
+            <a:r>
+              <a:rPr kumimoji="0" lang="en-US" altLang="ru-RU" sz="1800" b="1" i="0" u="none" strike="noStrike" cap="none" normalizeH="0" baseline="0" dirty="0">
+                <a:ln>
+                  <a:noFill/>
+                </a:ln>
+                <a:solidFill>
+                  <a:schemeClr val="tx1"/>
+                </a:solidFill>
+                <a:effectLst/>
+                <a:latin typeface="Courier New" panose="02070309020205020404" pitchFamily="49" charset="0"/>
+              </a:rPr>
+              <a:t>---</a:t>
+            </a:r>
+          </a:p>
+          <a:p>
+            <a:pPr marL="0" marR="0" lvl="0" indent="0" algn="l" defTabSz="914400" rtl="0" eaLnBrk="0" fontAlgn="base" latinLnBrk="0" hangingPunct="0">
+              <a:lnSpc>
+                <a:spcPct val="90000"/>
+              </a:lnSpc>
+              <a:spcBef>
+                <a:spcPct val="20000"/>
+              </a:spcBef>
+              <a:spcAft>
+                <a:spcPct val="0"/>
+              </a:spcAft>
+              <a:buClrTx/>
+              <a:buSzPct val="100000"/>
+              <a:buFontTx/>
+              <a:buNone/>
+              <a:tabLst/>
+            </a:pPr>
+            <a:r>
+              <a:rPr kumimoji="0" lang="en-US" altLang="ru-RU" sz="1800" b="1" i="0" u="none" strike="noStrike" cap="none" normalizeH="0" baseline="0" dirty="0">
+                <a:ln>
+                  <a:noFill/>
+                </a:ln>
+                <a:solidFill>
+                  <a:schemeClr val="tx1"/>
+                </a:solidFill>
+                <a:effectLst/>
+                <a:latin typeface="Courier New" panose="02070309020205020404" pitchFamily="49" charset="0"/>
+              </a:rPr>
+              <a:t>  </a:t>
+            </a:r>
+            <a:r>
+              <a:rPr lang="en-US" altLang="ru-RU" b="1" dirty="0">
+                <a:latin typeface="Courier New" panose="02070309020205020404" pitchFamily="49" charset="0"/>
+              </a:rPr>
+              <a:t>2</a:t>
+            </a:r>
+            <a:r>
+              <a:rPr kumimoji="0" lang="en-US" altLang="ru-RU" sz="1800" b="1" i="0" u="none" strike="noStrike" cap="none" normalizeH="0" baseline="0" dirty="0">
+                <a:ln>
+                  <a:noFill/>
+                </a:ln>
+                <a:solidFill>
+                  <a:schemeClr val="tx1"/>
+                </a:solidFill>
+                <a:effectLst/>
+                <a:latin typeface="Courier New" panose="02070309020205020404" pitchFamily="49" charset="0"/>
+              </a:rPr>
+              <a:t> </a:t>
+            </a:r>
+            <a:r>
+              <a:rPr lang="ru-RU" altLang="ru-RU" b="1" dirty="0">
+                <a:latin typeface="Courier New" panose="02070309020205020404" pitchFamily="49" charset="0"/>
+              </a:rPr>
+              <a:t>1</a:t>
+            </a:r>
+            <a:endParaRPr kumimoji="0" lang="en-US" altLang="ru-RU" sz="1800" b="1" i="0" u="none" strike="noStrike" cap="none" normalizeH="0" baseline="0" dirty="0">
+              <a:ln>
+                <a:noFill/>
+              </a:ln>
+              <a:solidFill>
+                <a:schemeClr val="tx1"/>
+              </a:solidFill>
+              <a:effectLst/>
+              <a:latin typeface="Courier New" panose="02070309020205020404" pitchFamily="49" charset="0"/>
+            </a:endParaRPr>
+          </a:p>
+          <a:p>
+            <a:pPr marL="0" marR="0" lvl="0" indent="0" algn="l" defTabSz="914400" rtl="0" eaLnBrk="0" fontAlgn="base" latinLnBrk="0" hangingPunct="0">
+              <a:lnSpc>
+                <a:spcPct val="90000"/>
+              </a:lnSpc>
+              <a:spcBef>
+                <a:spcPct val="20000"/>
+              </a:spcBef>
+              <a:spcAft>
+                <a:spcPct val="0"/>
+              </a:spcAft>
+              <a:buClrTx/>
+              <a:buSzPct val="100000"/>
+              <a:buFontTx/>
+              <a:buNone/>
+              <a:tabLst/>
+            </a:pPr>
+            <a:r>
+              <a:rPr kumimoji="0" lang="en-US" altLang="ru-RU" sz="1800" b="1" i="0" u="none" strike="noStrike" cap="none" normalizeH="0" baseline="0" dirty="0">
+                <a:ln>
+                  <a:noFill/>
+                </a:ln>
+                <a:solidFill>
+                  <a:schemeClr val="tx1"/>
+                </a:solidFill>
+                <a:effectLst/>
+                <a:latin typeface="Courier New" panose="02070309020205020404" pitchFamily="49" charset="0"/>
+              </a:rPr>
+              <a:t>  </a:t>
+            </a:r>
+            <a:r>
+              <a:rPr lang="en-US" altLang="ru-RU" b="1" dirty="0">
+                <a:latin typeface="Courier New" panose="02070309020205020404" pitchFamily="49" charset="0"/>
+              </a:rPr>
+              <a:t>2</a:t>
+            </a:r>
+            <a:r>
+              <a:rPr kumimoji="0" lang="en-US" altLang="ru-RU" sz="1800" b="1" i="0" u="none" strike="noStrike" cap="none" normalizeH="0" baseline="0" dirty="0">
+                <a:ln>
+                  <a:noFill/>
+                </a:ln>
+                <a:solidFill>
+                  <a:schemeClr val="tx1"/>
+                </a:solidFill>
+                <a:effectLst/>
+                <a:latin typeface="Courier New" panose="02070309020205020404" pitchFamily="49" charset="0"/>
+              </a:rPr>
+              <a:t> 1</a:t>
+            </a:r>
+          </a:p>
+          <a:p>
+            <a:pPr marL="0" marR="0" lvl="0" indent="0" algn="l" defTabSz="914400" rtl="0" eaLnBrk="0" fontAlgn="base" latinLnBrk="0" hangingPunct="0">
+              <a:lnSpc>
+                <a:spcPct val="90000"/>
+              </a:lnSpc>
+              <a:spcBef>
+                <a:spcPct val="20000"/>
+              </a:spcBef>
+              <a:spcAft>
+                <a:spcPct val="0"/>
+              </a:spcAft>
+              <a:buClrTx/>
+              <a:buSzPct val="100000"/>
+              <a:buFontTx/>
+              <a:buNone/>
+              <a:tabLst/>
+            </a:pPr>
+            <a:r>
+              <a:rPr kumimoji="0" lang="en-US" altLang="ru-RU" sz="1800" b="1" i="0" u="none" strike="noStrike" cap="none" normalizeH="0" baseline="0" dirty="0">
+                <a:ln>
+                  <a:noFill/>
+                </a:ln>
+                <a:solidFill>
+                  <a:schemeClr val="tx1"/>
+                </a:solidFill>
+                <a:effectLst/>
+                <a:latin typeface="Courier New" panose="02070309020205020404" pitchFamily="49" charset="0"/>
+              </a:rPr>
+              <a:t>  ---</a:t>
+            </a:r>
+          </a:p>
+          <a:p>
+            <a:pPr marL="0" marR="0" lvl="0" indent="0" algn="l" defTabSz="914400" rtl="0" eaLnBrk="0" fontAlgn="base" latinLnBrk="0" hangingPunct="0">
+              <a:lnSpc>
+                <a:spcPct val="90000"/>
+              </a:lnSpc>
+              <a:spcBef>
+                <a:spcPct val="20000"/>
+              </a:spcBef>
+              <a:spcAft>
+                <a:spcPct val="0"/>
+              </a:spcAft>
+              <a:buClrTx/>
+              <a:buSzPct val="100000"/>
+              <a:buFontTx/>
+              <a:buNone/>
+              <a:tabLst/>
+            </a:pPr>
+            <a:r>
+              <a:rPr kumimoji="0" lang="en-US" altLang="ru-RU" sz="1800" b="1" i="0" u="none" strike="noStrike" cap="none" normalizeH="0" baseline="0" dirty="0">
+                <a:ln>
+                  <a:noFill/>
+                </a:ln>
+                <a:solidFill>
+                  <a:schemeClr val="tx1"/>
+                </a:solidFill>
+                <a:effectLst/>
+                <a:latin typeface="Courier New" panose="02070309020205020404" pitchFamily="49" charset="0"/>
+              </a:rPr>
+              <a:t>  </a:t>
+            </a:r>
+            <a:r>
+              <a:rPr lang="en-US" altLang="ru-RU" b="1" dirty="0">
+                <a:latin typeface="Courier New" panose="02070309020205020404" pitchFamily="49" charset="0"/>
+              </a:rPr>
+              <a:t>  0</a:t>
+            </a:r>
+            <a:endParaRPr kumimoji="0" lang="en-US" altLang="ru-RU" sz="1800" b="1" i="0" u="none" strike="noStrike" cap="none" normalizeH="0" baseline="0" dirty="0">
+              <a:ln>
+                <a:noFill/>
+              </a:ln>
+              <a:solidFill>
+                <a:schemeClr val="tx1"/>
+              </a:solidFill>
+              <a:effectLst/>
+              <a:latin typeface="Courier New" panose="02070309020205020404" pitchFamily="49" charset="0"/>
+            </a:endParaRPr>
+          </a:p>
+        </p:txBody>
+      </p:sp>
+      <p:sp>
+        <p:nvSpPr>
+          <p:cNvPr id="5" name="Номер слайда 4">
+            <a:extLst>
+              <a:ext uri="{FF2B5EF4-FFF2-40B4-BE49-F238E27FC236}">
+                <a16:creationId xmlns:a16="http://schemas.microsoft.com/office/drawing/2014/main" id="{EAA46E56-FBC9-121B-DCF6-8F311C49AE9E}"/>
+              </a:ext>
+            </a:extLst>
+          </p:cNvPr>
+          <p:cNvSpPr>
+            <a:spLocks noGrp="1"/>
+          </p:cNvSpPr>
+          <p:nvPr>
+            <p:ph type="sldNum" sz="quarter" idx="12"/>
+          </p:nvPr>
+        </p:nvSpPr>
+        <p:spPr/>
+        <p:txBody>
+          <a:bodyPr/>
+          <a:lstStyle/>
+          <a:p>
+            <a:fld id="{856911BC-71D3-44B2-952E-7B925F4E2A13}" type="slidenum">
+              <a:rPr lang="ru-RU" smtClean="0"/>
+              <a:t>13</a:t>
+            </a:fld>
+            <a:endParaRPr lang="ru-RU"/>
+          </a:p>
+        </p:txBody>
+      </p:sp>
+    </p:spTree>
+    <p:extLst>
+      <p:ext uri="{BB962C8B-B14F-4D97-AF65-F5344CB8AC3E}">
+        <p14:creationId xmlns:p14="http://schemas.microsoft.com/office/powerpoint/2010/main" val="3740658702"/>
+      </p:ext>
+    </p:extLst>
+  </p:cSld>
+  <p:clrMapOvr>
+    <a:masterClrMapping/>
+  </p:clrMapOvr>
+  <p:transition spd="slow">
+    <p:push dir="u"/>
+  </p:transition>
+</p:sld>
+</file>
+
+<file path=ppt/slides/slide14.xml><?xml version="1.0" encoding="utf-8"?>
+<p:sld xmlns:a="http://schemas.openxmlformats.org/drawingml/2006/main" xmlns:r="http://schemas.openxmlformats.org/officeDocument/2006/relationships" xmlns:p="http://schemas.openxmlformats.org/presentationml/2006/main">
+  <p:cSld>
+    <p:spTree>
+      <p:nvGrpSpPr>
+        <p:cNvPr id="1" name=""/>
+        <p:cNvGrpSpPr/>
+        <p:nvPr/>
+      </p:nvGrpSpPr>
+      <p:grpSpPr>
+        <a:xfrm>
+          <a:off x="0" y="0"/>
+          <a:ext cx="0" cy="0"/>
+          <a:chOff x="0" y="0"/>
+          <a:chExt cx="0" cy="0"/>
+        </a:xfrm>
+      </p:grpSpPr>
+      <p:sp>
+        <p:nvSpPr>
+          <p:cNvPr id="2" name="Заголовок 1">
+            <a:extLst>
+              <a:ext uri="{FF2B5EF4-FFF2-40B4-BE49-F238E27FC236}">
+                <a16:creationId xmlns:a16="http://schemas.microsoft.com/office/drawing/2014/main" id="{51527F10-3597-6880-BCD8-6B0928353762}"/>
+              </a:ext>
+            </a:extLst>
+          </p:cNvPr>
+          <p:cNvSpPr>
+            <a:spLocks noGrp="1"/>
+          </p:cNvSpPr>
+          <p:nvPr>
+            <p:ph type="title"/>
+          </p:nvPr>
+        </p:nvSpPr>
+        <p:spPr/>
+        <p:txBody>
+          <a:bodyPr/>
+          <a:lstStyle/>
+          <a:p>
+            <a:r>
+              <a:rPr lang="ru-RU" sz="4400" dirty="0"/>
+              <a:t>Заключение</a:t>
+            </a:r>
+            <a:endParaRPr lang="ru-RU" dirty="0"/>
+          </a:p>
+        </p:txBody>
+      </p:sp>
+      <p:sp>
+        <p:nvSpPr>
+          <p:cNvPr id="3" name="Объект 2">
+            <a:extLst>
+              <a:ext uri="{FF2B5EF4-FFF2-40B4-BE49-F238E27FC236}">
+                <a16:creationId xmlns:a16="http://schemas.microsoft.com/office/drawing/2014/main" id="{95E6130E-6E7E-D515-E7F6-FB49188FE421}"/>
+              </a:ext>
+            </a:extLst>
+          </p:cNvPr>
+          <p:cNvSpPr>
+            <a:spLocks noGrp="1"/>
+          </p:cNvSpPr>
+          <p:nvPr>
+            <p:ph idx="1"/>
+          </p:nvPr>
+        </p:nvSpPr>
+        <p:spPr/>
+        <p:txBody>
+          <a:bodyPr/>
+          <a:lstStyle/>
+          <a:p>
+            <a:pPr marL="0" indent="0">
+              <a:buNone/>
+            </a:pPr>
+            <a:r>
+              <a:rPr lang="ru-RU" sz="2800" dirty="0"/>
+              <a:t>В ходе изучения структуры эффективная длинная арифметика были реализованы операции:</a:t>
+            </a:r>
+          </a:p>
+          <a:p>
+            <a:pPr marL="742950" lvl="1" indent="-285750">
+              <a:buFont typeface="Wingdings" panose="05000000000000000000" pitchFamily="2" charset="2"/>
+              <a:buChar char="§"/>
+            </a:pPr>
+            <a:r>
+              <a:rPr lang="ru-RU" sz="2800" dirty="0"/>
+              <a:t>Сложения</a:t>
+            </a:r>
+          </a:p>
+          <a:p>
+            <a:pPr marL="742950" lvl="1" indent="-285750">
+              <a:buFont typeface="Wingdings" panose="05000000000000000000" pitchFamily="2" charset="2"/>
+              <a:buChar char="§"/>
+            </a:pPr>
+            <a:r>
+              <a:rPr lang="ru-RU" sz="2800" dirty="0"/>
+              <a:t>Вычитания</a:t>
+            </a:r>
+          </a:p>
+          <a:p>
+            <a:pPr marL="742950" lvl="1" indent="-285750">
+              <a:buFont typeface="Wingdings" panose="05000000000000000000" pitchFamily="2" charset="2"/>
+              <a:buChar char="§"/>
+            </a:pPr>
+            <a:r>
+              <a:rPr lang="ru-RU" sz="2800" dirty="0"/>
+              <a:t>Умножения</a:t>
+            </a:r>
+          </a:p>
+          <a:p>
+            <a:pPr marL="742950" lvl="1" indent="-285750">
+              <a:buFont typeface="Wingdings" panose="05000000000000000000" pitchFamily="2" charset="2"/>
+              <a:buChar char="§"/>
+            </a:pPr>
+            <a:r>
+              <a:rPr lang="ru-RU" sz="2800" dirty="0"/>
+              <a:t>Деления нацело</a:t>
+            </a:r>
+          </a:p>
+          <a:p>
+            <a:pPr marL="0" indent="0">
+              <a:buNone/>
+            </a:pPr>
+            <a:endParaRPr lang="ru-RU" dirty="0"/>
+          </a:p>
+        </p:txBody>
+      </p:sp>
+      <p:pic>
+        <p:nvPicPr>
+          <p:cNvPr id="4" name="Picture 4">
+            <a:extLst>
+              <a:ext uri="{FF2B5EF4-FFF2-40B4-BE49-F238E27FC236}">
+                <a16:creationId xmlns:a16="http://schemas.microsoft.com/office/drawing/2014/main" id="{DB893298-E401-D357-F2A4-130D70F283A2}"/>
+              </a:ext>
+            </a:extLst>
+          </p:cNvPr>
+          <p:cNvPicPr>
+            <a:picLocks noChangeAspect="1" noChangeArrowheads="1"/>
+          </p:cNvPicPr>
+          <p:nvPr/>
+        </p:nvPicPr>
+        <p:blipFill>
+          <a:blip r:embed="rId2">
+            <a:extLst>
+              <a:ext uri="{BEBA8EAE-BF5A-486C-A8C5-ECC9F3942E4B}">
+                <a14:imgProps xmlns:a14="http://schemas.microsoft.com/office/drawing/2010/main">
+                  <a14:imgLayer r:embed="rId3">
+                    <a14:imgEffect>
+                      <a14:backgroundRemoval t="10000" b="90000" l="10000" r="90000"/>
+                    </a14:imgEffect>
+                  </a14:imgLayer>
+                </a14:imgProps>
+              </a:ext>
+              <a:ext uri="{28A0092B-C50C-407E-A947-70E740481C1C}">
+                <a14:useLocalDpi xmlns:a14="http://schemas.microsoft.com/office/drawing/2010/main" val="0"/>
+              </a:ext>
+            </a:extLst>
+          </a:blip>
+          <a:srcRect/>
+          <a:stretch>
+            <a:fillRect/>
+          </a:stretch>
+        </p:blipFill>
+        <p:spPr bwMode="auto">
+          <a:xfrm>
+            <a:off x="0" y="5950979"/>
+            <a:ext cx="905934" cy="905934"/>
+          </a:xfrm>
+          <a:prstGeom prst="rect">
+            <a:avLst/>
+          </a:prstGeom>
+          <a:noFill/>
+          <a:extLst>
+            <a:ext uri="{909E8E84-426E-40DD-AFC4-6F175D3DCCD1}">
+              <a14:hiddenFill xmlns:a14="http://schemas.microsoft.com/office/drawing/2010/main">
+                <a:solidFill>
+                  <a:srgbClr val="FFFFFF"/>
+                </a:solidFill>
+              </a14:hiddenFill>
+            </a:ext>
+          </a:extLst>
+        </p:spPr>
+      </p:pic>
+      <p:sp>
+        <p:nvSpPr>
+          <p:cNvPr id="5" name="Номер слайда 4">
+            <a:extLst>
+              <a:ext uri="{FF2B5EF4-FFF2-40B4-BE49-F238E27FC236}">
+                <a16:creationId xmlns:a16="http://schemas.microsoft.com/office/drawing/2014/main" id="{04B6E45D-D33B-D7B3-B2C7-4D0DF56842F2}"/>
+              </a:ext>
+            </a:extLst>
+          </p:cNvPr>
+          <p:cNvSpPr>
+            <a:spLocks noGrp="1"/>
+          </p:cNvSpPr>
+          <p:nvPr>
+            <p:ph type="sldNum" sz="quarter" idx="12"/>
+          </p:nvPr>
+        </p:nvSpPr>
+        <p:spPr/>
+        <p:txBody>
+          <a:bodyPr/>
+          <a:lstStyle/>
+          <a:p>
+            <a:fld id="{856911BC-71D3-44B2-952E-7B925F4E2A13}" type="slidenum">
+              <a:rPr lang="ru-RU" smtClean="0"/>
+              <a:t>14</a:t>
             </a:fld>
             <a:endParaRPr lang="ru-RU"/>
           </a:p>
@@ -5337,6 +6340,53 @@
           </a:p>
         </p:txBody>
       </p:sp>
+      <p:pic>
+        <p:nvPicPr>
+          <p:cNvPr id="2050" name="Picture 2">
+            <a:extLst>
+              <a:ext uri="{FF2B5EF4-FFF2-40B4-BE49-F238E27FC236}">
+                <a16:creationId xmlns:a16="http://schemas.microsoft.com/office/drawing/2014/main" id="{F23D9841-8C9B-D4CC-FE29-695E44E8EB5B}"/>
+              </a:ext>
+            </a:extLst>
+          </p:cNvPr>
+          <p:cNvPicPr>
+            <a:picLocks noChangeAspect="1" noChangeArrowheads="1"/>
+          </p:cNvPicPr>
+          <p:nvPr/>
+        </p:nvPicPr>
+        <p:blipFill>
+          <a:blip r:embed="rId4">
+            <a:extLst>
+              <a:ext uri="{28A0092B-C50C-407E-A947-70E740481C1C}">
+                <a14:useLocalDpi xmlns:a14="http://schemas.microsoft.com/office/drawing/2010/main" val="0"/>
+              </a:ext>
+            </a:extLst>
+          </a:blip>
+          <a:srcRect/>
+          <a:stretch>
+            <a:fillRect/>
+          </a:stretch>
+        </p:blipFill>
+        <p:spPr bwMode="auto">
+          <a:xfrm>
+            <a:off x="3190875" y="3224413"/>
+            <a:ext cx="5419725" cy="3042244"/>
+          </a:xfrm>
+          <a:prstGeom prst="rect">
+            <a:avLst/>
+          </a:prstGeom>
+          <a:noFill/>
+          <a:extLst>
+            <a:ext uri="{909E8E84-426E-40DD-AFC4-6F175D3DCCD1}">
+              <a14:hiddenFill xmlns:a14="http://schemas.microsoft.com/office/drawing/2010/main">
+                <a:solidFill>
+                  <a:srgbClr val="FFFFFF"/>
+                </a:solidFill>
+              </a14:hiddenFill>
+            </a:ext>
+          </a:extLst>
+        </p:spPr>
+      </p:pic>
     </p:spTree>
     <p:extLst>
       <p:ext uri="{BB962C8B-B14F-4D97-AF65-F5344CB8AC3E}">
@@ -5375,7 +6425,7 @@
           <p:cNvPr id="2" name="Заголовок 1">
             <a:extLst>
               <a:ext uri="{FF2B5EF4-FFF2-40B4-BE49-F238E27FC236}">
-                <a16:creationId xmlns:a16="http://schemas.microsoft.com/office/drawing/2014/main" id="{F7C8FE19-1570-ACDE-9521-ABE0B6BB17E0}"/>
+                <a16:creationId xmlns:a16="http://schemas.microsoft.com/office/drawing/2014/main" id="{4CD5A382-1AF5-74F5-3933-D6EF81F07C4C}"/>
               </a:ext>
             </a:extLst>
           </p:cNvPr>
@@ -5393,7 +6443,7 @@
           <a:p>
             <a:r>
               <a:rPr lang="ru-RU" dirty="0"/>
-              <a:t>Структура длинной арифметики</a:t>
+              <a:t>Применение</a:t>
             </a:r>
           </a:p>
         </p:txBody>
@@ -5403,7 +6453,7 @@
           <p:cNvPr id="3" name="Объект 2">
             <a:extLst>
               <a:ext uri="{FF2B5EF4-FFF2-40B4-BE49-F238E27FC236}">
-                <a16:creationId xmlns:a16="http://schemas.microsoft.com/office/drawing/2014/main" id="{01F9C912-ACCA-FE1A-6793-7379092AE835}"/>
+                <a16:creationId xmlns:a16="http://schemas.microsoft.com/office/drawing/2014/main" id="{573DE0D1-2A77-4FF4-7360-FDBCAD34D172}"/>
               </a:ext>
             </a:extLst>
           </p:cNvPr>
@@ -5419,48 +6469,51 @@
           <a:bodyPr/>
           <a:lstStyle/>
           <a:p>
+            <a:pPr marL="0" indent="0">
+              <a:buNone/>
+            </a:pPr>
             <a:r>
               <a:rPr lang="ru-RU" dirty="0"/>
-              <a:t>Числа, представленные в виде строки – </a:t>
-            </a:r>
-            <a:r>
-              <a:rPr lang="en-US" dirty="0"/>
-              <a:t>string num</a:t>
-            </a:r>
-          </a:p>
-          <a:p>
-            <a:r>
-              <a:rPr lang="ru-RU" dirty="0"/>
-              <a:t>Числа, представленные в виде массива – </a:t>
-            </a:r>
-            <a:r>
-              <a:rPr lang="en-US" dirty="0"/>
-              <a:t>vector&lt;int&gt; op</a:t>
-            </a:r>
-          </a:p>
-          <a:p>
-            <a:r>
-              <a:rPr lang="ru-RU" dirty="0"/>
-              <a:t>Знак числа </a:t>
-            </a:r>
-            <a:r>
-              <a:rPr lang="en-US" dirty="0"/>
-              <a:t>– int </a:t>
-            </a:r>
-            <a:r>
-              <a:rPr lang="en-US" dirty="0" err="1"/>
-              <a:t>is_negative</a:t>
-            </a:r>
-            <a:endParaRPr lang="ru-RU" dirty="0"/>
+              <a:t>  Решение олимпиадных задач                      Криптография</a:t>
+            </a:r>
+          </a:p>
+        </p:txBody>
+      </p:sp>
+      <p:sp>
+        <p:nvSpPr>
+          <p:cNvPr id="4" name="Номер слайда 3">
+            <a:extLst>
+              <a:ext uri="{FF2B5EF4-FFF2-40B4-BE49-F238E27FC236}">
+                <a16:creationId xmlns:a16="http://schemas.microsoft.com/office/drawing/2014/main" id="{3C48F714-8DFA-61BD-353D-461AA8028722}"/>
+              </a:ext>
+            </a:extLst>
+          </p:cNvPr>
+          <p:cNvSpPr>
+            <a:spLocks noGrp="1"/>
+          </p:cNvSpPr>
+          <p:nvPr>
+            <p:ph type="sldNum" sz="quarter" idx="12"/>
+          </p:nvPr>
+        </p:nvSpPr>
+        <p:spPr/>
+        <p:txBody>
+          <a:bodyPr/>
+          <a:lstStyle/>
+          <a:p>
+            <a:fld id="{856911BC-71D3-44B2-952E-7B925F4E2A13}" type="slidenum">
+              <a:rPr lang="ru-RU" smtClean="0"/>
+              <a:t>3</a:t>
+            </a:fld>
+            <a:endParaRPr lang="ru-RU"/>
           </a:p>
         </p:txBody>
       </p:sp>
       <p:pic>
         <p:nvPicPr>
-          <p:cNvPr id="4" name="Picture 4">
-            <a:extLst>
-              <a:ext uri="{FF2B5EF4-FFF2-40B4-BE49-F238E27FC236}">
-                <a16:creationId xmlns:a16="http://schemas.microsoft.com/office/drawing/2014/main" id="{A81BCA62-F3F5-E925-FD7E-CA17E973D1B2}"/>
+          <p:cNvPr id="1028" name="Picture 4">
+            <a:extLst>
+              <a:ext uri="{FF2B5EF4-FFF2-40B4-BE49-F238E27FC236}">
+                <a16:creationId xmlns:a16="http://schemas.microsoft.com/office/drawing/2014/main" id="{13D4378A-3343-DDD3-9ADC-9BFD0AD42E23}"/>
               </a:ext>
             </a:extLst>
           </p:cNvPr>
@@ -5472,9 +6525,121 @@
         <p:blipFill>
           <a:blip r:embed="rId2">
             <a:extLst>
+              <a:ext uri="{28A0092B-C50C-407E-A947-70E740481C1C}">
+                <a14:useLocalDpi xmlns:a14="http://schemas.microsoft.com/office/drawing/2010/main" val="0"/>
+              </a:ext>
+            </a:extLst>
+          </a:blip>
+          <a:srcRect/>
+          <a:stretch>
+            <a:fillRect/>
+          </a:stretch>
+        </p:blipFill>
+        <p:spPr bwMode="auto">
+          <a:xfrm>
+            <a:off x="1166509" y="2373549"/>
+            <a:ext cx="4368530" cy="2912353"/>
+          </a:xfrm>
+          <a:prstGeom prst="rect">
+            <a:avLst/>
+          </a:prstGeom>
+          <a:ln>
+            <a:noFill/>
+          </a:ln>
+          <a:effectLst>
+            <a:outerShdw blurRad="292100" dist="139700" dir="2700000" algn="tl" rotWithShape="0">
+              <a:srgbClr val="333333">
+                <a:alpha val="65000"/>
+              </a:srgbClr>
+            </a:outerShdw>
+          </a:effectLst>
+          <a:extLst>
+            <a:ext uri="{909E8E84-426E-40DD-AFC4-6F175D3DCCD1}">
+              <a14:hiddenFill xmlns:a14="http://schemas.microsoft.com/office/drawing/2010/main">
+                <a:solidFill>
+                  <a:srgbClr val="FFFFFF"/>
+                </a:solidFill>
+              </a14:hiddenFill>
+            </a:ext>
+          </a:extLst>
+        </p:spPr>
+      </p:pic>
+      <p:pic>
+        <p:nvPicPr>
+          <p:cNvPr id="1030" name="Picture 6">
+            <a:extLst>
+              <a:ext uri="{FF2B5EF4-FFF2-40B4-BE49-F238E27FC236}">
+                <a16:creationId xmlns:a16="http://schemas.microsoft.com/office/drawing/2014/main" id="{2E463182-227F-13C3-D436-27F69CF9AD01}"/>
+              </a:ext>
+            </a:extLst>
+          </p:cNvPr>
+          <p:cNvPicPr>
+            <a:picLocks noChangeAspect="1" noChangeArrowheads="1"/>
+          </p:cNvPicPr>
+          <p:nvPr/>
+        </p:nvPicPr>
+        <p:blipFill>
+          <a:blip r:embed="rId3">
+            <a:extLst>
+              <a:ext uri="{28A0092B-C50C-407E-A947-70E740481C1C}">
+                <a14:useLocalDpi xmlns:a14="http://schemas.microsoft.com/office/drawing/2010/main" val="0"/>
+              </a:ext>
+            </a:extLst>
+          </a:blip>
+          <a:srcRect/>
+          <a:stretch>
+            <a:fillRect/>
+          </a:stretch>
+        </p:blipFill>
+        <p:spPr bwMode="auto">
+          <a:xfrm>
+            <a:off x="6260154" y="2373548"/>
+            <a:ext cx="4368530" cy="2912353"/>
+          </a:xfrm>
+          <a:prstGeom prst="rect">
+            <a:avLst/>
+          </a:prstGeom>
+          <a:ln>
+            <a:noFill/>
+          </a:ln>
+          <a:effectLst>
+            <a:outerShdw blurRad="292100" dist="139700" dir="2700000" algn="tl" rotWithShape="0">
+              <a:srgbClr val="333333">
+                <a:alpha val="65000"/>
+              </a:srgbClr>
+            </a:outerShdw>
+          </a:effectLst>
+          <a:extLst>
+            <a:ext uri="{909E8E84-426E-40DD-AFC4-6F175D3DCCD1}">
+              <a14:hiddenFill xmlns:a14="http://schemas.microsoft.com/office/drawing/2010/main">
+                <a:solidFill>
+                  <a:srgbClr val="FFFFFF"/>
+                </a:solidFill>
+              </a14:hiddenFill>
+            </a:ext>
+          </a:extLst>
+        </p:spPr>
+      </p:pic>
+      <p:pic>
+        <p:nvPicPr>
+          <p:cNvPr id="5" name="Picture 4">
+            <a:extLst>
+              <a:ext uri="{FF2B5EF4-FFF2-40B4-BE49-F238E27FC236}">
+                <a16:creationId xmlns:a16="http://schemas.microsoft.com/office/drawing/2014/main" id="{C14EDC32-7151-F64F-B8E5-E26B389AF13E}"/>
+              </a:ext>
+            </a:extLst>
+          </p:cNvPr>
+          <p:cNvPicPr>
+            <a:picLocks noChangeAspect="1" noChangeArrowheads="1"/>
+          </p:cNvPicPr>
+          <p:nvPr/>
+        </p:nvPicPr>
+        <p:blipFill>
+          <a:blip r:embed="rId4">
+            <a:extLst>
               <a:ext uri="{BEBA8EAE-BF5A-486C-A8C5-ECC9F3942E4B}">
                 <a14:imgProps xmlns:a14="http://schemas.microsoft.com/office/drawing/2010/main">
-                  <a14:imgLayer r:embed="rId3">
+                  <a14:imgLayer r:embed="rId5">
                     <a14:imgEffect>
                       <a14:backgroundRemoval t="10000" b="90000" l="10000" r="90000"/>
                     </a14:imgEffect>
@@ -5511,39 +6676,10 @@
           </a:extLst>
         </p:spPr>
       </p:pic>
-      <p:sp>
-        <p:nvSpPr>
-          <p:cNvPr id="5" name="Номер слайда 4">
-            <a:extLst>
-              <a:ext uri="{FF2B5EF4-FFF2-40B4-BE49-F238E27FC236}">
-                <a16:creationId xmlns:a16="http://schemas.microsoft.com/office/drawing/2014/main" id="{D0187819-4B3B-90DD-25A5-8B9463841973}"/>
-              </a:ext>
-            </a:extLst>
-          </p:cNvPr>
-          <p:cNvSpPr>
-            <a:spLocks noGrp="1"/>
-          </p:cNvSpPr>
-          <p:nvPr>
-            <p:ph type="sldNum" sz="quarter" idx="12"/>
-          </p:nvPr>
-        </p:nvSpPr>
-        <p:spPr/>
-        <p:txBody>
-          <a:bodyPr/>
-          <a:lstStyle/>
-          <a:p>
-            <a:fld id="{856911BC-71D3-44B2-952E-7B925F4E2A13}" type="slidenum">
-              <a:rPr lang="ru-RU" smtClean="0"/>
-              <a:t>3</a:t>
-            </a:fld>
-            <a:endParaRPr lang="ru-RU"/>
-          </a:p>
-        </p:txBody>
-      </p:sp>
     </p:spTree>
     <p:extLst>
       <p:ext uri="{BB962C8B-B14F-4D97-AF65-F5344CB8AC3E}">
-        <p14:creationId xmlns:p14="http://schemas.microsoft.com/office/powerpoint/2010/main" val="1440191675"/>
+        <p14:creationId xmlns:p14="http://schemas.microsoft.com/office/powerpoint/2010/main" val="1553536926"/>
       </p:ext>
     </p:extLst>
   </p:cSld>
@@ -5578,7 +6714,7 @@
           <p:cNvPr id="2" name="Заголовок 1">
             <a:extLst>
               <a:ext uri="{FF2B5EF4-FFF2-40B4-BE49-F238E27FC236}">
-                <a16:creationId xmlns:a16="http://schemas.microsoft.com/office/drawing/2014/main" id="{3835476F-D3EC-8716-9B4F-A5B6B02F40CE}"/>
+                <a16:creationId xmlns:a16="http://schemas.microsoft.com/office/drawing/2014/main" id="{A727125A-1CD3-E801-1C8C-EACAF1897028}"/>
               </a:ext>
             </a:extLst>
           </p:cNvPr>
@@ -5596,7 +6732,7 @@
           <a:p>
             <a:r>
               <a:rPr lang="ru-RU" dirty="0"/>
-              <a:t>Вспомогательные функции</a:t>
+              <a:t>Применение</a:t>
             </a:r>
           </a:p>
         </p:txBody>
@@ -5606,7 +6742,7 @@
           <p:cNvPr id="3" name="Объект 2">
             <a:extLst>
               <a:ext uri="{FF2B5EF4-FFF2-40B4-BE49-F238E27FC236}">
-                <a16:creationId xmlns:a16="http://schemas.microsoft.com/office/drawing/2014/main" id="{90927992-659A-103A-0385-7547D055D83E}"/>
+                <a16:creationId xmlns:a16="http://schemas.microsoft.com/office/drawing/2014/main" id="{11C33A35-EE08-6857-8F6F-ED6B4BEF55F0}"/>
               </a:ext>
             </a:extLst>
           </p:cNvPr>
@@ -5622,112 +6758,51 @@
           <a:bodyPr/>
           <a:lstStyle/>
           <a:p>
-            <a:r>
-              <a:rPr lang="en-US" sz="2000" b="0" dirty="0">
-                <a:effectLst/>
-                <a:latin typeface="Consolas" panose="020B0609020204030204" pitchFamily="49" charset="0"/>
-              </a:rPr>
-              <a:t>compare</a:t>
-            </a:r>
-            <a:r>
-              <a:rPr lang="ru-RU" sz="2000" b="0" dirty="0">
-                <a:effectLst/>
-                <a:latin typeface="Consolas" panose="020B0609020204030204" pitchFamily="49" charset="0"/>
-              </a:rPr>
-              <a:t> – функция, определяющая какое число больше</a:t>
-            </a:r>
-            <a:endParaRPr lang="en-US" sz="2000" b="0" dirty="0">
-              <a:effectLst/>
-              <a:latin typeface="Consolas" panose="020B0609020204030204" pitchFamily="49" charset="0"/>
-            </a:endParaRPr>
-          </a:p>
-          <a:p>
-            <a:r>
-              <a:rPr lang="en-US" sz="2000" dirty="0" err="1">
-                <a:latin typeface="Consolas" panose="020B0609020204030204" pitchFamily="49" charset="0"/>
-              </a:rPr>
-              <a:t>delete_zeroes</a:t>
-            </a:r>
-            <a:r>
-              <a:rPr lang="en-US" sz="2000" dirty="0">
-                <a:latin typeface="Consolas" panose="020B0609020204030204" pitchFamily="49" charset="0"/>
-              </a:rPr>
-              <a:t> – </a:t>
-            </a:r>
-            <a:r>
-              <a:rPr lang="ru-RU" sz="2000" dirty="0">
-                <a:latin typeface="Consolas" panose="020B0609020204030204" pitchFamily="49" charset="0"/>
-              </a:rPr>
-              <a:t>функция, удаляющая лидирующие нули</a:t>
-            </a:r>
-          </a:p>
-          <a:p>
-            <a:r>
-              <a:rPr lang="en-US" sz="2000" dirty="0" err="1">
-                <a:latin typeface="Consolas" panose="020B0609020204030204" pitchFamily="49" charset="0"/>
-              </a:rPr>
-              <a:t>convert_to_string</a:t>
-            </a:r>
-            <a:r>
-              <a:rPr lang="en-US" sz="2000" dirty="0">
-                <a:latin typeface="Consolas" panose="020B0609020204030204" pitchFamily="49" charset="0"/>
-              </a:rPr>
-              <a:t> – </a:t>
-            </a:r>
-            <a:r>
-              <a:rPr lang="ru-RU" sz="2000" dirty="0">
-                <a:latin typeface="Consolas" panose="020B0609020204030204" pitchFamily="49" charset="0"/>
-              </a:rPr>
-              <a:t>функция, конвертирующая </a:t>
-            </a:r>
-            <a:r>
-              <a:rPr lang="en-US" sz="2000" dirty="0">
-                <a:latin typeface="Consolas" panose="020B0609020204030204" pitchFamily="49" charset="0"/>
-              </a:rPr>
-              <a:t>vector&lt;int&gt; </a:t>
-            </a:r>
-            <a:r>
-              <a:rPr lang="ru-RU" sz="2000" dirty="0">
-                <a:latin typeface="Consolas" panose="020B0609020204030204" pitchFamily="49" charset="0"/>
-              </a:rPr>
-              <a:t>в </a:t>
-            </a:r>
-            <a:r>
-              <a:rPr lang="en-US" sz="2000" dirty="0">
-                <a:latin typeface="Consolas" panose="020B0609020204030204" pitchFamily="49" charset="0"/>
-              </a:rPr>
-              <a:t>string</a:t>
-            </a:r>
-          </a:p>
-          <a:p>
-            <a:endParaRPr lang="ru-RU" sz="2000" b="0" dirty="0">
-              <a:effectLst/>
-              <a:latin typeface="Consolas" panose="020B0609020204030204" pitchFamily="49" charset="0"/>
-            </a:endParaRPr>
-          </a:p>
-          <a:p>
-            <a:endParaRPr lang="en-US" sz="2000" b="0" dirty="0">
-              <a:effectLst/>
-              <a:latin typeface="Consolas" panose="020B0609020204030204" pitchFamily="49" charset="0"/>
-            </a:endParaRPr>
-          </a:p>
-          <a:p>
-            <a:endParaRPr lang="en-US" sz="2000" b="0" dirty="0">
-              <a:effectLst/>
-              <a:latin typeface="Consolas" panose="020B0609020204030204" pitchFamily="49" charset="0"/>
-            </a:endParaRPr>
-          </a:p>
-          <a:p>
-            <a:endParaRPr lang="ru-RU" dirty="0"/>
+            <a:pPr marL="0" indent="0">
+              <a:buNone/>
+            </a:pPr>
+            <a:r>
+              <a:rPr lang="ru-RU" dirty="0"/>
+              <a:t>   Изображение фракталов                              Финансовое ПО</a:t>
+            </a:r>
+          </a:p>
+        </p:txBody>
+      </p:sp>
+      <p:sp>
+        <p:nvSpPr>
+          <p:cNvPr id="4" name="Номер слайда 3">
+            <a:extLst>
+              <a:ext uri="{FF2B5EF4-FFF2-40B4-BE49-F238E27FC236}">
+                <a16:creationId xmlns:a16="http://schemas.microsoft.com/office/drawing/2014/main" id="{78D30228-918F-18C6-035A-CA2D4A1119AA}"/>
+              </a:ext>
+            </a:extLst>
+          </p:cNvPr>
+          <p:cNvSpPr>
+            <a:spLocks noGrp="1"/>
+          </p:cNvSpPr>
+          <p:nvPr>
+            <p:ph type="sldNum" sz="quarter" idx="12"/>
+          </p:nvPr>
+        </p:nvSpPr>
+        <p:spPr/>
+        <p:txBody>
+          <a:bodyPr/>
+          <a:lstStyle/>
+          <a:p>
+            <a:fld id="{856911BC-71D3-44B2-952E-7B925F4E2A13}" type="slidenum">
+              <a:rPr lang="ru-RU" smtClean="0"/>
+              <a:t>4</a:t>
+            </a:fld>
+            <a:endParaRPr lang="ru-RU"/>
           </a:p>
         </p:txBody>
       </p:sp>
       <p:pic>
         <p:nvPicPr>
-          <p:cNvPr id="4" name="Picture 4">
-            <a:extLst>
-              <a:ext uri="{FF2B5EF4-FFF2-40B4-BE49-F238E27FC236}">
-                <a16:creationId xmlns:a16="http://schemas.microsoft.com/office/drawing/2014/main" id="{44634A3A-7D28-E46E-86A7-7D05966A4BA9}"/>
+          <p:cNvPr id="5" name="Picture 4">
+            <a:extLst>
+              <a:ext uri="{FF2B5EF4-FFF2-40B4-BE49-F238E27FC236}">
+                <a16:creationId xmlns:a16="http://schemas.microsoft.com/office/drawing/2014/main" id="{D35C8624-03A0-5B4C-4EEB-F0AE2FED3257}"/>
               </a:ext>
             </a:extLst>
           </p:cNvPr>
@@ -5778,12 +6853,157 @@
           </a:extLst>
         </p:spPr>
       </p:pic>
-      <p:sp>
-        <p:nvSpPr>
-          <p:cNvPr id="5" name="Номер слайда 4">
-            <a:extLst>
-              <a:ext uri="{FF2B5EF4-FFF2-40B4-BE49-F238E27FC236}">
-                <a16:creationId xmlns:a16="http://schemas.microsoft.com/office/drawing/2014/main" id="{ADE487D1-A5E5-6ED7-830F-0374EE4B5F8C}"/>
+      <p:pic>
+        <p:nvPicPr>
+          <p:cNvPr id="1026" name="Picture 2">
+            <a:extLst>
+              <a:ext uri="{FF2B5EF4-FFF2-40B4-BE49-F238E27FC236}">
+                <a16:creationId xmlns:a16="http://schemas.microsoft.com/office/drawing/2014/main" id="{7ECA0A53-FE7E-B5C0-B584-324D66F9E77C}"/>
+              </a:ext>
+            </a:extLst>
+          </p:cNvPr>
+          <p:cNvPicPr>
+            <a:picLocks noChangeAspect="1" noChangeArrowheads="1"/>
+          </p:cNvPicPr>
+          <p:nvPr/>
+        </p:nvPicPr>
+        <p:blipFill>
+          <a:blip r:embed="rId4">
+            <a:extLst>
+              <a:ext uri="{28A0092B-C50C-407E-A947-70E740481C1C}">
+                <a14:useLocalDpi xmlns:a14="http://schemas.microsoft.com/office/drawing/2010/main" val="0"/>
+              </a:ext>
+            </a:extLst>
+          </a:blip>
+          <a:srcRect/>
+          <a:stretch>
+            <a:fillRect/>
+          </a:stretch>
+        </p:blipFill>
+        <p:spPr bwMode="auto">
+          <a:xfrm>
+            <a:off x="838200" y="2467296"/>
+            <a:ext cx="4601994" cy="3067996"/>
+          </a:xfrm>
+          <a:prstGeom prst="rect">
+            <a:avLst/>
+          </a:prstGeom>
+          <a:ln>
+            <a:noFill/>
+          </a:ln>
+          <a:effectLst>
+            <a:outerShdw blurRad="292100" dist="139700" dir="2700000" algn="tl" rotWithShape="0">
+              <a:srgbClr val="333333">
+                <a:alpha val="65000"/>
+              </a:srgbClr>
+            </a:outerShdw>
+          </a:effectLst>
+          <a:extLst>
+            <a:ext uri="{909E8E84-426E-40DD-AFC4-6F175D3DCCD1}">
+              <a14:hiddenFill xmlns:a14="http://schemas.microsoft.com/office/drawing/2010/main">
+                <a:solidFill>
+                  <a:srgbClr val="FFFFFF"/>
+                </a:solidFill>
+              </a14:hiddenFill>
+            </a:ext>
+          </a:extLst>
+        </p:spPr>
+      </p:pic>
+      <p:pic>
+        <p:nvPicPr>
+          <p:cNvPr id="1030" name="Picture 6">
+            <a:extLst>
+              <a:ext uri="{FF2B5EF4-FFF2-40B4-BE49-F238E27FC236}">
+                <a16:creationId xmlns:a16="http://schemas.microsoft.com/office/drawing/2014/main" id="{E5E68C24-C3DA-82F7-F9B1-BE90E1B87144}"/>
+              </a:ext>
+            </a:extLst>
+          </p:cNvPr>
+          <p:cNvPicPr>
+            <a:picLocks noChangeAspect="1" noChangeArrowheads="1"/>
+          </p:cNvPicPr>
+          <p:nvPr/>
+        </p:nvPicPr>
+        <p:blipFill>
+          <a:blip r:embed="rId5">
+            <a:extLst>
+              <a:ext uri="{28A0092B-C50C-407E-A947-70E740481C1C}">
+                <a14:useLocalDpi xmlns:a14="http://schemas.microsoft.com/office/drawing/2010/main" val="0"/>
+              </a:ext>
+            </a:extLst>
+          </a:blip>
+          <a:srcRect/>
+          <a:stretch>
+            <a:fillRect/>
+          </a:stretch>
+        </p:blipFill>
+        <p:spPr bwMode="auto">
+          <a:xfrm>
+            <a:off x="6309603" y="2467296"/>
+            <a:ext cx="4601994" cy="3073635"/>
+          </a:xfrm>
+          <a:prstGeom prst="rect">
+            <a:avLst/>
+          </a:prstGeom>
+          <a:ln>
+            <a:noFill/>
+          </a:ln>
+          <a:effectLst>
+            <a:outerShdw blurRad="292100" dist="139700" dir="2700000" algn="tl" rotWithShape="0">
+              <a:srgbClr val="333333">
+                <a:alpha val="65000"/>
+              </a:srgbClr>
+            </a:outerShdw>
+          </a:effectLst>
+          <a:extLst>
+            <a:ext uri="{909E8E84-426E-40DD-AFC4-6F175D3DCCD1}">
+              <a14:hiddenFill xmlns:a14="http://schemas.microsoft.com/office/drawing/2010/main">
+                <a:solidFill>
+                  <a:srgbClr val="FFFFFF"/>
+                </a:solidFill>
+              </a14:hiddenFill>
+            </a:ext>
+          </a:extLst>
+        </p:spPr>
+      </p:pic>
+    </p:spTree>
+    <p:extLst>
+      <p:ext uri="{BB962C8B-B14F-4D97-AF65-F5344CB8AC3E}">
+        <p14:creationId xmlns:p14="http://schemas.microsoft.com/office/powerpoint/2010/main" val="2379246838"/>
+      </p:ext>
+    </p:extLst>
+  </p:cSld>
+  <p:clrMapOvr>
+    <a:masterClrMapping/>
+  </p:clrMapOvr>
+  <p:transition spd="slow">
+    <p:push dir="u"/>
+  </p:transition>
+</p:sld>
+</file>
+
+<file path=ppt/slides/slide5.xml><?xml version="1.0" encoding="utf-8"?>
+<p:sld xmlns:a="http://schemas.openxmlformats.org/drawingml/2006/main" xmlns:r="http://schemas.openxmlformats.org/officeDocument/2006/relationships" xmlns:p="http://schemas.openxmlformats.org/presentationml/2006/main">
+  <p:cSld>
+    <p:spTree>
+      <p:nvGrpSpPr>
+        <p:cNvPr id="1" name=""/>
+        <p:cNvGrpSpPr/>
+        <p:nvPr/>
+      </p:nvGrpSpPr>
+      <p:grpSpPr>
+        <a:xfrm>
+          <a:off x="0" y="0"/>
+          <a:ext cx="0" cy="0"/>
+          <a:chOff x="0" y="0"/>
+          <a:chExt cx="0" cy="0"/>
+        </a:xfrm>
+      </p:grpSpPr>
+      <p:sp>
+        <p:nvSpPr>
+          <p:cNvPr id="2" name="Заголовок 1">
+            <a:extLst>
+              <a:ext uri="{FF2B5EF4-FFF2-40B4-BE49-F238E27FC236}">
+                <a16:creationId xmlns:a16="http://schemas.microsoft.com/office/drawing/2014/main" id="{F7C8FE19-1570-ACDE-9521-ABE0B6BB17E0}"/>
               </a:ext>
             </a:extLst>
           </p:cNvPr>
@@ -5791,7 +7011,7 @@
             <a:spLocks noGrp="1"/>
           </p:cNvSpPr>
           <p:nvPr>
-            <p:ph type="sldNum" sz="quarter" idx="12"/>
+            <p:ph type="title"/>
           </p:nvPr>
         </p:nvSpPr>
         <p:spPr/>
@@ -5799,9 +7019,417 @@
           <a:bodyPr/>
           <a:lstStyle/>
           <a:p>
+            <a:r>
+              <a:rPr lang="ru-RU" dirty="0"/>
+              <a:t>Структура длинной арифметики</a:t>
+            </a:r>
+          </a:p>
+        </p:txBody>
+      </p:sp>
+      <p:sp>
+        <p:nvSpPr>
+          <p:cNvPr id="3" name="Объект 2">
+            <a:extLst>
+              <a:ext uri="{FF2B5EF4-FFF2-40B4-BE49-F238E27FC236}">
+                <a16:creationId xmlns:a16="http://schemas.microsoft.com/office/drawing/2014/main" id="{01F9C912-ACCA-FE1A-6793-7379092AE835}"/>
+              </a:ext>
+            </a:extLst>
+          </p:cNvPr>
+          <p:cNvSpPr>
+            <a:spLocks noGrp="1"/>
+          </p:cNvSpPr>
+          <p:nvPr>
+            <p:ph idx="1"/>
+          </p:nvPr>
+        </p:nvSpPr>
+        <p:spPr/>
+        <p:txBody>
+          <a:bodyPr/>
+          <a:lstStyle/>
+          <a:p>
+            <a:r>
+              <a:rPr lang="ru-RU" dirty="0"/>
+              <a:t>Числа, представленные в виде строки – </a:t>
+            </a:r>
+            <a:r>
+              <a:rPr lang="en-US" dirty="0"/>
+              <a:t>string num</a:t>
+            </a:r>
+          </a:p>
+          <a:p>
+            <a:r>
+              <a:rPr lang="ru-RU" dirty="0"/>
+              <a:t>Числа, представленные в виде массива – </a:t>
+            </a:r>
+            <a:r>
+              <a:rPr lang="en-US" dirty="0"/>
+              <a:t>vector&lt;int&gt; op</a:t>
+            </a:r>
+          </a:p>
+          <a:p>
+            <a:r>
+              <a:rPr lang="ru-RU" dirty="0"/>
+              <a:t>Знак числа </a:t>
+            </a:r>
+            <a:r>
+              <a:rPr lang="en-US" dirty="0"/>
+              <a:t>– int </a:t>
+            </a:r>
+            <a:r>
+              <a:rPr lang="en-US" dirty="0" err="1"/>
+              <a:t>is_negative</a:t>
+            </a:r>
+            <a:endParaRPr lang="ru-RU" dirty="0"/>
+          </a:p>
+        </p:txBody>
+      </p:sp>
+      <p:pic>
+        <p:nvPicPr>
+          <p:cNvPr id="4" name="Picture 4">
+            <a:extLst>
+              <a:ext uri="{FF2B5EF4-FFF2-40B4-BE49-F238E27FC236}">
+                <a16:creationId xmlns:a16="http://schemas.microsoft.com/office/drawing/2014/main" id="{A81BCA62-F3F5-E925-FD7E-CA17E973D1B2}"/>
+              </a:ext>
+            </a:extLst>
+          </p:cNvPr>
+          <p:cNvPicPr>
+            <a:picLocks noChangeAspect="1" noChangeArrowheads="1"/>
+          </p:cNvPicPr>
+          <p:nvPr/>
+        </p:nvPicPr>
+        <p:blipFill>
+          <a:blip r:embed="rId2">
+            <a:extLst>
+              <a:ext uri="{BEBA8EAE-BF5A-486C-A8C5-ECC9F3942E4B}">
+                <a14:imgProps xmlns:a14="http://schemas.microsoft.com/office/drawing/2010/main">
+                  <a14:imgLayer r:embed="rId3">
+                    <a14:imgEffect>
+                      <a14:backgroundRemoval t="10000" b="90000" l="10000" r="90000"/>
+                    </a14:imgEffect>
+                  </a14:imgLayer>
+                </a14:imgProps>
+              </a:ext>
+              <a:ext uri="{28A0092B-C50C-407E-A947-70E740481C1C}">
+                <a14:useLocalDpi xmlns:a14="http://schemas.microsoft.com/office/drawing/2010/main" val="0"/>
+              </a:ext>
+            </a:extLst>
+          </a:blip>
+          <a:srcRect/>
+          <a:stretch>
+            <a:fillRect/>
+          </a:stretch>
+        </p:blipFill>
+        <p:spPr bwMode="auto">
+          <a:xfrm>
+            <a:off x="0" y="5950979"/>
+            <a:ext cx="905934" cy="905934"/>
+          </a:xfrm>
+          <a:prstGeom prst="rect">
+            <a:avLst/>
+          </a:prstGeom>
+          <a:noFill/>
+          <a:extLst>
+            <a:ext uri="{909E8E84-426E-40DD-AFC4-6F175D3DCCD1}">
+              <a14:hiddenFill xmlns:a14="http://schemas.microsoft.com/office/drawing/2010/main">
+                <a:solidFill>
+                  <a:srgbClr val="FFFFFF"/>
+                </a:solidFill>
+              </a14:hiddenFill>
+            </a:ext>
+          </a:extLst>
+        </p:spPr>
+      </p:pic>
+      <p:sp>
+        <p:nvSpPr>
+          <p:cNvPr id="5" name="Номер слайда 4">
+            <a:extLst>
+              <a:ext uri="{FF2B5EF4-FFF2-40B4-BE49-F238E27FC236}">
+                <a16:creationId xmlns:a16="http://schemas.microsoft.com/office/drawing/2014/main" id="{D0187819-4B3B-90DD-25A5-8B9463841973}"/>
+              </a:ext>
+            </a:extLst>
+          </p:cNvPr>
+          <p:cNvSpPr>
+            <a:spLocks noGrp="1"/>
+          </p:cNvSpPr>
+          <p:nvPr>
+            <p:ph type="sldNum" sz="quarter" idx="12"/>
+          </p:nvPr>
+        </p:nvSpPr>
+        <p:spPr/>
+        <p:txBody>
+          <a:bodyPr/>
+          <a:lstStyle/>
+          <a:p>
             <a:fld id="{856911BC-71D3-44B2-952E-7B925F4E2A13}" type="slidenum">
               <a:rPr lang="ru-RU" smtClean="0"/>
-              <a:t>4</a:t>
+              <a:t>5</a:t>
+            </a:fld>
+            <a:endParaRPr lang="ru-RU"/>
+          </a:p>
+        </p:txBody>
+      </p:sp>
+    </p:spTree>
+    <p:extLst>
+      <p:ext uri="{BB962C8B-B14F-4D97-AF65-F5344CB8AC3E}">
+        <p14:creationId xmlns:p14="http://schemas.microsoft.com/office/powerpoint/2010/main" val="1440191675"/>
+      </p:ext>
+    </p:extLst>
+  </p:cSld>
+  <p:clrMapOvr>
+    <a:masterClrMapping/>
+  </p:clrMapOvr>
+  <p:transition spd="slow">
+    <p:push dir="u"/>
+  </p:transition>
+</p:sld>
+</file>
+
+<file path=ppt/slides/slide6.xml><?xml version="1.0" encoding="utf-8"?>
+<p:sld xmlns:a="http://schemas.openxmlformats.org/drawingml/2006/main" xmlns:r="http://schemas.openxmlformats.org/officeDocument/2006/relationships" xmlns:p="http://schemas.openxmlformats.org/presentationml/2006/main">
+  <p:cSld>
+    <p:spTree>
+      <p:nvGrpSpPr>
+        <p:cNvPr id="1" name=""/>
+        <p:cNvGrpSpPr/>
+        <p:nvPr/>
+      </p:nvGrpSpPr>
+      <p:grpSpPr>
+        <a:xfrm>
+          <a:off x="0" y="0"/>
+          <a:ext cx="0" cy="0"/>
+          <a:chOff x="0" y="0"/>
+          <a:chExt cx="0" cy="0"/>
+        </a:xfrm>
+      </p:grpSpPr>
+      <p:sp>
+        <p:nvSpPr>
+          <p:cNvPr id="2" name="Заголовок 1">
+            <a:extLst>
+              <a:ext uri="{FF2B5EF4-FFF2-40B4-BE49-F238E27FC236}">
+                <a16:creationId xmlns:a16="http://schemas.microsoft.com/office/drawing/2014/main" id="{3835476F-D3EC-8716-9B4F-A5B6B02F40CE}"/>
+              </a:ext>
+            </a:extLst>
+          </p:cNvPr>
+          <p:cNvSpPr>
+            <a:spLocks noGrp="1"/>
+          </p:cNvSpPr>
+          <p:nvPr>
+            <p:ph type="title"/>
+          </p:nvPr>
+        </p:nvSpPr>
+        <p:spPr/>
+        <p:txBody>
+          <a:bodyPr/>
+          <a:lstStyle/>
+          <a:p>
+            <a:r>
+              <a:rPr lang="ru-RU" dirty="0"/>
+              <a:t>Вспомогательные функции</a:t>
+            </a:r>
+          </a:p>
+        </p:txBody>
+      </p:sp>
+      <p:sp>
+        <p:nvSpPr>
+          <p:cNvPr id="3" name="Объект 2">
+            <a:extLst>
+              <a:ext uri="{FF2B5EF4-FFF2-40B4-BE49-F238E27FC236}">
+                <a16:creationId xmlns:a16="http://schemas.microsoft.com/office/drawing/2014/main" id="{90927992-659A-103A-0385-7547D055D83E}"/>
+              </a:ext>
+            </a:extLst>
+          </p:cNvPr>
+          <p:cNvSpPr>
+            <a:spLocks noGrp="1"/>
+          </p:cNvSpPr>
+          <p:nvPr>
+            <p:ph idx="1"/>
+          </p:nvPr>
+        </p:nvSpPr>
+        <p:spPr/>
+        <p:txBody>
+          <a:bodyPr/>
+          <a:lstStyle/>
+          <a:p>
+            <a:r>
+              <a:rPr lang="en-US" sz="2000" b="0" dirty="0">
+                <a:effectLst/>
+                <a:latin typeface="Consolas" panose="020B0609020204030204" pitchFamily="49" charset="0"/>
+              </a:rPr>
+              <a:t>compare</a:t>
+            </a:r>
+            <a:r>
+              <a:rPr lang="ru-RU" sz="2000" b="0" dirty="0">
+                <a:effectLst/>
+                <a:latin typeface="Consolas" panose="020B0609020204030204" pitchFamily="49" charset="0"/>
+              </a:rPr>
+              <a:t> – функция, определяющая какое число больше</a:t>
+            </a:r>
+            <a:endParaRPr lang="en-US" sz="2000" b="0" dirty="0">
+              <a:effectLst/>
+              <a:latin typeface="Consolas" panose="020B0609020204030204" pitchFamily="49" charset="0"/>
+            </a:endParaRPr>
+          </a:p>
+          <a:p>
+            <a:r>
+              <a:rPr lang="en-US" sz="2000" dirty="0" err="1">
+                <a:latin typeface="Consolas" panose="020B0609020204030204" pitchFamily="49" charset="0"/>
+              </a:rPr>
+              <a:t>delete_zeroes</a:t>
+            </a:r>
+            <a:r>
+              <a:rPr lang="en-US" sz="2000" dirty="0">
+                <a:latin typeface="Consolas" panose="020B0609020204030204" pitchFamily="49" charset="0"/>
+              </a:rPr>
+              <a:t> – </a:t>
+            </a:r>
+            <a:r>
+              <a:rPr lang="ru-RU" sz="2000" dirty="0">
+                <a:latin typeface="Consolas" panose="020B0609020204030204" pitchFamily="49" charset="0"/>
+              </a:rPr>
+              <a:t>функция, удаляющая лидирующие нули</a:t>
+            </a:r>
+          </a:p>
+          <a:p>
+            <a:r>
+              <a:rPr lang="en-US" sz="2000" dirty="0" err="1">
+                <a:latin typeface="Consolas" panose="020B0609020204030204" pitchFamily="49" charset="0"/>
+              </a:rPr>
+              <a:t>convert_to_string</a:t>
+            </a:r>
+            <a:r>
+              <a:rPr lang="en-US" sz="2000" dirty="0">
+                <a:latin typeface="Consolas" panose="020B0609020204030204" pitchFamily="49" charset="0"/>
+              </a:rPr>
+              <a:t> – </a:t>
+            </a:r>
+            <a:r>
+              <a:rPr lang="ru-RU" sz="2000" dirty="0">
+                <a:latin typeface="Consolas" panose="020B0609020204030204" pitchFamily="49" charset="0"/>
+              </a:rPr>
+              <a:t>функция, конвертирующая </a:t>
+            </a:r>
+            <a:r>
+              <a:rPr lang="en-US" sz="2000" dirty="0">
+                <a:latin typeface="Consolas" panose="020B0609020204030204" pitchFamily="49" charset="0"/>
+              </a:rPr>
+              <a:t>vector&lt;int&gt; </a:t>
+            </a:r>
+            <a:r>
+              <a:rPr lang="ru-RU" sz="2000" dirty="0">
+                <a:latin typeface="Consolas" panose="020B0609020204030204" pitchFamily="49" charset="0"/>
+              </a:rPr>
+              <a:t>в </a:t>
+            </a:r>
+            <a:r>
+              <a:rPr lang="en-US" sz="2000" dirty="0">
+                <a:latin typeface="Consolas" panose="020B0609020204030204" pitchFamily="49" charset="0"/>
+              </a:rPr>
+              <a:t>string</a:t>
+            </a:r>
+          </a:p>
+          <a:p>
+            <a:endParaRPr lang="ru-RU" sz="2000" b="0" dirty="0">
+              <a:effectLst/>
+              <a:latin typeface="Consolas" panose="020B0609020204030204" pitchFamily="49" charset="0"/>
+            </a:endParaRPr>
+          </a:p>
+          <a:p>
+            <a:endParaRPr lang="en-US" sz="2000" b="0" dirty="0">
+              <a:effectLst/>
+              <a:latin typeface="Consolas" panose="020B0609020204030204" pitchFamily="49" charset="0"/>
+            </a:endParaRPr>
+          </a:p>
+          <a:p>
+            <a:endParaRPr lang="en-US" sz="2000" b="0" dirty="0">
+              <a:effectLst/>
+              <a:latin typeface="Consolas" panose="020B0609020204030204" pitchFamily="49" charset="0"/>
+            </a:endParaRPr>
+          </a:p>
+          <a:p>
+            <a:endParaRPr lang="ru-RU" dirty="0"/>
+          </a:p>
+        </p:txBody>
+      </p:sp>
+      <p:pic>
+        <p:nvPicPr>
+          <p:cNvPr id="4" name="Picture 4">
+            <a:extLst>
+              <a:ext uri="{FF2B5EF4-FFF2-40B4-BE49-F238E27FC236}">
+                <a16:creationId xmlns:a16="http://schemas.microsoft.com/office/drawing/2014/main" id="{44634A3A-7D28-E46E-86A7-7D05966A4BA9}"/>
+              </a:ext>
+            </a:extLst>
+          </p:cNvPr>
+          <p:cNvPicPr>
+            <a:picLocks noChangeAspect="1" noChangeArrowheads="1"/>
+          </p:cNvPicPr>
+          <p:nvPr/>
+        </p:nvPicPr>
+        <p:blipFill>
+          <a:blip r:embed="rId2">
+            <a:extLst>
+              <a:ext uri="{BEBA8EAE-BF5A-486C-A8C5-ECC9F3942E4B}">
+                <a14:imgProps xmlns:a14="http://schemas.microsoft.com/office/drawing/2010/main">
+                  <a14:imgLayer r:embed="rId3">
+                    <a14:imgEffect>
+                      <a14:backgroundRemoval t="10000" b="90000" l="10000" r="90000"/>
+                    </a14:imgEffect>
+                  </a14:imgLayer>
+                </a14:imgProps>
+              </a:ext>
+              <a:ext uri="{28A0092B-C50C-407E-A947-70E740481C1C}">
+                <a14:useLocalDpi xmlns:a14="http://schemas.microsoft.com/office/drawing/2010/main" val="0"/>
+              </a:ext>
+            </a:extLst>
+          </a:blip>
+          <a:srcRect/>
+          <a:stretch>
+            <a:fillRect/>
+          </a:stretch>
+        </p:blipFill>
+        <p:spPr bwMode="auto">
+          <a:xfrm>
+            <a:off x="0" y="5950979"/>
+            <a:ext cx="905934" cy="905934"/>
+          </a:xfrm>
+          <a:prstGeom prst="rect">
+            <a:avLst/>
+          </a:prstGeom>
+          <a:noFill/>
+          <a:extLst>
+            <a:ext uri="{909E8E84-426E-40DD-AFC4-6F175D3DCCD1}">
+              <a14:hiddenFill xmlns:a14="http://schemas.microsoft.com/office/drawing/2010/main">
+                <a:solidFill>
+                  <a:srgbClr val="FFFFFF"/>
+                </a:solidFill>
+              </a14:hiddenFill>
+            </a:ext>
+          </a:extLst>
+        </p:spPr>
+      </p:pic>
+      <p:sp>
+        <p:nvSpPr>
+          <p:cNvPr id="5" name="Номер слайда 4">
+            <a:extLst>
+              <a:ext uri="{FF2B5EF4-FFF2-40B4-BE49-F238E27FC236}">
+                <a16:creationId xmlns:a16="http://schemas.microsoft.com/office/drawing/2014/main" id="{ADE487D1-A5E5-6ED7-830F-0374EE4B5F8C}"/>
+              </a:ext>
+            </a:extLst>
+          </p:cNvPr>
+          <p:cNvSpPr>
+            <a:spLocks noGrp="1"/>
+          </p:cNvSpPr>
+          <p:nvPr>
+            <p:ph type="sldNum" sz="quarter" idx="12"/>
+          </p:nvPr>
+        </p:nvSpPr>
+        <p:spPr/>
+        <p:txBody>
+          <a:bodyPr/>
+          <a:lstStyle/>
+          <a:p>
+            <a:fld id="{856911BC-71D3-44B2-952E-7B925F4E2A13}" type="slidenum">
+              <a:rPr lang="ru-RU" smtClean="0"/>
+              <a:t>6</a:t>
             </a:fld>
             <a:endParaRPr lang="ru-RU"/>
           </a:p>
@@ -5823,7 +7451,7 @@
 </p:sld>
 </file>
 
-<file path=ppt/slides/slide5.xml><?xml version="1.0" encoding="utf-8"?>
+<file path=ppt/slides/slide7.xml><?xml version="1.0" encoding="utf-8"?>
 <p:sld xmlns:a="http://schemas.openxmlformats.org/drawingml/2006/main" xmlns:r="http://schemas.openxmlformats.org/officeDocument/2006/relationships" xmlns:p="http://schemas.openxmlformats.org/presentationml/2006/main">
   <p:cSld>
     <p:spTree>
@@ -7108,7 +8736,7 @@
           <a:p>
             <a:fld id="{856911BC-71D3-44B2-952E-7B925F4E2A13}" type="slidenum">
               <a:rPr lang="ru-RU" smtClean="0"/>
-              <a:t>5</a:t>
+              <a:t>7</a:t>
             </a:fld>
             <a:endParaRPr lang="ru-RU"/>
           </a:p>
@@ -7118,395 +8746,6 @@
     <p:extLst>
       <p:ext uri="{BB962C8B-B14F-4D97-AF65-F5344CB8AC3E}">
         <p14:creationId xmlns:p14="http://schemas.microsoft.com/office/powerpoint/2010/main" val="107740754"/>
-      </p:ext>
-    </p:extLst>
-  </p:cSld>
-  <p:clrMapOvr>
-    <a:masterClrMapping/>
-  </p:clrMapOvr>
-  <p:transition spd="slow">
-    <p:push dir="u"/>
-  </p:transition>
-</p:sld>
-</file>
-
-<file path=ppt/slides/slide6.xml><?xml version="1.0" encoding="utf-8"?>
-<p:sld xmlns:a="http://schemas.openxmlformats.org/drawingml/2006/main" xmlns:r="http://schemas.openxmlformats.org/officeDocument/2006/relationships" xmlns:p="http://schemas.openxmlformats.org/presentationml/2006/main">
-  <p:cSld>
-    <p:spTree>
-      <p:nvGrpSpPr>
-        <p:cNvPr id="1" name=""/>
-        <p:cNvGrpSpPr/>
-        <p:nvPr/>
-      </p:nvGrpSpPr>
-      <p:grpSpPr>
-        <a:xfrm>
-          <a:off x="0" y="0"/>
-          <a:ext cx="0" cy="0"/>
-          <a:chOff x="0" y="0"/>
-          <a:chExt cx="0" cy="0"/>
-        </a:xfrm>
-      </p:grpSpPr>
-      <p:sp>
-        <p:nvSpPr>
-          <p:cNvPr id="2" name="Заголовок 1">
-            <a:extLst>
-              <a:ext uri="{FF2B5EF4-FFF2-40B4-BE49-F238E27FC236}">
-                <a16:creationId xmlns:a16="http://schemas.microsoft.com/office/drawing/2014/main" id="{CA3EB828-D617-46F5-AF21-B6EE74AE1109}"/>
-              </a:ext>
-            </a:extLst>
-          </p:cNvPr>
-          <p:cNvSpPr>
-            <a:spLocks noGrp="1"/>
-          </p:cNvSpPr>
-          <p:nvPr>
-            <p:ph type="title"/>
-          </p:nvPr>
-        </p:nvSpPr>
-        <p:spPr/>
-        <p:txBody>
-          <a:bodyPr/>
-          <a:lstStyle/>
-          <a:p>
-            <a:r>
-              <a:rPr lang="ru-RU" sz="3200" dirty="0"/>
-              <a:t>Вывод</a:t>
-            </a:r>
-            <a:r>
-              <a:rPr lang="ru-RU" dirty="0"/>
-              <a:t> </a:t>
-            </a:r>
-            <a:r>
-              <a:rPr lang="ru-RU" sz="3200" dirty="0"/>
-              <a:t>чисел</a:t>
-            </a:r>
-          </a:p>
-        </p:txBody>
-      </p:sp>
-      <p:sp>
-        <p:nvSpPr>
-          <p:cNvPr id="3" name="Объект 2">
-            <a:extLst>
-              <a:ext uri="{FF2B5EF4-FFF2-40B4-BE49-F238E27FC236}">
-                <a16:creationId xmlns:a16="http://schemas.microsoft.com/office/drawing/2014/main" id="{C0778200-CFCE-EF51-8573-C034F28EE0D8}"/>
-              </a:ext>
-            </a:extLst>
-          </p:cNvPr>
-          <p:cNvSpPr>
-            <a:spLocks noGrp="1"/>
-          </p:cNvSpPr>
-          <p:nvPr>
-            <p:ph idx="1"/>
-          </p:nvPr>
-        </p:nvSpPr>
-        <p:spPr/>
-        <p:txBody>
-          <a:bodyPr/>
-          <a:lstStyle/>
-          <a:p>
-            <a:r>
-              <a:rPr lang="en-US" dirty="0" err="1"/>
-              <a:t>print_big</a:t>
-            </a:r>
-            <a:r>
-              <a:rPr lang="en-US" dirty="0"/>
-              <a:t> – </a:t>
-            </a:r>
-            <a:r>
-              <a:rPr lang="ru-RU" dirty="0"/>
-              <a:t>функция работает аналогично функции ввода, выводит числа в обратном порядке.</a:t>
-            </a:r>
-          </a:p>
-        </p:txBody>
-      </p:sp>
-      <p:pic>
-        <p:nvPicPr>
-          <p:cNvPr id="4" name="Picture 4">
-            <a:extLst>
-              <a:ext uri="{FF2B5EF4-FFF2-40B4-BE49-F238E27FC236}">
-                <a16:creationId xmlns:a16="http://schemas.microsoft.com/office/drawing/2014/main" id="{015FDB12-2A4D-8B4D-5E0D-A363F8FC25CA}"/>
-              </a:ext>
-            </a:extLst>
-          </p:cNvPr>
-          <p:cNvPicPr>
-            <a:picLocks noChangeAspect="1" noChangeArrowheads="1"/>
-          </p:cNvPicPr>
-          <p:nvPr/>
-        </p:nvPicPr>
-        <p:blipFill>
-          <a:blip r:embed="rId2">
-            <a:extLst>
-              <a:ext uri="{BEBA8EAE-BF5A-486C-A8C5-ECC9F3942E4B}">
-                <a14:imgProps xmlns:a14="http://schemas.microsoft.com/office/drawing/2010/main">
-                  <a14:imgLayer r:embed="rId3">
-                    <a14:imgEffect>
-                      <a14:backgroundRemoval t="10000" b="90000" l="10000" r="90000"/>
-                    </a14:imgEffect>
-                  </a14:imgLayer>
-                </a14:imgProps>
-              </a:ext>
-              <a:ext uri="{28A0092B-C50C-407E-A947-70E740481C1C}">
-                <a14:useLocalDpi xmlns:a14="http://schemas.microsoft.com/office/drawing/2010/main" val="0"/>
-              </a:ext>
-            </a:extLst>
-          </a:blip>
-          <a:srcRect/>
-          <a:stretch>
-            <a:fillRect/>
-          </a:stretch>
-        </p:blipFill>
-        <p:spPr bwMode="auto">
-          <a:xfrm>
-            <a:off x="0" y="5950979"/>
-            <a:ext cx="905934" cy="905934"/>
-          </a:xfrm>
-          <a:prstGeom prst="rect">
-            <a:avLst/>
-          </a:prstGeom>
-          <a:noFill/>
-          <a:extLst>
-            <a:ext uri="{909E8E84-426E-40DD-AFC4-6F175D3DCCD1}">
-              <a14:hiddenFill xmlns:a14="http://schemas.microsoft.com/office/drawing/2010/main">
-                <a:solidFill>
-                  <a:srgbClr val="FFFFFF"/>
-                </a:solidFill>
-              </a14:hiddenFill>
-            </a:ext>
-          </a:extLst>
-        </p:spPr>
-      </p:pic>
-      <p:sp>
-        <p:nvSpPr>
-          <p:cNvPr id="5" name="Номер слайда 4">
-            <a:extLst>
-              <a:ext uri="{FF2B5EF4-FFF2-40B4-BE49-F238E27FC236}">
-                <a16:creationId xmlns:a16="http://schemas.microsoft.com/office/drawing/2014/main" id="{DE15D56A-4D8C-00BE-7867-81CC9555DE8B}"/>
-              </a:ext>
-            </a:extLst>
-          </p:cNvPr>
-          <p:cNvSpPr>
-            <a:spLocks noGrp="1"/>
-          </p:cNvSpPr>
-          <p:nvPr>
-            <p:ph type="sldNum" sz="quarter" idx="12"/>
-          </p:nvPr>
-        </p:nvSpPr>
-        <p:spPr/>
-        <p:txBody>
-          <a:bodyPr/>
-          <a:lstStyle/>
-          <a:p>
-            <a:fld id="{856911BC-71D3-44B2-952E-7B925F4E2A13}" type="slidenum">
-              <a:rPr lang="ru-RU" smtClean="0"/>
-              <a:t>6</a:t>
-            </a:fld>
-            <a:endParaRPr lang="ru-RU"/>
-          </a:p>
-        </p:txBody>
-      </p:sp>
-    </p:spTree>
-    <p:extLst>
-      <p:ext uri="{BB962C8B-B14F-4D97-AF65-F5344CB8AC3E}">
-        <p14:creationId xmlns:p14="http://schemas.microsoft.com/office/powerpoint/2010/main" val="299932075"/>
-      </p:ext>
-    </p:extLst>
-  </p:cSld>
-  <p:clrMapOvr>
-    <a:masterClrMapping/>
-  </p:clrMapOvr>
-  <p:transition spd="slow">
-    <p:push dir="u"/>
-  </p:transition>
-</p:sld>
-</file>
-
-<file path=ppt/slides/slide7.xml><?xml version="1.0" encoding="utf-8"?>
-<p:sld xmlns:a="http://schemas.openxmlformats.org/drawingml/2006/main" xmlns:r="http://schemas.openxmlformats.org/officeDocument/2006/relationships" xmlns:p="http://schemas.openxmlformats.org/presentationml/2006/main">
-  <p:cSld>
-    <p:spTree>
-      <p:nvGrpSpPr>
-        <p:cNvPr id="1" name=""/>
-        <p:cNvGrpSpPr/>
-        <p:nvPr/>
-      </p:nvGrpSpPr>
-      <p:grpSpPr>
-        <a:xfrm>
-          <a:off x="0" y="0"/>
-          <a:ext cx="0" cy="0"/>
-          <a:chOff x="0" y="0"/>
-          <a:chExt cx="0" cy="0"/>
-        </a:xfrm>
-      </p:grpSpPr>
-      <p:sp>
-        <p:nvSpPr>
-          <p:cNvPr id="2" name="Заголовок 1">
-            <a:extLst>
-              <a:ext uri="{FF2B5EF4-FFF2-40B4-BE49-F238E27FC236}">
-                <a16:creationId xmlns:a16="http://schemas.microsoft.com/office/drawing/2014/main" id="{27D03904-5F1A-F534-81DA-A9AC49F8FE07}"/>
-              </a:ext>
-            </a:extLst>
-          </p:cNvPr>
-          <p:cNvSpPr>
-            <a:spLocks noGrp="1"/>
-          </p:cNvSpPr>
-          <p:nvPr>
-            <p:ph type="title"/>
-          </p:nvPr>
-        </p:nvSpPr>
-        <p:spPr/>
-        <p:txBody>
-          <a:bodyPr>
-            <a:normAutofit/>
-          </a:bodyPr>
-          <a:lstStyle/>
-          <a:p>
-            <a:r>
-              <a:rPr lang="ru-RU" sz="3200" dirty="0">
-                <a:solidFill>
-                  <a:schemeClr val="tx1"/>
-                </a:solidFill>
-              </a:rPr>
-              <a:t>Операции длинной арифметики</a:t>
-            </a:r>
-            <a:endParaRPr lang="ru-RU" sz="3200" dirty="0"/>
-          </a:p>
-        </p:txBody>
-      </p:sp>
-      <p:sp>
-        <p:nvSpPr>
-          <p:cNvPr id="3" name="Объект 2">
-            <a:extLst>
-              <a:ext uri="{FF2B5EF4-FFF2-40B4-BE49-F238E27FC236}">
-                <a16:creationId xmlns:a16="http://schemas.microsoft.com/office/drawing/2014/main" id="{1423F3BF-DB59-4472-78C0-07DC0A23312E}"/>
-              </a:ext>
-            </a:extLst>
-          </p:cNvPr>
-          <p:cNvSpPr>
-            <a:spLocks noGrp="1"/>
-          </p:cNvSpPr>
-          <p:nvPr>
-            <p:ph idx="1"/>
-          </p:nvPr>
-        </p:nvSpPr>
-        <p:spPr/>
-        <p:txBody>
-          <a:bodyPr/>
-          <a:lstStyle/>
-          <a:p>
-            <a:r>
-              <a:rPr lang="ru-RU" dirty="0"/>
-              <a:t>Сложение</a:t>
-            </a:r>
-          </a:p>
-          <a:p>
-            <a:r>
-              <a:rPr lang="ru-RU" dirty="0"/>
-              <a:t>Вычитание</a:t>
-            </a:r>
-          </a:p>
-          <a:p>
-            <a:r>
-              <a:rPr lang="ru-RU" dirty="0"/>
-              <a:t>Целочисленное умножение</a:t>
-            </a:r>
-          </a:p>
-          <a:p>
-            <a:r>
-              <a:rPr lang="ru-RU" dirty="0"/>
-              <a:t>Целочисленное деление</a:t>
-            </a:r>
-          </a:p>
-        </p:txBody>
-      </p:sp>
-      <p:pic>
-        <p:nvPicPr>
-          <p:cNvPr id="4" name="Picture 4">
-            <a:extLst>
-              <a:ext uri="{FF2B5EF4-FFF2-40B4-BE49-F238E27FC236}">
-                <a16:creationId xmlns:a16="http://schemas.microsoft.com/office/drawing/2014/main" id="{FA960A87-9C87-5C7C-E8D4-3E42DA16D376}"/>
-              </a:ext>
-            </a:extLst>
-          </p:cNvPr>
-          <p:cNvPicPr>
-            <a:picLocks noChangeAspect="1" noChangeArrowheads="1"/>
-          </p:cNvPicPr>
-          <p:nvPr/>
-        </p:nvPicPr>
-        <p:blipFill>
-          <a:blip r:embed="rId2">
-            <a:extLst>
-              <a:ext uri="{BEBA8EAE-BF5A-486C-A8C5-ECC9F3942E4B}">
-                <a14:imgProps xmlns:a14="http://schemas.microsoft.com/office/drawing/2010/main">
-                  <a14:imgLayer r:embed="rId3">
-                    <a14:imgEffect>
-                      <a14:backgroundRemoval t="10000" b="90000" l="10000" r="90000"/>
-                    </a14:imgEffect>
-                  </a14:imgLayer>
-                </a14:imgProps>
-              </a:ext>
-              <a:ext uri="{28A0092B-C50C-407E-A947-70E740481C1C}">
-                <a14:useLocalDpi xmlns:a14="http://schemas.microsoft.com/office/drawing/2010/main" val="0"/>
-              </a:ext>
-            </a:extLst>
-          </a:blip>
-          <a:srcRect/>
-          <a:stretch>
-            <a:fillRect/>
-          </a:stretch>
-        </p:blipFill>
-        <p:spPr bwMode="auto">
-          <a:xfrm>
-            <a:off x="0" y="5950979"/>
-            <a:ext cx="905934" cy="905934"/>
-          </a:xfrm>
-          <a:prstGeom prst="rect">
-            <a:avLst/>
-          </a:prstGeom>
-          <a:noFill/>
-          <a:extLst>
-            <a:ext uri="{909E8E84-426E-40DD-AFC4-6F175D3DCCD1}">
-              <a14:hiddenFill xmlns:a14="http://schemas.microsoft.com/office/drawing/2010/main">
-                <a:solidFill>
-                  <a:srgbClr val="FFFFFF"/>
-                </a:solidFill>
-              </a14:hiddenFill>
-            </a:ext>
-          </a:extLst>
-        </p:spPr>
-      </p:pic>
-      <p:sp>
-        <p:nvSpPr>
-          <p:cNvPr id="5" name="Номер слайда 4">
-            <a:extLst>
-              <a:ext uri="{FF2B5EF4-FFF2-40B4-BE49-F238E27FC236}">
-                <a16:creationId xmlns:a16="http://schemas.microsoft.com/office/drawing/2014/main" id="{614855E0-B645-5838-E0CC-2EB8409B3C9D}"/>
-              </a:ext>
-            </a:extLst>
-          </p:cNvPr>
-          <p:cNvSpPr>
-            <a:spLocks noGrp="1"/>
-          </p:cNvSpPr>
-          <p:nvPr>
-            <p:ph type="sldNum" sz="quarter" idx="12"/>
-          </p:nvPr>
-        </p:nvSpPr>
-        <p:spPr/>
-        <p:txBody>
-          <a:bodyPr/>
-          <a:lstStyle/>
-          <a:p>
-            <a:fld id="{856911BC-71D3-44B2-952E-7B925F4E2A13}" type="slidenum">
-              <a:rPr lang="ru-RU" smtClean="0"/>
-              <a:t>7</a:t>
-            </a:fld>
-            <a:endParaRPr lang="ru-RU"/>
-          </a:p>
-        </p:txBody>
-      </p:sp>
-    </p:spTree>
-    <p:extLst>
-      <p:ext uri="{BB962C8B-B14F-4D97-AF65-F5344CB8AC3E}">
-        <p14:creationId xmlns:p14="http://schemas.microsoft.com/office/powerpoint/2010/main" val="3121398843"/>
       </p:ext>
     </p:extLst>
   </p:cSld>
@@ -7541,7 +8780,7 @@
           <p:cNvPr id="2" name="Заголовок 1">
             <a:extLst>
               <a:ext uri="{FF2B5EF4-FFF2-40B4-BE49-F238E27FC236}">
-                <a16:creationId xmlns:a16="http://schemas.microsoft.com/office/drawing/2014/main" id="{3C8574A2-3CA3-B90F-0444-4D221C5697E3}"/>
+                <a16:creationId xmlns:a16="http://schemas.microsoft.com/office/drawing/2014/main" id="{CA3EB828-D617-46F5-AF21-B6EE74AE1109}"/>
               </a:ext>
             </a:extLst>
           </p:cNvPr>
@@ -7558,8 +8797,16 @@
           <a:lstStyle/>
           <a:p>
             <a:r>
+              <a:rPr lang="ru-RU" sz="3200" dirty="0"/>
+              <a:t>Вывод</a:t>
+            </a:r>
+            <a:r>
               <a:rPr lang="ru-RU" dirty="0"/>
-              <a:t>Сложение длинных чисел</a:t>
+              <a:t> </a:t>
+            </a:r>
+            <a:r>
+              <a:rPr lang="ru-RU" sz="3200" dirty="0"/>
+              <a:t>чисел</a:t>
             </a:r>
           </a:p>
         </p:txBody>
@@ -7569,7 +8816,7 @@
           <p:cNvPr id="3" name="Объект 2">
             <a:extLst>
               <a:ext uri="{FF2B5EF4-FFF2-40B4-BE49-F238E27FC236}">
-                <a16:creationId xmlns:a16="http://schemas.microsoft.com/office/drawing/2014/main" id="{532A1266-6E90-6768-F041-F42671D7DB24}"/>
+                <a16:creationId xmlns:a16="http://schemas.microsoft.com/office/drawing/2014/main" id="{C0778200-CFCE-EF51-8573-C034F28EE0D8}"/>
               </a:ext>
             </a:extLst>
           </p:cNvPr>
@@ -7585,301 +8832,18 @@
           <a:bodyPr/>
           <a:lstStyle/>
           <a:p>
-            <a:pPr marL="0" indent="0">
-              <a:buNone/>
-            </a:pPr>
+            <a:r>
+              <a:rPr lang="en-US" dirty="0" err="1"/>
+              <a:t>print_big</a:t>
+            </a:r>
+            <a:r>
+              <a:rPr lang="en-US" dirty="0"/>
+              <a:t> – </a:t>
+            </a:r>
             <a:r>
               <a:rPr lang="ru-RU" dirty="0"/>
-              <a:t>Для сложения используется школьный алгоритм сложения в столбик.</a:t>
-            </a:r>
-          </a:p>
-          <a:p>
-            <a:pPr marL="0" indent="0">
-              <a:buNone/>
-            </a:pPr>
-            <a:endParaRPr lang="ru-RU" dirty="0"/>
-          </a:p>
-          <a:p>
-            <a:pPr marL="0" marR="0" indent="0" algn="ctr" rtl="0" eaLnBrk="0" fontAlgn="base" latinLnBrk="0" hangingPunct="0">
-              <a:spcBef>
-                <a:spcPts val="576"/>
-              </a:spcBef>
-              <a:spcAft>
-                <a:spcPts val="0"/>
-              </a:spcAft>
-              <a:buNone/>
-            </a:pPr>
-            <a:r>
-              <a:rPr lang="en-US" sz="1800" b="1" i="0" u="none" strike="noStrike" kern="1200" baseline="0" dirty="0">
-                <a:ln>
-                  <a:noFill/>
-                </a:ln>
-                <a:solidFill>
-                  <a:srgbClr val="000000"/>
-                </a:solidFill>
-                <a:effectLst/>
-                <a:latin typeface="Courier New" panose="02070309020205020404" pitchFamily="49" charset="0"/>
-              </a:rPr>
-              <a:t>5</a:t>
-            </a:r>
-            <a:r>
-              <a:rPr lang="ru-RU" sz="1800" b="1" i="0" u="none" strike="noStrike" kern="1200" baseline="0" dirty="0">
-                <a:ln>
-                  <a:noFill/>
-                </a:ln>
-                <a:solidFill>
-                  <a:srgbClr val="000000"/>
-                </a:solidFill>
-                <a:effectLst/>
-                <a:latin typeface="Courier New" panose="02070309020205020404" pitchFamily="49" charset="0"/>
-              </a:rPr>
-              <a:t>25</a:t>
-            </a:r>
-            <a:r>
-              <a:rPr lang="en-US" sz="1800" b="1" i="0" u="none" strike="noStrike" kern="1200" baseline="0" dirty="0">
-                <a:ln>
-                  <a:noFill/>
-                </a:ln>
-                <a:solidFill>
-                  <a:srgbClr val="000000"/>
-                </a:solidFill>
-                <a:effectLst/>
-                <a:latin typeface="Courier New" panose="02070309020205020404" pitchFamily="49" charset="0"/>
-              </a:rPr>
-              <a:t>+</a:t>
-            </a:r>
-            <a:r>
-              <a:rPr lang="ru-RU" sz="1800" b="1" i="0" u="none" strike="noStrike" kern="1200" baseline="0" dirty="0">
-                <a:ln>
-                  <a:noFill/>
-                </a:ln>
-                <a:solidFill>
-                  <a:srgbClr val="000000"/>
-                </a:solidFill>
-                <a:effectLst/>
-                <a:latin typeface="Courier New" panose="02070309020205020404" pitchFamily="49" charset="0"/>
-              </a:rPr>
-              <a:t>854</a:t>
-            </a:r>
-            <a:r>
-              <a:rPr lang="en-US" sz="1800" b="1" i="0" u="none" strike="noStrike" kern="1200" baseline="0" dirty="0">
-                <a:ln>
-                  <a:noFill/>
-                </a:ln>
-                <a:solidFill>
-                  <a:srgbClr val="000000"/>
-                </a:solidFill>
-                <a:effectLst/>
-                <a:latin typeface="Courier New" panose="02070309020205020404" pitchFamily="49" charset="0"/>
-              </a:rPr>
-              <a:t>=1539</a:t>
-            </a:r>
-            <a:endParaRPr lang="ru-RU" sz="1800" b="1" i="0" u="none" strike="noStrike" kern="1200" baseline="0" dirty="0">
-              <a:ln>
-                <a:noFill/>
-              </a:ln>
-              <a:solidFill>
-                <a:srgbClr val="000000"/>
-              </a:solidFill>
-              <a:effectLst/>
-              <a:latin typeface="Courier New" panose="02070309020205020404" pitchFamily="49" charset="0"/>
-            </a:endParaRPr>
-          </a:p>
-          <a:p>
-            <a:pPr marL="0" marR="0" indent="0" algn="ctr" rtl="0" eaLnBrk="0" fontAlgn="base" latinLnBrk="0" hangingPunct="0">
-              <a:spcBef>
-                <a:spcPts val="576"/>
-              </a:spcBef>
-              <a:spcAft>
-                <a:spcPts val="0"/>
-              </a:spcAft>
-              <a:buNone/>
-            </a:pPr>
-            <a:endParaRPr lang="ru-RU" sz="1800" b="0" i="0" u="none" strike="noStrike" dirty="0">
-              <a:effectLst/>
-              <a:latin typeface="Arial" panose="020B0604020202020204" pitchFamily="34" charset="0"/>
-            </a:endParaRPr>
-          </a:p>
-          <a:p>
-            <a:pPr marL="0" marR="0" indent="0" algn="ctr" rtl="0" eaLnBrk="0" fontAlgn="base" latinLnBrk="0" hangingPunct="0">
-              <a:spcBef>
-                <a:spcPts val="576"/>
-              </a:spcBef>
-              <a:spcAft>
-                <a:spcPts val="0"/>
-              </a:spcAft>
-              <a:buNone/>
-            </a:pPr>
-            <a:r>
-              <a:rPr lang="en-US" sz="1800" b="1" i="0" u="none" strike="noStrike" kern="1200" baseline="0" dirty="0">
-                <a:ln>
-                  <a:noFill/>
-                </a:ln>
-                <a:solidFill>
-                  <a:srgbClr val="000000"/>
-                </a:solidFill>
-                <a:effectLst/>
-                <a:latin typeface="Courier New" panose="02070309020205020404" pitchFamily="49" charset="0"/>
-              </a:rPr>
-              <a:t> </a:t>
-            </a:r>
-            <a:r>
-              <a:rPr lang="ru-RU" sz="1800" b="1" dirty="0">
-                <a:solidFill>
-                  <a:srgbClr val="000000"/>
-                </a:solidFill>
-                <a:latin typeface="Courier New" panose="02070309020205020404" pitchFamily="49" charset="0"/>
-              </a:rPr>
-              <a:t>5 2 5</a:t>
-            </a:r>
-            <a:endParaRPr lang="ru-RU" sz="1800" b="0" i="0" u="none" strike="noStrike" dirty="0">
-              <a:effectLst/>
-              <a:latin typeface="Arial" panose="020B0604020202020204" pitchFamily="34" charset="0"/>
-            </a:endParaRPr>
-          </a:p>
-          <a:p>
-            <a:pPr marL="0" marR="0" indent="0" rtl="0" eaLnBrk="0" fontAlgn="base" latinLnBrk="0" hangingPunct="0">
-              <a:spcBef>
-                <a:spcPts val="576"/>
-              </a:spcBef>
-              <a:spcAft>
-                <a:spcPts val="0"/>
-              </a:spcAft>
-              <a:buNone/>
-            </a:pPr>
-            <a:r>
-              <a:rPr lang="ru-RU" sz="1800" b="1" i="0" u="none" strike="noStrike" kern="1200" baseline="0" dirty="0">
-                <a:ln>
-                  <a:noFill/>
-                </a:ln>
-                <a:solidFill>
-                  <a:srgbClr val="000000"/>
-                </a:solidFill>
-                <a:effectLst/>
-                <a:latin typeface="Courier New" panose="02070309020205020404" pitchFamily="49" charset="0"/>
-              </a:rPr>
-              <a:t>                                  </a:t>
-            </a:r>
-            <a:r>
-              <a:rPr lang="en-US" sz="1800" b="1" i="0" u="none" strike="noStrike" kern="1200" baseline="0" dirty="0">
-                <a:ln>
-                  <a:noFill/>
-                </a:ln>
-                <a:solidFill>
-                  <a:srgbClr val="000000"/>
-                </a:solidFill>
-                <a:effectLst/>
-                <a:latin typeface="Courier New" panose="02070309020205020404" pitchFamily="49" charset="0"/>
-              </a:rPr>
-              <a:t>+</a:t>
-            </a:r>
-            <a:endParaRPr lang="ru-RU" sz="1800" b="0" i="0" u="none" strike="noStrike" dirty="0">
-              <a:effectLst/>
-              <a:latin typeface="Arial" panose="020B0604020202020204" pitchFamily="34" charset="0"/>
-            </a:endParaRPr>
-          </a:p>
-          <a:p>
-            <a:pPr marL="0" marR="0" indent="0" algn="ctr" rtl="0" eaLnBrk="0" fontAlgn="base" latinLnBrk="0" hangingPunct="0">
-              <a:spcBef>
-                <a:spcPts val="576"/>
-              </a:spcBef>
-              <a:spcAft>
-                <a:spcPts val="0"/>
-              </a:spcAft>
-              <a:buNone/>
-            </a:pPr>
-            <a:r>
-              <a:rPr lang="en-US" sz="1800" b="1" i="0" u="none" strike="noStrike" kern="1200" baseline="0" dirty="0">
-                <a:ln>
-                  <a:noFill/>
-                </a:ln>
-                <a:solidFill>
-                  <a:srgbClr val="000000"/>
-                </a:solidFill>
-                <a:effectLst/>
-                <a:latin typeface="Courier New" panose="02070309020205020404" pitchFamily="49" charset="0"/>
-              </a:rPr>
-              <a:t> </a:t>
-            </a:r>
-            <a:r>
-              <a:rPr lang="ru-RU" sz="1800" b="1" dirty="0">
-                <a:solidFill>
-                  <a:srgbClr val="000000"/>
-                </a:solidFill>
-                <a:latin typeface="Courier New" panose="02070309020205020404" pitchFamily="49" charset="0"/>
-              </a:rPr>
-              <a:t>8 5 4</a:t>
-            </a:r>
-            <a:endParaRPr lang="ru-RU" sz="1800" b="0" i="0" u="none" strike="noStrike" dirty="0">
-              <a:effectLst/>
-              <a:latin typeface="Arial" panose="020B0604020202020204" pitchFamily="34" charset="0"/>
-            </a:endParaRPr>
-          </a:p>
-          <a:p>
-            <a:pPr marL="0" marR="0" indent="0" algn="ctr" rtl="0" eaLnBrk="0" fontAlgn="base" latinLnBrk="0" hangingPunct="0">
-              <a:spcBef>
-                <a:spcPts val="576"/>
-              </a:spcBef>
-              <a:spcAft>
-                <a:spcPts val="0"/>
-              </a:spcAft>
-              <a:buNone/>
-            </a:pPr>
-            <a:r>
-              <a:rPr lang="ru-RU" sz="1800" b="1" i="0" u="none" strike="noStrike" kern="1200" baseline="0" dirty="0">
-                <a:ln>
-                  <a:noFill/>
-                </a:ln>
-                <a:solidFill>
-                  <a:srgbClr val="000000"/>
-                </a:solidFill>
-                <a:effectLst/>
-                <a:latin typeface="Courier New" panose="02070309020205020404" pitchFamily="49" charset="0"/>
-              </a:rPr>
-              <a:t>-</a:t>
-            </a:r>
-            <a:r>
-              <a:rPr lang="en-US" sz="1800" b="1" i="0" u="none" strike="noStrike" kern="1200" baseline="0" dirty="0">
-                <a:ln>
-                  <a:noFill/>
-                </a:ln>
-                <a:solidFill>
-                  <a:srgbClr val="000000"/>
-                </a:solidFill>
-                <a:effectLst/>
-                <a:latin typeface="Courier New" panose="02070309020205020404" pitchFamily="49" charset="0"/>
-              </a:rPr>
-              <a:t>------</a:t>
-            </a:r>
-            <a:endParaRPr lang="ru-RU" sz="1800" b="0" i="0" u="none" strike="noStrike" dirty="0">
-              <a:effectLst/>
-              <a:latin typeface="Arial" panose="020B0604020202020204" pitchFamily="34" charset="0"/>
-            </a:endParaRPr>
-          </a:p>
-          <a:p>
-            <a:pPr marL="0" marR="0" indent="0" algn="ctr" rtl="0" eaLnBrk="0" fontAlgn="base" latinLnBrk="0" hangingPunct="0">
-              <a:spcBef>
-                <a:spcPts val="576"/>
-              </a:spcBef>
-              <a:spcAft>
-                <a:spcPts val="0"/>
-              </a:spcAft>
-              <a:buNone/>
-            </a:pPr>
-            <a:r>
-              <a:rPr lang="ru-RU" sz="1800" b="1" i="0" u="none" strike="noStrike" kern="1200" baseline="0" dirty="0">
-                <a:ln>
-                  <a:noFill/>
-                </a:ln>
-                <a:solidFill>
-                  <a:srgbClr val="000000"/>
-                </a:solidFill>
-                <a:effectLst/>
-                <a:latin typeface="Courier New" panose="02070309020205020404" pitchFamily="49" charset="0"/>
-              </a:rPr>
-              <a:t>1 3 7 9</a:t>
-            </a:r>
-            <a:endParaRPr lang="ru-RU" dirty="0"/>
+              <a:t>функция работает аналогично функции ввода, выводит числа в обратном порядке.</a:t>
+            </a:r>
           </a:p>
         </p:txBody>
       </p:sp>
@@ -7888,7 +8852,7 @@
           <p:cNvPr id="4" name="Picture 4">
             <a:extLst>
               <a:ext uri="{FF2B5EF4-FFF2-40B4-BE49-F238E27FC236}">
-                <a16:creationId xmlns:a16="http://schemas.microsoft.com/office/drawing/2014/main" id="{61628088-FABC-0662-07CF-520519DA25A0}"/>
+                <a16:creationId xmlns:a16="http://schemas.microsoft.com/office/drawing/2014/main" id="{015FDB12-2A4D-8B4D-5E0D-A363F8FC25CA}"/>
               </a:ext>
             </a:extLst>
           </p:cNvPr>
@@ -7944,7 +8908,7 @@
           <p:cNvPr id="5" name="Номер слайда 4">
             <a:extLst>
               <a:ext uri="{FF2B5EF4-FFF2-40B4-BE49-F238E27FC236}">
-                <a16:creationId xmlns:a16="http://schemas.microsoft.com/office/drawing/2014/main" id="{88974CC6-2DD5-F666-82B9-EAEB5E4F04CD}"/>
+                <a16:creationId xmlns:a16="http://schemas.microsoft.com/office/drawing/2014/main" id="{DE15D56A-4D8C-00BE-7867-81CC9555DE8B}"/>
               </a:ext>
             </a:extLst>
           </p:cNvPr>
@@ -7968,10 +8932,1183 @@
           </a:p>
         </p:txBody>
       </p:sp>
+      <p:graphicFrame>
+        <p:nvGraphicFramePr>
+          <p:cNvPr id="6" name="Таблица 5">
+            <a:extLst>
+              <a:ext uri="{FF2B5EF4-FFF2-40B4-BE49-F238E27FC236}">
+                <a16:creationId xmlns:a16="http://schemas.microsoft.com/office/drawing/2014/main" id="{497A4CD7-79F5-BA50-2CE4-900330FF2304}"/>
+              </a:ext>
+            </a:extLst>
+          </p:cNvPr>
+          <p:cNvGraphicFramePr>
+            <a:graphicFrameLocks noGrp="1"/>
+          </p:cNvGraphicFramePr>
+          <p:nvPr>
+            <p:extLst>
+              <p:ext uri="{D42A27DB-BD31-4B8C-83A1-F6EECF244321}">
+                <p14:modId xmlns:p14="http://schemas.microsoft.com/office/powerpoint/2010/main" val="443426314"/>
+              </p:ext>
+            </p:extLst>
+          </p:nvPr>
+        </p:nvGraphicFramePr>
+        <p:xfrm>
+          <a:off x="2477826" y="3297844"/>
+          <a:ext cx="3618174" cy="396240"/>
+        </p:xfrm>
+        <a:graphic>
+          <a:graphicData uri="http://schemas.openxmlformats.org/drawingml/2006/table">
+            <a:tbl>
+              <a:tblPr firstRow="1" bandRow="1">
+                <a:tableStyleId>{5C22544A-7EE6-4342-B048-85BDC9FD1C3A}</a:tableStyleId>
+              </a:tblPr>
+              <a:tblGrid>
+                <a:gridCol w="516882">
+                  <a:extLst>
+                    <a:ext uri="{9D8B030D-6E8A-4147-A177-3AD203B41FA5}">
+                      <a16:colId xmlns:a16="http://schemas.microsoft.com/office/drawing/2014/main" val="459491160"/>
+                    </a:ext>
+                  </a:extLst>
+                </a:gridCol>
+                <a:gridCol w="516882">
+                  <a:extLst>
+                    <a:ext uri="{9D8B030D-6E8A-4147-A177-3AD203B41FA5}">
+                      <a16:colId xmlns:a16="http://schemas.microsoft.com/office/drawing/2014/main" val="3201047899"/>
+                    </a:ext>
+                  </a:extLst>
+                </a:gridCol>
+                <a:gridCol w="516882">
+                  <a:extLst>
+                    <a:ext uri="{9D8B030D-6E8A-4147-A177-3AD203B41FA5}">
+                      <a16:colId xmlns:a16="http://schemas.microsoft.com/office/drawing/2014/main" val="1034534474"/>
+                    </a:ext>
+                  </a:extLst>
+                </a:gridCol>
+                <a:gridCol w="516882">
+                  <a:extLst>
+                    <a:ext uri="{9D8B030D-6E8A-4147-A177-3AD203B41FA5}">
+                      <a16:colId xmlns:a16="http://schemas.microsoft.com/office/drawing/2014/main" val="2837552862"/>
+                    </a:ext>
+                  </a:extLst>
+                </a:gridCol>
+                <a:gridCol w="516882">
+                  <a:extLst>
+                    <a:ext uri="{9D8B030D-6E8A-4147-A177-3AD203B41FA5}">
+                      <a16:colId xmlns:a16="http://schemas.microsoft.com/office/drawing/2014/main" val="147013378"/>
+                    </a:ext>
+                  </a:extLst>
+                </a:gridCol>
+                <a:gridCol w="516882">
+                  <a:extLst>
+                    <a:ext uri="{9D8B030D-6E8A-4147-A177-3AD203B41FA5}">
+                      <a16:colId xmlns:a16="http://schemas.microsoft.com/office/drawing/2014/main" val="2782495734"/>
+                    </a:ext>
+                  </a:extLst>
+                </a:gridCol>
+                <a:gridCol w="516882">
+                  <a:extLst>
+                    <a:ext uri="{9D8B030D-6E8A-4147-A177-3AD203B41FA5}">
+                      <a16:colId xmlns:a16="http://schemas.microsoft.com/office/drawing/2014/main" val="3802377816"/>
+                    </a:ext>
+                  </a:extLst>
+                </a:gridCol>
+              </a:tblGrid>
+              <a:tr h="370840">
+                <a:tc>
+                  <a:txBody>
+                    <a:bodyPr/>
+                    <a:lstStyle/>
+                    <a:p>
+                      <a:pPr algn="ctr"/>
+                      <a:r>
+                        <a:rPr lang="en-US" sz="2000" dirty="0">
+                          <a:solidFill>
+                            <a:schemeClr val="tx1"/>
+                          </a:solidFill>
+                        </a:rPr>
+                        <a:t>3</a:t>
+                      </a:r>
+                      <a:endParaRPr lang="ru-RU" sz="2000" dirty="0">
+                        <a:solidFill>
+                          <a:schemeClr val="tx1"/>
+                        </a:solidFill>
+                      </a:endParaRPr>
+                    </a:p>
+                  </a:txBody>
+                  <a:tcPr>
+                    <a:solidFill>
+                      <a:schemeClr val="bg2"/>
+                    </a:solidFill>
+                  </a:tcPr>
+                </a:tc>
+                <a:tc>
+                  <a:txBody>
+                    <a:bodyPr/>
+                    <a:lstStyle/>
+                    <a:p>
+                      <a:pPr algn="ctr"/>
+                      <a:r>
+                        <a:rPr lang="en-US" sz="2000" dirty="0">
+                          <a:solidFill>
+                            <a:schemeClr val="tx1"/>
+                          </a:solidFill>
+                        </a:rPr>
+                        <a:t>8</a:t>
+                      </a:r>
+                      <a:endParaRPr lang="ru-RU" sz="2000" dirty="0">
+                        <a:solidFill>
+                          <a:schemeClr val="tx1"/>
+                        </a:solidFill>
+                      </a:endParaRPr>
+                    </a:p>
+                  </a:txBody>
+                  <a:tcPr>
+                    <a:solidFill>
+                      <a:schemeClr val="bg2"/>
+                    </a:solidFill>
+                  </a:tcPr>
+                </a:tc>
+                <a:tc>
+                  <a:txBody>
+                    <a:bodyPr/>
+                    <a:lstStyle/>
+                    <a:p>
+                      <a:pPr algn="ctr"/>
+                      <a:r>
+                        <a:rPr lang="en-US" sz="2000" dirty="0">
+                          <a:solidFill>
+                            <a:schemeClr val="tx1"/>
+                          </a:solidFill>
+                        </a:rPr>
+                        <a:t>6</a:t>
+                      </a:r>
+                      <a:endParaRPr lang="ru-RU" sz="2000" dirty="0">
+                        <a:solidFill>
+                          <a:schemeClr val="tx1"/>
+                        </a:solidFill>
+                      </a:endParaRPr>
+                    </a:p>
+                  </a:txBody>
+                  <a:tcPr>
+                    <a:solidFill>
+                      <a:schemeClr val="bg2"/>
+                    </a:solidFill>
+                  </a:tcPr>
+                </a:tc>
+                <a:tc>
+                  <a:txBody>
+                    <a:bodyPr/>
+                    <a:lstStyle/>
+                    <a:p>
+                      <a:pPr algn="ctr"/>
+                      <a:r>
+                        <a:rPr lang="ru-RU" sz="2000" dirty="0">
+                          <a:solidFill>
+                            <a:schemeClr val="tx1"/>
+                          </a:solidFill>
+                        </a:rPr>
+                        <a:t>4</a:t>
+                      </a:r>
+                    </a:p>
+                  </a:txBody>
+                  <a:tcPr>
+                    <a:solidFill>
+                      <a:schemeClr val="bg2"/>
+                    </a:solidFill>
+                  </a:tcPr>
+                </a:tc>
+                <a:tc>
+                  <a:txBody>
+                    <a:bodyPr/>
+                    <a:lstStyle/>
+                    <a:p>
+                      <a:pPr algn="ctr"/>
+                      <a:r>
+                        <a:rPr lang="en-US" sz="2000" dirty="0">
+                          <a:solidFill>
+                            <a:schemeClr val="tx1"/>
+                          </a:solidFill>
+                        </a:rPr>
+                        <a:t>7</a:t>
+                      </a:r>
+                      <a:endParaRPr lang="ru-RU" sz="2000" dirty="0">
+                        <a:solidFill>
+                          <a:schemeClr val="tx1"/>
+                        </a:solidFill>
+                      </a:endParaRPr>
+                    </a:p>
+                  </a:txBody>
+                  <a:tcPr>
+                    <a:solidFill>
+                      <a:schemeClr val="bg2"/>
+                    </a:solidFill>
+                  </a:tcPr>
+                </a:tc>
+                <a:tc>
+                  <a:txBody>
+                    <a:bodyPr/>
+                    <a:lstStyle/>
+                    <a:p>
+                      <a:pPr algn="ctr"/>
+                      <a:r>
+                        <a:rPr lang="en-US" sz="2000" dirty="0">
+                          <a:solidFill>
+                            <a:schemeClr val="tx1"/>
+                          </a:solidFill>
+                        </a:rPr>
+                        <a:t>2</a:t>
+                      </a:r>
+                      <a:endParaRPr lang="ru-RU" sz="2000" dirty="0">
+                        <a:solidFill>
+                          <a:schemeClr val="tx1"/>
+                        </a:solidFill>
+                      </a:endParaRPr>
+                    </a:p>
+                  </a:txBody>
+                  <a:tcPr>
+                    <a:solidFill>
+                      <a:schemeClr val="bg2"/>
+                    </a:solidFill>
+                  </a:tcPr>
+                </a:tc>
+                <a:tc>
+                  <a:txBody>
+                    <a:bodyPr/>
+                    <a:lstStyle/>
+                    <a:p>
+                      <a:pPr algn="ctr"/>
+                      <a:r>
+                        <a:rPr lang="en-US" sz="2000" dirty="0">
+                          <a:solidFill>
+                            <a:schemeClr val="tx1"/>
+                          </a:solidFill>
+                        </a:rPr>
+                        <a:t>1</a:t>
+                      </a:r>
+                      <a:endParaRPr lang="ru-RU" sz="2000" dirty="0">
+                        <a:solidFill>
+                          <a:schemeClr val="tx1"/>
+                        </a:solidFill>
+                      </a:endParaRPr>
+                    </a:p>
+                  </a:txBody>
+                  <a:tcPr>
+                    <a:solidFill>
+                      <a:schemeClr val="bg2"/>
+                    </a:solidFill>
+                  </a:tcPr>
+                </a:tc>
+                <a:extLst>
+                  <a:ext uri="{0D108BD9-81ED-4DB2-BD59-A6C34878D82A}">
+                    <a16:rowId xmlns:a16="http://schemas.microsoft.com/office/drawing/2014/main" val="95646095"/>
+                  </a:ext>
+                </a:extLst>
+              </a:tr>
+            </a:tbl>
+          </a:graphicData>
+        </a:graphic>
+      </p:graphicFrame>
+      <p:graphicFrame>
+        <p:nvGraphicFramePr>
+          <p:cNvPr id="7" name="Таблица 6">
+            <a:extLst>
+              <a:ext uri="{FF2B5EF4-FFF2-40B4-BE49-F238E27FC236}">
+                <a16:creationId xmlns:a16="http://schemas.microsoft.com/office/drawing/2014/main" id="{81CC82F4-511A-E671-2F21-75F1A0B3A980}"/>
+              </a:ext>
+            </a:extLst>
+          </p:cNvPr>
+          <p:cNvGraphicFramePr>
+            <a:graphicFrameLocks noGrp="1"/>
+          </p:cNvGraphicFramePr>
+          <p:nvPr>
+            <p:extLst>
+              <p:ext uri="{D42A27DB-BD31-4B8C-83A1-F6EECF244321}">
+                <p14:modId xmlns:p14="http://schemas.microsoft.com/office/powerpoint/2010/main" val="3020789880"/>
+              </p:ext>
+            </p:extLst>
+          </p:nvPr>
+        </p:nvGraphicFramePr>
+        <p:xfrm>
+          <a:off x="2477826" y="4663789"/>
+          <a:ext cx="3618174" cy="396240"/>
+        </p:xfrm>
+        <a:graphic>
+          <a:graphicData uri="http://schemas.openxmlformats.org/drawingml/2006/table">
+            <a:tbl>
+              <a:tblPr firstRow="1" bandRow="1">
+                <a:tableStyleId>{5C22544A-7EE6-4342-B048-85BDC9FD1C3A}</a:tableStyleId>
+              </a:tblPr>
+              <a:tblGrid>
+                <a:gridCol w="516882">
+                  <a:extLst>
+                    <a:ext uri="{9D8B030D-6E8A-4147-A177-3AD203B41FA5}">
+                      <a16:colId xmlns:a16="http://schemas.microsoft.com/office/drawing/2014/main" val="459491160"/>
+                    </a:ext>
+                  </a:extLst>
+                </a:gridCol>
+                <a:gridCol w="516882">
+                  <a:extLst>
+                    <a:ext uri="{9D8B030D-6E8A-4147-A177-3AD203B41FA5}">
+                      <a16:colId xmlns:a16="http://schemas.microsoft.com/office/drawing/2014/main" val="3201047899"/>
+                    </a:ext>
+                  </a:extLst>
+                </a:gridCol>
+                <a:gridCol w="516882">
+                  <a:extLst>
+                    <a:ext uri="{9D8B030D-6E8A-4147-A177-3AD203B41FA5}">
+                      <a16:colId xmlns:a16="http://schemas.microsoft.com/office/drawing/2014/main" val="1034534474"/>
+                    </a:ext>
+                  </a:extLst>
+                </a:gridCol>
+                <a:gridCol w="516882">
+                  <a:extLst>
+                    <a:ext uri="{9D8B030D-6E8A-4147-A177-3AD203B41FA5}">
+                      <a16:colId xmlns:a16="http://schemas.microsoft.com/office/drawing/2014/main" val="2837552862"/>
+                    </a:ext>
+                  </a:extLst>
+                </a:gridCol>
+                <a:gridCol w="516882">
+                  <a:extLst>
+                    <a:ext uri="{9D8B030D-6E8A-4147-A177-3AD203B41FA5}">
+                      <a16:colId xmlns:a16="http://schemas.microsoft.com/office/drawing/2014/main" val="147013378"/>
+                    </a:ext>
+                  </a:extLst>
+                </a:gridCol>
+                <a:gridCol w="516882">
+                  <a:extLst>
+                    <a:ext uri="{9D8B030D-6E8A-4147-A177-3AD203B41FA5}">
+                      <a16:colId xmlns:a16="http://schemas.microsoft.com/office/drawing/2014/main" val="2782495734"/>
+                    </a:ext>
+                  </a:extLst>
+                </a:gridCol>
+                <a:gridCol w="516882">
+                  <a:extLst>
+                    <a:ext uri="{9D8B030D-6E8A-4147-A177-3AD203B41FA5}">
+                      <a16:colId xmlns:a16="http://schemas.microsoft.com/office/drawing/2014/main" val="3802377816"/>
+                    </a:ext>
+                  </a:extLst>
+                </a:gridCol>
+              </a:tblGrid>
+              <a:tr h="370840">
+                <a:tc>
+                  <a:txBody>
+                    <a:bodyPr/>
+                    <a:lstStyle/>
+                    <a:p>
+                      <a:pPr algn="ctr"/>
+                      <a:r>
+                        <a:rPr lang="en-US" sz="2000" dirty="0">
+                          <a:solidFill>
+                            <a:schemeClr val="tx1"/>
+                          </a:solidFill>
+                        </a:rPr>
+                        <a:t>1</a:t>
+                      </a:r>
+                      <a:endParaRPr lang="ru-RU" sz="2000" dirty="0">
+                        <a:solidFill>
+                          <a:schemeClr val="tx1"/>
+                        </a:solidFill>
+                      </a:endParaRPr>
+                    </a:p>
+                  </a:txBody>
+                  <a:tcPr>
+                    <a:solidFill>
+                      <a:schemeClr val="accent1">
+                        <a:lumMod val="60000"/>
+                        <a:lumOff val="40000"/>
+                      </a:schemeClr>
+                    </a:solidFill>
+                  </a:tcPr>
+                </a:tc>
+                <a:tc>
+                  <a:txBody>
+                    <a:bodyPr/>
+                    <a:lstStyle/>
+                    <a:p>
+                      <a:pPr algn="ctr"/>
+                      <a:r>
+                        <a:rPr lang="en-US" sz="2000" dirty="0">
+                          <a:solidFill>
+                            <a:schemeClr val="tx1"/>
+                          </a:solidFill>
+                        </a:rPr>
+                        <a:t>2</a:t>
+                      </a:r>
+                      <a:endParaRPr lang="ru-RU" sz="2000" dirty="0">
+                        <a:solidFill>
+                          <a:schemeClr val="tx1"/>
+                        </a:solidFill>
+                      </a:endParaRPr>
+                    </a:p>
+                  </a:txBody>
+                  <a:tcPr>
+                    <a:solidFill>
+                      <a:schemeClr val="accent1">
+                        <a:lumMod val="60000"/>
+                        <a:lumOff val="40000"/>
+                      </a:schemeClr>
+                    </a:solidFill>
+                  </a:tcPr>
+                </a:tc>
+                <a:tc>
+                  <a:txBody>
+                    <a:bodyPr/>
+                    <a:lstStyle/>
+                    <a:p>
+                      <a:pPr algn="ctr"/>
+                      <a:r>
+                        <a:rPr lang="en-US" sz="2000" dirty="0">
+                          <a:solidFill>
+                            <a:schemeClr val="tx1"/>
+                          </a:solidFill>
+                        </a:rPr>
+                        <a:t>7</a:t>
+                      </a:r>
+                      <a:endParaRPr lang="ru-RU" sz="2000" dirty="0">
+                        <a:solidFill>
+                          <a:schemeClr val="tx1"/>
+                        </a:solidFill>
+                      </a:endParaRPr>
+                    </a:p>
+                  </a:txBody>
+                  <a:tcPr>
+                    <a:solidFill>
+                      <a:schemeClr val="accent1">
+                        <a:lumMod val="60000"/>
+                        <a:lumOff val="40000"/>
+                      </a:schemeClr>
+                    </a:solidFill>
+                  </a:tcPr>
+                </a:tc>
+                <a:tc>
+                  <a:txBody>
+                    <a:bodyPr/>
+                    <a:lstStyle/>
+                    <a:p>
+                      <a:pPr algn="ctr"/>
+                      <a:r>
+                        <a:rPr lang="ru-RU" sz="2000" dirty="0">
+                          <a:solidFill>
+                            <a:schemeClr val="tx1"/>
+                          </a:solidFill>
+                        </a:rPr>
+                        <a:t>4</a:t>
+                      </a:r>
+                    </a:p>
+                  </a:txBody>
+                  <a:tcPr>
+                    <a:solidFill>
+                      <a:schemeClr val="accent1">
+                        <a:lumMod val="60000"/>
+                        <a:lumOff val="40000"/>
+                      </a:schemeClr>
+                    </a:solidFill>
+                  </a:tcPr>
+                </a:tc>
+                <a:tc>
+                  <a:txBody>
+                    <a:bodyPr/>
+                    <a:lstStyle/>
+                    <a:p>
+                      <a:pPr algn="ctr"/>
+                      <a:r>
+                        <a:rPr lang="en-US" sz="2000" dirty="0">
+                          <a:solidFill>
+                            <a:schemeClr val="tx1"/>
+                          </a:solidFill>
+                        </a:rPr>
+                        <a:t>6</a:t>
+                      </a:r>
+                      <a:endParaRPr lang="ru-RU" sz="2000" dirty="0">
+                        <a:solidFill>
+                          <a:schemeClr val="tx1"/>
+                        </a:solidFill>
+                      </a:endParaRPr>
+                    </a:p>
+                  </a:txBody>
+                  <a:tcPr>
+                    <a:solidFill>
+                      <a:schemeClr val="accent1">
+                        <a:lumMod val="60000"/>
+                        <a:lumOff val="40000"/>
+                      </a:schemeClr>
+                    </a:solidFill>
+                  </a:tcPr>
+                </a:tc>
+                <a:tc>
+                  <a:txBody>
+                    <a:bodyPr/>
+                    <a:lstStyle/>
+                    <a:p>
+                      <a:pPr algn="ctr"/>
+                      <a:r>
+                        <a:rPr lang="en-US" sz="2000" dirty="0">
+                          <a:solidFill>
+                            <a:schemeClr val="tx1"/>
+                          </a:solidFill>
+                        </a:rPr>
+                        <a:t>8</a:t>
+                      </a:r>
+                      <a:endParaRPr lang="ru-RU" sz="2000" dirty="0">
+                        <a:solidFill>
+                          <a:schemeClr val="tx1"/>
+                        </a:solidFill>
+                      </a:endParaRPr>
+                    </a:p>
+                  </a:txBody>
+                  <a:tcPr>
+                    <a:solidFill>
+                      <a:schemeClr val="accent1">
+                        <a:lumMod val="60000"/>
+                        <a:lumOff val="40000"/>
+                      </a:schemeClr>
+                    </a:solidFill>
+                  </a:tcPr>
+                </a:tc>
+                <a:tc>
+                  <a:txBody>
+                    <a:bodyPr/>
+                    <a:lstStyle/>
+                    <a:p>
+                      <a:pPr algn="ctr"/>
+                      <a:r>
+                        <a:rPr lang="en-US" sz="2000" dirty="0">
+                          <a:solidFill>
+                            <a:schemeClr val="tx1"/>
+                          </a:solidFill>
+                        </a:rPr>
+                        <a:t>3</a:t>
+                      </a:r>
+                      <a:endParaRPr lang="ru-RU" sz="2000" dirty="0">
+                        <a:solidFill>
+                          <a:schemeClr val="tx1"/>
+                        </a:solidFill>
+                      </a:endParaRPr>
+                    </a:p>
+                  </a:txBody>
+                  <a:tcPr>
+                    <a:solidFill>
+                      <a:schemeClr val="accent1">
+                        <a:lumMod val="60000"/>
+                        <a:lumOff val="40000"/>
+                      </a:schemeClr>
+                    </a:solidFill>
+                  </a:tcPr>
+                </a:tc>
+                <a:extLst>
+                  <a:ext uri="{0D108BD9-81ED-4DB2-BD59-A6C34878D82A}">
+                    <a16:rowId xmlns:a16="http://schemas.microsoft.com/office/drawing/2014/main" val="95646095"/>
+                  </a:ext>
+                </a:extLst>
+              </a:tr>
+            </a:tbl>
+          </a:graphicData>
+        </a:graphic>
+      </p:graphicFrame>
+      <p:sp>
+        <p:nvSpPr>
+          <p:cNvPr id="8" name="TextBox 7">
+            <a:extLst>
+              <a:ext uri="{FF2B5EF4-FFF2-40B4-BE49-F238E27FC236}">
+                <a16:creationId xmlns:a16="http://schemas.microsoft.com/office/drawing/2014/main" id="{78704FDC-05C9-83E6-5722-555F0826A478}"/>
+              </a:ext>
+            </a:extLst>
+          </p:cNvPr>
+          <p:cNvSpPr txBox="1"/>
+          <p:nvPr/>
+        </p:nvSpPr>
+        <p:spPr>
+          <a:xfrm>
+            <a:off x="1220943" y="3274214"/>
+            <a:ext cx="1256883" cy="369332"/>
+          </a:xfrm>
+          <a:prstGeom prst="rect">
+            <a:avLst/>
+          </a:prstGeom>
+          <a:noFill/>
+        </p:spPr>
+        <p:txBody>
+          <a:bodyPr wrap="square" rtlCol="0">
+            <a:spAutoFit/>
+          </a:bodyPr>
+          <a:lstStyle/>
+          <a:p>
+            <a:pPr algn="r"/>
+            <a:r>
+              <a:rPr lang="en-US" dirty="0"/>
+              <a:t>vector&lt;int&gt;</a:t>
+            </a:r>
+            <a:endParaRPr lang="ru-RU" dirty="0"/>
+          </a:p>
+        </p:txBody>
+      </p:sp>
+      <p:sp>
+        <p:nvSpPr>
+          <p:cNvPr id="9" name="TextBox 8">
+            <a:extLst>
+              <a:ext uri="{FF2B5EF4-FFF2-40B4-BE49-F238E27FC236}">
+                <a16:creationId xmlns:a16="http://schemas.microsoft.com/office/drawing/2014/main" id="{DDF70BC2-9FB6-5A4D-F83B-25449550F7D2}"/>
+              </a:ext>
+            </a:extLst>
+          </p:cNvPr>
+          <p:cNvSpPr txBox="1"/>
+          <p:nvPr/>
+        </p:nvSpPr>
+        <p:spPr>
+          <a:xfrm>
+            <a:off x="1659974" y="4640159"/>
+            <a:ext cx="817853" cy="369332"/>
+          </a:xfrm>
+          <a:prstGeom prst="rect">
+            <a:avLst/>
+          </a:prstGeom>
+          <a:noFill/>
+        </p:spPr>
+        <p:txBody>
+          <a:bodyPr wrap="none" rtlCol="0">
+            <a:spAutoFit/>
+          </a:bodyPr>
+          <a:lstStyle/>
+          <a:p>
+            <a:pPr algn="r"/>
+            <a:r>
+              <a:rPr lang="ru-RU" dirty="0"/>
+              <a:t>Вывод</a:t>
+            </a:r>
+          </a:p>
+        </p:txBody>
+      </p:sp>
+      <p:cxnSp>
+        <p:nvCxnSpPr>
+          <p:cNvPr id="10" name="Прямая со стрелкой 9">
+            <a:extLst>
+              <a:ext uri="{FF2B5EF4-FFF2-40B4-BE49-F238E27FC236}">
+                <a16:creationId xmlns:a16="http://schemas.microsoft.com/office/drawing/2014/main" id="{94015705-A83A-C5CF-3B02-0C41B80566B5}"/>
+              </a:ext>
+            </a:extLst>
+          </p:cNvPr>
+          <p:cNvCxnSpPr>
+            <a:cxnSpLocks/>
+          </p:cNvCxnSpPr>
+          <p:nvPr/>
+        </p:nvCxnSpPr>
+        <p:spPr>
+          <a:xfrm>
+            <a:off x="2757454" y="3694084"/>
+            <a:ext cx="3043451" cy="969705"/>
+          </a:xfrm>
+          <a:prstGeom prst="straightConnector1">
+            <a:avLst/>
+          </a:prstGeom>
+          <a:ln>
+            <a:tailEnd type="triangle"/>
+          </a:ln>
+        </p:spPr>
+        <p:style>
+          <a:lnRef idx="1">
+            <a:schemeClr val="accent1"/>
+          </a:lnRef>
+          <a:fillRef idx="0">
+            <a:schemeClr val="accent1"/>
+          </a:fillRef>
+          <a:effectRef idx="0">
+            <a:schemeClr val="accent1"/>
+          </a:effectRef>
+          <a:fontRef idx="minor">
+            <a:schemeClr val="tx1"/>
+          </a:fontRef>
+        </p:style>
+      </p:cxnSp>
+      <p:cxnSp>
+        <p:nvCxnSpPr>
+          <p:cNvPr id="11" name="Прямая со стрелкой 10">
+            <a:extLst>
+              <a:ext uri="{FF2B5EF4-FFF2-40B4-BE49-F238E27FC236}">
+                <a16:creationId xmlns:a16="http://schemas.microsoft.com/office/drawing/2014/main" id="{B3F5B8D2-EBFB-17C7-E1E7-30313EC03B28}"/>
+              </a:ext>
+            </a:extLst>
+          </p:cNvPr>
+          <p:cNvCxnSpPr>
+            <a:cxnSpLocks/>
+          </p:cNvCxnSpPr>
+          <p:nvPr/>
+        </p:nvCxnSpPr>
+        <p:spPr>
+          <a:xfrm>
+            <a:off x="3262422" y="3682269"/>
+            <a:ext cx="2047164" cy="991674"/>
+          </a:xfrm>
+          <a:prstGeom prst="straightConnector1">
+            <a:avLst/>
+          </a:prstGeom>
+          <a:ln>
+            <a:tailEnd type="triangle"/>
+          </a:ln>
+        </p:spPr>
+        <p:style>
+          <a:lnRef idx="1">
+            <a:schemeClr val="accent1"/>
+          </a:lnRef>
+          <a:fillRef idx="0">
+            <a:schemeClr val="accent1"/>
+          </a:fillRef>
+          <a:effectRef idx="0">
+            <a:schemeClr val="accent1"/>
+          </a:effectRef>
+          <a:fontRef idx="minor">
+            <a:schemeClr val="tx1"/>
+          </a:fontRef>
+        </p:style>
+      </p:cxnSp>
+      <p:cxnSp>
+        <p:nvCxnSpPr>
+          <p:cNvPr id="12" name="Прямая со стрелкой 11">
+            <a:extLst>
+              <a:ext uri="{FF2B5EF4-FFF2-40B4-BE49-F238E27FC236}">
+                <a16:creationId xmlns:a16="http://schemas.microsoft.com/office/drawing/2014/main" id="{88BB2559-DED1-730D-FCEF-4349813E3AEF}"/>
+              </a:ext>
+            </a:extLst>
+          </p:cNvPr>
+          <p:cNvCxnSpPr>
+            <a:cxnSpLocks/>
+          </p:cNvCxnSpPr>
+          <p:nvPr/>
+        </p:nvCxnSpPr>
+        <p:spPr>
+          <a:xfrm>
+            <a:off x="3655629" y="3660300"/>
+            <a:ext cx="1222346" cy="1013643"/>
+          </a:xfrm>
+          <a:prstGeom prst="straightConnector1">
+            <a:avLst/>
+          </a:prstGeom>
+          <a:ln>
+            <a:tailEnd type="triangle"/>
+          </a:ln>
+        </p:spPr>
+        <p:style>
+          <a:lnRef idx="1">
+            <a:schemeClr val="accent1"/>
+          </a:lnRef>
+          <a:fillRef idx="0">
+            <a:schemeClr val="accent1"/>
+          </a:fillRef>
+          <a:effectRef idx="0">
+            <a:schemeClr val="accent1"/>
+          </a:effectRef>
+          <a:fontRef idx="minor">
+            <a:schemeClr val="tx1"/>
+          </a:fontRef>
+        </p:style>
+      </p:cxnSp>
+      <p:cxnSp>
+        <p:nvCxnSpPr>
+          <p:cNvPr id="13" name="Прямая со стрелкой 12">
+            <a:extLst>
+              <a:ext uri="{FF2B5EF4-FFF2-40B4-BE49-F238E27FC236}">
+                <a16:creationId xmlns:a16="http://schemas.microsoft.com/office/drawing/2014/main" id="{CD04B584-08A7-C5CD-F46C-98953853B7E2}"/>
+              </a:ext>
+            </a:extLst>
+          </p:cNvPr>
+          <p:cNvCxnSpPr>
+            <a:endCxn id="7" idx="0"/>
+          </p:cNvCxnSpPr>
+          <p:nvPr/>
+        </p:nvCxnSpPr>
+        <p:spPr>
+          <a:xfrm>
+            <a:off x="4286004" y="3682269"/>
+            <a:ext cx="909" cy="981520"/>
+          </a:xfrm>
+          <a:prstGeom prst="straightConnector1">
+            <a:avLst/>
+          </a:prstGeom>
+          <a:ln>
+            <a:tailEnd type="triangle"/>
+          </a:ln>
+        </p:spPr>
+        <p:style>
+          <a:lnRef idx="1">
+            <a:schemeClr val="accent1"/>
+          </a:lnRef>
+          <a:fillRef idx="0">
+            <a:schemeClr val="accent1"/>
+          </a:fillRef>
+          <a:effectRef idx="0">
+            <a:schemeClr val="accent1"/>
+          </a:effectRef>
+          <a:fontRef idx="minor">
+            <a:schemeClr val="tx1"/>
+          </a:fontRef>
+        </p:style>
+      </p:cxnSp>
+      <p:cxnSp>
+        <p:nvCxnSpPr>
+          <p:cNvPr id="14" name="Прямая со стрелкой 13">
+            <a:extLst>
+              <a:ext uri="{FF2B5EF4-FFF2-40B4-BE49-F238E27FC236}">
+                <a16:creationId xmlns:a16="http://schemas.microsoft.com/office/drawing/2014/main" id="{0F43DC0E-4DAB-6F50-FE4F-E19ACE38FEF3}"/>
+              </a:ext>
+            </a:extLst>
+          </p:cNvPr>
+          <p:cNvCxnSpPr/>
+          <p:nvPr/>
+        </p:nvCxnSpPr>
+        <p:spPr>
+          <a:xfrm flipH="1">
+            <a:off x="3734709" y="3676362"/>
+            <a:ext cx="1142812" cy="1008966"/>
+          </a:xfrm>
+          <a:prstGeom prst="straightConnector1">
+            <a:avLst/>
+          </a:prstGeom>
+          <a:ln>
+            <a:tailEnd type="triangle"/>
+          </a:ln>
+        </p:spPr>
+        <p:style>
+          <a:lnRef idx="1">
+            <a:schemeClr val="accent1"/>
+          </a:lnRef>
+          <a:fillRef idx="0">
+            <a:schemeClr val="accent1"/>
+          </a:fillRef>
+          <a:effectRef idx="0">
+            <a:schemeClr val="accent1"/>
+          </a:effectRef>
+          <a:fontRef idx="minor">
+            <a:schemeClr val="tx1"/>
+          </a:fontRef>
+        </p:style>
+      </p:cxnSp>
+      <p:cxnSp>
+        <p:nvCxnSpPr>
+          <p:cNvPr id="15" name="Прямая со стрелкой 14">
+            <a:extLst>
+              <a:ext uri="{FF2B5EF4-FFF2-40B4-BE49-F238E27FC236}">
+                <a16:creationId xmlns:a16="http://schemas.microsoft.com/office/drawing/2014/main" id="{C2114B4E-DEA9-0CD8-0781-7B7C0295919D}"/>
+              </a:ext>
+            </a:extLst>
+          </p:cNvPr>
+          <p:cNvCxnSpPr/>
+          <p:nvPr/>
+        </p:nvCxnSpPr>
+        <p:spPr>
+          <a:xfrm flipH="1">
+            <a:off x="3262422" y="3676362"/>
+            <a:ext cx="2047164" cy="997581"/>
+          </a:xfrm>
+          <a:prstGeom prst="straightConnector1">
+            <a:avLst/>
+          </a:prstGeom>
+          <a:ln>
+            <a:tailEnd type="triangle"/>
+          </a:ln>
+        </p:spPr>
+        <p:style>
+          <a:lnRef idx="1">
+            <a:schemeClr val="accent1"/>
+          </a:lnRef>
+          <a:fillRef idx="0">
+            <a:schemeClr val="accent1"/>
+          </a:fillRef>
+          <a:effectRef idx="0">
+            <a:schemeClr val="accent1"/>
+          </a:effectRef>
+          <a:fontRef idx="minor">
+            <a:schemeClr val="tx1"/>
+          </a:fontRef>
+        </p:style>
+      </p:cxnSp>
+      <p:cxnSp>
+        <p:nvCxnSpPr>
+          <p:cNvPr id="16" name="Прямая со стрелкой 15">
+            <a:extLst>
+              <a:ext uri="{FF2B5EF4-FFF2-40B4-BE49-F238E27FC236}">
+                <a16:creationId xmlns:a16="http://schemas.microsoft.com/office/drawing/2014/main" id="{9F6D4B42-5224-D461-2F43-4EB2A80C18FD}"/>
+              </a:ext>
+            </a:extLst>
+          </p:cNvPr>
+          <p:cNvCxnSpPr/>
+          <p:nvPr/>
+        </p:nvCxnSpPr>
+        <p:spPr>
+          <a:xfrm flipH="1">
+            <a:off x="2757453" y="3676362"/>
+            <a:ext cx="3043452" cy="1008966"/>
+          </a:xfrm>
+          <a:prstGeom prst="straightConnector1">
+            <a:avLst/>
+          </a:prstGeom>
+          <a:ln>
+            <a:tailEnd type="triangle"/>
+          </a:ln>
+        </p:spPr>
+        <p:style>
+          <a:lnRef idx="1">
+            <a:schemeClr val="accent1"/>
+          </a:lnRef>
+          <a:fillRef idx="0">
+            <a:schemeClr val="accent1"/>
+          </a:fillRef>
+          <a:effectRef idx="0">
+            <a:schemeClr val="accent1"/>
+          </a:effectRef>
+          <a:fontRef idx="minor">
+            <a:schemeClr val="tx1"/>
+          </a:fontRef>
+        </p:style>
+      </p:cxnSp>
+      <p:graphicFrame>
+        <p:nvGraphicFramePr>
+          <p:cNvPr id="17" name="Таблица 16">
+            <a:extLst>
+              <a:ext uri="{FF2B5EF4-FFF2-40B4-BE49-F238E27FC236}">
+                <a16:creationId xmlns:a16="http://schemas.microsoft.com/office/drawing/2014/main" id="{2062E9AD-90E2-E7B2-1F53-F7FB9E2B2F47}"/>
+              </a:ext>
+            </a:extLst>
+          </p:cNvPr>
+          <p:cNvGraphicFramePr>
+            <a:graphicFrameLocks noGrp="1"/>
+          </p:cNvGraphicFramePr>
+          <p:nvPr>
+            <p:extLst>
+              <p:ext uri="{D42A27DB-BD31-4B8C-83A1-F6EECF244321}">
+                <p14:modId xmlns:p14="http://schemas.microsoft.com/office/powerpoint/2010/main" val="1982656307"/>
+              </p:ext>
+            </p:extLst>
+          </p:nvPr>
+        </p:nvGraphicFramePr>
+        <p:xfrm>
+          <a:off x="2457715" y="2810992"/>
+          <a:ext cx="3618174" cy="370840"/>
+        </p:xfrm>
+        <a:graphic>
+          <a:graphicData uri="http://schemas.openxmlformats.org/drawingml/2006/table">
+            <a:tbl>
+              <a:tblPr firstRow="1" bandRow="1">
+                <a:tableStyleId>{5C22544A-7EE6-4342-B048-85BDC9FD1C3A}</a:tableStyleId>
+              </a:tblPr>
+              <a:tblGrid>
+                <a:gridCol w="516882">
+                  <a:extLst>
+                    <a:ext uri="{9D8B030D-6E8A-4147-A177-3AD203B41FA5}">
+                      <a16:colId xmlns:a16="http://schemas.microsoft.com/office/drawing/2014/main" val="459491160"/>
+                    </a:ext>
+                  </a:extLst>
+                </a:gridCol>
+                <a:gridCol w="516882">
+                  <a:extLst>
+                    <a:ext uri="{9D8B030D-6E8A-4147-A177-3AD203B41FA5}">
+                      <a16:colId xmlns:a16="http://schemas.microsoft.com/office/drawing/2014/main" val="3201047899"/>
+                    </a:ext>
+                  </a:extLst>
+                </a:gridCol>
+                <a:gridCol w="516882">
+                  <a:extLst>
+                    <a:ext uri="{9D8B030D-6E8A-4147-A177-3AD203B41FA5}">
+                      <a16:colId xmlns:a16="http://schemas.microsoft.com/office/drawing/2014/main" val="1034534474"/>
+                    </a:ext>
+                  </a:extLst>
+                </a:gridCol>
+                <a:gridCol w="516882">
+                  <a:extLst>
+                    <a:ext uri="{9D8B030D-6E8A-4147-A177-3AD203B41FA5}">
+                      <a16:colId xmlns:a16="http://schemas.microsoft.com/office/drawing/2014/main" val="2837552862"/>
+                    </a:ext>
+                  </a:extLst>
+                </a:gridCol>
+                <a:gridCol w="516882">
+                  <a:extLst>
+                    <a:ext uri="{9D8B030D-6E8A-4147-A177-3AD203B41FA5}">
+                      <a16:colId xmlns:a16="http://schemas.microsoft.com/office/drawing/2014/main" val="147013378"/>
+                    </a:ext>
+                  </a:extLst>
+                </a:gridCol>
+                <a:gridCol w="516882">
+                  <a:extLst>
+                    <a:ext uri="{9D8B030D-6E8A-4147-A177-3AD203B41FA5}">
+                      <a16:colId xmlns:a16="http://schemas.microsoft.com/office/drawing/2014/main" val="2782495734"/>
+                    </a:ext>
+                  </a:extLst>
+                </a:gridCol>
+                <a:gridCol w="516882">
+                  <a:extLst>
+                    <a:ext uri="{9D8B030D-6E8A-4147-A177-3AD203B41FA5}">
+                      <a16:colId xmlns:a16="http://schemas.microsoft.com/office/drawing/2014/main" val="3802377816"/>
+                    </a:ext>
+                  </a:extLst>
+                </a:gridCol>
+              </a:tblGrid>
+              <a:tr h="370840">
+                <a:tc>
+                  <a:txBody>
+                    <a:bodyPr/>
+                    <a:lstStyle/>
+                    <a:p>
+                      <a:pPr algn="ctr"/>
+                      <a:r>
+                        <a:rPr lang="ru-RU" sz="1200" b="0" dirty="0">
+                          <a:solidFill>
+                            <a:schemeClr val="tx1"/>
+                          </a:solidFill>
+                        </a:rPr>
+                        <a:t>0</a:t>
+                      </a:r>
+                    </a:p>
+                  </a:txBody>
+                  <a:tcPr>
+                    <a:solidFill>
+                      <a:schemeClr val="bg1"/>
+                    </a:solidFill>
+                  </a:tcPr>
+                </a:tc>
+                <a:tc>
+                  <a:txBody>
+                    <a:bodyPr/>
+                    <a:lstStyle/>
+                    <a:p>
+                      <a:pPr algn="ctr"/>
+                      <a:r>
+                        <a:rPr lang="ru-RU" sz="1200" b="0" dirty="0">
+                          <a:solidFill>
+                            <a:schemeClr val="tx1"/>
+                          </a:solidFill>
+                        </a:rPr>
+                        <a:t>1</a:t>
+                      </a:r>
+                    </a:p>
+                  </a:txBody>
+                  <a:tcPr>
+                    <a:solidFill>
+                      <a:schemeClr val="bg1"/>
+                    </a:solidFill>
+                  </a:tcPr>
+                </a:tc>
+                <a:tc>
+                  <a:txBody>
+                    <a:bodyPr/>
+                    <a:lstStyle/>
+                    <a:p>
+                      <a:pPr algn="ctr"/>
+                      <a:r>
+                        <a:rPr lang="ru-RU" sz="1200" b="0" dirty="0">
+                          <a:solidFill>
+                            <a:schemeClr val="tx1"/>
+                          </a:solidFill>
+                        </a:rPr>
+                        <a:t>2</a:t>
+                      </a:r>
+                    </a:p>
+                  </a:txBody>
+                  <a:tcPr>
+                    <a:solidFill>
+                      <a:schemeClr val="bg1"/>
+                    </a:solidFill>
+                  </a:tcPr>
+                </a:tc>
+                <a:tc>
+                  <a:txBody>
+                    <a:bodyPr/>
+                    <a:lstStyle/>
+                    <a:p>
+                      <a:pPr algn="ctr"/>
+                      <a:r>
+                        <a:rPr lang="ru-RU" sz="1200" b="0" dirty="0">
+                          <a:solidFill>
+                            <a:schemeClr val="tx1"/>
+                          </a:solidFill>
+                        </a:rPr>
+                        <a:t>3</a:t>
+                      </a:r>
+                    </a:p>
+                  </a:txBody>
+                  <a:tcPr>
+                    <a:solidFill>
+                      <a:schemeClr val="bg1"/>
+                    </a:solidFill>
+                  </a:tcPr>
+                </a:tc>
+                <a:tc>
+                  <a:txBody>
+                    <a:bodyPr/>
+                    <a:lstStyle/>
+                    <a:p>
+                      <a:pPr algn="ctr"/>
+                      <a:r>
+                        <a:rPr lang="ru-RU" sz="1200" b="0" dirty="0">
+                          <a:solidFill>
+                            <a:schemeClr val="tx1"/>
+                          </a:solidFill>
+                        </a:rPr>
+                        <a:t>4</a:t>
+                      </a:r>
+                    </a:p>
+                  </a:txBody>
+                  <a:tcPr>
+                    <a:solidFill>
+                      <a:schemeClr val="bg1"/>
+                    </a:solidFill>
+                  </a:tcPr>
+                </a:tc>
+                <a:tc>
+                  <a:txBody>
+                    <a:bodyPr/>
+                    <a:lstStyle/>
+                    <a:p>
+                      <a:pPr algn="ctr"/>
+                      <a:r>
+                        <a:rPr lang="ru-RU" sz="1200" b="0" dirty="0">
+                          <a:solidFill>
+                            <a:schemeClr val="tx1"/>
+                          </a:solidFill>
+                        </a:rPr>
+                        <a:t>5</a:t>
+                      </a:r>
+                    </a:p>
+                  </a:txBody>
+                  <a:tcPr>
+                    <a:solidFill>
+                      <a:schemeClr val="bg1"/>
+                    </a:solidFill>
+                  </a:tcPr>
+                </a:tc>
+                <a:tc>
+                  <a:txBody>
+                    <a:bodyPr/>
+                    <a:lstStyle/>
+                    <a:p>
+                      <a:pPr algn="ctr"/>
+                      <a:r>
+                        <a:rPr lang="ru-RU" sz="1200" b="0" dirty="0">
+                          <a:solidFill>
+                            <a:schemeClr val="tx1"/>
+                          </a:solidFill>
+                        </a:rPr>
+                        <a:t>6</a:t>
+                      </a:r>
+                    </a:p>
+                  </a:txBody>
+                  <a:tcPr>
+                    <a:solidFill>
+                      <a:schemeClr val="bg1"/>
+                    </a:solidFill>
+                  </a:tcPr>
+                </a:tc>
+                <a:extLst>
+                  <a:ext uri="{0D108BD9-81ED-4DB2-BD59-A6C34878D82A}">
+                    <a16:rowId xmlns:a16="http://schemas.microsoft.com/office/drawing/2014/main" val="95646095"/>
+                  </a:ext>
+                </a:extLst>
+              </a:tr>
+            </a:tbl>
+          </a:graphicData>
+        </a:graphic>
+      </p:graphicFrame>
     </p:spTree>
     <p:extLst>
       <p:ext uri="{BB962C8B-B14F-4D97-AF65-F5344CB8AC3E}">
-        <p14:creationId xmlns:p14="http://schemas.microsoft.com/office/powerpoint/2010/main" val="1548377080"/>
+        <p14:creationId xmlns:p14="http://schemas.microsoft.com/office/powerpoint/2010/main" val="299932075"/>
       </p:ext>
     </p:extLst>
   </p:cSld>
@@ -8006,7 +10143,7 @@
           <p:cNvPr id="2" name="Заголовок 1">
             <a:extLst>
               <a:ext uri="{FF2B5EF4-FFF2-40B4-BE49-F238E27FC236}">
-                <a16:creationId xmlns:a16="http://schemas.microsoft.com/office/drawing/2014/main" id="{8B6595C7-B6EB-3F59-F8DE-1BC833FE1E86}"/>
+                <a16:creationId xmlns:a16="http://schemas.microsoft.com/office/drawing/2014/main" id="{27D03904-5F1A-F534-81DA-A9AC49F8FE07}"/>
               </a:ext>
             </a:extLst>
           </p:cNvPr>
@@ -8019,13 +10156,20 @@
         </p:nvSpPr>
         <p:spPr/>
         <p:txBody>
-          <a:bodyPr/>
+          <a:bodyPr>
+            <a:normAutofit/>
+          </a:bodyPr>
           <a:lstStyle/>
           <a:p>
             <a:r>
-              <a:rPr lang="ru-RU" dirty="0"/>
-              <a:t>Вычитание длинных чисел</a:t>
-            </a:r>
+              <a:rPr lang="ru-RU" sz="3200" dirty="0">
+                <a:solidFill>
+                  <a:schemeClr val="tx1"/>
+                </a:solidFill>
+              </a:rPr>
+              <a:t>Операции длинной арифметики</a:t>
+            </a:r>
+            <a:endParaRPr lang="ru-RU" sz="3200" dirty="0"/>
           </a:p>
         </p:txBody>
       </p:sp>
@@ -8034,7 +10178,7 @@
           <p:cNvPr id="3" name="Объект 2">
             <a:extLst>
               <a:ext uri="{FF2B5EF4-FFF2-40B4-BE49-F238E27FC236}">
-                <a16:creationId xmlns:a16="http://schemas.microsoft.com/office/drawing/2014/main" id="{8D8B33E0-99C9-01D0-7F15-54E23171F24D}"/>
+                <a16:creationId xmlns:a16="http://schemas.microsoft.com/office/drawing/2014/main" id="{1423F3BF-DB59-4472-78C0-07DC0A23312E}"/>
               </a:ext>
             </a:extLst>
           </p:cNvPr>
@@ -8050,290 +10194,28 @@
           <a:bodyPr/>
           <a:lstStyle/>
           <a:p>
-            <a:pPr marL="0" indent="0">
-              <a:buNone/>
-            </a:pPr>
             <a:r>
               <a:rPr lang="ru-RU" dirty="0"/>
-              <a:t>Для вычитания используется школьный алгоритм вычитания в столбик</a:t>
-            </a:r>
-            <a:r>
-              <a:rPr lang="en-US" dirty="0"/>
-              <a:t>.</a:t>
-            </a:r>
-            <a:endParaRPr lang="ru-RU" dirty="0"/>
-          </a:p>
-          <a:p>
-            <a:pPr marL="0" marR="0" indent="0" algn="ctr" rtl="0" eaLnBrk="0" fontAlgn="base" latinLnBrk="0" hangingPunct="0">
-              <a:spcBef>
-                <a:spcPts val="576"/>
-              </a:spcBef>
-              <a:spcAft>
-                <a:spcPts val="0"/>
-              </a:spcAft>
-              <a:buNone/>
-            </a:pPr>
-            <a:r>
-              <a:rPr lang="en-US" sz="1800" b="1" i="0" u="none" strike="noStrike" kern="1200" baseline="0" dirty="0">
-                <a:ln>
-                  <a:noFill/>
-                </a:ln>
-                <a:solidFill>
-                  <a:srgbClr val="000000"/>
-                </a:solidFill>
-                <a:effectLst/>
-                <a:latin typeface="Courier New" panose="02070309020205020404" pitchFamily="49" charset="0"/>
-              </a:rPr>
-              <a:t>972</a:t>
-            </a:r>
-            <a:r>
-              <a:rPr lang="ru-RU" sz="1800" b="1" i="0" u="none" strike="noStrike" kern="1200" baseline="0" dirty="0">
-                <a:ln>
-                  <a:noFill/>
-                </a:ln>
-                <a:solidFill>
-                  <a:srgbClr val="000000"/>
-                </a:solidFill>
-                <a:effectLst/>
-                <a:latin typeface="Courier New" panose="02070309020205020404" pitchFamily="49" charset="0"/>
-              </a:rPr>
-              <a:t>-567</a:t>
-            </a:r>
-            <a:r>
-              <a:rPr lang="en-US" sz="1800" b="1" i="0" u="none" strike="noStrike" kern="1200" baseline="0" dirty="0">
-                <a:ln>
-                  <a:noFill/>
-                </a:ln>
-                <a:solidFill>
-                  <a:srgbClr val="000000"/>
-                </a:solidFill>
-                <a:effectLst/>
-                <a:latin typeface="Courier New" panose="02070309020205020404" pitchFamily="49" charset="0"/>
-              </a:rPr>
-              <a:t>=</a:t>
-            </a:r>
-            <a:r>
-              <a:rPr lang="ru-RU" sz="1800" b="1" i="0" u="none" strike="noStrike" kern="1200" baseline="0" dirty="0">
-                <a:ln>
-                  <a:noFill/>
-                </a:ln>
-                <a:solidFill>
-                  <a:srgbClr val="000000"/>
-                </a:solidFill>
-                <a:effectLst/>
-                <a:latin typeface="Courier New" panose="02070309020205020404" pitchFamily="49" charset="0"/>
-              </a:rPr>
-              <a:t>405</a:t>
-            </a:r>
-          </a:p>
-          <a:p>
-            <a:pPr marL="0" marR="0" indent="0" algn="ctr" rtl="0" eaLnBrk="0" fontAlgn="base" latinLnBrk="0" hangingPunct="0">
-              <a:spcBef>
-                <a:spcPts val="576"/>
-              </a:spcBef>
-              <a:spcAft>
-                <a:spcPts val="0"/>
-              </a:spcAft>
-              <a:buNone/>
-            </a:pPr>
-            <a:endParaRPr lang="ru-RU" sz="1800" b="0" i="0" u="none" strike="noStrike" dirty="0">
-              <a:effectLst/>
-              <a:latin typeface="Arial" panose="020B0604020202020204" pitchFamily="34" charset="0"/>
-            </a:endParaRPr>
-          </a:p>
-          <a:p>
-            <a:pPr marL="0" marR="0" indent="0" algn="ctr" rtl="0" eaLnBrk="0" fontAlgn="base" latinLnBrk="0" hangingPunct="0">
-              <a:spcBef>
-                <a:spcPts val="576"/>
-              </a:spcBef>
-              <a:spcAft>
-                <a:spcPts val="0"/>
-              </a:spcAft>
-              <a:buNone/>
-            </a:pPr>
-            <a:r>
-              <a:rPr lang="en-US" sz="1800" b="1" i="0" u="none" strike="noStrike" kern="1200" baseline="0" dirty="0">
-                <a:ln>
-                  <a:noFill/>
-                </a:ln>
-                <a:solidFill>
-                  <a:srgbClr val="000000"/>
-                </a:solidFill>
-                <a:effectLst/>
-                <a:latin typeface="Courier New" panose="02070309020205020404" pitchFamily="49" charset="0"/>
-              </a:rPr>
-              <a:t> </a:t>
-            </a:r>
-            <a:r>
-              <a:rPr lang="ru-RU" sz="1800" b="1" i="0" u="none" strike="noStrike" kern="1200" baseline="0" dirty="0">
-                <a:ln>
-                  <a:noFill/>
-                </a:ln>
-                <a:solidFill>
-                  <a:srgbClr val="000000"/>
-                </a:solidFill>
-                <a:effectLst/>
-                <a:latin typeface="Courier New" panose="02070309020205020404" pitchFamily="49" charset="0"/>
-              </a:rPr>
-              <a:t>9 7 2</a:t>
-            </a:r>
-            <a:endParaRPr lang="ru-RU" sz="1800" dirty="0">
-              <a:latin typeface="Arial" panose="020B0604020202020204" pitchFamily="34" charset="0"/>
-            </a:endParaRPr>
-          </a:p>
-          <a:p>
-            <a:pPr marL="0" marR="0" indent="0" rtl="0" eaLnBrk="0" fontAlgn="base" latinLnBrk="0" hangingPunct="0">
-              <a:spcBef>
-                <a:spcPts val="576"/>
-              </a:spcBef>
-              <a:spcAft>
-                <a:spcPts val="0"/>
-              </a:spcAft>
-              <a:buNone/>
-            </a:pPr>
-            <a:r>
-              <a:rPr lang="ru-RU" sz="1800" b="1" i="0" u="none" strike="noStrike" kern="1200" baseline="0" dirty="0">
-                <a:ln>
-                  <a:noFill/>
-                </a:ln>
-                <a:solidFill>
-                  <a:srgbClr val="000000"/>
-                </a:solidFill>
-                <a:effectLst/>
-                <a:latin typeface="Arial" panose="020B0604020202020204" pitchFamily="34" charset="0"/>
-              </a:rPr>
-              <a:t>                                                                         </a:t>
-            </a:r>
-            <a:r>
-              <a:rPr lang="ru-RU" sz="1800" b="1" i="0" u="none" strike="noStrike" kern="1200" baseline="0" dirty="0">
-                <a:ln>
-                  <a:noFill/>
-                </a:ln>
-                <a:solidFill>
-                  <a:srgbClr val="000000"/>
-                </a:solidFill>
-                <a:effectLst/>
-                <a:latin typeface="Courier New" panose="02070309020205020404" pitchFamily="49" charset="0"/>
-              </a:rPr>
-              <a:t>-</a:t>
-            </a:r>
-            <a:endParaRPr lang="ru-RU" sz="1800" b="0" i="0" u="none" strike="noStrike" dirty="0">
-              <a:effectLst/>
-              <a:latin typeface="Arial" panose="020B0604020202020204" pitchFamily="34" charset="0"/>
-            </a:endParaRPr>
-          </a:p>
-          <a:p>
-            <a:pPr marL="0" marR="0" indent="0" algn="ctr" rtl="0" eaLnBrk="0" fontAlgn="base" latinLnBrk="0" hangingPunct="0">
-              <a:spcBef>
-                <a:spcPts val="576"/>
-              </a:spcBef>
-              <a:spcAft>
-                <a:spcPts val="0"/>
-              </a:spcAft>
-              <a:buNone/>
-            </a:pPr>
-            <a:r>
-              <a:rPr lang="en-US" sz="1800" b="1" i="0" u="none" strike="noStrike" kern="1200" baseline="0" dirty="0">
-                <a:ln>
-                  <a:noFill/>
-                </a:ln>
-                <a:solidFill>
-                  <a:srgbClr val="000000"/>
-                </a:solidFill>
-                <a:effectLst/>
-                <a:latin typeface="Courier New" panose="02070309020205020404" pitchFamily="49" charset="0"/>
-              </a:rPr>
-              <a:t> </a:t>
-            </a:r>
-            <a:r>
-              <a:rPr lang="ru-RU" sz="1800" b="1" i="0" u="none" strike="noStrike" kern="1200" baseline="0" dirty="0">
-                <a:ln>
-                  <a:noFill/>
-                </a:ln>
-                <a:solidFill>
-                  <a:srgbClr val="000000"/>
-                </a:solidFill>
-                <a:effectLst/>
-                <a:latin typeface="Courier New" panose="02070309020205020404" pitchFamily="49" charset="0"/>
-              </a:rPr>
-              <a:t>5 6 7</a:t>
-            </a:r>
-            <a:endParaRPr lang="ru-RU" sz="1800" b="0" i="0" u="none" strike="noStrike" dirty="0">
-              <a:effectLst/>
-              <a:latin typeface="Arial" panose="020B0604020202020204" pitchFamily="34" charset="0"/>
-            </a:endParaRPr>
-          </a:p>
-          <a:p>
-            <a:pPr marL="0" marR="0" indent="0" algn="ctr" rtl="0" eaLnBrk="0" fontAlgn="base" latinLnBrk="0" hangingPunct="0">
-              <a:spcBef>
-                <a:spcPts val="576"/>
-              </a:spcBef>
-              <a:spcAft>
-                <a:spcPts val="0"/>
-              </a:spcAft>
-              <a:buNone/>
-            </a:pPr>
-            <a:r>
-              <a:rPr lang="en-US" sz="1800" b="1" i="0" u="none" strike="noStrike" kern="1200" baseline="0" dirty="0">
-                <a:ln>
-                  <a:noFill/>
-                </a:ln>
-                <a:solidFill>
-                  <a:srgbClr val="000000"/>
-                </a:solidFill>
-                <a:effectLst/>
-                <a:latin typeface="Courier New" panose="02070309020205020404" pitchFamily="49" charset="0"/>
-              </a:rPr>
-              <a:t>-------</a:t>
-            </a:r>
-            <a:endParaRPr lang="ru-RU" sz="1800" b="0" i="0" u="none" strike="noStrike" dirty="0">
-              <a:effectLst/>
-              <a:latin typeface="Arial" panose="020B0604020202020204" pitchFamily="34" charset="0"/>
-            </a:endParaRPr>
-          </a:p>
-          <a:p>
-            <a:pPr marL="0" marR="0" indent="0" algn="ctr" rtl="0" eaLnBrk="0" fontAlgn="base" latinLnBrk="0" hangingPunct="0">
-              <a:spcBef>
-                <a:spcPts val="576"/>
-              </a:spcBef>
-              <a:spcAft>
-                <a:spcPts val="0"/>
-              </a:spcAft>
-              <a:buNone/>
-            </a:pPr>
-            <a:r>
-              <a:rPr lang="en-US" sz="1800" b="1" i="0" u="none" strike="noStrike" kern="1200" baseline="0" dirty="0">
-                <a:ln>
-                  <a:noFill/>
-                </a:ln>
-                <a:solidFill>
-                  <a:srgbClr val="000000"/>
-                </a:solidFill>
-                <a:effectLst/>
-                <a:latin typeface="Courier New" panose="02070309020205020404" pitchFamily="49" charset="0"/>
-              </a:rPr>
-              <a:t> </a:t>
-            </a:r>
-            <a:r>
-              <a:rPr lang="ru-RU" sz="1800" b="1" i="0" u="none" strike="noStrike" kern="1200" baseline="0" dirty="0">
-                <a:ln>
-                  <a:noFill/>
-                </a:ln>
-                <a:solidFill>
-                  <a:srgbClr val="000000"/>
-                </a:solidFill>
-                <a:effectLst/>
-                <a:latin typeface="Courier New" panose="02070309020205020404" pitchFamily="49" charset="0"/>
-              </a:rPr>
-              <a:t>4 0 5</a:t>
-            </a:r>
-            <a:endParaRPr lang="ru-RU" sz="1800" b="0" i="0" u="none" strike="noStrike" dirty="0">
-              <a:effectLst/>
-              <a:latin typeface="Arial" panose="020B0604020202020204" pitchFamily="34" charset="0"/>
-            </a:endParaRPr>
-          </a:p>
-          <a:p>
-            <a:endParaRPr lang="ru-RU" dirty="0"/>
+              <a:t>Сложение</a:t>
+            </a:r>
+          </a:p>
+          <a:p>
+            <a:r>
+              <a:rPr lang="ru-RU" dirty="0"/>
+              <a:t>Вычитание</a:t>
+            </a:r>
+          </a:p>
+          <a:p>
+            <a:r>
+              <a:rPr lang="ru-RU" dirty="0"/>
+              <a:t>Целочисленное умножение</a:t>
+            </a:r>
+          </a:p>
+          <a:p>
+            <a:r>
+              <a:rPr lang="ru-RU" dirty="0"/>
+              <a:t>Целочисленное деление</a:t>
+            </a:r>
           </a:p>
         </p:txBody>
       </p:sp>
@@ -8342,7 +10224,7 @@
           <p:cNvPr id="4" name="Picture 4">
             <a:extLst>
               <a:ext uri="{FF2B5EF4-FFF2-40B4-BE49-F238E27FC236}">
-                <a16:creationId xmlns:a16="http://schemas.microsoft.com/office/drawing/2014/main" id="{8EB74F40-288A-8293-BB9C-52C41393B45E}"/>
+                <a16:creationId xmlns:a16="http://schemas.microsoft.com/office/drawing/2014/main" id="{FA960A87-9C87-5C7C-E8D4-3E42DA16D376}"/>
               </a:ext>
             </a:extLst>
           </p:cNvPr>
@@ -8398,7 +10280,7 @@
           <p:cNvPr id="5" name="Номер слайда 4">
             <a:extLst>
               <a:ext uri="{FF2B5EF4-FFF2-40B4-BE49-F238E27FC236}">
-                <a16:creationId xmlns:a16="http://schemas.microsoft.com/office/drawing/2014/main" id="{EB6045EE-205F-B8E3-A2B0-7E5FA02C8F57}"/>
+                <a16:creationId xmlns:a16="http://schemas.microsoft.com/office/drawing/2014/main" id="{614855E0-B645-5838-E0CC-2EB8409B3C9D}"/>
               </a:ext>
             </a:extLst>
           </p:cNvPr>
@@ -8422,10 +10304,268 @@
           </a:p>
         </p:txBody>
       </p:sp>
+      <p:graphicFrame>
+        <p:nvGraphicFramePr>
+          <p:cNvPr id="7" name="Таблица 6">
+            <a:extLst>
+              <a:ext uri="{FF2B5EF4-FFF2-40B4-BE49-F238E27FC236}">
+                <a16:creationId xmlns:a16="http://schemas.microsoft.com/office/drawing/2014/main" id="{EF762F5E-6981-846F-877C-3030FCB69BDC}"/>
+              </a:ext>
+            </a:extLst>
+          </p:cNvPr>
+          <p:cNvGraphicFramePr>
+            <a:graphicFrameLocks noGrp="1"/>
+          </p:cNvGraphicFramePr>
+          <p:nvPr>
+            <p:extLst>
+              <p:ext uri="{D42A27DB-BD31-4B8C-83A1-F6EECF244321}">
+                <p14:modId xmlns:p14="http://schemas.microsoft.com/office/powerpoint/2010/main" val="2194139299"/>
+              </p:ext>
+            </p:extLst>
+          </p:nvPr>
+        </p:nvGraphicFramePr>
+        <p:xfrm>
+          <a:off x="7877175" y="1825625"/>
+          <a:ext cx="2486026" cy="2352676"/>
+        </p:xfrm>
+        <a:graphic>
+          <a:graphicData uri="http://schemas.openxmlformats.org/drawingml/2006/table">
+            <a:tbl>
+              <a:tblPr/>
+              <a:tblGrid>
+                <a:gridCol w="1243013">
+                  <a:extLst>
+                    <a:ext uri="{9D8B030D-6E8A-4147-A177-3AD203B41FA5}">
+                      <a16:colId xmlns:a16="http://schemas.microsoft.com/office/drawing/2014/main" val="1258270245"/>
+                    </a:ext>
+                  </a:extLst>
+                </a:gridCol>
+                <a:gridCol w="1243013">
+                  <a:extLst>
+                    <a:ext uri="{9D8B030D-6E8A-4147-A177-3AD203B41FA5}">
+                      <a16:colId xmlns:a16="http://schemas.microsoft.com/office/drawing/2014/main" val="2462480938"/>
+                    </a:ext>
+                  </a:extLst>
+                </a:gridCol>
+              </a:tblGrid>
+              <a:tr h="1176338">
+                <a:tc>
+                  <a:txBody>
+                    <a:bodyPr/>
+                    <a:lstStyle/>
+                    <a:p>
+                      <a:pPr algn="ctr"/>
+                      <a:r>
+                        <a:rPr lang="en-US" sz="6600" dirty="0"/>
+                        <a:t>+</a:t>
+                      </a:r>
+                      <a:endParaRPr lang="ru-RU" sz="6600" dirty="0"/>
+                    </a:p>
+                  </a:txBody>
+                  <a:tcPr>
+                    <a:lnL w="12700" cmpd="sng">
+                      <a:solidFill>
+                        <a:schemeClr val="tx1"/>
+                      </a:solidFill>
+                      <a:prstDash val="solid"/>
+                    </a:lnL>
+                    <a:lnR w="12700" cap="flat" cmpd="sng" algn="ctr">
+                      <a:solidFill>
+                        <a:schemeClr val="tx1"/>
+                      </a:solidFill>
+                      <a:prstDash val="solid"/>
+                      <a:round/>
+                      <a:headEnd type="none" w="med" len="med"/>
+                      <a:tailEnd type="none" w="med" len="med"/>
+                    </a:lnR>
+                    <a:lnT w="12700" cmpd="sng">
+                      <a:solidFill>
+                        <a:schemeClr val="tx1"/>
+                      </a:solidFill>
+                      <a:prstDash val="solid"/>
+                    </a:lnT>
+                    <a:lnB w="12700" cap="flat" cmpd="sng" algn="ctr">
+                      <a:solidFill>
+                        <a:schemeClr val="tx1"/>
+                      </a:solidFill>
+                      <a:prstDash val="solid"/>
+                      <a:round/>
+                      <a:headEnd type="none" w="med" len="med"/>
+                      <a:tailEnd type="none" w="med" len="med"/>
+                    </a:lnB>
+                  </a:tcPr>
+                </a:tc>
+                <a:tc>
+                  <a:txBody>
+                    <a:bodyPr/>
+                    <a:lstStyle/>
+                    <a:p>
+                      <a:pPr algn="ctr"/>
+                      <a:r>
+                        <a:rPr lang="en-US" sz="6600" dirty="0"/>
+                        <a:t>-</a:t>
+                      </a:r>
+                      <a:endParaRPr lang="ru-RU" sz="6600" dirty="0"/>
+                    </a:p>
+                  </a:txBody>
+                  <a:tcPr>
+                    <a:lnL w="12700" cap="flat" cmpd="sng" algn="ctr">
+                      <a:solidFill>
+                        <a:schemeClr val="tx1"/>
+                      </a:solidFill>
+                      <a:prstDash val="solid"/>
+                      <a:round/>
+                      <a:headEnd type="none" w="med" len="med"/>
+                      <a:tailEnd type="none" w="med" len="med"/>
+                    </a:lnL>
+                    <a:lnR w="12700" cmpd="sng">
+                      <a:solidFill>
+                        <a:schemeClr val="tx1"/>
+                      </a:solidFill>
+                      <a:prstDash val="solid"/>
+                    </a:lnR>
+                    <a:lnT w="12700" cap="flat" cmpd="sng" algn="ctr">
+                      <a:solidFill>
+                        <a:schemeClr val="tx1"/>
+                      </a:solidFill>
+                      <a:prstDash val="solid"/>
+                      <a:round/>
+                      <a:headEnd type="none" w="med" len="med"/>
+                      <a:tailEnd type="none" w="med" len="med"/>
+                    </a:lnT>
+                    <a:lnB w="12700" cap="flat" cmpd="sng" algn="ctr">
+                      <a:solidFill>
+                        <a:schemeClr val="tx1"/>
+                      </a:solidFill>
+                      <a:prstDash val="solid"/>
+                      <a:round/>
+                      <a:headEnd type="none" w="med" len="med"/>
+                      <a:tailEnd type="none" w="med" len="med"/>
+                    </a:lnB>
+                  </a:tcPr>
+                </a:tc>
+                <a:extLst>
+                  <a:ext uri="{0D108BD9-81ED-4DB2-BD59-A6C34878D82A}">
+                    <a16:rowId xmlns:a16="http://schemas.microsoft.com/office/drawing/2014/main" val="2425374942"/>
+                  </a:ext>
+                </a:extLst>
+              </a:tr>
+              <a:tr h="1176338">
+                <a:tc>
+                  <a:txBody>
+                    <a:bodyPr/>
+                    <a:lstStyle/>
+                    <a:p>
+                      <a:pPr algn="ctr"/>
+                      <a:r>
+                        <a:rPr lang="en-US" sz="6600" dirty="0"/>
+                        <a:t>*</a:t>
+                      </a:r>
+                      <a:endParaRPr lang="ru-RU" sz="6600" dirty="0"/>
+                    </a:p>
+                  </a:txBody>
+                  <a:tcPr>
+                    <a:lnL w="12700" cap="flat" cmpd="sng" algn="ctr">
+                      <a:solidFill>
+                        <a:schemeClr val="tx1"/>
+                      </a:solidFill>
+                      <a:prstDash val="solid"/>
+                      <a:round/>
+                      <a:headEnd type="none" w="med" len="med"/>
+                      <a:tailEnd type="none" w="med" len="med"/>
+                    </a:lnL>
+                    <a:lnR w="12700" cap="flat" cmpd="sng" algn="ctr">
+                      <a:solidFill>
+                        <a:schemeClr val="tx1"/>
+                      </a:solidFill>
+                      <a:prstDash val="solid"/>
+                      <a:round/>
+                      <a:headEnd type="none" w="med" len="med"/>
+                      <a:tailEnd type="none" w="med" len="med"/>
+                    </a:lnR>
+                    <a:lnT w="12700" cap="flat" cmpd="sng" algn="ctr">
+                      <a:solidFill>
+                        <a:schemeClr val="tx1"/>
+                      </a:solidFill>
+                      <a:prstDash val="solid"/>
+                      <a:round/>
+                      <a:headEnd type="none" w="med" len="med"/>
+                      <a:tailEnd type="none" w="med" len="med"/>
+                    </a:lnT>
+                    <a:lnB w="12700" cmpd="sng">
+                      <a:solidFill>
+                        <a:schemeClr val="tx1"/>
+                      </a:solidFill>
+                      <a:prstDash val="solid"/>
+                    </a:lnB>
+                  </a:tcPr>
+                </a:tc>
+                <a:tc>
+                  <a:txBody>
+                    <a:bodyPr/>
+                    <a:lstStyle/>
+                    <a:p>
+                      <a:pPr algn="ctr"/>
+                      <a:r>
+                        <a:rPr lang="en-US" sz="6000" dirty="0"/>
+                        <a:t>/</a:t>
+                      </a:r>
+                      <a:endParaRPr lang="ru-RU" sz="6000" dirty="0"/>
+                    </a:p>
+                  </a:txBody>
+                  <a:tcPr>
+                    <a:lnL w="12700" cap="flat" cmpd="sng" algn="ctr">
+                      <a:solidFill>
+                        <a:schemeClr val="tx1"/>
+                      </a:solidFill>
+                      <a:prstDash val="solid"/>
+                      <a:round/>
+                      <a:headEnd type="none" w="med" len="med"/>
+                      <a:tailEnd type="none" w="med" len="med"/>
+                    </a:lnL>
+                    <a:lnR w="12700" cap="flat" cmpd="sng" algn="ctr">
+                      <a:solidFill>
+                        <a:schemeClr val="tx1"/>
+                      </a:solidFill>
+                      <a:prstDash val="solid"/>
+                      <a:round/>
+                      <a:headEnd type="none" w="med" len="med"/>
+                      <a:tailEnd type="none" w="med" len="med"/>
+                    </a:lnR>
+                    <a:lnT w="12700" cap="flat" cmpd="sng" algn="ctr">
+                      <a:solidFill>
+                        <a:schemeClr val="tx1"/>
+                      </a:solidFill>
+                      <a:prstDash val="solid"/>
+                      <a:round/>
+                      <a:headEnd type="none" w="med" len="med"/>
+                      <a:tailEnd type="none" w="med" len="med"/>
+                    </a:lnT>
+                    <a:lnB w="12700" cap="flat" cmpd="sng" algn="ctr">
+                      <a:solidFill>
+                        <a:schemeClr val="tx1"/>
+                      </a:solidFill>
+                      <a:prstDash val="solid"/>
+                      <a:round/>
+                      <a:headEnd type="none" w="med" len="med"/>
+                      <a:tailEnd type="none" w="med" len="med"/>
+                    </a:lnB>
+                  </a:tcPr>
+                </a:tc>
+                <a:extLst>
+                  <a:ext uri="{0D108BD9-81ED-4DB2-BD59-A6C34878D82A}">
+                    <a16:rowId xmlns:a16="http://schemas.microsoft.com/office/drawing/2014/main" val="3494968725"/>
+                  </a:ext>
+                </a:extLst>
+              </a:tr>
+            </a:tbl>
+          </a:graphicData>
+        </a:graphic>
+      </p:graphicFrame>
     </p:spTree>
     <p:extLst>
       <p:ext uri="{BB962C8B-B14F-4D97-AF65-F5344CB8AC3E}">
-        <p14:creationId xmlns:p14="http://schemas.microsoft.com/office/powerpoint/2010/main" val="1715075230"/>
+        <p14:creationId xmlns:p14="http://schemas.microsoft.com/office/powerpoint/2010/main" val="3121398843"/>
       </p:ext>
     </p:extLst>
   </p:cSld>

--- a/Эффективная длинная арифметика.pptx
+++ b/Эффективная длинная арифметика.pptx
@@ -5,7 +5,7 @@
     <p:sldMasterId id="2147483648" r:id="rId1"/>
   </p:sldMasterIdLst>
   <p:notesMasterIdLst>
-    <p:notesMasterId r:id="rId16"/>
+    <p:notesMasterId r:id="rId24"/>
   </p:notesMasterIdLst>
   <p:sldIdLst>
     <p:sldId id="256" r:id="rId2"/>
@@ -14,14 +14,22 @@
     <p:sldId id="269" r:id="rId5"/>
     <p:sldId id="258" r:id="rId6"/>
     <p:sldId id="259" r:id="rId7"/>
-    <p:sldId id="260" r:id="rId8"/>
-    <p:sldId id="261" r:id="rId9"/>
-    <p:sldId id="262" r:id="rId10"/>
-    <p:sldId id="263" r:id="rId11"/>
-    <p:sldId id="264" r:id="rId12"/>
-    <p:sldId id="265" r:id="rId13"/>
-    <p:sldId id="266" r:id="rId14"/>
-    <p:sldId id="267" r:id="rId15"/>
+    <p:sldId id="276" r:id="rId8"/>
+    <p:sldId id="260" r:id="rId9"/>
+    <p:sldId id="261" r:id="rId10"/>
+    <p:sldId id="262" r:id="rId11"/>
+    <p:sldId id="263" r:id="rId12"/>
+    <p:sldId id="264" r:id="rId13"/>
+    <p:sldId id="265" r:id="rId14"/>
+    <p:sldId id="271" r:id="rId15"/>
+    <p:sldId id="266" r:id="rId16"/>
+    <p:sldId id="270" r:id="rId17"/>
+    <p:sldId id="272" r:id="rId18"/>
+    <p:sldId id="273" r:id="rId19"/>
+    <p:sldId id="274" r:id="rId20"/>
+    <p:sldId id="275" r:id="rId21"/>
+    <p:sldId id="267" r:id="rId22"/>
+    <p:sldId id="277" r:id="rId23"/>
   </p:sldIdLst>
   <p:sldSz cx="12192000" cy="6858000"/>
   <p:notesSz cx="6858000" cy="9144000"/>
@@ -210,7 +218,7 @@
           <a:p>
             <a:fld id="{5C855726-600A-4BE6-AEF4-109FA0A428E7}" type="datetimeFigureOut">
               <a:rPr lang="ru-RU" smtClean="0"/>
-              <a:t>11.02.2023</a:t>
+              <a:t>13.02.2023</a:t>
             </a:fld>
             <a:endParaRPr lang="ru-RU"/>
           </a:p>
@@ -624,7 +632,7 @@
           <a:p>
             <a:fld id="{E6137A9C-E983-4237-B0D0-7E24A6FE213C}" type="datetime1">
               <a:rPr lang="ru-RU" smtClean="0"/>
-              <a:t>11.02.2023</a:t>
+              <a:t>13.02.2023</a:t>
             </a:fld>
             <a:endParaRPr lang="ru-RU"/>
           </a:p>
@@ -822,7 +830,7 @@
           <a:p>
             <a:fld id="{E6CB770F-965C-4625-8174-39086D0F00FA}" type="datetime1">
               <a:rPr lang="ru-RU" smtClean="0"/>
-              <a:t>11.02.2023</a:t>
+              <a:t>13.02.2023</a:t>
             </a:fld>
             <a:endParaRPr lang="ru-RU"/>
           </a:p>
@@ -1030,7 +1038,7 @@
           <a:p>
             <a:fld id="{CE6C9441-FDA9-40BF-8779-F36C9671FA5E}" type="datetime1">
               <a:rPr lang="ru-RU" smtClean="0"/>
-              <a:t>11.02.2023</a:t>
+              <a:t>13.02.2023</a:t>
             </a:fld>
             <a:endParaRPr lang="ru-RU"/>
           </a:p>
@@ -1228,7 +1236,7 @@
           <a:p>
             <a:fld id="{36875C6D-A84E-43E8-A49D-2DE60A3A75AE}" type="datetime1">
               <a:rPr lang="ru-RU" smtClean="0"/>
-              <a:t>11.02.2023</a:t>
+              <a:t>13.02.2023</a:t>
             </a:fld>
             <a:endParaRPr lang="ru-RU"/>
           </a:p>
@@ -1503,7 +1511,7 @@
           <a:p>
             <a:fld id="{5C1EB0D1-D3B0-467B-A981-B26B7AF2879E}" type="datetime1">
               <a:rPr lang="ru-RU" smtClean="0"/>
-              <a:t>11.02.2023</a:t>
+              <a:t>13.02.2023</a:t>
             </a:fld>
             <a:endParaRPr lang="ru-RU"/>
           </a:p>
@@ -1768,7 +1776,7 @@
           <a:p>
             <a:fld id="{3079A377-25E8-4FAF-9329-97CE0710FDD3}" type="datetime1">
               <a:rPr lang="ru-RU" smtClean="0"/>
-              <a:t>11.02.2023</a:t>
+              <a:t>13.02.2023</a:t>
             </a:fld>
             <a:endParaRPr lang="ru-RU"/>
           </a:p>
@@ -2180,7 +2188,7 @@
           <a:p>
             <a:fld id="{230F68B0-33DA-4B89-BDBC-8CFF38D30EFD}" type="datetime1">
               <a:rPr lang="ru-RU" smtClean="0"/>
-              <a:t>11.02.2023</a:t>
+              <a:t>13.02.2023</a:t>
             </a:fld>
             <a:endParaRPr lang="ru-RU"/>
           </a:p>
@@ -2321,7 +2329,7 @@
           <a:p>
             <a:fld id="{6148F331-ECFC-4E22-A5B7-62730F29BCB8}" type="datetime1">
               <a:rPr lang="ru-RU" smtClean="0"/>
-              <a:t>11.02.2023</a:t>
+              <a:t>13.02.2023</a:t>
             </a:fld>
             <a:endParaRPr lang="ru-RU"/>
           </a:p>
@@ -2434,7 +2442,7 @@
           <a:p>
             <a:fld id="{758197B3-ABBF-4EB8-B9A7-32ACA64B5943}" type="datetime1">
               <a:rPr lang="ru-RU" smtClean="0"/>
-              <a:t>11.02.2023</a:t>
+              <a:t>13.02.2023</a:t>
             </a:fld>
             <a:endParaRPr lang="ru-RU"/>
           </a:p>
@@ -2745,7 +2753,7 @@
           <a:p>
             <a:fld id="{C607D77B-CED9-4445-8D26-F40BCEDA9675}" type="datetime1">
               <a:rPr lang="ru-RU" smtClean="0"/>
-              <a:t>11.02.2023</a:t>
+              <a:t>13.02.2023</a:t>
             </a:fld>
             <a:endParaRPr lang="ru-RU"/>
           </a:p>
@@ -3033,7 +3041,7 @@
           <a:p>
             <a:fld id="{706BBA63-3EFB-4435-810A-162106C2AA80}" type="datetime1">
               <a:rPr lang="ru-RU" smtClean="0"/>
-              <a:t>11.02.2023</a:t>
+              <a:t>13.02.2023</a:t>
             </a:fld>
             <a:endParaRPr lang="ru-RU"/>
           </a:p>
@@ -3274,7 +3282,7 @@
           <a:p>
             <a:fld id="{3BAF0B48-910D-4138-A64E-B9BF83978213}" type="datetime1">
               <a:rPr lang="ru-RU" smtClean="0"/>
-              <a:t>11.02.2023</a:t>
+              <a:t>13.02.2023</a:t>
             </a:fld>
             <a:endParaRPr lang="ru-RU"/>
           </a:p>
@@ -4140,7 +4148,7 @@
           <p:cNvPr id="2" name="Заголовок 1">
             <a:extLst>
               <a:ext uri="{FF2B5EF4-FFF2-40B4-BE49-F238E27FC236}">
-                <a16:creationId xmlns:a16="http://schemas.microsoft.com/office/drawing/2014/main" id="{3C8574A2-3CA3-B90F-0444-4D221C5697E3}"/>
+                <a16:creationId xmlns:a16="http://schemas.microsoft.com/office/drawing/2014/main" id="{27D03904-5F1A-F534-81DA-A9AC49F8FE07}"/>
               </a:ext>
             </a:extLst>
           </p:cNvPr>
@@ -4153,13 +4161,20 @@
         </p:nvSpPr>
         <p:spPr/>
         <p:txBody>
-          <a:bodyPr/>
+          <a:bodyPr>
+            <a:normAutofit/>
+          </a:bodyPr>
           <a:lstStyle/>
           <a:p>
             <a:r>
-              <a:rPr lang="ru-RU" dirty="0"/>
-              <a:t>Сложение длинных чисел</a:t>
-            </a:r>
+              <a:rPr lang="ru-RU" sz="3200" dirty="0">
+                <a:solidFill>
+                  <a:schemeClr val="tx1"/>
+                </a:solidFill>
+              </a:rPr>
+              <a:t>Операции длинной арифметики</a:t>
+            </a:r>
+            <a:endParaRPr lang="ru-RU" sz="3200" dirty="0"/>
           </a:p>
         </p:txBody>
       </p:sp>
@@ -4168,7 +4183,7 @@
           <p:cNvPr id="3" name="Объект 2">
             <a:extLst>
               <a:ext uri="{FF2B5EF4-FFF2-40B4-BE49-F238E27FC236}">
-                <a16:creationId xmlns:a16="http://schemas.microsoft.com/office/drawing/2014/main" id="{532A1266-6E90-6768-F041-F42671D7DB24}"/>
+                <a16:creationId xmlns:a16="http://schemas.microsoft.com/office/drawing/2014/main" id="{1423F3BF-DB59-4472-78C0-07DC0A23312E}"/>
               </a:ext>
             </a:extLst>
           </p:cNvPr>
@@ -4184,301 +4199,28 @@
           <a:bodyPr/>
           <a:lstStyle/>
           <a:p>
-            <a:pPr marL="0" indent="0">
-              <a:buNone/>
-            </a:pPr>
             <a:r>
               <a:rPr lang="ru-RU" dirty="0"/>
-              <a:t>Для сложения используется школьный алгоритм сложения в столбик.</a:t>
-            </a:r>
-          </a:p>
-          <a:p>
-            <a:pPr marL="0" indent="0">
-              <a:buNone/>
-            </a:pPr>
-            <a:endParaRPr lang="ru-RU" dirty="0"/>
-          </a:p>
-          <a:p>
-            <a:pPr marL="0" marR="0" indent="0" algn="ctr" rtl="0" eaLnBrk="0" fontAlgn="base" latinLnBrk="0" hangingPunct="0">
-              <a:spcBef>
-                <a:spcPts val="576"/>
-              </a:spcBef>
-              <a:spcAft>
-                <a:spcPts val="0"/>
-              </a:spcAft>
-              <a:buNone/>
-            </a:pPr>
-            <a:r>
-              <a:rPr lang="en-US" sz="1800" b="1" i="0" u="none" strike="noStrike" kern="1200" baseline="0" dirty="0">
-                <a:ln>
-                  <a:noFill/>
-                </a:ln>
-                <a:solidFill>
-                  <a:srgbClr val="000000"/>
-                </a:solidFill>
-                <a:effectLst/>
-                <a:latin typeface="Courier New" panose="02070309020205020404" pitchFamily="49" charset="0"/>
-              </a:rPr>
-              <a:t>5</a:t>
-            </a:r>
-            <a:r>
-              <a:rPr lang="ru-RU" sz="1800" b="1" i="0" u="none" strike="noStrike" kern="1200" baseline="0" dirty="0">
-                <a:ln>
-                  <a:noFill/>
-                </a:ln>
-                <a:solidFill>
-                  <a:srgbClr val="000000"/>
-                </a:solidFill>
-                <a:effectLst/>
-                <a:latin typeface="Courier New" panose="02070309020205020404" pitchFamily="49" charset="0"/>
-              </a:rPr>
-              <a:t>25</a:t>
-            </a:r>
-            <a:r>
-              <a:rPr lang="en-US" sz="1800" b="1" i="0" u="none" strike="noStrike" kern="1200" baseline="0" dirty="0">
-                <a:ln>
-                  <a:noFill/>
-                </a:ln>
-                <a:solidFill>
-                  <a:srgbClr val="000000"/>
-                </a:solidFill>
-                <a:effectLst/>
-                <a:latin typeface="Courier New" panose="02070309020205020404" pitchFamily="49" charset="0"/>
-              </a:rPr>
-              <a:t>+</a:t>
-            </a:r>
-            <a:r>
-              <a:rPr lang="ru-RU" sz="1800" b="1" i="0" u="none" strike="noStrike" kern="1200" baseline="0" dirty="0">
-                <a:ln>
-                  <a:noFill/>
-                </a:ln>
-                <a:solidFill>
-                  <a:srgbClr val="000000"/>
-                </a:solidFill>
-                <a:effectLst/>
-                <a:latin typeface="Courier New" panose="02070309020205020404" pitchFamily="49" charset="0"/>
-              </a:rPr>
-              <a:t>854</a:t>
-            </a:r>
-            <a:r>
-              <a:rPr lang="en-US" sz="1800" b="1" i="0" u="none" strike="noStrike" kern="1200" baseline="0" dirty="0">
-                <a:ln>
-                  <a:noFill/>
-                </a:ln>
-                <a:solidFill>
-                  <a:srgbClr val="000000"/>
-                </a:solidFill>
-                <a:effectLst/>
-                <a:latin typeface="Courier New" panose="02070309020205020404" pitchFamily="49" charset="0"/>
-              </a:rPr>
-              <a:t>=1539</a:t>
-            </a:r>
-            <a:endParaRPr lang="ru-RU" sz="1800" b="1" i="0" u="none" strike="noStrike" kern="1200" baseline="0" dirty="0">
-              <a:ln>
-                <a:noFill/>
-              </a:ln>
-              <a:solidFill>
-                <a:srgbClr val="000000"/>
-              </a:solidFill>
-              <a:effectLst/>
-              <a:latin typeface="Courier New" panose="02070309020205020404" pitchFamily="49" charset="0"/>
-            </a:endParaRPr>
-          </a:p>
-          <a:p>
-            <a:pPr marL="0" marR="0" indent="0" algn="ctr" rtl="0" eaLnBrk="0" fontAlgn="base" latinLnBrk="0" hangingPunct="0">
-              <a:spcBef>
-                <a:spcPts val="576"/>
-              </a:spcBef>
-              <a:spcAft>
-                <a:spcPts val="0"/>
-              </a:spcAft>
-              <a:buNone/>
-            </a:pPr>
-            <a:endParaRPr lang="ru-RU" sz="1800" b="0" i="0" u="none" strike="noStrike" dirty="0">
-              <a:effectLst/>
-              <a:latin typeface="Arial" panose="020B0604020202020204" pitchFamily="34" charset="0"/>
-            </a:endParaRPr>
-          </a:p>
-          <a:p>
-            <a:pPr marL="0" marR="0" indent="0" algn="ctr" rtl="0" eaLnBrk="0" fontAlgn="base" latinLnBrk="0" hangingPunct="0">
-              <a:spcBef>
-                <a:spcPts val="576"/>
-              </a:spcBef>
-              <a:spcAft>
-                <a:spcPts val="0"/>
-              </a:spcAft>
-              <a:buNone/>
-            </a:pPr>
-            <a:r>
-              <a:rPr lang="en-US" sz="1800" b="1" i="0" u="none" strike="noStrike" kern="1200" baseline="0" dirty="0">
-                <a:ln>
-                  <a:noFill/>
-                </a:ln>
-                <a:solidFill>
-                  <a:srgbClr val="000000"/>
-                </a:solidFill>
-                <a:effectLst/>
-                <a:latin typeface="Courier New" panose="02070309020205020404" pitchFamily="49" charset="0"/>
-              </a:rPr>
-              <a:t> </a:t>
-            </a:r>
-            <a:r>
-              <a:rPr lang="ru-RU" sz="1800" b="1" dirty="0">
-                <a:solidFill>
-                  <a:srgbClr val="000000"/>
-                </a:solidFill>
-                <a:latin typeface="Courier New" panose="02070309020205020404" pitchFamily="49" charset="0"/>
-              </a:rPr>
-              <a:t>5 2 5</a:t>
-            </a:r>
-            <a:endParaRPr lang="ru-RU" sz="1800" b="0" i="0" u="none" strike="noStrike" dirty="0">
-              <a:effectLst/>
-              <a:latin typeface="Arial" panose="020B0604020202020204" pitchFamily="34" charset="0"/>
-            </a:endParaRPr>
-          </a:p>
-          <a:p>
-            <a:pPr marL="0" marR="0" indent="0" rtl="0" eaLnBrk="0" fontAlgn="base" latinLnBrk="0" hangingPunct="0">
-              <a:spcBef>
-                <a:spcPts val="576"/>
-              </a:spcBef>
-              <a:spcAft>
-                <a:spcPts val="0"/>
-              </a:spcAft>
-              <a:buNone/>
-            </a:pPr>
-            <a:r>
-              <a:rPr lang="ru-RU" sz="1800" b="1" i="0" u="none" strike="noStrike" kern="1200" baseline="0" dirty="0">
-                <a:ln>
-                  <a:noFill/>
-                </a:ln>
-                <a:solidFill>
-                  <a:srgbClr val="000000"/>
-                </a:solidFill>
-                <a:effectLst/>
-                <a:latin typeface="Courier New" panose="02070309020205020404" pitchFamily="49" charset="0"/>
-              </a:rPr>
-              <a:t>                                  </a:t>
-            </a:r>
-            <a:r>
-              <a:rPr lang="en-US" sz="1800" b="1" i="0" u="none" strike="noStrike" kern="1200" baseline="0" dirty="0">
-                <a:ln>
-                  <a:noFill/>
-                </a:ln>
-                <a:solidFill>
-                  <a:srgbClr val="000000"/>
-                </a:solidFill>
-                <a:effectLst/>
-                <a:latin typeface="Courier New" panose="02070309020205020404" pitchFamily="49" charset="0"/>
-              </a:rPr>
-              <a:t>+</a:t>
-            </a:r>
-            <a:endParaRPr lang="ru-RU" sz="1800" b="0" i="0" u="none" strike="noStrike" dirty="0">
-              <a:effectLst/>
-              <a:latin typeface="Arial" panose="020B0604020202020204" pitchFamily="34" charset="0"/>
-            </a:endParaRPr>
-          </a:p>
-          <a:p>
-            <a:pPr marL="0" marR="0" indent="0" algn="ctr" rtl="0" eaLnBrk="0" fontAlgn="base" latinLnBrk="0" hangingPunct="0">
-              <a:spcBef>
-                <a:spcPts val="576"/>
-              </a:spcBef>
-              <a:spcAft>
-                <a:spcPts val="0"/>
-              </a:spcAft>
-              <a:buNone/>
-            </a:pPr>
-            <a:r>
-              <a:rPr lang="en-US" sz="1800" b="1" i="0" u="none" strike="noStrike" kern="1200" baseline="0" dirty="0">
-                <a:ln>
-                  <a:noFill/>
-                </a:ln>
-                <a:solidFill>
-                  <a:srgbClr val="000000"/>
-                </a:solidFill>
-                <a:effectLst/>
-                <a:latin typeface="Courier New" panose="02070309020205020404" pitchFamily="49" charset="0"/>
-              </a:rPr>
-              <a:t> </a:t>
-            </a:r>
-            <a:r>
-              <a:rPr lang="ru-RU" sz="1800" b="1" dirty="0">
-                <a:solidFill>
-                  <a:srgbClr val="000000"/>
-                </a:solidFill>
-                <a:latin typeface="Courier New" panose="02070309020205020404" pitchFamily="49" charset="0"/>
-              </a:rPr>
-              <a:t>8 5 4</a:t>
-            </a:r>
-            <a:endParaRPr lang="ru-RU" sz="1800" b="0" i="0" u="none" strike="noStrike" dirty="0">
-              <a:effectLst/>
-              <a:latin typeface="Arial" panose="020B0604020202020204" pitchFamily="34" charset="0"/>
-            </a:endParaRPr>
-          </a:p>
-          <a:p>
-            <a:pPr marL="0" marR="0" indent="0" algn="ctr" rtl="0" eaLnBrk="0" fontAlgn="base" latinLnBrk="0" hangingPunct="0">
-              <a:spcBef>
-                <a:spcPts val="576"/>
-              </a:spcBef>
-              <a:spcAft>
-                <a:spcPts val="0"/>
-              </a:spcAft>
-              <a:buNone/>
-            </a:pPr>
-            <a:r>
-              <a:rPr lang="ru-RU" sz="1800" b="1" i="0" u="none" strike="noStrike" kern="1200" baseline="0" dirty="0">
-                <a:ln>
-                  <a:noFill/>
-                </a:ln>
-                <a:solidFill>
-                  <a:srgbClr val="000000"/>
-                </a:solidFill>
-                <a:effectLst/>
-                <a:latin typeface="Courier New" panose="02070309020205020404" pitchFamily="49" charset="0"/>
-              </a:rPr>
-              <a:t>-</a:t>
-            </a:r>
-            <a:r>
-              <a:rPr lang="en-US" sz="1800" b="1" i="0" u="none" strike="noStrike" kern="1200" baseline="0" dirty="0">
-                <a:ln>
-                  <a:noFill/>
-                </a:ln>
-                <a:solidFill>
-                  <a:srgbClr val="000000"/>
-                </a:solidFill>
-                <a:effectLst/>
-                <a:latin typeface="Courier New" panose="02070309020205020404" pitchFamily="49" charset="0"/>
-              </a:rPr>
-              <a:t>------</a:t>
-            </a:r>
-            <a:endParaRPr lang="ru-RU" sz="1800" b="0" i="0" u="none" strike="noStrike" dirty="0">
-              <a:effectLst/>
-              <a:latin typeface="Arial" panose="020B0604020202020204" pitchFamily="34" charset="0"/>
-            </a:endParaRPr>
-          </a:p>
-          <a:p>
-            <a:pPr marL="0" marR="0" indent="0" algn="ctr" rtl="0" eaLnBrk="0" fontAlgn="base" latinLnBrk="0" hangingPunct="0">
-              <a:spcBef>
-                <a:spcPts val="576"/>
-              </a:spcBef>
-              <a:spcAft>
-                <a:spcPts val="0"/>
-              </a:spcAft>
-              <a:buNone/>
-            </a:pPr>
-            <a:r>
-              <a:rPr lang="ru-RU" sz="1800" b="1" i="0" u="none" strike="noStrike" kern="1200" baseline="0" dirty="0">
-                <a:ln>
-                  <a:noFill/>
-                </a:ln>
-                <a:solidFill>
-                  <a:srgbClr val="000000"/>
-                </a:solidFill>
-                <a:effectLst/>
-                <a:latin typeface="Courier New" panose="02070309020205020404" pitchFamily="49" charset="0"/>
-              </a:rPr>
-              <a:t>1 3 7 9</a:t>
-            </a:r>
-            <a:endParaRPr lang="ru-RU" dirty="0"/>
+              <a:t>Сложение</a:t>
+            </a:r>
+          </a:p>
+          <a:p>
+            <a:r>
+              <a:rPr lang="ru-RU" dirty="0"/>
+              <a:t>Вычитание</a:t>
+            </a:r>
+          </a:p>
+          <a:p>
+            <a:r>
+              <a:rPr lang="ru-RU" dirty="0"/>
+              <a:t>Целочисленное умножение</a:t>
+            </a:r>
+          </a:p>
+          <a:p>
+            <a:r>
+              <a:rPr lang="ru-RU" dirty="0"/>
+              <a:t>Целочисленное деление</a:t>
+            </a:r>
           </a:p>
         </p:txBody>
       </p:sp>
@@ -4487,7 +4229,7 @@
           <p:cNvPr id="4" name="Picture 4">
             <a:extLst>
               <a:ext uri="{FF2B5EF4-FFF2-40B4-BE49-F238E27FC236}">
-                <a16:creationId xmlns:a16="http://schemas.microsoft.com/office/drawing/2014/main" id="{61628088-FABC-0662-07CF-520519DA25A0}"/>
+                <a16:creationId xmlns:a16="http://schemas.microsoft.com/office/drawing/2014/main" id="{FA960A87-9C87-5C7C-E8D4-3E42DA16D376}"/>
               </a:ext>
             </a:extLst>
           </p:cNvPr>
@@ -4543,7 +4285,7 @@
           <p:cNvPr id="5" name="Номер слайда 4">
             <a:extLst>
               <a:ext uri="{FF2B5EF4-FFF2-40B4-BE49-F238E27FC236}">
-                <a16:creationId xmlns:a16="http://schemas.microsoft.com/office/drawing/2014/main" id="{88974CC6-2DD5-F666-82B9-EAEB5E4F04CD}"/>
+                <a16:creationId xmlns:a16="http://schemas.microsoft.com/office/drawing/2014/main" id="{614855E0-B645-5838-E0CC-2EB8409B3C9D}"/>
               </a:ext>
             </a:extLst>
           </p:cNvPr>
@@ -4560,17 +4302,275 @@
           <a:lstStyle/>
           <a:p>
             <a:fld id="{856911BC-71D3-44B2-952E-7B925F4E2A13}" type="slidenum">
-              <a:rPr lang="ru-RU" smtClean="0"/>
+              <a:rPr lang="ru-RU" sz="2800" b="1" smtClean="0"/>
               <a:t>10</a:t>
             </a:fld>
-            <a:endParaRPr lang="ru-RU"/>
-          </a:p>
-        </p:txBody>
-      </p:sp>
+            <a:endParaRPr lang="ru-RU" sz="2800" b="1" dirty="0"/>
+          </a:p>
+        </p:txBody>
+      </p:sp>
+      <p:graphicFrame>
+        <p:nvGraphicFramePr>
+          <p:cNvPr id="7" name="Таблица 6">
+            <a:extLst>
+              <a:ext uri="{FF2B5EF4-FFF2-40B4-BE49-F238E27FC236}">
+                <a16:creationId xmlns:a16="http://schemas.microsoft.com/office/drawing/2014/main" id="{EF762F5E-6981-846F-877C-3030FCB69BDC}"/>
+              </a:ext>
+            </a:extLst>
+          </p:cNvPr>
+          <p:cNvGraphicFramePr>
+            <a:graphicFrameLocks noGrp="1"/>
+          </p:cNvGraphicFramePr>
+          <p:nvPr>
+            <p:extLst>
+              <p:ext uri="{D42A27DB-BD31-4B8C-83A1-F6EECF244321}">
+                <p14:modId xmlns:p14="http://schemas.microsoft.com/office/powerpoint/2010/main" val="2194139299"/>
+              </p:ext>
+            </p:extLst>
+          </p:nvPr>
+        </p:nvGraphicFramePr>
+        <p:xfrm>
+          <a:off x="7877175" y="1825625"/>
+          <a:ext cx="2486026" cy="2352676"/>
+        </p:xfrm>
+        <a:graphic>
+          <a:graphicData uri="http://schemas.openxmlformats.org/drawingml/2006/table">
+            <a:tbl>
+              <a:tblPr/>
+              <a:tblGrid>
+                <a:gridCol w="1243013">
+                  <a:extLst>
+                    <a:ext uri="{9D8B030D-6E8A-4147-A177-3AD203B41FA5}">
+                      <a16:colId xmlns:a16="http://schemas.microsoft.com/office/drawing/2014/main" val="1258270245"/>
+                    </a:ext>
+                  </a:extLst>
+                </a:gridCol>
+                <a:gridCol w="1243013">
+                  <a:extLst>
+                    <a:ext uri="{9D8B030D-6E8A-4147-A177-3AD203B41FA5}">
+                      <a16:colId xmlns:a16="http://schemas.microsoft.com/office/drawing/2014/main" val="2462480938"/>
+                    </a:ext>
+                  </a:extLst>
+                </a:gridCol>
+              </a:tblGrid>
+              <a:tr h="1176338">
+                <a:tc>
+                  <a:txBody>
+                    <a:bodyPr/>
+                    <a:lstStyle/>
+                    <a:p>
+                      <a:pPr algn="ctr"/>
+                      <a:r>
+                        <a:rPr lang="en-US" sz="6600" dirty="0"/>
+                        <a:t>+</a:t>
+                      </a:r>
+                      <a:endParaRPr lang="ru-RU" sz="6600" dirty="0"/>
+                    </a:p>
+                  </a:txBody>
+                  <a:tcPr>
+                    <a:lnL w="12700" cmpd="sng">
+                      <a:solidFill>
+                        <a:schemeClr val="tx1"/>
+                      </a:solidFill>
+                      <a:prstDash val="solid"/>
+                    </a:lnL>
+                    <a:lnR w="12700" cap="flat" cmpd="sng" algn="ctr">
+                      <a:solidFill>
+                        <a:schemeClr val="tx1"/>
+                      </a:solidFill>
+                      <a:prstDash val="solid"/>
+                      <a:round/>
+                      <a:headEnd type="none" w="med" len="med"/>
+                      <a:tailEnd type="none" w="med" len="med"/>
+                    </a:lnR>
+                    <a:lnT w="12700" cmpd="sng">
+                      <a:solidFill>
+                        <a:schemeClr val="tx1"/>
+                      </a:solidFill>
+                      <a:prstDash val="solid"/>
+                    </a:lnT>
+                    <a:lnB w="12700" cap="flat" cmpd="sng" algn="ctr">
+                      <a:solidFill>
+                        <a:schemeClr val="tx1"/>
+                      </a:solidFill>
+                      <a:prstDash val="solid"/>
+                      <a:round/>
+                      <a:headEnd type="none" w="med" len="med"/>
+                      <a:tailEnd type="none" w="med" len="med"/>
+                    </a:lnB>
+                  </a:tcPr>
+                </a:tc>
+                <a:tc>
+                  <a:txBody>
+                    <a:bodyPr/>
+                    <a:lstStyle/>
+                    <a:p>
+                      <a:pPr algn="ctr"/>
+                      <a:r>
+                        <a:rPr lang="en-US" sz="6600" dirty="0"/>
+                        <a:t>-</a:t>
+                      </a:r>
+                      <a:endParaRPr lang="ru-RU" sz="6600" dirty="0"/>
+                    </a:p>
+                  </a:txBody>
+                  <a:tcPr>
+                    <a:lnL w="12700" cap="flat" cmpd="sng" algn="ctr">
+                      <a:solidFill>
+                        <a:schemeClr val="tx1"/>
+                      </a:solidFill>
+                      <a:prstDash val="solid"/>
+                      <a:round/>
+                      <a:headEnd type="none" w="med" len="med"/>
+                      <a:tailEnd type="none" w="med" len="med"/>
+                    </a:lnL>
+                    <a:lnR w="12700" cmpd="sng">
+                      <a:solidFill>
+                        <a:schemeClr val="tx1"/>
+                      </a:solidFill>
+                      <a:prstDash val="solid"/>
+                    </a:lnR>
+                    <a:lnT w="12700" cap="flat" cmpd="sng" algn="ctr">
+                      <a:solidFill>
+                        <a:schemeClr val="tx1"/>
+                      </a:solidFill>
+                      <a:prstDash val="solid"/>
+                      <a:round/>
+                      <a:headEnd type="none" w="med" len="med"/>
+                      <a:tailEnd type="none" w="med" len="med"/>
+                    </a:lnT>
+                    <a:lnB w="12700" cap="flat" cmpd="sng" algn="ctr">
+                      <a:solidFill>
+                        <a:schemeClr val="tx1"/>
+                      </a:solidFill>
+                      <a:prstDash val="solid"/>
+                      <a:round/>
+                      <a:headEnd type="none" w="med" len="med"/>
+                      <a:tailEnd type="none" w="med" len="med"/>
+                    </a:lnB>
+                  </a:tcPr>
+                </a:tc>
+                <a:extLst>
+                  <a:ext uri="{0D108BD9-81ED-4DB2-BD59-A6C34878D82A}">
+                    <a16:rowId xmlns:a16="http://schemas.microsoft.com/office/drawing/2014/main" val="2425374942"/>
+                  </a:ext>
+                </a:extLst>
+              </a:tr>
+              <a:tr h="1176338">
+                <a:tc>
+                  <a:txBody>
+                    <a:bodyPr/>
+                    <a:lstStyle/>
+                    <a:p>
+                      <a:pPr algn="ctr"/>
+                      <a:r>
+                        <a:rPr lang="en-US" sz="6600" dirty="0"/>
+                        <a:t>*</a:t>
+                      </a:r>
+                      <a:endParaRPr lang="ru-RU" sz="6600" dirty="0"/>
+                    </a:p>
+                  </a:txBody>
+                  <a:tcPr>
+                    <a:lnL w="12700" cap="flat" cmpd="sng" algn="ctr">
+                      <a:solidFill>
+                        <a:schemeClr val="tx1"/>
+                      </a:solidFill>
+                      <a:prstDash val="solid"/>
+                      <a:round/>
+                      <a:headEnd type="none" w="med" len="med"/>
+                      <a:tailEnd type="none" w="med" len="med"/>
+                    </a:lnL>
+                    <a:lnR w="12700" cap="flat" cmpd="sng" algn="ctr">
+                      <a:solidFill>
+                        <a:schemeClr val="tx1"/>
+                      </a:solidFill>
+                      <a:prstDash val="solid"/>
+                      <a:round/>
+                      <a:headEnd type="none" w="med" len="med"/>
+                      <a:tailEnd type="none" w="med" len="med"/>
+                    </a:lnR>
+                    <a:lnT w="12700" cap="flat" cmpd="sng" algn="ctr">
+                      <a:solidFill>
+                        <a:schemeClr val="tx1"/>
+                      </a:solidFill>
+                      <a:prstDash val="solid"/>
+                      <a:round/>
+                      <a:headEnd type="none" w="med" len="med"/>
+                      <a:tailEnd type="none" w="med" len="med"/>
+                    </a:lnT>
+                    <a:lnB w="12700" cmpd="sng">
+                      <a:solidFill>
+                        <a:schemeClr val="tx1"/>
+                      </a:solidFill>
+                      <a:prstDash val="solid"/>
+                    </a:lnB>
+                  </a:tcPr>
+                </a:tc>
+                <a:tc>
+                  <a:txBody>
+                    <a:bodyPr/>
+                    <a:lstStyle/>
+                    <a:p>
+                      <a:pPr algn="ctr"/>
+                      <a:r>
+                        <a:rPr lang="en-US" sz="6000" dirty="0"/>
+                        <a:t>/</a:t>
+                      </a:r>
+                      <a:endParaRPr lang="ru-RU" sz="6000" dirty="0"/>
+                    </a:p>
+                  </a:txBody>
+                  <a:tcPr>
+                    <a:lnL w="12700" cap="flat" cmpd="sng" algn="ctr">
+                      <a:solidFill>
+                        <a:schemeClr val="tx1"/>
+                      </a:solidFill>
+                      <a:prstDash val="solid"/>
+                      <a:round/>
+                      <a:headEnd type="none" w="med" len="med"/>
+                      <a:tailEnd type="none" w="med" len="med"/>
+                    </a:lnL>
+                    <a:lnR w="12700" cap="flat" cmpd="sng" algn="ctr">
+                      <a:solidFill>
+                        <a:schemeClr val="tx1"/>
+                      </a:solidFill>
+                      <a:prstDash val="solid"/>
+                      <a:round/>
+                      <a:headEnd type="none" w="med" len="med"/>
+                      <a:tailEnd type="none" w="med" len="med"/>
+                    </a:lnR>
+                    <a:lnT w="12700" cap="flat" cmpd="sng" algn="ctr">
+                      <a:solidFill>
+                        <a:schemeClr val="tx1"/>
+                      </a:solidFill>
+                      <a:prstDash val="solid"/>
+                      <a:round/>
+                      <a:headEnd type="none" w="med" len="med"/>
+                      <a:tailEnd type="none" w="med" len="med"/>
+                    </a:lnT>
+                    <a:lnB w="12700" cap="flat" cmpd="sng" algn="ctr">
+                      <a:solidFill>
+                        <a:schemeClr val="tx1"/>
+                      </a:solidFill>
+                      <a:prstDash val="solid"/>
+                      <a:round/>
+                      <a:headEnd type="none" w="med" len="med"/>
+                      <a:tailEnd type="none" w="med" len="med"/>
+                    </a:lnB>
+                  </a:tcPr>
+                </a:tc>
+                <a:extLst>
+                  <a:ext uri="{0D108BD9-81ED-4DB2-BD59-A6C34878D82A}">
+                    <a16:rowId xmlns:a16="http://schemas.microsoft.com/office/drawing/2014/main" val="3494968725"/>
+                  </a:ext>
+                </a:extLst>
+              </a:tr>
+            </a:tbl>
+          </a:graphicData>
+        </a:graphic>
+      </p:graphicFrame>
     </p:spTree>
     <p:extLst>
       <p:ext uri="{BB962C8B-B14F-4D97-AF65-F5344CB8AC3E}">
-        <p14:creationId xmlns:p14="http://schemas.microsoft.com/office/powerpoint/2010/main" val="1548377080"/>
+        <p14:creationId xmlns:p14="http://schemas.microsoft.com/office/powerpoint/2010/main" val="3121398843"/>
       </p:ext>
     </p:extLst>
   </p:cSld>
@@ -4605,7 +4605,7 @@
           <p:cNvPr id="2" name="Заголовок 1">
             <a:extLst>
               <a:ext uri="{FF2B5EF4-FFF2-40B4-BE49-F238E27FC236}">
-                <a16:creationId xmlns:a16="http://schemas.microsoft.com/office/drawing/2014/main" id="{8B6595C7-B6EB-3F59-F8DE-1BC833FE1E86}"/>
+                <a16:creationId xmlns:a16="http://schemas.microsoft.com/office/drawing/2014/main" id="{3C8574A2-3CA3-B90F-0444-4D221C5697E3}"/>
               </a:ext>
             </a:extLst>
           </p:cNvPr>
@@ -4623,7 +4623,7 @@
           <a:p>
             <a:r>
               <a:rPr lang="ru-RU" dirty="0"/>
-              <a:t>Вычитание длинных чисел</a:t>
+              <a:t>Сложение длинных чисел</a:t>
             </a:r>
           </a:p>
         </p:txBody>
@@ -4633,7 +4633,7 @@
           <p:cNvPr id="3" name="Объект 2">
             <a:extLst>
               <a:ext uri="{FF2B5EF4-FFF2-40B4-BE49-F238E27FC236}">
-                <a16:creationId xmlns:a16="http://schemas.microsoft.com/office/drawing/2014/main" id="{8D8B33E0-99C9-01D0-7F15-54E23171F24D}"/>
+                <a16:creationId xmlns:a16="http://schemas.microsoft.com/office/drawing/2014/main" id="{532A1266-6E90-6768-F041-F42671D7DB24}"/>
               </a:ext>
             </a:extLst>
           </p:cNvPr>
@@ -4644,7 +4644,12 @@
             <p:ph idx="1"/>
           </p:nvPr>
         </p:nvSpPr>
-        <p:spPr/>
+        <p:spPr>
+          <a:xfrm>
+            <a:off x="838200" y="1825625"/>
+            <a:ext cx="10515600" cy="660400"/>
+          </a:xfrm>
+        </p:spPr>
         <p:txBody>
           <a:bodyPr/>
           <a:lstStyle/>
@@ -4654,12 +4659,42 @@
             </a:pPr>
             <a:r>
               <a:rPr lang="ru-RU" dirty="0"/>
-              <a:t>Для вычитания используется школьный алгоритм вычитания в столбик</a:t>
+              <a:t>Используется </a:t>
             </a:r>
             <a:r>
               <a:rPr lang="en-US" dirty="0"/>
-              <a:t>.</a:t>
-            </a:r>
+              <a:t>“</a:t>
+            </a:r>
+            <a:r>
+              <a:rPr lang="ru-RU" dirty="0"/>
+              <a:t>школьный</a:t>
+            </a:r>
+            <a:r>
+              <a:rPr lang="en-US" dirty="0"/>
+              <a:t>”</a:t>
+            </a:r>
+            <a:r>
+              <a:rPr lang="ru-RU" dirty="0"/>
+              <a:t> алгоритм сложения в </a:t>
+            </a:r>
+            <a:r>
+              <a:rPr lang="en-US" dirty="0"/>
+              <a:t>“</a:t>
+            </a:r>
+            <a:r>
+              <a:rPr lang="ru-RU" dirty="0"/>
+              <a:t>столбик</a:t>
+            </a:r>
+            <a:r>
+              <a:rPr lang="en-US" dirty="0"/>
+              <a:t>”</a:t>
+            </a:r>
+            <a:endParaRPr lang="ru-RU" dirty="0"/>
+          </a:p>
+          <a:p>
+            <a:pPr marL="0" indent="0">
+              <a:buNone/>
+            </a:pPr>
             <a:endParaRPr lang="ru-RU" dirty="0"/>
           </a:p>
           <a:p>
@@ -4672,266 +4707,6 @@
               </a:spcAft>
               <a:buNone/>
             </a:pPr>
-            <a:r>
-              <a:rPr lang="en-US" sz="1800" b="1" i="0" u="none" strike="noStrike" kern="1200" baseline="0" dirty="0">
-                <a:ln>
-                  <a:noFill/>
-                </a:ln>
-                <a:solidFill>
-                  <a:srgbClr val="000000"/>
-                </a:solidFill>
-                <a:effectLst/>
-                <a:latin typeface="Courier New" panose="02070309020205020404" pitchFamily="49" charset="0"/>
-              </a:rPr>
-              <a:t>972</a:t>
-            </a:r>
-            <a:r>
-              <a:rPr lang="ru-RU" sz="1800" b="1" i="0" u="none" strike="noStrike" kern="1200" baseline="0" dirty="0">
-                <a:ln>
-                  <a:noFill/>
-                </a:ln>
-                <a:solidFill>
-                  <a:srgbClr val="000000"/>
-                </a:solidFill>
-                <a:effectLst/>
-                <a:latin typeface="Courier New" panose="02070309020205020404" pitchFamily="49" charset="0"/>
-              </a:rPr>
-              <a:t>-567</a:t>
-            </a:r>
-            <a:r>
-              <a:rPr lang="en-US" sz="1800" b="1" i="0" u="none" strike="noStrike" kern="1200" baseline="0" dirty="0">
-                <a:ln>
-                  <a:noFill/>
-                </a:ln>
-                <a:solidFill>
-                  <a:srgbClr val="000000"/>
-                </a:solidFill>
-                <a:effectLst/>
-                <a:latin typeface="Courier New" panose="02070309020205020404" pitchFamily="49" charset="0"/>
-              </a:rPr>
-              <a:t>=</a:t>
-            </a:r>
-            <a:r>
-              <a:rPr lang="ru-RU" sz="1800" b="1" i="0" u="none" strike="noStrike" kern="1200" baseline="0" dirty="0">
-                <a:ln>
-                  <a:noFill/>
-                </a:ln>
-                <a:solidFill>
-                  <a:srgbClr val="000000"/>
-                </a:solidFill>
-                <a:effectLst/>
-                <a:latin typeface="Courier New" panose="02070309020205020404" pitchFamily="49" charset="0"/>
-              </a:rPr>
-              <a:t>405</a:t>
-            </a:r>
-          </a:p>
-          <a:p>
-            <a:pPr marL="0" marR="0" indent="0" algn="ctr" rtl="0" eaLnBrk="0" fontAlgn="base" latinLnBrk="0" hangingPunct="0">
-              <a:spcBef>
-                <a:spcPts val="576"/>
-              </a:spcBef>
-              <a:spcAft>
-                <a:spcPts val="0"/>
-              </a:spcAft>
-              <a:buNone/>
-            </a:pPr>
-            <a:endParaRPr lang="ru-RU" sz="1800" b="0" i="0" u="none" strike="noStrike" dirty="0">
-              <a:effectLst/>
-              <a:latin typeface="Arial" panose="020B0604020202020204" pitchFamily="34" charset="0"/>
-            </a:endParaRPr>
-          </a:p>
-          <a:p>
-            <a:pPr marL="0" marR="0" indent="0" algn="ctr" rtl="0" eaLnBrk="0" fontAlgn="base" latinLnBrk="0" hangingPunct="0">
-              <a:spcBef>
-                <a:spcPts val="576"/>
-              </a:spcBef>
-              <a:spcAft>
-                <a:spcPts val="0"/>
-              </a:spcAft>
-              <a:buNone/>
-            </a:pPr>
-            <a:r>
-              <a:rPr lang="en-US" sz="1800" b="1" i="0" u="none" strike="noStrike" kern="1200" baseline="0" dirty="0">
-                <a:ln>
-                  <a:noFill/>
-                </a:ln>
-                <a:solidFill>
-                  <a:srgbClr val="000000"/>
-                </a:solidFill>
-                <a:effectLst/>
-                <a:latin typeface="Courier New" panose="02070309020205020404" pitchFamily="49" charset="0"/>
-              </a:rPr>
-              <a:t> </a:t>
-            </a:r>
-            <a:r>
-              <a:rPr lang="ru-RU" sz="1800" b="1" i="0" u="none" strike="noStrike" kern="1200" baseline="0" dirty="0">
-                <a:ln>
-                  <a:noFill/>
-                </a:ln>
-                <a:solidFill>
-                  <a:srgbClr val="000000"/>
-                </a:solidFill>
-                <a:effectLst/>
-                <a:latin typeface="Courier New" panose="02070309020205020404" pitchFamily="49" charset="0"/>
-              </a:rPr>
-              <a:t>9 7 2</a:t>
-            </a:r>
-            <a:endParaRPr lang="ru-RU" sz="1800" dirty="0">
-              <a:latin typeface="Arial" panose="020B0604020202020204" pitchFamily="34" charset="0"/>
-            </a:endParaRPr>
-          </a:p>
-          <a:p>
-            <a:pPr marL="0" marR="0" indent="0" rtl="0" eaLnBrk="0" fontAlgn="base" latinLnBrk="0" hangingPunct="0">
-              <a:spcBef>
-                <a:spcPts val="576"/>
-              </a:spcBef>
-              <a:spcAft>
-                <a:spcPts val="0"/>
-              </a:spcAft>
-              <a:buNone/>
-            </a:pPr>
-            <a:r>
-              <a:rPr lang="ru-RU" sz="1800" b="1" i="0" u="none" strike="noStrike" kern="1200" baseline="0" dirty="0">
-                <a:ln>
-                  <a:noFill/>
-                </a:ln>
-                <a:solidFill>
-                  <a:srgbClr val="000000"/>
-                </a:solidFill>
-                <a:effectLst/>
-                <a:latin typeface="Arial" panose="020B0604020202020204" pitchFamily="34" charset="0"/>
-              </a:rPr>
-              <a:t>                                                                         </a:t>
-            </a:r>
-            <a:r>
-              <a:rPr lang="ru-RU" sz="1800" b="1" i="0" u="none" strike="noStrike" kern="1200" baseline="0" dirty="0">
-                <a:ln>
-                  <a:noFill/>
-                </a:ln>
-                <a:solidFill>
-                  <a:srgbClr val="000000"/>
-                </a:solidFill>
-                <a:effectLst/>
-                <a:latin typeface="Courier New" panose="02070309020205020404" pitchFamily="49" charset="0"/>
-              </a:rPr>
-              <a:t>-</a:t>
-            </a:r>
-            <a:endParaRPr lang="ru-RU" sz="1800" b="0" i="0" u="none" strike="noStrike" dirty="0">
-              <a:effectLst/>
-              <a:latin typeface="Arial" panose="020B0604020202020204" pitchFamily="34" charset="0"/>
-            </a:endParaRPr>
-          </a:p>
-          <a:p>
-            <a:pPr marL="0" marR="0" indent="0" algn="ctr" rtl="0" eaLnBrk="0" fontAlgn="base" latinLnBrk="0" hangingPunct="0">
-              <a:spcBef>
-                <a:spcPts val="576"/>
-              </a:spcBef>
-              <a:spcAft>
-                <a:spcPts val="0"/>
-              </a:spcAft>
-              <a:buNone/>
-            </a:pPr>
-            <a:r>
-              <a:rPr lang="en-US" sz="1800" b="1" i="0" u="none" strike="noStrike" kern="1200" baseline="0" dirty="0">
-                <a:ln>
-                  <a:noFill/>
-                </a:ln>
-                <a:solidFill>
-                  <a:srgbClr val="000000"/>
-                </a:solidFill>
-                <a:effectLst/>
-                <a:latin typeface="Courier New" panose="02070309020205020404" pitchFamily="49" charset="0"/>
-              </a:rPr>
-              <a:t> </a:t>
-            </a:r>
-            <a:r>
-              <a:rPr lang="ru-RU" sz="1800" b="1" i="0" u="none" strike="noStrike" kern="1200" baseline="0" dirty="0">
-                <a:ln>
-                  <a:noFill/>
-                </a:ln>
-                <a:solidFill>
-                  <a:srgbClr val="000000"/>
-                </a:solidFill>
-                <a:effectLst/>
-                <a:latin typeface="Courier New" panose="02070309020205020404" pitchFamily="49" charset="0"/>
-              </a:rPr>
-              <a:t>5 6 7</a:t>
-            </a:r>
-            <a:endParaRPr lang="ru-RU" sz="1800" b="0" i="0" u="none" strike="noStrike" dirty="0">
-              <a:effectLst/>
-              <a:latin typeface="Arial" panose="020B0604020202020204" pitchFamily="34" charset="0"/>
-            </a:endParaRPr>
-          </a:p>
-          <a:p>
-            <a:pPr marL="0" marR="0" indent="0" algn="ctr" rtl="0" eaLnBrk="0" fontAlgn="base" latinLnBrk="0" hangingPunct="0">
-              <a:spcBef>
-                <a:spcPts val="576"/>
-              </a:spcBef>
-              <a:spcAft>
-                <a:spcPts val="0"/>
-              </a:spcAft>
-              <a:buNone/>
-            </a:pPr>
-            <a:r>
-              <a:rPr lang="en-US" sz="1800" b="1" i="0" u="none" strike="noStrike" kern="1200" baseline="0" dirty="0">
-                <a:ln>
-                  <a:noFill/>
-                </a:ln>
-                <a:solidFill>
-                  <a:srgbClr val="000000"/>
-                </a:solidFill>
-                <a:effectLst/>
-                <a:latin typeface="Courier New" panose="02070309020205020404" pitchFamily="49" charset="0"/>
-              </a:rPr>
-              <a:t>-------</a:t>
-            </a:r>
-            <a:endParaRPr lang="ru-RU" sz="1800" b="0" i="0" u="none" strike="noStrike" dirty="0">
-              <a:effectLst/>
-              <a:latin typeface="Arial" panose="020B0604020202020204" pitchFamily="34" charset="0"/>
-            </a:endParaRPr>
-          </a:p>
-          <a:p>
-            <a:pPr marL="0" marR="0" indent="0" algn="ctr" rtl="0" eaLnBrk="0" fontAlgn="base" latinLnBrk="0" hangingPunct="0">
-              <a:spcBef>
-                <a:spcPts val="576"/>
-              </a:spcBef>
-              <a:spcAft>
-                <a:spcPts val="0"/>
-              </a:spcAft>
-              <a:buNone/>
-            </a:pPr>
-            <a:r>
-              <a:rPr lang="en-US" sz="1800" b="1" i="0" u="none" strike="noStrike" kern="1200" baseline="0" dirty="0">
-                <a:ln>
-                  <a:noFill/>
-                </a:ln>
-                <a:solidFill>
-                  <a:srgbClr val="000000"/>
-                </a:solidFill>
-                <a:effectLst/>
-                <a:latin typeface="Courier New" panose="02070309020205020404" pitchFamily="49" charset="0"/>
-              </a:rPr>
-              <a:t> </a:t>
-            </a:r>
-            <a:r>
-              <a:rPr lang="ru-RU" sz="1800" b="1" i="0" u="none" strike="noStrike" kern="1200" baseline="0" dirty="0">
-                <a:ln>
-                  <a:noFill/>
-                </a:ln>
-                <a:solidFill>
-                  <a:srgbClr val="000000"/>
-                </a:solidFill>
-                <a:effectLst/>
-                <a:latin typeface="Courier New" panose="02070309020205020404" pitchFamily="49" charset="0"/>
-              </a:rPr>
-              <a:t>4 0 5</a:t>
-            </a:r>
-            <a:endParaRPr lang="ru-RU" sz="1800" b="0" i="0" u="none" strike="noStrike" dirty="0">
-              <a:effectLst/>
-              <a:latin typeface="Arial" panose="020B0604020202020204" pitchFamily="34" charset="0"/>
-            </a:endParaRPr>
-          </a:p>
-          <a:p>
             <a:endParaRPr lang="ru-RU" dirty="0"/>
           </a:p>
         </p:txBody>
@@ -4941,7 +4716,7 @@
           <p:cNvPr id="4" name="Picture 4">
             <a:extLst>
               <a:ext uri="{FF2B5EF4-FFF2-40B4-BE49-F238E27FC236}">
-                <a16:creationId xmlns:a16="http://schemas.microsoft.com/office/drawing/2014/main" id="{8EB74F40-288A-8293-BB9C-52C41393B45E}"/>
+                <a16:creationId xmlns:a16="http://schemas.microsoft.com/office/drawing/2014/main" id="{61628088-FABC-0662-07CF-520519DA25A0}"/>
               </a:ext>
             </a:extLst>
           </p:cNvPr>
@@ -4997,7 +4772,7 @@
           <p:cNvPr id="5" name="Номер слайда 4">
             <a:extLst>
               <a:ext uri="{FF2B5EF4-FFF2-40B4-BE49-F238E27FC236}">
-                <a16:creationId xmlns:a16="http://schemas.microsoft.com/office/drawing/2014/main" id="{EB6045EE-205F-B8E3-A2B0-7E5FA02C8F57}"/>
+                <a16:creationId xmlns:a16="http://schemas.microsoft.com/office/drawing/2014/main" id="{88974CC6-2DD5-F666-82B9-EAEB5E4F04CD}"/>
               </a:ext>
             </a:extLst>
           </p:cNvPr>
@@ -5014,17 +4789,582 @@
           <a:lstStyle/>
           <a:p>
             <a:fld id="{856911BC-71D3-44B2-952E-7B925F4E2A13}" type="slidenum">
-              <a:rPr lang="ru-RU" smtClean="0"/>
+              <a:rPr lang="ru-RU" sz="2800" b="1" smtClean="0"/>
               <a:t>11</a:t>
             </a:fld>
-            <a:endParaRPr lang="ru-RU"/>
+            <a:endParaRPr lang="ru-RU" sz="2800" b="1" dirty="0"/>
+          </a:p>
+        </p:txBody>
+      </p:sp>
+      <p:sp>
+        <p:nvSpPr>
+          <p:cNvPr id="8" name="TextBox 7">
+            <a:extLst>
+              <a:ext uri="{FF2B5EF4-FFF2-40B4-BE49-F238E27FC236}">
+                <a16:creationId xmlns:a16="http://schemas.microsoft.com/office/drawing/2014/main" id="{6830FEF1-083B-1EBA-C7A8-C058B5BB8BDB}"/>
+              </a:ext>
+            </a:extLst>
+          </p:cNvPr>
+          <p:cNvSpPr txBox="1"/>
+          <p:nvPr/>
+        </p:nvSpPr>
+        <p:spPr>
+          <a:xfrm>
+            <a:off x="7995759" y="2620962"/>
+            <a:ext cx="1986441" cy="2492990"/>
+          </a:xfrm>
+          <a:prstGeom prst="rect">
+            <a:avLst/>
+          </a:prstGeom>
+          <a:noFill/>
+        </p:spPr>
+        <p:txBody>
+          <a:bodyPr wrap="none" rtlCol="0">
+            <a:spAutoFit/>
+          </a:bodyPr>
+          <a:lstStyle/>
+          <a:p>
+            <a:pPr marL="0" marR="0" indent="0" algn="ctr" rtl="0" eaLnBrk="0" fontAlgn="base" latinLnBrk="0" hangingPunct="0">
+              <a:spcBef>
+                <a:spcPts val="576"/>
+              </a:spcBef>
+              <a:spcAft>
+                <a:spcPts val="0"/>
+              </a:spcAft>
+              <a:buNone/>
+            </a:pPr>
+            <a:r>
+              <a:rPr lang="en-US" sz="1800" b="1" i="0" u="none" strike="noStrike" kern="1200" baseline="0" dirty="0">
+                <a:ln>
+                  <a:noFill/>
+                </a:ln>
+                <a:solidFill>
+                  <a:srgbClr val="000000"/>
+                </a:solidFill>
+                <a:effectLst/>
+                <a:latin typeface="Courier New" panose="02070309020205020404" pitchFamily="49" charset="0"/>
+              </a:rPr>
+              <a:t>5</a:t>
+            </a:r>
+            <a:r>
+              <a:rPr lang="ru-RU" sz="1800" b="1" i="0" u="none" strike="noStrike" kern="1200" baseline="0" dirty="0">
+                <a:ln>
+                  <a:noFill/>
+                </a:ln>
+                <a:solidFill>
+                  <a:srgbClr val="000000"/>
+                </a:solidFill>
+                <a:effectLst/>
+                <a:latin typeface="Courier New" panose="02070309020205020404" pitchFamily="49" charset="0"/>
+              </a:rPr>
+              <a:t>25</a:t>
+            </a:r>
+            <a:r>
+              <a:rPr lang="en-US" sz="1800" b="1" i="0" u="none" strike="noStrike" kern="1200" baseline="0" dirty="0">
+                <a:ln>
+                  <a:noFill/>
+                </a:ln>
+                <a:solidFill>
+                  <a:srgbClr val="000000"/>
+                </a:solidFill>
+                <a:effectLst/>
+                <a:latin typeface="Courier New" panose="02070309020205020404" pitchFamily="49" charset="0"/>
+              </a:rPr>
+              <a:t>+</a:t>
+            </a:r>
+            <a:r>
+              <a:rPr lang="ru-RU" sz="1800" b="1" i="0" u="none" strike="noStrike" kern="1200" baseline="0" dirty="0">
+                <a:ln>
+                  <a:noFill/>
+                </a:ln>
+                <a:solidFill>
+                  <a:srgbClr val="000000"/>
+                </a:solidFill>
+                <a:effectLst/>
+                <a:latin typeface="Courier New" panose="02070309020205020404" pitchFamily="49" charset="0"/>
+              </a:rPr>
+              <a:t>854</a:t>
+            </a:r>
+            <a:r>
+              <a:rPr lang="en-US" sz="1800" b="1" i="0" u="none" strike="noStrike" kern="1200" baseline="0" dirty="0">
+                <a:ln>
+                  <a:noFill/>
+                </a:ln>
+                <a:solidFill>
+                  <a:srgbClr val="000000"/>
+                </a:solidFill>
+                <a:effectLst/>
+                <a:latin typeface="Courier New" panose="02070309020205020404" pitchFamily="49" charset="0"/>
+              </a:rPr>
+              <a:t>=1539</a:t>
+            </a:r>
+            <a:endParaRPr lang="ru-RU" sz="1800" b="1" i="0" u="none" strike="noStrike" kern="1200" baseline="0" dirty="0">
+              <a:ln>
+                <a:noFill/>
+              </a:ln>
+              <a:solidFill>
+                <a:srgbClr val="000000"/>
+              </a:solidFill>
+              <a:effectLst/>
+              <a:latin typeface="Courier New" panose="02070309020205020404" pitchFamily="49" charset="0"/>
+            </a:endParaRPr>
+          </a:p>
+          <a:p>
+            <a:pPr marL="0" marR="0" indent="0" rtl="0" eaLnBrk="0" fontAlgn="base" latinLnBrk="0" hangingPunct="0">
+              <a:spcBef>
+                <a:spcPts val="576"/>
+              </a:spcBef>
+              <a:spcAft>
+                <a:spcPts val="0"/>
+              </a:spcAft>
+              <a:buNone/>
+            </a:pPr>
+            <a:r>
+              <a:rPr lang="en-US" sz="1800" b="0" i="0" u="none" strike="noStrike" dirty="0">
+                <a:effectLst/>
+                <a:latin typeface="Arial" panose="020B0604020202020204" pitchFamily="34" charset="0"/>
+              </a:rPr>
+              <a:t>Carry  1</a:t>
+            </a:r>
+            <a:endParaRPr lang="ru-RU" sz="1800" b="0" i="0" u="none" strike="noStrike" dirty="0">
+              <a:effectLst/>
+              <a:latin typeface="Arial" panose="020B0604020202020204" pitchFamily="34" charset="0"/>
+            </a:endParaRPr>
+          </a:p>
+          <a:p>
+            <a:pPr marL="0" marR="0" indent="0" algn="ctr" rtl="0" eaLnBrk="0" fontAlgn="base" latinLnBrk="0" hangingPunct="0">
+              <a:spcBef>
+                <a:spcPts val="576"/>
+              </a:spcBef>
+              <a:spcAft>
+                <a:spcPts val="0"/>
+              </a:spcAft>
+              <a:buNone/>
+            </a:pPr>
+            <a:r>
+              <a:rPr lang="en-US" sz="1800" b="1" i="0" u="none" strike="noStrike" kern="1200" baseline="0" dirty="0">
+                <a:ln>
+                  <a:noFill/>
+                </a:ln>
+                <a:solidFill>
+                  <a:srgbClr val="000000"/>
+                </a:solidFill>
+                <a:effectLst/>
+                <a:latin typeface="Courier New" panose="02070309020205020404" pitchFamily="49" charset="0"/>
+              </a:rPr>
+              <a:t> </a:t>
+            </a:r>
+            <a:r>
+              <a:rPr lang="ru-RU" sz="1800" b="1" dirty="0">
+                <a:solidFill>
+                  <a:srgbClr val="000000"/>
+                </a:solidFill>
+                <a:latin typeface="Courier New" panose="02070309020205020404" pitchFamily="49" charset="0"/>
+              </a:rPr>
+              <a:t>5 2 5</a:t>
+            </a:r>
+            <a:endParaRPr lang="ru-RU" sz="1800" b="0" i="0" u="none" strike="noStrike" dirty="0">
+              <a:effectLst/>
+              <a:latin typeface="Arial" panose="020B0604020202020204" pitchFamily="34" charset="0"/>
+            </a:endParaRPr>
+          </a:p>
+          <a:p>
+            <a:pPr marL="0" marR="0" indent="0" rtl="0" eaLnBrk="0" fontAlgn="base" latinLnBrk="0" hangingPunct="0">
+              <a:spcBef>
+                <a:spcPts val="576"/>
+              </a:spcBef>
+              <a:spcAft>
+                <a:spcPts val="0"/>
+              </a:spcAft>
+              <a:buNone/>
+            </a:pPr>
+            <a:r>
+              <a:rPr lang="ru-RU" sz="1800" b="1" i="0" u="none" strike="noStrike" kern="1200" baseline="0" dirty="0">
+                <a:ln>
+                  <a:noFill/>
+                </a:ln>
+                <a:solidFill>
+                  <a:srgbClr val="000000"/>
+                </a:solidFill>
+                <a:effectLst/>
+                <a:latin typeface="Courier New" panose="02070309020205020404" pitchFamily="49" charset="0"/>
+              </a:rPr>
+              <a:t>   </a:t>
+            </a:r>
+            <a:r>
+              <a:rPr lang="en-US" sz="1800" b="1" i="0" u="none" strike="noStrike" kern="1200" baseline="0" dirty="0">
+                <a:ln>
+                  <a:noFill/>
+                </a:ln>
+                <a:solidFill>
+                  <a:srgbClr val="000000"/>
+                </a:solidFill>
+                <a:effectLst/>
+                <a:latin typeface="Courier New" panose="02070309020205020404" pitchFamily="49" charset="0"/>
+              </a:rPr>
+              <a:t>+</a:t>
+            </a:r>
+            <a:endParaRPr lang="ru-RU" sz="1800" b="0" i="0" u="none" strike="noStrike" dirty="0">
+              <a:effectLst/>
+              <a:latin typeface="Arial" panose="020B0604020202020204" pitchFamily="34" charset="0"/>
+            </a:endParaRPr>
+          </a:p>
+          <a:p>
+            <a:pPr marL="0" marR="0" indent="0" algn="ctr" rtl="0" eaLnBrk="0" fontAlgn="base" latinLnBrk="0" hangingPunct="0">
+              <a:spcBef>
+                <a:spcPts val="576"/>
+              </a:spcBef>
+              <a:spcAft>
+                <a:spcPts val="0"/>
+              </a:spcAft>
+              <a:buNone/>
+            </a:pPr>
+            <a:r>
+              <a:rPr lang="en-US" sz="1800" b="1" i="0" u="none" strike="noStrike" kern="1200" baseline="0" dirty="0">
+                <a:ln>
+                  <a:noFill/>
+                </a:ln>
+                <a:solidFill>
+                  <a:srgbClr val="000000"/>
+                </a:solidFill>
+                <a:effectLst/>
+                <a:latin typeface="Courier New" panose="02070309020205020404" pitchFamily="49" charset="0"/>
+              </a:rPr>
+              <a:t> </a:t>
+            </a:r>
+            <a:r>
+              <a:rPr lang="ru-RU" sz="1800" b="1" dirty="0">
+                <a:solidFill>
+                  <a:srgbClr val="000000"/>
+                </a:solidFill>
+                <a:latin typeface="Courier New" panose="02070309020205020404" pitchFamily="49" charset="0"/>
+              </a:rPr>
+              <a:t>8 5 4</a:t>
+            </a:r>
+            <a:endParaRPr lang="ru-RU" sz="1800" b="0" i="0" u="none" strike="noStrike" dirty="0">
+              <a:effectLst/>
+              <a:latin typeface="Arial" panose="020B0604020202020204" pitchFamily="34" charset="0"/>
+            </a:endParaRPr>
+          </a:p>
+          <a:p>
+            <a:pPr marL="0" marR="0" indent="0" algn="ctr" rtl="0" eaLnBrk="0" fontAlgn="base" latinLnBrk="0" hangingPunct="0">
+              <a:spcBef>
+                <a:spcPts val="576"/>
+              </a:spcBef>
+              <a:spcAft>
+                <a:spcPts val="0"/>
+              </a:spcAft>
+              <a:buNone/>
+            </a:pPr>
+            <a:r>
+              <a:rPr lang="ru-RU" sz="1800" b="1" i="0" u="none" strike="noStrike" kern="1200" baseline="0" dirty="0">
+                <a:ln>
+                  <a:noFill/>
+                </a:ln>
+                <a:solidFill>
+                  <a:srgbClr val="000000"/>
+                </a:solidFill>
+                <a:effectLst/>
+                <a:latin typeface="Courier New" panose="02070309020205020404" pitchFamily="49" charset="0"/>
+              </a:rPr>
+              <a:t>-</a:t>
+            </a:r>
+            <a:r>
+              <a:rPr lang="en-US" sz="1800" b="1" i="0" u="none" strike="noStrike" kern="1200" baseline="0" dirty="0">
+                <a:ln>
+                  <a:noFill/>
+                </a:ln>
+                <a:solidFill>
+                  <a:srgbClr val="000000"/>
+                </a:solidFill>
+                <a:effectLst/>
+                <a:latin typeface="Courier New" panose="02070309020205020404" pitchFamily="49" charset="0"/>
+              </a:rPr>
+              <a:t>------</a:t>
+            </a:r>
+            <a:endParaRPr lang="ru-RU" sz="1800" b="0" i="0" u="none" strike="noStrike" dirty="0">
+              <a:effectLst/>
+              <a:latin typeface="Arial" panose="020B0604020202020204" pitchFamily="34" charset="0"/>
+            </a:endParaRPr>
+          </a:p>
+          <a:p>
+            <a:pPr marL="0" marR="0" indent="0" algn="ctr" rtl="0" eaLnBrk="0" fontAlgn="base" latinLnBrk="0" hangingPunct="0">
+              <a:spcBef>
+                <a:spcPts val="576"/>
+              </a:spcBef>
+              <a:spcAft>
+                <a:spcPts val="0"/>
+              </a:spcAft>
+              <a:buNone/>
+            </a:pPr>
+            <a:r>
+              <a:rPr lang="ru-RU" sz="1800" b="1" i="0" u="none" strike="noStrike" kern="1200" baseline="0" dirty="0">
+                <a:ln>
+                  <a:noFill/>
+                </a:ln>
+                <a:solidFill>
+                  <a:srgbClr val="000000"/>
+                </a:solidFill>
+                <a:effectLst/>
+                <a:latin typeface="Courier New" panose="02070309020205020404" pitchFamily="49" charset="0"/>
+              </a:rPr>
+              <a:t>1 3 7 9</a:t>
+            </a:r>
+            <a:endParaRPr lang="ru-RU" dirty="0"/>
+          </a:p>
+        </p:txBody>
+      </p:sp>
+      <p:sp>
+        <p:nvSpPr>
+          <p:cNvPr id="9" name="TextBox 8">
+            <a:extLst>
+              <a:ext uri="{FF2B5EF4-FFF2-40B4-BE49-F238E27FC236}">
+                <a16:creationId xmlns:a16="http://schemas.microsoft.com/office/drawing/2014/main" id="{A28BC6AF-0395-1B54-22FF-B28D278770E3}"/>
+              </a:ext>
+            </a:extLst>
+          </p:cNvPr>
+          <p:cNvSpPr txBox="1"/>
+          <p:nvPr/>
+        </p:nvSpPr>
+        <p:spPr>
+          <a:xfrm>
+            <a:off x="767219" y="2486025"/>
+            <a:ext cx="6341288" cy="3323987"/>
+          </a:xfrm>
+          <a:prstGeom prst="rect">
+            <a:avLst/>
+          </a:prstGeom>
+          <a:noFill/>
+        </p:spPr>
+        <p:txBody>
+          <a:bodyPr wrap="none" rtlCol="0">
+            <a:spAutoFit/>
+          </a:bodyPr>
+          <a:lstStyle/>
+          <a:p>
+            <a:pPr algn="ctr">
+              <a:lnSpc>
+                <a:spcPct val="70000"/>
+              </a:lnSpc>
+              <a:spcBef>
+                <a:spcPct val="50000"/>
+              </a:spcBef>
+            </a:pPr>
+            <a:r>
+              <a:rPr lang="ru-RU" altLang="ru-RU" sz="2000" b="1" dirty="0">
+                <a:sym typeface="Wingdings" panose="05000000000000000000" pitchFamily="2" charset="2"/>
+              </a:rPr>
+              <a:t>Алгоритм сложения</a:t>
+            </a:r>
+            <a:r>
+              <a:rPr lang="en-US" altLang="ru-RU" sz="2000" b="1" dirty="0">
+                <a:sym typeface="Wingdings" panose="05000000000000000000" pitchFamily="2" charset="2"/>
+              </a:rPr>
+              <a:t>:</a:t>
+            </a:r>
+            <a:endParaRPr lang="ru-RU" altLang="ru-RU" sz="2000" b="1" dirty="0">
+              <a:sym typeface="Wingdings" panose="05000000000000000000" pitchFamily="2" charset="2"/>
+            </a:endParaRPr>
+          </a:p>
+          <a:p>
+            <a:pPr marL="457200" indent="-457200">
+              <a:lnSpc>
+                <a:spcPct val="70000"/>
+              </a:lnSpc>
+              <a:spcBef>
+                <a:spcPct val="50000"/>
+              </a:spcBef>
+              <a:buFont typeface="+mj-lt"/>
+              <a:buAutoNum type="arabicPeriod"/>
+            </a:pPr>
+            <a:r>
+              <a:rPr lang="ru-RU" altLang="ru-RU" sz="2000" dirty="0">
+                <a:sym typeface="Wingdings" panose="05000000000000000000" pitchFamily="2" charset="2"/>
+              </a:rPr>
+              <a:t>Выберем длину суммы как максимум</a:t>
+            </a:r>
+            <a:br>
+              <a:rPr lang="ru-RU" altLang="ru-RU" sz="2000" dirty="0">
+                <a:sym typeface="Wingdings" panose="05000000000000000000" pitchFamily="2" charset="2"/>
+              </a:rPr>
+            </a:br>
+            <a:r>
+              <a:rPr lang="ru-RU" altLang="ru-RU" sz="2000" dirty="0">
+                <a:sym typeface="Wingdings" panose="05000000000000000000" pitchFamily="2" charset="2"/>
+              </a:rPr>
+              <a:t>из длин первого и второго числа</a:t>
+            </a:r>
+          </a:p>
+          <a:p>
+            <a:pPr marL="457200" indent="-457200">
+              <a:lnSpc>
+                <a:spcPct val="50000"/>
+              </a:lnSpc>
+              <a:spcBef>
+                <a:spcPct val="50000"/>
+              </a:spcBef>
+              <a:buFont typeface="+mj-lt"/>
+              <a:buAutoNum type="arabicPeriod"/>
+            </a:pPr>
+            <a:r>
+              <a:rPr lang="ru-RU" altLang="ru-RU" sz="2000" dirty="0">
+                <a:sym typeface="Wingdings" panose="05000000000000000000" pitchFamily="2" charset="2"/>
+              </a:rPr>
+              <a:t>Для разряда от 1 до длины суммы:</a:t>
+            </a:r>
+          </a:p>
+          <a:p>
+            <a:pPr lvl="2">
+              <a:lnSpc>
+                <a:spcPct val="50000"/>
+              </a:lnSpc>
+              <a:spcBef>
+                <a:spcPct val="50000"/>
+              </a:spcBef>
+            </a:pPr>
+            <a:r>
+              <a:rPr lang="ru-RU" altLang="ru-RU" sz="2000" dirty="0">
+                <a:sym typeface="Wingdings" panose="05000000000000000000" pitchFamily="2" charset="2"/>
+              </a:rPr>
+              <a:t>2.1 Суммируем текущий разряд двух слагаемых</a:t>
+            </a:r>
+            <a:endParaRPr lang="en-US" altLang="ru-RU" sz="2000" dirty="0">
+              <a:sym typeface="Wingdings" panose="05000000000000000000" pitchFamily="2" charset="2"/>
+            </a:endParaRPr>
+          </a:p>
+          <a:p>
+            <a:pPr lvl="2">
+              <a:lnSpc>
+                <a:spcPct val="50000"/>
+              </a:lnSpc>
+              <a:spcBef>
+                <a:spcPct val="50000"/>
+              </a:spcBef>
+            </a:pPr>
+            <a:r>
+              <a:rPr lang="ru-RU" altLang="ru-RU" sz="2000" dirty="0">
+                <a:sym typeface="Wingdings" panose="05000000000000000000" pitchFamily="2" charset="2"/>
+              </a:rPr>
+              <a:t>2.2 Если сумма  </a:t>
+            </a:r>
+            <a:r>
+              <a:rPr lang="en-US" altLang="ru-RU" sz="2000" dirty="0">
+                <a:sym typeface="Wingdings" panose="05000000000000000000" pitchFamily="2" charset="2"/>
+              </a:rPr>
+              <a:t>&gt;= </a:t>
+            </a:r>
+            <a:r>
+              <a:rPr lang="ru-RU" altLang="ru-RU" sz="2000" dirty="0">
+                <a:sym typeface="Wingdings" panose="05000000000000000000" pitchFamily="2" charset="2"/>
+              </a:rPr>
+              <a:t>10</a:t>
+            </a:r>
+            <a:r>
+              <a:rPr lang="en-US" altLang="ru-RU" sz="2000" dirty="0">
+                <a:sym typeface="Wingdings" panose="05000000000000000000" pitchFamily="2" charset="2"/>
+              </a:rPr>
+              <a:t>  - carry = 1</a:t>
+            </a:r>
+            <a:endParaRPr lang="ru-RU" altLang="ru-RU" sz="2000" dirty="0">
+              <a:sym typeface="Wingdings" panose="05000000000000000000" pitchFamily="2" charset="2"/>
+            </a:endParaRPr>
+          </a:p>
+          <a:p>
+            <a:pPr marL="457200" indent="-457200">
+              <a:lnSpc>
+                <a:spcPct val="50000"/>
+              </a:lnSpc>
+              <a:spcBef>
+                <a:spcPct val="50000"/>
+              </a:spcBef>
+              <a:buFont typeface="+mj-lt"/>
+              <a:buAutoNum type="arabicPeriod"/>
+            </a:pPr>
+            <a:r>
+              <a:rPr lang="ru-RU" altLang="ru-RU" sz="2000" dirty="0">
+                <a:sym typeface="Wingdings" panose="05000000000000000000" pitchFamily="2" charset="2"/>
+              </a:rPr>
+              <a:t> Если </a:t>
+            </a:r>
+            <a:r>
+              <a:rPr lang="en-US" altLang="ru-RU" sz="2000" dirty="0">
+                <a:sym typeface="Wingdings" panose="05000000000000000000" pitchFamily="2" charset="2"/>
+              </a:rPr>
+              <a:t>carry = 1</a:t>
+            </a:r>
+            <a:r>
+              <a:rPr lang="ru-RU" altLang="ru-RU" sz="2000" dirty="0">
+                <a:sym typeface="Wingdings" panose="05000000000000000000" pitchFamily="2" charset="2"/>
+              </a:rPr>
+              <a:t>, то</a:t>
+            </a:r>
+          </a:p>
+          <a:p>
+            <a:pPr marL="800100" lvl="1" indent="-342900">
+              <a:lnSpc>
+                <a:spcPct val="50000"/>
+              </a:lnSpc>
+              <a:spcBef>
+                <a:spcPct val="50000"/>
+              </a:spcBef>
+              <a:buFont typeface="Calibri" panose="020F0502020204030204" pitchFamily="34" charset="0"/>
+              <a:buChar char="⁻"/>
+            </a:pPr>
+            <a:r>
+              <a:rPr lang="ru-RU" altLang="ru-RU" sz="2000" dirty="0">
+                <a:sym typeface="Wingdings" panose="05000000000000000000" pitchFamily="2" charset="2"/>
+              </a:rPr>
+              <a:t>Увеличиваем на 1 длину суммы</a:t>
+            </a:r>
+            <a:endParaRPr lang="en-US" altLang="ru-RU" sz="2000" dirty="0">
+              <a:sym typeface="Wingdings" panose="05000000000000000000" pitchFamily="2" charset="2"/>
+            </a:endParaRPr>
+          </a:p>
+          <a:p>
+            <a:pPr marL="800100" lvl="1" indent="-342900">
+              <a:lnSpc>
+                <a:spcPct val="50000"/>
+              </a:lnSpc>
+              <a:spcBef>
+                <a:spcPct val="50000"/>
+              </a:spcBef>
+              <a:buFont typeface="Calibri" panose="020F0502020204030204" pitchFamily="34" charset="0"/>
+              <a:buChar char="⁻"/>
+            </a:pPr>
+            <a:r>
+              <a:rPr lang="ru-RU" altLang="ru-RU" sz="2000" dirty="0">
+                <a:sym typeface="Wingdings" panose="05000000000000000000" pitchFamily="2" charset="2"/>
+              </a:rPr>
+              <a:t>Добавляем к разряду суммы единицу</a:t>
+            </a:r>
+            <a:endParaRPr lang="en-US" altLang="ru-RU" sz="2000" dirty="0">
+              <a:sym typeface="Wingdings" panose="05000000000000000000" pitchFamily="2" charset="2"/>
+            </a:endParaRPr>
+          </a:p>
+          <a:p>
+            <a:pPr marL="800100" lvl="1" indent="-342900">
+              <a:lnSpc>
+                <a:spcPct val="50000"/>
+              </a:lnSpc>
+              <a:spcBef>
+                <a:spcPct val="50000"/>
+              </a:spcBef>
+              <a:buFont typeface="Calibri" panose="020F0502020204030204" pitchFamily="34" charset="0"/>
+              <a:buChar char="⁻"/>
+            </a:pPr>
+            <a:endParaRPr lang="ru-RU" altLang="ru-RU" sz="2000" dirty="0">
+              <a:sym typeface="Wingdings" panose="05000000000000000000" pitchFamily="2" charset="2"/>
+            </a:endParaRPr>
+          </a:p>
+          <a:p>
+            <a:endParaRPr lang="ru-RU" dirty="0"/>
           </a:p>
         </p:txBody>
       </p:sp>
     </p:spTree>
     <p:extLst>
       <p:ext uri="{BB962C8B-B14F-4D97-AF65-F5344CB8AC3E}">
-        <p14:creationId xmlns:p14="http://schemas.microsoft.com/office/powerpoint/2010/main" val="1715075230"/>
+        <p14:creationId xmlns:p14="http://schemas.microsoft.com/office/powerpoint/2010/main" val="1548377080"/>
       </p:ext>
     </p:extLst>
   </p:cSld>
@@ -5059,7 +5399,7 @@
           <p:cNvPr id="2" name="Заголовок 1">
             <a:extLst>
               <a:ext uri="{FF2B5EF4-FFF2-40B4-BE49-F238E27FC236}">
-                <a16:creationId xmlns:a16="http://schemas.microsoft.com/office/drawing/2014/main" id="{5CE88F6D-BB8D-5C18-B5B2-56A86506B9EF}"/>
+                <a16:creationId xmlns:a16="http://schemas.microsoft.com/office/drawing/2014/main" id="{8B6595C7-B6EB-3F59-F8DE-1BC833FE1E86}"/>
               </a:ext>
             </a:extLst>
           </p:cNvPr>
@@ -5077,7 +5417,7 @@
           <a:p>
             <a:r>
               <a:rPr lang="ru-RU" dirty="0"/>
-              <a:t>Умножение длинных чисел</a:t>
+              <a:t>Вычитание длинных чисел</a:t>
             </a:r>
           </a:p>
         </p:txBody>
@@ -5087,7 +5427,7 @@
           <p:cNvPr id="3" name="Объект 2">
             <a:extLst>
               <a:ext uri="{FF2B5EF4-FFF2-40B4-BE49-F238E27FC236}">
-                <a16:creationId xmlns:a16="http://schemas.microsoft.com/office/drawing/2014/main" id="{310AFAAC-C123-C670-C9C2-30430914ED84}"/>
+                <a16:creationId xmlns:a16="http://schemas.microsoft.com/office/drawing/2014/main" id="{8D8B33E0-99C9-01D0-7F15-54E23171F24D}"/>
               </a:ext>
             </a:extLst>
           </p:cNvPr>
@@ -5098,7 +5438,12 @@
             <p:ph idx="1"/>
           </p:nvPr>
         </p:nvSpPr>
-        <p:spPr/>
+        <p:spPr>
+          <a:xfrm>
+            <a:off x="838200" y="1690688"/>
+            <a:ext cx="10515600" cy="785812"/>
+          </a:xfrm>
+        </p:spPr>
         <p:txBody>
           <a:bodyPr/>
           <a:lstStyle/>
@@ -5108,13 +5453,43 @@
             </a:pPr>
             <a:r>
               <a:rPr lang="ru-RU" dirty="0"/>
-              <a:t>Для эффективного умножения используется алгоритм быстрого преобразования Фурье,  позволяющий перемножать числа за время </a:t>
-            </a:r>
-            <a:r>
-              <a:rPr lang="en-US" i="1" dirty="0"/>
-              <a:t>O(n*log n).</a:t>
-            </a:r>
-            <a:endParaRPr lang="ru-RU" i="1" dirty="0"/>
+              <a:t>Используется </a:t>
+            </a:r>
+            <a:r>
+              <a:rPr lang="en-US" dirty="0"/>
+              <a:t>“</a:t>
+            </a:r>
+            <a:r>
+              <a:rPr lang="ru-RU" dirty="0"/>
+              <a:t>школьный</a:t>
+            </a:r>
+            <a:r>
+              <a:rPr lang="en-US" dirty="0"/>
+              <a:t>”</a:t>
+            </a:r>
+            <a:r>
+              <a:rPr lang="ru-RU" dirty="0"/>
+              <a:t> алгоритм вычитания в </a:t>
+            </a:r>
+            <a:r>
+              <a:rPr lang="en-US" dirty="0"/>
+              <a:t>“</a:t>
+            </a:r>
+            <a:r>
+              <a:rPr lang="ru-RU" dirty="0"/>
+              <a:t>столбик</a:t>
+            </a:r>
+            <a:r>
+              <a:rPr lang="en-US" dirty="0"/>
+              <a:t>”</a:t>
+            </a:r>
+            <a:endParaRPr lang="ru-RU" dirty="0"/>
+          </a:p>
+          <a:p>
+            <a:pPr marL="0" indent="0">
+              <a:buNone/>
+            </a:pPr>
+            <a:endParaRPr lang="ru-RU" dirty="0"/>
           </a:p>
         </p:txBody>
       </p:sp>
@@ -5123,7 +5498,7 @@
           <p:cNvPr id="4" name="Picture 4">
             <a:extLst>
               <a:ext uri="{FF2B5EF4-FFF2-40B4-BE49-F238E27FC236}">
-                <a16:creationId xmlns:a16="http://schemas.microsoft.com/office/drawing/2014/main" id="{0B83D84F-861A-4EDA-BF3C-96CB17ECE9C5}"/>
+                <a16:creationId xmlns:a16="http://schemas.microsoft.com/office/drawing/2014/main" id="{8EB74F40-288A-8293-BB9C-52C41393B45E}"/>
               </a:ext>
             </a:extLst>
           </p:cNvPr>
@@ -5179,7 +5554,7 @@
           <p:cNvPr id="5" name="Номер слайда 4">
             <a:extLst>
               <a:ext uri="{FF2B5EF4-FFF2-40B4-BE49-F238E27FC236}">
-                <a16:creationId xmlns:a16="http://schemas.microsoft.com/office/drawing/2014/main" id="{CA7A3DD2-2F5E-D538-0E56-437F8E4E3427}"/>
+                <a16:creationId xmlns:a16="http://schemas.microsoft.com/office/drawing/2014/main" id="{EB6045EE-205F-B8E3-A2B0-7E5FA02C8F57}"/>
               </a:ext>
             </a:extLst>
           </p:cNvPr>
@@ -5196,10 +5571,729 @@
           <a:lstStyle/>
           <a:p>
             <a:fld id="{856911BC-71D3-44B2-952E-7B925F4E2A13}" type="slidenum">
-              <a:rPr lang="ru-RU" smtClean="0"/>
+              <a:rPr lang="ru-RU" sz="2800" b="1" smtClean="0"/>
               <a:t>12</a:t>
             </a:fld>
-            <a:endParaRPr lang="ru-RU"/>
+            <a:endParaRPr lang="ru-RU" sz="2800" b="1" dirty="0"/>
+          </a:p>
+        </p:txBody>
+      </p:sp>
+      <p:sp>
+        <p:nvSpPr>
+          <p:cNvPr id="6" name="TextBox 5">
+            <a:extLst>
+              <a:ext uri="{FF2B5EF4-FFF2-40B4-BE49-F238E27FC236}">
+                <a16:creationId xmlns:a16="http://schemas.microsoft.com/office/drawing/2014/main" id="{55D2BB61-5951-1193-71A1-5C6772916489}"/>
+              </a:ext>
+            </a:extLst>
+          </p:cNvPr>
+          <p:cNvSpPr txBox="1"/>
+          <p:nvPr/>
+        </p:nvSpPr>
+        <p:spPr>
+          <a:xfrm>
+            <a:off x="8610600" y="2657475"/>
+            <a:ext cx="1822102" cy="2769989"/>
+          </a:xfrm>
+          <a:prstGeom prst="rect">
+            <a:avLst/>
+          </a:prstGeom>
+          <a:noFill/>
+        </p:spPr>
+        <p:txBody>
+          <a:bodyPr wrap="none" rtlCol="0">
+            <a:spAutoFit/>
+          </a:bodyPr>
+          <a:lstStyle/>
+          <a:p>
+            <a:pPr marL="0" marR="0" indent="0" algn="ctr" rtl="0" eaLnBrk="0" fontAlgn="base" latinLnBrk="0" hangingPunct="0">
+              <a:spcBef>
+                <a:spcPts val="576"/>
+              </a:spcBef>
+              <a:spcAft>
+                <a:spcPts val="0"/>
+              </a:spcAft>
+              <a:buNone/>
+            </a:pPr>
+            <a:r>
+              <a:rPr lang="en-US" sz="1800" b="1" i="0" u="none" strike="noStrike" kern="1200" baseline="0" dirty="0">
+                <a:ln>
+                  <a:noFill/>
+                </a:ln>
+                <a:solidFill>
+                  <a:srgbClr val="000000"/>
+                </a:solidFill>
+                <a:effectLst/>
+                <a:latin typeface="Courier New" panose="02070309020205020404" pitchFamily="49" charset="0"/>
+              </a:rPr>
+              <a:t>972</a:t>
+            </a:r>
+            <a:r>
+              <a:rPr lang="ru-RU" sz="1800" b="1" i="0" u="none" strike="noStrike" kern="1200" baseline="0" dirty="0">
+                <a:ln>
+                  <a:noFill/>
+                </a:ln>
+                <a:solidFill>
+                  <a:srgbClr val="000000"/>
+                </a:solidFill>
+                <a:effectLst/>
+                <a:latin typeface="Courier New" panose="02070309020205020404" pitchFamily="49" charset="0"/>
+              </a:rPr>
+              <a:t>-567</a:t>
+            </a:r>
+            <a:r>
+              <a:rPr lang="en-US" sz="1800" b="1" i="0" u="none" strike="noStrike" kern="1200" baseline="0" dirty="0">
+                <a:ln>
+                  <a:noFill/>
+                </a:ln>
+                <a:solidFill>
+                  <a:srgbClr val="000000"/>
+                </a:solidFill>
+                <a:effectLst/>
+                <a:latin typeface="Courier New" panose="02070309020205020404" pitchFamily="49" charset="0"/>
+              </a:rPr>
+              <a:t>=</a:t>
+            </a:r>
+            <a:r>
+              <a:rPr lang="ru-RU" sz="1800" b="1" i="0" u="none" strike="noStrike" kern="1200" baseline="0" dirty="0">
+                <a:ln>
+                  <a:noFill/>
+                </a:ln>
+                <a:solidFill>
+                  <a:srgbClr val="000000"/>
+                </a:solidFill>
+                <a:effectLst/>
+                <a:latin typeface="Courier New" panose="02070309020205020404" pitchFamily="49" charset="0"/>
+              </a:rPr>
+              <a:t>405</a:t>
+            </a:r>
+          </a:p>
+          <a:p>
+            <a:pPr marL="0" marR="0" indent="0" algn="ctr" rtl="0" eaLnBrk="0" fontAlgn="base" latinLnBrk="0" hangingPunct="0">
+              <a:spcBef>
+                <a:spcPts val="576"/>
+              </a:spcBef>
+              <a:spcAft>
+                <a:spcPts val="0"/>
+              </a:spcAft>
+              <a:buNone/>
+            </a:pPr>
+            <a:endParaRPr lang="ru-RU" sz="1800" b="0" i="0" u="none" strike="noStrike" dirty="0">
+              <a:effectLst/>
+              <a:latin typeface="Arial" panose="020B0604020202020204" pitchFamily="34" charset="0"/>
+            </a:endParaRPr>
+          </a:p>
+          <a:p>
+            <a:pPr marL="0" marR="0" indent="0" algn="ctr" rtl="0" eaLnBrk="0" fontAlgn="base" latinLnBrk="0" hangingPunct="0">
+              <a:spcBef>
+                <a:spcPts val="576"/>
+              </a:spcBef>
+              <a:spcAft>
+                <a:spcPts val="0"/>
+              </a:spcAft>
+              <a:buNone/>
+            </a:pPr>
+            <a:r>
+              <a:rPr lang="en-US" sz="1800" b="1" i="0" u="none" strike="noStrike" kern="1200" baseline="0" dirty="0">
+                <a:ln>
+                  <a:noFill/>
+                </a:ln>
+                <a:solidFill>
+                  <a:srgbClr val="000000"/>
+                </a:solidFill>
+                <a:effectLst/>
+                <a:latin typeface="Courier New" panose="02070309020205020404" pitchFamily="49" charset="0"/>
+              </a:rPr>
+              <a:t> </a:t>
+            </a:r>
+            <a:r>
+              <a:rPr lang="ru-RU" sz="1800" b="1" i="0" u="none" strike="noStrike" kern="1200" baseline="0" dirty="0">
+                <a:ln>
+                  <a:noFill/>
+                </a:ln>
+                <a:solidFill>
+                  <a:srgbClr val="000000"/>
+                </a:solidFill>
+                <a:effectLst/>
+                <a:latin typeface="Courier New" panose="02070309020205020404" pitchFamily="49" charset="0"/>
+              </a:rPr>
+              <a:t>9 7 2</a:t>
+            </a:r>
+            <a:endParaRPr lang="ru-RU" sz="1800" dirty="0">
+              <a:latin typeface="Arial" panose="020B0604020202020204" pitchFamily="34" charset="0"/>
+            </a:endParaRPr>
+          </a:p>
+          <a:p>
+            <a:pPr marL="0" marR="0" indent="0" rtl="0" eaLnBrk="0" fontAlgn="base" latinLnBrk="0" hangingPunct="0">
+              <a:spcBef>
+                <a:spcPts val="576"/>
+              </a:spcBef>
+              <a:spcAft>
+                <a:spcPts val="0"/>
+              </a:spcAft>
+              <a:buNone/>
+            </a:pPr>
+            <a:r>
+              <a:rPr lang="ru-RU" sz="1800" b="1" i="0" u="none" strike="noStrike" kern="1200" baseline="0" dirty="0">
+                <a:ln>
+                  <a:noFill/>
+                </a:ln>
+                <a:solidFill>
+                  <a:srgbClr val="000000"/>
+                </a:solidFill>
+                <a:effectLst/>
+                <a:latin typeface="Arial" panose="020B0604020202020204" pitchFamily="34" charset="0"/>
+              </a:rPr>
+              <a:t>     </a:t>
+            </a:r>
+            <a:r>
+              <a:rPr lang="ru-RU" sz="1800" b="1" i="0" u="none" strike="noStrike" kern="1200" baseline="0" dirty="0">
+                <a:ln>
+                  <a:noFill/>
+                </a:ln>
+                <a:solidFill>
+                  <a:srgbClr val="000000"/>
+                </a:solidFill>
+                <a:effectLst/>
+                <a:latin typeface="Courier New" panose="02070309020205020404" pitchFamily="49" charset="0"/>
+              </a:rPr>
+              <a:t>-</a:t>
+            </a:r>
+            <a:endParaRPr lang="ru-RU" sz="1800" b="0" i="0" u="none" strike="noStrike" dirty="0">
+              <a:effectLst/>
+              <a:latin typeface="Arial" panose="020B0604020202020204" pitchFamily="34" charset="0"/>
+            </a:endParaRPr>
+          </a:p>
+          <a:p>
+            <a:pPr marL="0" marR="0" indent="0" algn="ctr" rtl="0" eaLnBrk="0" fontAlgn="base" latinLnBrk="0" hangingPunct="0">
+              <a:spcBef>
+                <a:spcPts val="576"/>
+              </a:spcBef>
+              <a:spcAft>
+                <a:spcPts val="0"/>
+              </a:spcAft>
+              <a:buNone/>
+            </a:pPr>
+            <a:r>
+              <a:rPr lang="en-US" sz="1800" b="1" i="0" u="none" strike="noStrike" kern="1200" baseline="0" dirty="0">
+                <a:ln>
+                  <a:noFill/>
+                </a:ln>
+                <a:solidFill>
+                  <a:srgbClr val="000000"/>
+                </a:solidFill>
+                <a:effectLst/>
+                <a:latin typeface="Courier New" panose="02070309020205020404" pitchFamily="49" charset="0"/>
+              </a:rPr>
+              <a:t> </a:t>
+            </a:r>
+            <a:r>
+              <a:rPr lang="ru-RU" sz="1800" b="1" i="0" u="none" strike="noStrike" kern="1200" baseline="0" dirty="0">
+                <a:ln>
+                  <a:noFill/>
+                </a:ln>
+                <a:solidFill>
+                  <a:srgbClr val="000000"/>
+                </a:solidFill>
+                <a:effectLst/>
+                <a:latin typeface="Courier New" panose="02070309020205020404" pitchFamily="49" charset="0"/>
+              </a:rPr>
+              <a:t>5 6 7</a:t>
+            </a:r>
+            <a:endParaRPr lang="ru-RU" sz="1800" b="0" i="0" u="none" strike="noStrike" dirty="0">
+              <a:effectLst/>
+              <a:latin typeface="Arial" panose="020B0604020202020204" pitchFamily="34" charset="0"/>
+            </a:endParaRPr>
+          </a:p>
+          <a:p>
+            <a:pPr marL="0" marR="0" indent="0" algn="ctr" rtl="0" eaLnBrk="0" fontAlgn="base" latinLnBrk="0" hangingPunct="0">
+              <a:spcBef>
+                <a:spcPts val="576"/>
+              </a:spcBef>
+              <a:spcAft>
+                <a:spcPts val="0"/>
+              </a:spcAft>
+              <a:buNone/>
+            </a:pPr>
+            <a:r>
+              <a:rPr lang="en-US" sz="1800" b="1" i="0" u="none" strike="noStrike" kern="1200" baseline="0" dirty="0">
+                <a:ln>
+                  <a:noFill/>
+                </a:ln>
+                <a:solidFill>
+                  <a:srgbClr val="000000"/>
+                </a:solidFill>
+                <a:effectLst/>
+                <a:latin typeface="Courier New" panose="02070309020205020404" pitchFamily="49" charset="0"/>
+              </a:rPr>
+              <a:t>-------</a:t>
+            </a:r>
+            <a:endParaRPr lang="ru-RU" sz="1800" b="0" i="0" u="none" strike="noStrike" dirty="0">
+              <a:effectLst/>
+              <a:latin typeface="Arial" panose="020B0604020202020204" pitchFamily="34" charset="0"/>
+            </a:endParaRPr>
+          </a:p>
+          <a:p>
+            <a:pPr marL="0" marR="0" indent="0" algn="ctr" rtl="0" eaLnBrk="0" fontAlgn="base" latinLnBrk="0" hangingPunct="0">
+              <a:spcBef>
+                <a:spcPts val="576"/>
+              </a:spcBef>
+              <a:spcAft>
+                <a:spcPts val="0"/>
+              </a:spcAft>
+              <a:buNone/>
+            </a:pPr>
+            <a:r>
+              <a:rPr lang="en-US" sz="1800" b="1" i="0" u="none" strike="noStrike" kern="1200" baseline="0" dirty="0">
+                <a:ln>
+                  <a:noFill/>
+                </a:ln>
+                <a:solidFill>
+                  <a:srgbClr val="000000"/>
+                </a:solidFill>
+                <a:effectLst/>
+                <a:latin typeface="Courier New" panose="02070309020205020404" pitchFamily="49" charset="0"/>
+              </a:rPr>
+              <a:t> </a:t>
+            </a:r>
+            <a:r>
+              <a:rPr lang="ru-RU" sz="1800" b="1" i="0" u="none" strike="noStrike" kern="1200" baseline="0" dirty="0">
+                <a:ln>
+                  <a:noFill/>
+                </a:ln>
+                <a:solidFill>
+                  <a:srgbClr val="000000"/>
+                </a:solidFill>
+                <a:effectLst/>
+                <a:latin typeface="Courier New" panose="02070309020205020404" pitchFamily="49" charset="0"/>
+              </a:rPr>
+              <a:t>4 0 5</a:t>
+            </a:r>
+            <a:endParaRPr lang="ru-RU" sz="1800" b="0" i="0" u="none" strike="noStrike" dirty="0">
+              <a:effectLst/>
+              <a:latin typeface="Arial" panose="020B0604020202020204" pitchFamily="34" charset="0"/>
+            </a:endParaRPr>
+          </a:p>
+          <a:p>
+            <a:endParaRPr lang="ru-RU" dirty="0"/>
+          </a:p>
+        </p:txBody>
+      </p:sp>
+      <p:sp>
+        <p:nvSpPr>
+          <p:cNvPr id="8" name="TextBox 7">
+            <a:extLst>
+              <a:ext uri="{FF2B5EF4-FFF2-40B4-BE49-F238E27FC236}">
+                <a16:creationId xmlns:a16="http://schemas.microsoft.com/office/drawing/2014/main" id="{2F6B54E3-59FD-3593-E7DA-06F5077A21F3}"/>
+              </a:ext>
+            </a:extLst>
+          </p:cNvPr>
+          <p:cNvSpPr txBox="1"/>
+          <p:nvPr/>
+        </p:nvSpPr>
+        <p:spPr>
+          <a:xfrm>
+            <a:off x="592196" y="2476500"/>
+            <a:ext cx="7123681" cy="3537892"/>
+          </a:xfrm>
+          <a:prstGeom prst="rect">
+            <a:avLst/>
+          </a:prstGeom>
+          <a:noFill/>
+        </p:spPr>
+        <p:txBody>
+          <a:bodyPr wrap="none" rtlCol="0">
+            <a:spAutoFit/>
+          </a:bodyPr>
+          <a:lstStyle/>
+          <a:p>
+            <a:pPr algn="ctr"/>
+            <a:r>
+              <a:rPr lang="ru-RU" sz="2000" b="1" dirty="0"/>
+              <a:t>Алгоритм вычитания</a:t>
+            </a:r>
+            <a:r>
+              <a:rPr lang="en-US" sz="2000" dirty="0"/>
+              <a:t>:</a:t>
+            </a:r>
+          </a:p>
+          <a:p>
+            <a:pPr marL="457200" indent="-457200">
+              <a:lnSpc>
+                <a:spcPct val="70000"/>
+              </a:lnSpc>
+              <a:spcBef>
+                <a:spcPct val="50000"/>
+              </a:spcBef>
+              <a:buClr>
+                <a:schemeClr val="tx1"/>
+              </a:buClr>
+              <a:buFont typeface="+mj-lt"/>
+              <a:buAutoNum type="arabicPeriod"/>
+            </a:pPr>
+            <a:r>
+              <a:rPr lang="ru-RU" altLang="ru-RU" sz="2000" dirty="0">
+                <a:sym typeface="Wingdings" panose="05000000000000000000" pitchFamily="2" charset="2"/>
+              </a:rPr>
+              <a:t>Будем всегда вычитать из большего числа меньшее</a:t>
+            </a:r>
+          </a:p>
+          <a:p>
+            <a:pPr marL="457200" indent="-457200">
+              <a:lnSpc>
+                <a:spcPct val="70000"/>
+              </a:lnSpc>
+              <a:spcBef>
+                <a:spcPct val="50000"/>
+              </a:spcBef>
+              <a:buClr>
+                <a:schemeClr val="tx1"/>
+              </a:buClr>
+              <a:buFont typeface="+mj-lt"/>
+              <a:buAutoNum type="arabicPeriod"/>
+            </a:pPr>
+            <a:r>
+              <a:rPr lang="ru-RU" altLang="ru-RU" sz="2000" dirty="0">
+                <a:sym typeface="Wingdings" panose="05000000000000000000" pitchFamily="2" charset="2"/>
+              </a:rPr>
+              <a:t>Выберем длину разности как максимум</a:t>
+            </a:r>
+            <a:br>
+              <a:rPr lang="en-US" altLang="ru-RU" sz="2000" dirty="0">
+                <a:sym typeface="Wingdings" panose="05000000000000000000" pitchFamily="2" charset="2"/>
+              </a:rPr>
+            </a:br>
+            <a:r>
+              <a:rPr lang="ru-RU" altLang="ru-RU" sz="2000" dirty="0">
+                <a:sym typeface="Wingdings" panose="05000000000000000000" pitchFamily="2" charset="2"/>
+              </a:rPr>
+              <a:t>из длин первого и второго числа</a:t>
+            </a:r>
+          </a:p>
+          <a:p>
+            <a:pPr marL="457200" indent="-457200">
+              <a:lnSpc>
+                <a:spcPct val="50000"/>
+              </a:lnSpc>
+              <a:spcBef>
+                <a:spcPct val="50000"/>
+              </a:spcBef>
+              <a:buClr>
+                <a:schemeClr val="tx1"/>
+              </a:buClr>
+              <a:buFont typeface="+mj-lt"/>
+              <a:buAutoNum type="arabicPeriod"/>
+            </a:pPr>
+            <a:r>
+              <a:rPr lang="ru-RU" altLang="ru-RU" sz="2000" dirty="0">
+                <a:sym typeface="Wingdings" panose="05000000000000000000" pitchFamily="2" charset="2"/>
+              </a:rPr>
+              <a:t>Для разряда от 1 до длины суммы :</a:t>
+            </a:r>
+          </a:p>
+          <a:p>
+            <a:pPr lvl="1">
+              <a:lnSpc>
+                <a:spcPct val="50000"/>
+              </a:lnSpc>
+              <a:spcBef>
+                <a:spcPct val="50000"/>
+              </a:spcBef>
+              <a:buClr>
+                <a:schemeClr val="tx1"/>
+              </a:buClr>
+            </a:pPr>
+            <a:r>
+              <a:rPr lang="ru-RU" altLang="ru-RU" sz="2000" dirty="0">
+                <a:sym typeface="Wingdings" panose="05000000000000000000" pitchFamily="2" charset="2"/>
+              </a:rPr>
+              <a:t>3.1 Вычисляем разность в текущем разряде</a:t>
+            </a:r>
+          </a:p>
+          <a:p>
+            <a:pPr lvl="1">
+              <a:lnSpc>
+                <a:spcPct val="50000"/>
+              </a:lnSpc>
+              <a:spcBef>
+                <a:spcPct val="50000"/>
+              </a:spcBef>
+              <a:buClr>
+                <a:schemeClr val="tx1"/>
+              </a:buClr>
+            </a:pPr>
+            <a:r>
+              <a:rPr lang="ru-RU" altLang="ru-RU" sz="2000" dirty="0">
+                <a:sym typeface="Wingdings" panose="05000000000000000000" pitchFamily="2" charset="2"/>
+              </a:rPr>
+              <a:t>3.2 Если разность в текущем разряде меньше нуля, то</a:t>
+            </a:r>
+          </a:p>
+          <a:p>
+            <a:pPr lvl="2">
+              <a:lnSpc>
+                <a:spcPct val="50000"/>
+              </a:lnSpc>
+              <a:spcBef>
+                <a:spcPct val="50000"/>
+              </a:spcBef>
+              <a:buClr>
+                <a:schemeClr val="tx1"/>
+              </a:buClr>
+            </a:pPr>
+            <a:r>
+              <a:rPr lang="ru-RU" altLang="ru-RU" sz="2000" dirty="0">
+                <a:sym typeface="Wingdings" panose="05000000000000000000" pitchFamily="2" charset="2"/>
+              </a:rPr>
+              <a:t>3.2.1 Делаем заем из старшего разряда уменьшаемого</a:t>
+            </a:r>
+          </a:p>
+          <a:p>
+            <a:pPr marL="457200" indent="-457200">
+              <a:lnSpc>
+                <a:spcPct val="50000"/>
+              </a:lnSpc>
+              <a:spcBef>
+                <a:spcPct val="50000"/>
+              </a:spcBef>
+              <a:buClr>
+                <a:schemeClr val="tx1"/>
+              </a:buClr>
+              <a:buFont typeface="+mj-lt"/>
+              <a:buAutoNum type="arabicPeriod"/>
+            </a:pPr>
+            <a:r>
+              <a:rPr lang="ru-RU" altLang="ru-RU" sz="2000" dirty="0">
+                <a:sym typeface="Wingdings" panose="05000000000000000000" pitchFamily="2" charset="2"/>
+              </a:rPr>
+              <a:t>Если ранее брали заем из разряда уменьшаемого</a:t>
+            </a:r>
+            <a:r>
+              <a:rPr lang="en-US" altLang="ru-RU" sz="2000" dirty="0">
+                <a:sym typeface="Wingdings" panose="05000000000000000000" pitchFamily="2" charset="2"/>
+              </a:rPr>
+              <a:t>:</a:t>
+            </a:r>
+            <a:endParaRPr lang="ru-RU" altLang="ru-RU" sz="2000" dirty="0">
+              <a:sym typeface="Wingdings" panose="05000000000000000000" pitchFamily="2" charset="2"/>
+            </a:endParaRPr>
+          </a:p>
+          <a:p>
+            <a:pPr lvl="1">
+              <a:lnSpc>
+                <a:spcPct val="50000"/>
+              </a:lnSpc>
+              <a:spcBef>
+                <a:spcPct val="50000"/>
+              </a:spcBef>
+              <a:buClr>
+                <a:schemeClr val="tx1"/>
+              </a:buClr>
+            </a:pPr>
+            <a:r>
+              <a:rPr lang="ru-RU" altLang="ru-RU" sz="2000" dirty="0">
+                <a:sym typeface="Wingdings" panose="05000000000000000000" pitchFamily="2" charset="2"/>
+              </a:rPr>
+              <a:t>4.1 От текущего разряда уменьшаемого вычитаем 1</a:t>
+            </a:r>
+          </a:p>
+          <a:p>
+            <a:pPr>
+              <a:lnSpc>
+                <a:spcPct val="50000"/>
+              </a:lnSpc>
+              <a:spcBef>
+                <a:spcPct val="50000"/>
+              </a:spcBef>
+              <a:buClr>
+                <a:schemeClr val="tx1"/>
+              </a:buClr>
+            </a:pPr>
+            <a:endParaRPr lang="ru-RU" altLang="ru-RU" sz="2000" dirty="0">
+              <a:sym typeface="Wingdings" panose="05000000000000000000" pitchFamily="2" charset="2"/>
+            </a:endParaRPr>
+          </a:p>
+        </p:txBody>
+      </p:sp>
+    </p:spTree>
+    <p:extLst>
+      <p:ext uri="{BB962C8B-B14F-4D97-AF65-F5344CB8AC3E}">
+        <p14:creationId xmlns:p14="http://schemas.microsoft.com/office/powerpoint/2010/main" val="1715075230"/>
+      </p:ext>
+    </p:extLst>
+  </p:cSld>
+  <p:clrMapOvr>
+    <a:masterClrMapping/>
+  </p:clrMapOvr>
+  <p:transition spd="slow">
+    <p:push dir="u"/>
+  </p:transition>
+</p:sld>
+</file>
+
+<file path=ppt/slides/slide13.xml><?xml version="1.0" encoding="utf-8"?>
+<p:sld xmlns:a="http://schemas.openxmlformats.org/drawingml/2006/main" xmlns:r="http://schemas.openxmlformats.org/officeDocument/2006/relationships" xmlns:p="http://schemas.openxmlformats.org/presentationml/2006/main">
+  <p:cSld>
+    <p:spTree>
+      <p:nvGrpSpPr>
+        <p:cNvPr id="1" name=""/>
+        <p:cNvGrpSpPr/>
+        <p:nvPr/>
+      </p:nvGrpSpPr>
+      <p:grpSpPr>
+        <a:xfrm>
+          <a:off x="0" y="0"/>
+          <a:ext cx="0" cy="0"/>
+          <a:chOff x="0" y="0"/>
+          <a:chExt cx="0" cy="0"/>
+        </a:xfrm>
+      </p:grpSpPr>
+      <p:sp>
+        <p:nvSpPr>
+          <p:cNvPr id="2" name="Заголовок 1">
+            <a:extLst>
+              <a:ext uri="{FF2B5EF4-FFF2-40B4-BE49-F238E27FC236}">
+                <a16:creationId xmlns:a16="http://schemas.microsoft.com/office/drawing/2014/main" id="{5CE88F6D-BB8D-5C18-B5B2-56A86506B9EF}"/>
+              </a:ext>
+            </a:extLst>
+          </p:cNvPr>
+          <p:cNvSpPr>
+            <a:spLocks noGrp="1"/>
+          </p:cNvSpPr>
+          <p:nvPr>
+            <p:ph type="title"/>
+          </p:nvPr>
+        </p:nvSpPr>
+        <p:spPr/>
+        <p:txBody>
+          <a:bodyPr/>
+          <a:lstStyle/>
+          <a:p>
+            <a:r>
+              <a:rPr lang="ru-RU" dirty="0"/>
+              <a:t>Умножение длинных чисел</a:t>
+            </a:r>
+          </a:p>
+        </p:txBody>
+      </p:sp>
+      <p:sp>
+        <p:nvSpPr>
+          <p:cNvPr id="3" name="Объект 2">
+            <a:extLst>
+              <a:ext uri="{FF2B5EF4-FFF2-40B4-BE49-F238E27FC236}">
+                <a16:creationId xmlns:a16="http://schemas.microsoft.com/office/drawing/2014/main" id="{310AFAAC-C123-C670-C9C2-30430914ED84}"/>
+              </a:ext>
+            </a:extLst>
+          </p:cNvPr>
+          <p:cNvSpPr>
+            <a:spLocks noGrp="1"/>
+          </p:cNvSpPr>
+          <p:nvPr>
+            <p:ph idx="1"/>
+          </p:nvPr>
+        </p:nvSpPr>
+        <p:spPr/>
+        <p:txBody>
+          <a:bodyPr/>
+          <a:lstStyle/>
+          <a:p>
+            <a:pPr marL="0" indent="0">
+              <a:buNone/>
+            </a:pPr>
+            <a:r>
+              <a:rPr lang="ru-RU" dirty="0"/>
+              <a:t>Для эффективного умножения используется алгоритм быстрого преобразования Фурье,  позволяющий перемножать числа за время </a:t>
+            </a:r>
+            <a:r>
+              <a:rPr lang="en-US" i="1" dirty="0"/>
+              <a:t>O(n*log n).</a:t>
+            </a:r>
+            <a:endParaRPr lang="ru-RU" i="1" dirty="0"/>
+          </a:p>
+        </p:txBody>
+      </p:sp>
+      <p:pic>
+        <p:nvPicPr>
+          <p:cNvPr id="4" name="Picture 4">
+            <a:extLst>
+              <a:ext uri="{FF2B5EF4-FFF2-40B4-BE49-F238E27FC236}">
+                <a16:creationId xmlns:a16="http://schemas.microsoft.com/office/drawing/2014/main" id="{0B83D84F-861A-4EDA-BF3C-96CB17ECE9C5}"/>
+              </a:ext>
+            </a:extLst>
+          </p:cNvPr>
+          <p:cNvPicPr>
+            <a:picLocks noChangeAspect="1" noChangeArrowheads="1"/>
+          </p:cNvPicPr>
+          <p:nvPr/>
+        </p:nvPicPr>
+        <p:blipFill>
+          <a:blip r:embed="rId2">
+            <a:extLst>
+              <a:ext uri="{BEBA8EAE-BF5A-486C-A8C5-ECC9F3942E4B}">
+                <a14:imgProps xmlns:a14="http://schemas.microsoft.com/office/drawing/2010/main">
+                  <a14:imgLayer r:embed="rId3">
+                    <a14:imgEffect>
+                      <a14:backgroundRemoval t="10000" b="90000" l="10000" r="90000"/>
+                    </a14:imgEffect>
+                  </a14:imgLayer>
+                </a14:imgProps>
+              </a:ext>
+              <a:ext uri="{28A0092B-C50C-407E-A947-70E740481C1C}">
+                <a14:useLocalDpi xmlns:a14="http://schemas.microsoft.com/office/drawing/2010/main" val="0"/>
+              </a:ext>
+            </a:extLst>
+          </a:blip>
+          <a:srcRect/>
+          <a:stretch>
+            <a:fillRect/>
+          </a:stretch>
+        </p:blipFill>
+        <p:spPr bwMode="auto">
+          <a:xfrm>
+            <a:off x="0" y="5952066"/>
+            <a:ext cx="905934" cy="905934"/>
+          </a:xfrm>
+          <a:prstGeom prst="rect">
+            <a:avLst/>
+          </a:prstGeom>
+          <a:noFill/>
+          <a:extLst>
+            <a:ext uri="{909E8E84-426E-40DD-AFC4-6F175D3DCCD1}">
+              <a14:hiddenFill xmlns:a14="http://schemas.microsoft.com/office/drawing/2010/main">
+                <a:solidFill>
+                  <a:srgbClr val="FFFFFF"/>
+                </a:solidFill>
+              </a14:hiddenFill>
+            </a:ext>
+          </a:extLst>
+        </p:spPr>
+      </p:pic>
+      <p:sp>
+        <p:nvSpPr>
+          <p:cNvPr id="5" name="Номер слайда 4">
+            <a:extLst>
+              <a:ext uri="{FF2B5EF4-FFF2-40B4-BE49-F238E27FC236}">
+                <a16:creationId xmlns:a16="http://schemas.microsoft.com/office/drawing/2014/main" id="{CA7A3DD2-2F5E-D538-0E56-437F8E4E3427}"/>
+              </a:ext>
+            </a:extLst>
+          </p:cNvPr>
+          <p:cNvSpPr>
+            <a:spLocks noGrp="1"/>
+          </p:cNvSpPr>
+          <p:nvPr>
+            <p:ph type="sldNum" sz="quarter" idx="12"/>
+          </p:nvPr>
+        </p:nvSpPr>
+        <p:spPr/>
+        <p:txBody>
+          <a:bodyPr/>
+          <a:lstStyle/>
+          <a:p>
+            <a:fld id="{856911BC-71D3-44B2-952E-7B925F4E2A13}" type="slidenum">
+              <a:rPr lang="ru-RU" sz="2800" b="1" smtClean="0"/>
+              <a:t>13</a:t>
+            </a:fld>
+            <a:endParaRPr lang="ru-RU" sz="2800" b="1" dirty="0"/>
           </a:p>
         </p:txBody>
       </p:sp>
@@ -5301,7 +6395,7 @@
 </p:sld>
 </file>
 
-<file path=ppt/slides/slide13.xml><?xml version="1.0" encoding="utf-8"?>
+<file path=ppt/slides/slide14.xml><?xml version="1.0" encoding="utf-8"?>
 <p:sld xmlns:a="http://schemas.openxmlformats.org/drawingml/2006/main" xmlns:r="http://schemas.openxmlformats.org/officeDocument/2006/relationships" xmlns:p="http://schemas.openxmlformats.org/presentationml/2006/main">
   <p:cSld>
     <p:spTree>
@@ -5323,7 +6417,7 @@
           <p:cNvPr id="2" name="Заголовок 1">
             <a:extLst>
               <a:ext uri="{FF2B5EF4-FFF2-40B4-BE49-F238E27FC236}">
-                <a16:creationId xmlns:a16="http://schemas.microsoft.com/office/drawing/2014/main" id="{28CC594D-815A-7496-3DCE-8CB5F38F488A}"/>
+                <a16:creationId xmlns:a16="http://schemas.microsoft.com/office/drawing/2014/main" id="{90133BCC-17C7-0DDD-412B-17975800A36D}"/>
               </a:ext>
             </a:extLst>
           </p:cNvPr>
@@ -5341,7 +6435,7 @@
           <a:p>
             <a:r>
               <a:rPr lang="ru-RU" dirty="0"/>
-              <a:t>Деление длинных чисел</a:t>
+              <a:t>Формальное описание БПФ</a:t>
             </a:r>
           </a:p>
         </p:txBody>
@@ -5351,7 +6445,7 @@
           <p:cNvPr id="3" name="Объект 2">
             <a:extLst>
               <a:ext uri="{FF2B5EF4-FFF2-40B4-BE49-F238E27FC236}">
-                <a16:creationId xmlns:a16="http://schemas.microsoft.com/office/drawing/2014/main" id="{8FC24F2B-7C0E-B00C-57CE-CD3D35F2900C}"/>
+                <a16:creationId xmlns:a16="http://schemas.microsoft.com/office/drawing/2014/main" id="{5B3627D5-B089-8ADE-5629-0CD8CDECC400}"/>
               </a:ext>
             </a:extLst>
           </p:cNvPr>
@@ -5362,6 +6456,304 @@
             <p:ph idx="1"/>
           </p:nvPr>
         </p:nvSpPr>
+        <p:spPr>
+          <a:xfrm>
+            <a:off x="838200" y="1825625"/>
+            <a:ext cx="5619133" cy="4351338"/>
+          </a:xfrm>
+        </p:spPr>
+        <p:txBody>
+          <a:bodyPr>
+            <a:normAutofit/>
+          </a:bodyPr>
+          <a:lstStyle/>
+          <a:p>
+            <a:pPr>
+              <a:buFont typeface="Calibri" panose="020F0502020204030204" pitchFamily="34" charset="0"/>
+              <a:buChar char="⁻"/>
+            </a:pPr>
+            <a:r>
+              <a:rPr lang="ru-RU" sz="1800" dirty="0"/>
+              <a:t>Алгоритм БПФ для чисел с суммарной длинной </a:t>
+            </a:r>
+            <a:r>
+              <a:rPr lang="en-US" sz="1800" i="1" dirty="0"/>
+              <a:t> 8</a:t>
+            </a:r>
+          </a:p>
+          <a:p>
+            <a:pPr>
+              <a:buFont typeface="Calibri" panose="020F0502020204030204" pitchFamily="34" charset="0"/>
+              <a:buChar char="⁻"/>
+            </a:pPr>
+            <a:r>
+              <a:rPr lang="en-US" sz="1800" dirty="0"/>
+              <a:t>“</a:t>
+            </a:r>
+            <a:r>
+              <a:rPr lang="ru-RU" sz="1800" dirty="0" err="1"/>
+              <a:t>Op</a:t>
+            </a:r>
+            <a:r>
+              <a:rPr lang="ru-RU" sz="1800" dirty="0"/>
+              <a:t>+</a:t>
+            </a:r>
+            <a:r>
+              <a:rPr lang="en-US" sz="1800" dirty="0"/>
+              <a:t>”</a:t>
+            </a:r>
+            <a:r>
+              <a:rPr lang="ru-RU" sz="1800" dirty="0"/>
+              <a:t> - операция сложения двух комплексных чисел</a:t>
+            </a:r>
+          </a:p>
+          <a:p>
+            <a:pPr>
+              <a:buFont typeface="Calibri" panose="020F0502020204030204" pitchFamily="34" charset="0"/>
+              <a:buChar char="⁻"/>
+            </a:pPr>
+            <a:r>
+              <a:rPr lang="en-US" sz="1800" dirty="0"/>
+              <a:t>“</a:t>
+            </a:r>
+            <a:r>
+              <a:rPr lang="ru-RU" sz="1800" dirty="0" err="1"/>
+              <a:t>Op</a:t>
+            </a:r>
+            <a:r>
+              <a:rPr lang="ru-RU" sz="1800" dirty="0"/>
+              <a:t>-</a:t>
+            </a:r>
+            <a:r>
+              <a:rPr lang="en-US" sz="1800" dirty="0"/>
+              <a:t>”</a:t>
+            </a:r>
+            <a:r>
+              <a:rPr lang="ru-RU" sz="1800" dirty="0"/>
+              <a:t> - операция вычитания двух комплексных чисел и умножения результата вычитания на комплексное число</a:t>
+            </a:r>
+          </a:p>
+          <a:p>
+            <a:pPr>
+              <a:buFont typeface="Calibri" panose="020F0502020204030204" pitchFamily="34" charset="0"/>
+              <a:buChar char="⁻"/>
+            </a:pPr>
+            <a:r>
+              <a:rPr lang="ru-RU" sz="1800" dirty="0"/>
+              <a:t>В последнем столбце операции умножения не производится.</a:t>
+            </a:r>
+          </a:p>
+        </p:txBody>
+      </p:sp>
+      <p:sp>
+        <p:nvSpPr>
+          <p:cNvPr id="4" name="Номер слайда 3">
+            <a:extLst>
+              <a:ext uri="{FF2B5EF4-FFF2-40B4-BE49-F238E27FC236}">
+                <a16:creationId xmlns:a16="http://schemas.microsoft.com/office/drawing/2014/main" id="{C5F4131F-ABCE-2E1A-79D0-3B95DB0FB883}"/>
+              </a:ext>
+            </a:extLst>
+          </p:cNvPr>
+          <p:cNvSpPr>
+            <a:spLocks noGrp="1"/>
+          </p:cNvSpPr>
+          <p:nvPr>
+            <p:ph type="sldNum" sz="quarter" idx="12"/>
+          </p:nvPr>
+        </p:nvSpPr>
+        <p:spPr/>
+        <p:txBody>
+          <a:bodyPr/>
+          <a:lstStyle/>
+          <a:p>
+            <a:fld id="{856911BC-71D3-44B2-952E-7B925F4E2A13}" type="slidenum">
+              <a:rPr lang="ru-RU" sz="2800" b="1" smtClean="0"/>
+              <a:t>14</a:t>
+            </a:fld>
+            <a:endParaRPr lang="ru-RU" sz="2800" b="1" dirty="0"/>
+          </a:p>
+        </p:txBody>
+      </p:sp>
+      <p:pic>
+        <p:nvPicPr>
+          <p:cNvPr id="5" name="Picture 2">
+            <a:extLst>
+              <a:ext uri="{FF2B5EF4-FFF2-40B4-BE49-F238E27FC236}">
+                <a16:creationId xmlns:a16="http://schemas.microsoft.com/office/drawing/2014/main" id="{2B5CBA92-DA19-408E-B1D5-C86E447EA416}"/>
+              </a:ext>
+            </a:extLst>
+          </p:cNvPr>
+          <p:cNvPicPr>
+            <a:picLocks noChangeAspect="1" noChangeArrowheads="1"/>
+          </p:cNvPicPr>
+          <p:nvPr/>
+        </p:nvPicPr>
+        <p:blipFill>
+          <a:blip r:embed="rId2">
+            <a:extLst>
+              <a:ext uri="{28A0092B-C50C-407E-A947-70E740481C1C}">
+                <a14:useLocalDpi xmlns:a14="http://schemas.microsoft.com/office/drawing/2010/main" val="0"/>
+              </a:ext>
+            </a:extLst>
+          </a:blip>
+          <a:srcRect/>
+          <a:stretch>
+            <a:fillRect/>
+          </a:stretch>
+        </p:blipFill>
+        <p:spPr bwMode="auto">
+          <a:xfrm>
+            <a:off x="6173935" y="1385269"/>
+            <a:ext cx="5619133" cy="5013944"/>
+          </a:xfrm>
+          <a:prstGeom prst="rect">
+            <a:avLst/>
+          </a:prstGeom>
+          <a:noFill/>
+          <a:extLst>
+            <a:ext uri="{909E8E84-426E-40DD-AFC4-6F175D3DCCD1}">
+              <a14:hiddenFill xmlns:a14="http://schemas.microsoft.com/office/drawing/2010/main">
+                <a:solidFill>
+                  <a:srgbClr val="FFFFFF"/>
+                </a:solidFill>
+              </a14:hiddenFill>
+            </a:ext>
+          </a:extLst>
+        </p:spPr>
+      </p:pic>
+      <p:pic>
+        <p:nvPicPr>
+          <p:cNvPr id="6" name="Picture 4">
+            <a:extLst>
+              <a:ext uri="{FF2B5EF4-FFF2-40B4-BE49-F238E27FC236}">
+                <a16:creationId xmlns:a16="http://schemas.microsoft.com/office/drawing/2014/main" id="{93EFD955-790F-4987-B7F5-51A3651C3C86}"/>
+              </a:ext>
+            </a:extLst>
+          </p:cNvPr>
+          <p:cNvPicPr>
+            <a:picLocks noChangeAspect="1" noChangeArrowheads="1"/>
+          </p:cNvPicPr>
+          <p:nvPr/>
+        </p:nvPicPr>
+        <p:blipFill>
+          <a:blip r:embed="rId3">
+            <a:extLst>
+              <a:ext uri="{BEBA8EAE-BF5A-486C-A8C5-ECC9F3942E4B}">
+                <a14:imgProps xmlns:a14="http://schemas.microsoft.com/office/drawing/2010/main">
+                  <a14:imgLayer r:embed="rId4">
+                    <a14:imgEffect>
+                      <a14:backgroundRemoval t="10000" b="90000" l="10000" r="90000"/>
+                    </a14:imgEffect>
+                  </a14:imgLayer>
+                </a14:imgProps>
+              </a:ext>
+              <a:ext uri="{28A0092B-C50C-407E-A947-70E740481C1C}">
+                <a14:useLocalDpi xmlns:a14="http://schemas.microsoft.com/office/drawing/2010/main" val="0"/>
+              </a:ext>
+            </a:extLst>
+          </a:blip>
+          <a:srcRect/>
+          <a:stretch>
+            <a:fillRect/>
+          </a:stretch>
+        </p:blipFill>
+        <p:spPr bwMode="auto">
+          <a:xfrm>
+            <a:off x="0" y="5952066"/>
+            <a:ext cx="905934" cy="905934"/>
+          </a:xfrm>
+          <a:prstGeom prst="rect">
+            <a:avLst/>
+          </a:prstGeom>
+          <a:noFill/>
+          <a:extLst>
+            <a:ext uri="{909E8E84-426E-40DD-AFC4-6F175D3DCCD1}">
+              <a14:hiddenFill xmlns:a14="http://schemas.microsoft.com/office/drawing/2010/main">
+                <a:solidFill>
+                  <a:srgbClr val="FFFFFF"/>
+                </a:solidFill>
+              </a14:hiddenFill>
+            </a:ext>
+          </a:extLst>
+        </p:spPr>
+      </p:pic>
+    </p:spTree>
+    <p:extLst>
+      <p:ext uri="{BB962C8B-B14F-4D97-AF65-F5344CB8AC3E}">
+        <p14:creationId xmlns:p14="http://schemas.microsoft.com/office/powerpoint/2010/main" val="1460819974"/>
+      </p:ext>
+    </p:extLst>
+  </p:cSld>
+  <p:clrMapOvr>
+    <a:masterClrMapping/>
+  </p:clrMapOvr>
+  <p:transition spd="slow">
+    <p:push dir="u"/>
+  </p:transition>
+</p:sld>
+</file>
+
+<file path=ppt/slides/slide15.xml><?xml version="1.0" encoding="utf-8"?>
+<p:sld xmlns:a="http://schemas.openxmlformats.org/drawingml/2006/main" xmlns:r="http://schemas.openxmlformats.org/officeDocument/2006/relationships" xmlns:p="http://schemas.openxmlformats.org/presentationml/2006/main">
+  <p:cSld>
+    <p:spTree>
+      <p:nvGrpSpPr>
+        <p:cNvPr id="1" name=""/>
+        <p:cNvGrpSpPr/>
+        <p:nvPr/>
+      </p:nvGrpSpPr>
+      <p:grpSpPr>
+        <a:xfrm>
+          <a:off x="0" y="0"/>
+          <a:ext cx="0" cy="0"/>
+          <a:chOff x="0" y="0"/>
+          <a:chExt cx="0" cy="0"/>
+        </a:xfrm>
+      </p:grpSpPr>
+      <p:sp>
+        <p:nvSpPr>
+          <p:cNvPr id="2" name="Заголовок 1">
+            <a:extLst>
+              <a:ext uri="{FF2B5EF4-FFF2-40B4-BE49-F238E27FC236}">
+                <a16:creationId xmlns:a16="http://schemas.microsoft.com/office/drawing/2014/main" id="{28CC594D-815A-7496-3DCE-8CB5F38F488A}"/>
+              </a:ext>
+            </a:extLst>
+          </p:cNvPr>
+          <p:cNvSpPr>
+            <a:spLocks noGrp="1"/>
+          </p:cNvSpPr>
+          <p:nvPr>
+            <p:ph type="title"/>
+          </p:nvPr>
+        </p:nvSpPr>
+        <p:spPr/>
+        <p:txBody>
+          <a:bodyPr/>
+          <a:lstStyle/>
+          <a:p>
+            <a:r>
+              <a:rPr lang="ru-RU" dirty="0"/>
+              <a:t>Деление длинных чисел</a:t>
+            </a:r>
+          </a:p>
+        </p:txBody>
+      </p:sp>
+      <p:sp>
+        <p:nvSpPr>
+          <p:cNvPr id="3" name="Объект 2">
+            <a:extLst>
+              <a:ext uri="{FF2B5EF4-FFF2-40B4-BE49-F238E27FC236}">
+                <a16:creationId xmlns:a16="http://schemas.microsoft.com/office/drawing/2014/main" id="{8FC24F2B-7C0E-B00C-57CE-CD3D35F2900C}"/>
+              </a:ext>
+            </a:extLst>
+          </p:cNvPr>
+          <p:cNvSpPr>
+            <a:spLocks noGrp="1"/>
+          </p:cNvSpPr>
+          <p:nvPr>
+            <p:ph idx="1"/>
+          </p:nvPr>
+        </p:nvSpPr>
         <p:spPr/>
         <p:txBody>
           <a:bodyPr/>
@@ -5372,8 +6764,37 @@
             </a:pPr>
             <a:r>
               <a:rPr lang="ru-RU" dirty="0"/>
-              <a:t>Для деления используется школьный алгоритм деления в столбик</a:t>
-            </a:r>
+              <a:t>Используется </a:t>
+            </a:r>
+            <a:r>
+              <a:rPr lang="en-US" dirty="0"/>
+              <a:t>“</a:t>
+            </a:r>
+            <a:r>
+              <a:rPr lang="ru-RU" dirty="0"/>
+              <a:t>школьный</a:t>
+            </a:r>
+            <a:r>
+              <a:rPr lang="en-US" dirty="0"/>
+              <a:t>”</a:t>
+            </a:r>
+            <a:r>
+              <a:rPr lang="ru-RU" dirty="0"/>
+              <a:t> алгоритм деления в </a:t>
+            </a:r>
+            <a:r>
+              <a:rPr lang="en-US" dirty="0"/>
+              <a:t>“</a:t>
+            </a:r>
+            <a:r>
+              <a:rPr lang="ru-RU" dirty="0"/>
+              <a:t>столбик</a:t>
+            </a:r>
+            <a:r>
+              <a:rPr lang="en-US" dirty="0"/>
+              <a:t>”</a:t>
+            </a:r>
+            <a:endParaRPr lang="ru-RU" dirty="0"/>
           </a:p>
         </p:txBody>
       </p:sp>
@@ -5447,7 +6868,7 @@
         </p:nvSpPr>
         <p:spPr>
           <a:xfrm>
-            <a:off x="5630779" y="2608220"/>
+            <a:off x="8610600" y="2608220"/>
             <a:ext cx="2454442" cy="2786147"/>
           </a:xfrm>
           <a:prstGeom prst="rect">
@@ -5929,10 +7350,171 @@
           <a:lstStyle/>
           <a:p>
             <a:fld id="{856911BC-71D3-44B2-952E-7B925F4E2A13}" type="slidenum">
-              <a:rPr lang="ru-RU" smtClean="0"/>
-              <a:t>13</a:t>
+              <a:rPr lang="ru-RU" sz="2800" b="1" smtClean="0"/>
+              <a:t>15</a:t>
             </a:fld>
-            <a:endParaRPr lang="ru-RU"/>
+            <a:endParaRPr lang="ru-RU" sz="2800" b="1" dirty="0"/>
+          </a:p>
+        </p:txBody>
+      </p:sp>
+      <p:sp>
+        <p:nvSpPr>
+          <p:cNvPr id="6" name="TextBox 5">
+            <a:extLst>
+              <a:ext uri="{FF2B5EF4-FFF2-40B4-BE49-F238E27FC236}">
+                <a16:creationId xmlns:a16="http://schemas.microsoft.com/office/drawing/2014/main" id="{F6680D89-C7A1-9FED-5FDC-6C9CAF709F65}"/>
+              </a:ext>
+            </a:extLst>
+          </p:cNvPr>
+          <p:cNvSpPr txBox="1"/>
+          <p:nvPr/>
+        </p:nvSpPr>
+        <p:spPr>
+          <a:xfrm>
+            <a:off x="806617" y="2608220"/>
+            <a:ext cx="7515225" cy="2542363"/>
+          </a:xfrm>
+          <a:prstGeom prst="rect">
+            <a:avLst/>
+          </a:prstGeom>
+          <a:noFill/>
+        </p:spPr>
+        <p:txBody>
+          <a:bodyPr wrap="square" rtlCol="0">
+            <a:spAutoFit/>
+          </a:bodyPr>
+          <a:lstStyle/>
+          <a:p>
+            <a:pPr marL="342900" indent="-342900">
+              <a:lnSpc>
+                <a:spcPct val="70000"/>
+              </a:lnSpc>
+              <a:spcBef>
+                <a:spcPct val="50000"/>
+              </a:spcBef>
+              <a:buClr>
+                <a:schemeClr val="tx1"/>
+              </a:buClr>
+              <a:buFont typeface="+mj-lt"/>
+              <a:buAutoNum type="arabicPeriod"/>
+            </a:pPr>
+            <a:r>
+              <a:rPr lang="ru-RU" altLang="ru-RU" dirty="0">
+                <a:sym typeface="Wingdings" panose="05000000000000000000" pitchFamily="2" charset="2"/>
+              </a:rPr>
+              <a:t>Формируем начальное число из цифр делимого. Его длина на цифру меньше длины делителя </a:t>
+            </a:r>
+            <a:endParaRPr lang="en-US" altLang="ru-RU" dirty="0">
+              <a:sym typeface="Wingdings" panose="05000000000000000000" pitchFamily="2" charset="2"/>
+            </a:endParaRPr>
+          </a:p>
+          <a:p>
+            <a:pPr marL="342900" indent="-342900">
+              <a:lnSpc>
+                <a:spcPct val="70000"/>
+              </a:lnSpc>
+              <a:spcBef>
+                <a:spcPct val="50000"/>
+              </a:spcBef>
+              <a:buClr>
+                <a:schemeClr val="tx1"/>
+              </a:buClr>
+              <a:buFont typeface="+mj-lt"/>
+              <a:buAutoNum type="arabicPeriod"/>
+            </a:pPr>
+            <a:r>
+              <a:rPr lang="ru-RU" altLang="ru-RU" dirty="0">
+                <a:sym typeface="Wingdings" panose="05000000000000000000" pitchFamily="2" charset="2"/>
+              </a:rPr>
+              <a:t>Пока есть цифра делимого, которая сносится в последний разряд текущего делимого:</a:t>
+            </a:r>
+          </a:p>
+          <a:p>
+            <a:pPr lvl="1">
+              <a:lnSpc>
+                <a:spcPct val="70000"/>
+              </a:lnSpc>
+              <a:spcBef>
+                <a:spcPct val="50000"/>
+              </a:spcBef>
+              <a:buClr>
+                <a:schemeClr val="tx1"/>
+              </a:buClr>
+            </a:pPr>
+            <a:r>
+              <a:rPr lang="ru-RU" altLang="ru-RU" dirty="0">
+                <a:sym typeface="Wingdings" panose="05000000000000000000" pitchFamily="2" charset="2"/>
+              </a:rPr>
+              <a:t> 2.1 Сносим цифру в последний разряд текущего делимого</a:t>
+            </a:r>
+          </a:p>
+          <a:p>
+            <a:pPr lvl="1">
+              <a:lnSpc>
+                <a:spcPct val="70000"/>
+              </a:lnSpc>
+              <a:spcBef>
+                <a:spcPct val="50000"/>
+              </a:spcBef>
+              <a:buClr>
+                <a:schemeClr val="tx1"/>
+              </a:buClr>
+            </a:pPr>
+            <a:r>
+              <a:rPr lang="ru-RU" altLang="ru-RU" dirty="0">
+                <a:sym typeface="Wingdings" panose="05000000000000000000" pitchFamily="2" charset="2"/>
+              </a:rPr>
+              <a:t> 2.2 Бинарным поиском подбираем цифру частного</a:t>
+            </a:r>
+          </a:p>
+          <a:p>
+            <a:pPr lvl="1">
+              <a:lnSpc>
+                <a:spcPct val="70000"/>
+              </a:lnSpc>
+              <a:spcBef>
+                <a:spcPct val="50000"/>
+              </a:spcBef>
+              <a:buClr>
+                <a:schemeClr val="tx1"/>
+              </a:buClr>
+            </a:pPr>
+            <a:r>
+              <a:rPr lang="ru-RU" altLang="ru-RU" dirty="0">
+                <a:sym typeface="Wingdings" panose="05000000000000000000" pitchFamily="2" charset="2"/>
+              </a:rPr>
+              <a:t> 2.3 Вычисляем произведение делителя на подобранную цифру</a:t>
+            </a:r>
+          </a:p>
+          <a:p>
+            <a:pPr lvl="1">
+              <a:lnSpc>
+                <a:spcPct val="70000"/>
+              </a:lnSpc>
+              <a:spcBef>
+                <a:spcPct val="50000"/>
+              </a:spcBef>
+              <a:buClr>
+                <a:schemeClr val="tx1"/>
+              </a:buClr>
+            </a:pPr>
+            <a:r>
+              <a:rPr lang="ru-RU" altLang="ru-RU" dirty="0">
+                <a:sym typeface="Wingdings" panose="05000000000000000000" pitchFamily="2" charset="2"/>
+              </a:rPr>
+              <a:t> 2.4Вычисляем разность текущего делимого и произведения.</a:t>
+            </a:r>
+            <a:br>
+              <a:rPr lang="ru-RU" altLang="ru-RU" dirty="0">
+                <a:sym typeface="Wingdings" panose="05000000000000000000" pitchFamily="2" charset="2"/>
+              </a:rPr>
+            </a:br>
+            <a:r>
+              <a:rPr lang="ru-RU" altLang="ru-RU" dirty="0">
+                <a:sym typeface="Wingdings" panose="05000000000000000000" pitchFamily="2" charset="2"/>
+              </a:rPr>
+              <a:t>       Это есть новое делимое</a:t>
+            </a:r>
           </a:p>
         </p:txBody>
       </p:sp>
@@ -5952,7 +7534,7 @@
 </p:sld>
 </file>
 
-<file path=ppt/slides/slide14.xml><?xml version="1.0" encoding="utf-8"?>
+<file path=ppt/slides/slide16.xml><?xml version="1.0" encoding="utf-8"?>
 <p:sld xmlns:a="http://schemas.openxmlformats.org/drawingml/2006/main" xmlns:r="http://schemas.openxmlformats.org/officeDocument/2006/relationships" xmlns:p="http://schemas.openxmlformats.org/presentationml/2006/main">
   <p:cSld>
     <p:spTree>
@@ -5974,7 +7556,7 @@
           <p:cNvPr id="2" name="Заголовок 1">
             <a:extLst>
               <a:ext uri="{FF2B5EF4-FFF2-40B4-BE49-F238E27FC236}">
-                <a16:creationId xmlns:a16="http://schemas.microsoft.com/office/drawing/2014/main" id="{51527F10-3597-6880-BCD8-6B0928353762}"/>
+                <a16:creationId xmlns:a16="http://schemas.microsoft.com/office/drawing/2014/main" id="{BE74FC7A-0A37-6507-691F-F5EC579C8465}"/>
               </a:ext>
             </a:extLst>
           </p:cNvPr>
@@ -5985,16 +7567,20 @@
             <p:ph type="title"/>
           </p:nvPr>
         </p:nvSpPr>
-        <p:spPr/>
+        <p:spPr>
+          <a:xfrm>
+            <a:off x="838200" y="0"/>
+            <a:ext cx="10515600" cy="1325563"/>
+          </a:xfrm>
+        </p:spPr>
         <p:txBody>
           <a:bodyPr/>
           <a:lstStyle/>
           <a:p>
             <a:r>
-              <a:rPr lang="ru-RU" sz="4400" dirty="0"/>
-              <a:t>Заключение</a:t>
-            </a:r>
-            <a:endParaRPr lang="ru-RU" dirty="0"/>
+              <a:rPr lang="ru-RU" dirty="0"/>
+              <a:t>Тестирование</a:t>
+            </a:r>
           </a:p>
         </p:txBody>
       </p:sp>
@@ -6003,7 +7589,7 @@
           <p:cNvPr id="3" name="Объект 2">
             <a:extLst>
               <a:ext uri="{FF2B5EF4-FFF2-40B4-BE49-F238E27FC236}">
-                <a16:creationId xmlns:a16="http://schemas.microsoft.com/office/drawing/2014/main" id="{95E6130E-6E7E-D515-E7F6-FB49188FE421}"/>
+                <a16:creationId xmlns:a16="http://schemas.microsoft.com/office/drawing/2014/main" id="{D3356601-8584-1A06-EC46-2ABB5AA032E4}"/>
               </a:ext>
             </a:extLst>
           </p:cNvPr>
@@ -6014,73 +7600,166 @@
             <p:ph idx="1"/>
           </p:nvPr>
         </p:nvSpPr>
-        <p:spPr/>
-        <p:txBody>
-          <a:bodyPr/>
+        <p:spPr>
+          <a:xfrm>
+            <a:off x="838200" y="1024731"/>
+            <a:ext cx="10925175" cy="4351338"/>
+          </a:xfrm>
+        </p:spPr>
+        <p:txBody>
+          <a:bodyPr>
+            <a:normAutofit/>
+          </a:bodyPr>
           <a:lstStyle/>
           <a:p>
             <a:pPr marL="0" indent="0">
               <a:buNone/>
             </a:pPr>
             <a:r>
-              <a:rPr lang="ru-RU" sz="2800" dirty="0"/>
-              <a:t>В ходе изучения структуры эффективная длинная арифметика были реализованы операции:</a:t>
-            </a:r>
-          </a:p>
-          <a:p>
-            <a:pPr marL="742950" lvl="1" indent="-285750">
-              <a:buFont typeface="Wingdings" panose="05000000000000000000" pitchFamily="2" charset="2"/>
-              <a:buChar char="§"/>
-            </a:pPr>
-            <a:r>
-              <a:rPr lang="ru-RU" sz="2800" dirty="0"/>
-              <a:t>Сложения</a:t>
-            </a:r>
-          </a:p>
-          <a:p>
-            <a:pPr marL="742950" lvl="1" indent="-285750">
-              <a:buFont typeface="Wingdings" panose="05000000000000000000" pitchFamily="2" charset="2"/>
-              <a:buChar char="§"/>
-            </a:pPr>
-            <a:r>
-              <a:rPr lang="ru-RU" sz="2800" dirty="0"/>
-              <a:t>Вычитания</a:t>
-            </a:r>
-          </a:p>
-          <a:p>
-            <a:pPr marL="742950" lvl="1" indent="-285750">
-              <a:buFont typeface="Wingdings" panose="05000000000000000000" pitchFamily="2" charset="2"/>
-              <a:buChar char="§"/>
-            </a:pPr>
-            <a:r>
-              <a:rPr lang="ru-RU" sz="2800" dirty="0"/>
-              <a:t>Умножения</a:t>
-            </a:r>
-          </a:p>
-          <a:p>
-            <a:pPr marL="742950" lvl="1" indent="-285750">
-              <a:buFont typeface="Wingdings" panose="05000000000000000000" pitchFamily="2" charset="2"/>
-              <a:buChar char="§"/>
-            </a:pPr>
-            <a:r>
-              <a:rPr lang="ru-RU" sz="2800" dirty="0"/>
-              <a:t>Деления нацело</a:t>
-            </a:r>
+              <a:rPr lang="ru-RU" sz="2400" dirty="0">
+                <a:solidFill>
+                  <a:srgbClr val="24292F"/>
+                </a:solidFill>
+                <a:latin typeface="-apple-system"/>
+              </a:rPr>
+              <a:t>Для анализа производительности используется библиотека </a:t>
+            </a:r>
+            <a:r>
+              <a:rPr lang="en-US" sz="2400" dirty="0">
+                <a:solidFill>
+                  <a:srgbClr val="24292F"/>
+                </a:solidFill>
+                <a:latin typeface="-apple-system"/>
+              </a:rPr>
+              <a:t>chrono.</a:t>
+            </a:r>
+            <a:endParaRPr lang="ru-RU" sz="2400" dirty="0">
+              <a:solidFill>
+                <a:srgbClr val="24292F"/>
+              </a:solidFill>
+              <a:latin typeface="-apple-system"/>
+            </a:endParaRPr>
           </a:p>
           <a:p>
             <a:pPr marL="0" indent="0">
               <a:buNone/>
             </a:pPr>
-            <a:endParaRPr lang="ru-RU" dirty="0"/>
+            <a:r>
+              <a:rPr lang="ru-RU" sz="2400" dirty="0">
+                <a:solidFill>
+                  <a:srgbClr val="24292F"/>
+                </a:solidFill>
+                <a:latin typeface="-apple-system"/>
+              </a:rPr>
+              <a:t>Для проверки</a:t>
+            </a:r>
+            <a:r>
+              <a:rPr lang="en-US" sz="2400" dirty="0">
+                <a:solidFill>
+                  <a:srgbClr val="24292F"/>
+                </a:solidFill>
+                <a:latin typeface="-apple-system"/>
+              </a:rPr>
+              <a:t> </a:t>
+            </a:r>
+            <a:r>
+              <a:rPr lang="ru-RU" sz="2400" dirty="0">
+                <a:solidFill>
+                  <a:srgbClr val="24292F"/>
+                </a:solidFill>
+                <a:latin typeface="-apple-system"/>
+              </a:rPr>
+              <a:t>корректности вычислений используется ЯП </a:t>
+            </a:r>
+            <a:r>
+              <a:rPr lang="en-US" sz="2400" dirty="0">
+                <a:solidFill>
+                  <a:srgbClr val="24292F"/>
+                </a:solidFill>
+                <a:latin typeface="-apple-system"/>
+              </a:rPr>
+              <a:t>Python</a:t>
+            </a:r>
+            <a:r>
+              <a:rPr lang="ru-RU" sz="2400" dirty="0">
+                <a:solidFill>
+                  <a:srgbClr val="24292F"/>
+                </a:solidFill>
+                <a:latin typeface="-apple-system"/>
+              </a:rPr>
+              <a:t>.</a:t>
+            </a:r>
+          </a:p>
+          <a:p>
+            <a:pPr marL="0" indent="0">
+              <a:buNone/>
+            </a:pPr>
+            <a:r>
+              <a:rPr lang="ru-RU" sz="2400" dirty="0">
+                <a:solidFill>
+                  <a:srgbClr val="24292F"/>
+                </a:solidFill>
+                <a:latin typeface="-apple-system"/>
+              </a:rPr>
+              <a:t>При тестировании используются числа с длинной до 10</a:t>
+            </a:r>
+            <a:r>
+              <a:rPr lang="en-US" sz="2400" dirty="0">
+                <a:solidFill>
+                  <a:srgbClr val="24292F"/>
+                </a:solidFill>
+                <a:latin typeface="-apple-system"/>
+              </a:rPr>
+              <a:t>^7 </a:t>
+            </a:r>
+            <a:r>
+              <a:rPr lang="ru-RU" sz="2400" dirty="0">
+                <a:solidFill>
+                  <a:srgbClr val="24292F"/>
+                </a:solidFill>
+                <a:latin typeface="-apple-system"/>
+              </a:rPr>
+              <a:t>символов.</a:t>
+            </a:r>
+            <a:endParaRPr lang="ru-RU" sz="2400" dirty="0"/>
+          </a:p>
+        </p:txBody>
+      </p:sp>
+      <p:sp>
+        <p:nvSpPr>
+          <p:cNvPr id="4" name="Номер слайда 3">
+            <a:extLst>
+              <a:ext uri="{FF2B5EF4-FFF2-40B4-BE49-F238E27FC236}">
+                <a16:creationId xmlns:a16="http://schemas.microsoft.com/office/drawing/2014/main" id="{5AF05CD9-DC49-13F6-1D66-9DBB0D7C89B9}"/>
+              </a:ext>
+            </a:extLst>
+          </p:cNvPr>
+          <p:cNvSpPr>
+            <a:spLocks noGrp="1"/>
+          </p:cNvSpPr>
+          <p:nvPr>
+            <p:ph type="sldNum" sz="quarter" idx="12"/>
+          </p:nvPr>
+        </p:nvSpPr>
+        <p:spPr/>
+        <p:txBody>
+          <a:bodyPr/>
+          <a:lstStyle/>
+          <a:p>
+            <a:fld id="{856911BC-71D3-44B2-952E-7B925F4E2A13}" type="slidenum">
+              <a:rPr lang="ru-RU" sz="2800" b="1" smtClean="0"/>
+              <a:t>16</a:t>
+            </a:fld>
+            <a:endParaRPr lang="ru-RU" sz="2800" b="1" dirty="0"/>
           </a:p>
         </p:txBody>
       </p:sp>
       <p:pic>
         <p:nvPicPr>
-          <p:cNvPr id="4" name="Picture 4">
-            <a:extLst>
-              <a:ext uri="{FF2B5EF4-FFF2-40B4-BE49-F238E27FC236}">
-                <a16:creationId xmlns:a16="http://schemas.microsoft.com/office/drawing/2014/main" id="{DB893298-E401-D357-F2A4-130D70F283A2}"/>
+          <p:cNvPr id="5" name="Picture 4">
+            <a:extLst>
+              <a:ext uri="{FF2B5EF4-FFF2-40B4-BE49-F238E27FC236}">
+                <a16:creationId xmlns:a16="http://schemas.microsoft.com/office/drawing/2014/main" id="{EA73159B-122E-1622-D07B-AB8DE728C744}"/>
               </a:ext>
             </a:extLst>
           </p:cNvPr>
@@ -6131,12 +7810,168 @@
           </a:extLst>
         </p:spPr>
       </p:pic>
-      <p:sp>
-        <p:nvSpPr>
-          <p:cNvPr id="5" name="Номер слайда 4">
-            <a:extLst>
-              <a:ext uri="{FF2B5EF4-FFF2-40B4-BE49-F238E27FC236}">
-                <a16:creationId xmlns:a16="http://schemas.microsoft.com/office/drawing/2014/main" id="{04B6E45D-D33B-D7B3-B2C7-4D0DF56842F2}"/>
+      <p:pic>
+        <p:nvPicPr>
+          <p:cNvPr id="7" name="Рисунок 6">
+            <a:extLst>
+              <a:ext uri="{FF2B5EF4-FFF2-40B4-BE49-F238E27FC236}">
+                <a16:creationId xmlns:a16="http://schemas.microsoft.com/office/drawing/2014/main" id="{A20DF3FA-6021-3125-1746-F9104B060B7B}"/>
+              </a:ext>
+            </a:extLst>
+          </p:cNvPr>
+          <p:cNvPicPr>
+            <a:picLocks noChangeAspect="1"/>
+          </p:cNvPicPr>
+          <p:nvPr/>
+        </p:nvPicPr>
+        <p:blipFill>
+          <a:blip r:embed="rId4"/>
+          <a:stretch>
+            <a:fillRect/>
+          </a:stretch>
+        </p:blipFill>
+        <p:spPr>
+          <a:xfrm>
+            <a:off x="2331394" y="2842166"/>
+            <a:ext cx="7529212" cy="2164268"/>
+          </a:xfrm>
+          <a:prstGeom prst="rect">
+            <a:avLst/>
+          </a:prstGeom>
+        </p:spPr>
+      </p:pic>
+    </p:spTree>
+    <p:extLst>
+      <p:ext uri="{BB962C8B-B14F-4D97-AF65-F5344CB8AC3E}">
+        <p14:creationId xmlns:p14="http://schemas.microsoft.com/office/powerpoint/2010/main" val="707776180"/>
+      </p:ext>
+    </p:extLst>
+  </p:cSld>
+  <p:clrMapOvr>
+    <a:masterClrMapping/>
+  </p:clrMapOvr>
+  <p:transition spd="slow">
+    <p:push dir="u"/>
+  </p:transition>
+</p:sld>
+</file>
+
+<file path=ppt/slides/slide17.xml><?xml version="1.0" encoding="utf-8"?>
+<p:sld xmlns:a="http://schemas.openxmlformats.org/drawingml/2006/main" xmlns:r="http://schemas.openxmlformats.org/officeDocument/2006/relationships" xmlns:p="http://schemas.openxmlformats.org/presentationml/2006/main">
+  <p:cSld>
+    <p:spTree>
+      <p:nvGrpSpPr>
+        <p:cNvPr id="1" name=""/>
+        <p:cNvGrpSpPr/>
+        <p:nvPr/>
+      </p:nvGrpSpPr>
+      <p:grpSpPr>
+        <a:xfrm>
+          <a:off x="0" y="0"/>
+          <a:ext cx="0" cy="0"/>
+          <a:chOff x="0" y="0"/>
+          <a:chExt cx="0" cy="0"/>
+        </a:xfrm>
+      </p:grpSpPr>
+      <p:sp>
+        <p:nvSpPr>
+          <p:cNvPr id="2" name="Заголовок 1">
+            <a:extLst>
+              <a:ext uri="{FF2B5EF4-FFF2-40B4-BE49-F238E27FC236}">
+                <a16:creationId xmlns:a16="http://schemas.microsoft.com/office/drawing/2014/main" id="{F1F2FC2E-61DD-ADD7-BE6A-6D5F78FFB06F}"/>
+              </a:ext>
+            </a:extLst>
+          </p:cNvPr>
+          <p:cNvSpPr>
+            <a:spLocks noGrp="1"/>
+          </p:cNvSpPr>
+          <p:nvPr>
+            <p:ph type="title"/>
+          </p:nvPr>
+        </p:nvSpPr>
+        <p:spPr/>
+        <p:txBody>
+          <a:bodyPr/>
+          <a:lstStyle/>
+          <a:p>
+            <a:r>
+              <a:rPr lang="ru-RU" i="0" dirty="0">
+                <a:effectLst/>
+              </a:rPr>
+              <a:t>Анализ операции сложения</a:t>
+            </a:r>
+            <a:endParaRPr lang="ru-RU" dirty="0"/>
+          </a:p>
+        </p:txBody>
+      </p:sp>
+      <p:sp>
+        <p:nvSpPr>
+          <p:cNvPr id="3" name="Объект 2">
+            <a:extLst>
+              <a:ext uri="{FF2B5EF4-FFF2-40B4-BE49-F238E27FC236}">
+                <a16:creationId xmlns:a16="http://schemas.microsoft.com/office/drawing/2014/main" id="{EEBD2754-297F-FA67-A22F-84ECC5774E3F}"/>
+              </a:ext>
+            </a:extLst>
+          </p:cNvPr>
+          <p:cNvSpPr>
+            <a:spLocks noGrp="1"/>
+          </p:cNvSpPr>
+          <p:nvPr>
+            <p:ph idx="1"/>
+          </p:nvPr>
+        </p:nvSpPr>
+        <p:spPr/>
+        <p:txBody>
+          <a:bodyPr/>
+          <a:lstStyle/>
+          <a:p>
+            <a:pPr marL="0" indent="0">
+              <a:buNone/>
+            </a:pPr>
+            <a:r>
+              <a:rPr lang="ru-RU" b="0" i="0" dirty="0">
+                <a:solidFill>
+                  <a:srgbClr val="24292F"/>
+                </a:solidFill>
+                <a:effectLst/>
+                <a:latin typeface="-apple-system"/>
+              </a:rPr>
+              <a:t>Экспериментальное время линейное - соответствует теоретической оценке</a:t>
+            </a:r>
+            <a:r>
+              <a:rPr lang="en-US" b="0" i="0" dirty="0">
+                <a:solidFill>
+                  <a:srgbClr val="24292F"/>
+                </a:solidFill>
+                <a:effectLst/>
+                <a:latin typeface="-apple-system"/>
+              </a:rPr>
+              <a:t> </a:t>
+            </a:r>
+            <a:r>
+              <a:rPr lang="en-US" b="0" i="1" dirty="0">
+                <a:solidFill>
+                  <a:srgbClr val="24292F"/>
+                </a:solidFill>
+                <a:effectLst/>
+                <a:latin typeface="Times New Roman" panose="02020603050405020304" pitchFamily="18" charset="0"/>
+                <a:cs typeface="Times New Roman" panose="02020603050405020304" pitchFamily="18" charset="0"/>
+              </a:rPr>
+              <a:t>O(n)</a:t>
+            </a:r>
+            <a:endParaRPr lang="ru-RU" i="1" dirty="0">
+              <a:latin typeface="Times New Roman" panose="02020603050405020304" pitchFamily="18" charset="0"/>
+              <a:cs typeface="Times New Roman" panose="02020603050405020304" pitchFamily="18" charset="0"/>
+            </a:endParaRPr>
+          </a:p>
+        </p:txBody>
+      </p:sp>
+      <p:sp>
+        <p:nvSpPr>
+          <p:cNvPr id="4" name="Номер слайда 3">
+            <a:extLst>
+              <a:ext uri="{FF2B5EF4-FFF2-40B4-BE49-F238E27FC236}">
+                <a16:creationId xmlns:a16="http://schemas.microsoft.com/office/drawing/2014/main" id="{FB5CCAFF-7275-F8EA-D4D1-ECD9C9C6C128}"/>
               </a:ext>
             </a:extLst>
           </p:cNvPr>
@@ -6153,17 +7988,611 @@
           <a:lstStyle/>
           <a:p>
             <a:fld id="{856911BC-71D3-44B2-952E-7B925F4E2A13}" type="slidenum">
-              <a:rPr lang="ru-RU" smtClean="0"/>
-              <a:t>14</a:t>
+              <a:rPr lang="ru-RU" sz="2800" b="1" smtClean="0"/>
+              <a:t>17</a:t>
             </a:fld>
-            <a:endParaRPr lang="ru-RU"/>
-          </a:p>
-        </p:txBody>
-      </p:sp>
+            <a:endParaRPr lang="ru-RU" sz="2800" b="1" dirty="0"/>
+          </a:p>
+        </p:txBody>
+      </p:sp>
+      <p:pic>
+        <p:nvPicPr>
+          <p:cNvPr id="5" name="Picture 4">
+            <a:extLst>
+              <a:ext uri="{FF2B5EF4-FFF2-40B4-BE49-F238E27FC236}">
+                <a16:creationId xmlns:a16="http://schemas.microsoft.com/office/drawing/2014/main" id="{39376645-47DD-2B1B-937A-43421C5D6723}"/>
+              </a:ext>
+            </a:extLst>
+          </p:cNvPr>
+          <p:cNvPicPr>
+            <a:picLocks noChangeAspect="1" noChangeArrowheads="1"/>
+          </p:cNvPicPr>
+          <p:nvPr/>
+        </p:nvPicPr>
+        <p:blipFill>
+          <a:blip r:embed="rId2">
+            <a:extLst>
+              <a:ext uri="{BEBA8EAE-BF5A-486C-A8C5-ECC9F3942E4B}">
+                <a14:imgProps xmlns:a14="http://schemas.microsoft.com/office/drawing/2010/main">
+                  <a14:imgLayer r:embed="rId3">
+                    <a14:imgEffect>
+                      <a14:backgroundRemoval t="10000" b="90000" l="10000" r="90000"/>
+                    </a14:imgEffect>
+                  </a14:imgLayer>
+                </a14:imgProps>
+              </a:ext>
+              <a:ext uri="{28A0092B-C50C-407E-A947-70E740481C1C}">
+                <a14:useLocalDpi xmlns:a14="http://schemas.microsoft.com/office/drawing/2010/main" val="0"/>
+              </a:ext>
+            </a:extLst>
+          </a:blip>
+          <a:srcRect/>
+          <a:stretch>
+            <a:fillRect/>
+          </a:stretch>
+        </p:blipFill>
+        <p:spPr bwMode="auto">
+          <a:xfrm>
+            <a:off x="0" y="5950979"/>
+            <a:ext cx="905934" cy="905934"/>
+          </a:xfrm>
+          <a:prstGeom prst="rect">
+            <a:avLst/>
+          </a:prstGeom>
+          <a:noFill/>
+          <a:extLst>
+            <a:ext uri="{909E8E84-426E-40DD-AFC4-6F175D3DCCD1}">
+              <a14:hiddenFill xmlns:a14="http://schemas.microsoft.com/office/drawing/2010/main">
+                <a:solidFill>
+                  <a:srgbClr val="FFFFFF"/>
+                </a:solidFill>
+              </a14:hiddenFill>
+            </a:ext>
+          </a:extLst>
+        </p:spPr>
+      </p:pic>
+      <p:pic>
+        <p:nvPicPr>
+          <p:cNvPr id="7" name="Рисунок 6">
+            <a:extLst>
+              <a:ext uri="{FF2B5EF4-FFF2-40B4-BE49-F238E27FC236}">
+                <a16:creationId xmlns:a16="http://schemas.microsoft.com/office/drawing/2014/main" id="{5E26DAC4-C8E3-28FA-C23A-BB6B27A0DDA1}"/>
+              </a:ext>
+            </a:extLst>
+          </p:cNvPr>
+          <p:cNvPicPr>
+            <a:picLocks noChangeAspect="1"/>
+          </p:cNvPicPr>
+          <p:nvPr/>
+        </p:nvPicPr>
+        <p:blipFill>
+          <a:blip r:embed="rId4"/>
+          <a:stretch>
+            <a:fillRect/>
+          </a:stretch>
+        </p:blipFill>
+        <p:spPr>
+          <a:xfrm>
+            <a:off x="3828932" y="2703615"/>
+            <a:ext cx="4534136" cy="3608285"/>
+          </a:xfrm>
+          <a:prstGeom prst="rect">
+            <a:avLst/>
+          </a:prstGeom>
+        </p:spPr>
+      </p:pic>
     </p:spTree>
     <p:extLst>
       <p:ext uri="{BB962C8B-B14F-4D97-AF65-F5344CB8AC3E}">
-        <p14:creationId xmlns:p14="http://schemas.microsoft.com/office/powerpoint/2010/main" val="3024499235"/>
+        <p14:creationId xmlns:p14="http://schemas.microsoft.com/office/powerpoint/2010/main" val="2421338338"/>
+      </p:ext>
+    </p:extLst>
+  </p:cSld>
+  <p:clrMapOvr>
+    <a:masterClrMapping/>
+  </p:clrMapOvr>
+  <p:transition spd="slow">
+    <p:push dir="u"/>
+  </p:transition>
+</p:sld>
+</file>
+
+<file path=ppt/slides/slide18.xml><?xml version="1.0" encoding="utf-8"?>
+<p:sld xmlns:a="http://schemas.openxmlformats.org/drawingml/2006/main" xmlns:r="http://schemas.openxmlformats.org/officeDocument/2006/relationships" xmlns:p="http://schemas.openxmlformats.org/presentationml/2006/main">
+  <p:cSld>
+    <p:spTree>
+      <p:nvGrpSpPr>
+        <p:cNvPr id="1" name=""/>
+        <p:cNvGrpSpPr/>
+        <p:nvPr/>
+      </p:nvGrpSpPr>
+      <p:grpSpPr>
+        <a:xfrm>
+          <a:off x="0" y="0"/>
+          <a:ext cx="0" cy="0"/>
+          <a:chOff x="0" y="0"/>
+          <a:chExt cx="0" cy="0"/>
+        </a:xfrm>
+      </p:grpSpPr>
+      <p:sp>
+        <p:nvSpPr>
+          <p:cNvPr id="2" name="Заголовок 1">
+            <a:extLst>
+              <a:ext uri="{FF2B5EF4-FFF2-40B4-BE49-F238E27FC236}">
+                <a16:creationId xmlns:a16="http://schemas.microsoft.com/office/drawing/2014/main" id="{FC03A7A3-DE54-E1D8-7448-A02260D6648C}"/>
+              </a:ext>
+            </a:extLst>
+          </p:cNvPr>
+          <p:cNvSpPr>
+            <a:spLocks noGrp="1"/>
+          </p:cNvSpPr>
+          <p:nvPr>
+            <p:ph type="title"/>
+          </p:nvPr>
+        </p:nvSpPr>
+        <p:spPr/>
+        <p:txBody>
+          <a:bodyPr/>
+          <a:lstStyle/>
+          <a:p>
+            <a:r>
+              <a:rPr lang="ru-RU" i="0" dirty="0">
+                <a:effectLst/>
+              </a:rPr>
+              <a:t>Анализ операции вычитания</a:t>
+            </a:r>
+            <a:endParaRPr lang="ru-RU" dirty="0"/>
+          </a:p>
+        </p:txBody>
+      </p:sp>
+      <p:sp>
+        <p:nvSpPr>
+          <p:cNvPr id="3" name="Объект 2">
+            <a:extLst>
+              <a:ext uri="{FF2B5EF4-FFF2-40B4-BE49-F238E27FC236}">
+                <a16:creationId xmlns:a16="http://schemas.microsoft.com/office/drawing/2014/main" id="{E3AEB64E-A94D-50F5-F93E-0E142B67D8BE}"/>
+              </a:ext>
+            </a:extLst>
+          </p:cNvPr>
+          <p:cNvSpPr>
+            <a:spLocks noGrp="1"/>
+          </p:cNvSpPr>
+          <p:nvPr>
+            <p:ph idx="1"/>
+          </p:nvPr>
+        </p:nvSpPr>
+        <p:spPr/>
+        <p:txBody>
+          <a:bodyPr/>
+          <a:lstStyle/>
+          <a:p>
+            <a:pPr marL="0" indent="0">
+              <a:buNone/>
+            </a:pPr>
+            <a:r>
+              <a:rPr lang="ru-RU" b="0" i="0" dirty="0">
+                <a:solidFill>
+                  <a:srgbClr val="24292F"/>
+                </a:solidFill>
+                <a:effectLst/>
+                <a:latin typeface="-apple-system"/>
+              </a:rPr>
+              <a:t>Экспериментальное время линейное - соответствует теоретической оценке</a:t>
+            </a:r>
+            <a:r>
+              <a:rPr lang="en-US" b="0" i="0" dirty="0">
+                <a:solidFill>
+                  <a:srgbClr val="24292F"/>
+                </a:solidFill>
+                <a:effectLst/>
+                <a:latin typeface="-apple-system"/>
+              </a:rPr>
+              <a:t> </a:t>
+            </a:r>
+            <a:r>
+              <a:rPr lang="en-US" b="0" i="1" dirty="0">
+                <a:solidFill>
+                  <a:srgbClr val="24292F"/>
+                </a:solidFill>
+                <a:effectLst/>
+                <a:latin typeface="Times New Roman" panose="02020603050405020304" pitchFamily="18" charset="0"/>
+                <a:cs typeface="Times New Roman" panose="02020603050405020304" pitchFamily="18" charset="0"/>
+              </a:rPr>
+              <a:t>O(n)</a:t>
+            </a:r>
+            <a:endParaRPr lang="ru-RU" i="1" dirty="0">
+              <a:latin typeface="Times New Roman" panose="02020603050405020304" pitchFamily="18" charset="0"/>
+              <a:cs typeface="Times New Roman" panose="02020603050405020304" pitchFamily="18" charset="0"/>
+            </a:endParaRPr>
+          </a:p>
+          <a:p>
+            <a:pPr marL="0" indent="0">
+              <a:buNone/>
+            </a:pPr>
+            <a:endParaRPr lang="ru-RU" dirty="0"/>
+          </a:p>
+        </p:txBody>
+      </p:sp>
+      <p:sp>
+        <p:nvSpPr>
+          <p:cNvPr id="4" name="Номер слайда 3">
+            <a:extLst>
+              <a:ext uri="{FF2B5EF4-FFF2-40B4-BE49-F238E27FC236}">
+                <a16:creationId xmlns:a16="http://schemas.microsoft.com/office/drawing/2014/main" id="{4D5E6B6E-6DA7-79D9-17B9-6230DDE47F29}"/>
+              </a:ext>
+            </a:extLst>
+          </p:cNvPr>
+          <p:cNvSpPr>
+            <a:spLocks noGrp="1"/>
+          </p:cNvSpPr>
+          <p:nvPr>
+            <p:ph type="sldNum" sz="quarter" idx="12"/>
+          </p:nvPr>
+        </p:nvSpPr>
+        <p:spPr/>
+        <p:txBody>
+          <a:bodyPr/>
+          <a:lstStyle/>
+          <a:p>
+            <a:fld id="{856911BC-71D3-44B2-952E-7B925F4E2A13}" type="slidenum">
+              <a:rPr lang="ru-RU" sz="2800" b="1" smtClean="0"/>
+              <a:t>18</a:t>
+            </a:fld>
+            <a:endParaRPr lang="ru-RU" sz="2800" b="1" dirty="0"/>
+          </a:p>
+        </p:txBody>
+      </p:sp>
+      <p:pic>
+        <p:nvPicPr>
+          <p:cNvPr id="5" name="Picture 4">
+            <a:extLst>
+              <a:ext uri="{FF2B5EF4-FFF2-40B4-BE49-F238E27FC236}">
+                <a16:creationId xmlns:a16="http://schemas.microsoft.com/office/drawing/2014/main" id="{8234BEBF-D8CF-A7FE-0F46-3EC0C74981C0}"/>
+              </a:ext>
+            </a:extLst>
+          </p:cNvPr>
+          <p:cNvPicPr>
+            <a:picLocks noChangeAspect="1" noChangeArrowheads="1"/>
+          </p:cNvPicPr>
+          <p:nvPr/>
+        </p:nvPicPr>
+        <p:blipFill>
+          <a:blip r:embed="rId2">
+            <a:extLst>
+              <a:ext uri="{BEBA8EAE-BF5A-486C-A8C5-ECC9F3942E4B}">
+                <a14:imgProps xmlns:a14="http://schemas.microsoft.com/office/drawing/2010/main">
+                  <a14:imgLayer r:embed="rId3">
+                    <a14:imgEffect>
+                      <a14:backgroundRemoval t="10000" b="90000" l="10000" r="90000"/>
+                    </a14:imgEffect>
+                  </a14:imgLayer>
+                </a14:imgProps>
+              </a:ext>
+              <a:ext uri="{28A0092B-C50C-407E-A947-70E740481C1C}">
+                <a14:useLocalDpi xmlns:a14="http://schemas.microsoft.com/office/drawing/2010/main" val="0"/>
+              </a:ext>
+            </a:extLst>
+          </a:blip>
+          <a:srcRect/>
+          <a:stretch>
+            <a:fillRect/>
+          </a:stretch>
+        </p:blipFill>
+        <p:spPr bwMode="auto">
+          <a:xfrm>
+            <a:off x="0" y="5950979"/>
+            <a:ext cx="905934" cy="905934"/>
+          </a:xfrm>
+          <a:prstGeom prst="rect">
+            <a:avLst/>
+          </a:prstGeom>
+          <a:noFill/>
+          <a:extLst>
+            <a:ext uri="{909E8E84-426E-40DD-AFC4-6F175D3DCCD1}">
+              <a14:hiddenFill xmlns:a14="http://schemas.microsoft.com/office/drawing/2010/main">
+                <a:solidFill>
+                  <a:srgbClr val="FFFFFF"/>
+                </a:solidFill>
+              </a14:hiddenFill>
+            </a:ext>
+          </a:extLst>
+        </p:spPr>
+      </p:pic>
+      <p:pic>
+        <p:nvPicPr>
+          <p:cNvPr id="9" name="Рисунок 8">
+            <a:extLst>
+              <a:ext uri="{FF2B5EF4-FFF2-40B4-BE49-F238E27FC236}">
+                <a16:creationId xmlns:a16="http://schemas.microsoft.com/office/drawing/2014/main" id="{F13E1487-CAF5-A3FC-2A1D-6B39F5B1AAC6}"/>
+              </a:ext>
+            </a:extLst>
+          </p:cNvPr>
+          <p:cNvPicPr>
+            <a:picLocks noChangeAspect="1"/>
+          </p:cNvPicPr>
+          <p:nvPr/>
+        </p:nvPicPr>
+        <p:blipFill>
+          <a:blip r:embed="rId4"/>
+          <a:stretch>
+            <a:fillRect/>
+          </a:stretch>
+        </p:blipFill>
+        <p:spPr>
+          <a:xfrm>
+            <a:off x="3732312" y="2396397"/>
+            <a:ext cx="4727375" cy="3780566"/>
+          </a:xfrm>
+          <a:prstGeom prst="rect">
+            <a:avLst/>
+          </a:prstGeom>
+        </p:spPr>
+      </p:pic>
+    </p:spTree>
+    <p:extLst>
+      <p:ext uri="{BB962C8B-B14F-4D97-AF65-F5344CB8AC3E}">
+        <p14:creationId xmlns:p14="http://schemas.microsoft.com/office/powerpoint/2010/main" val="3393842723"/>
+      </p:ext>
+    </p:extLst>
+  </p:cSld>
+  <p:clrMapOvr>
+    <a:masterClrMapping/>
+  </p:clrMapOvr>
+  <p:transition spd="slow">
+    <p:push dir="u"/>
+  </p:transition>
+</p:sld>
+</file>
+
+<file path=ppt/slides/slide19.xml><?xml version="1.0" encoding="utf-8"?>
+<p:sld xmlns:a="http://schemas.openxmlformats.org/drawingml/2006/main" xmlns:r="http://schemas.openxmlformats.org/officeDocument/2006/relationships" xmlns:p="http://schemas.openxmlformats.org/presentationml/2006/main">
+  <p:cSld>
+    <p:spTree>
+      <p:nvGrpSpPr>
+        <p:cNvPr id="1" name=""/>
+        <p:cNvGrpSpPr/>
+        <p:nvPr/>
+      </p:nvGrpSpPr>
+      <p:grpSpPr>
+        <a:xfrm>
+          <a:off x="0" y="0"/>
+          <a:ext cx="0" cy="0"/>
+          <a:chOff x="0" y="0"/>
+          <a:chExt cx="0" cy="0"/>
+        </a:xfrm>
+      </p:grpSpPr>
+      <p:sp>
+        <p:nvSpPr>
+          <p:cNvPr id="2" name="Заголовок 1">
+            <a:extLst>
+              <a:ext uri="{FF2B5EF4-FFF2-40B4-BE49-F238E27FC236}">
+                <a16:creationId xmlns:a16="http://schemas.microsoft.com/office/drawing/2014/main" id="{0F4C9862-8474-615D-6454-573B6A7E2484}"/>
+              </a:ext>
+            </a:extLst>
+          </p:cNvPr>
+          <p:cNvSpPr>
+            <a:spLocks noGrp="1"/>
+          </p:cNvSpPr>
+          <p:nvPr>
+            <p:ph type="title"/>
+          </p:nvPr>
+        </p:nvSpPr>
+        <p:spPr/>
+        <p:txBody>
+          <a:bodyPr/>
+          <a:lstStyle/>
+          <a:p>
+            <a:r>
+              <a:rPr lang="ru-RU" i="0" dirty="0">
+                <a:effectLst/>
+              </a:rPr>
+              <a:t>Анализ операции умножения</a:t>
+            </a:r>
+            <a:endParaRPr lang="ru-RU" dirty="0"/>
+          </a:p>
+        </p:txBody>
+      </p:sp>
+      <p:sp>
+        <p:nvSpPr>
+          <p:cNvPr id="3" name="Объект 2">
+            <a:extLst>
+              <a:ext uri="{FF2B5EF4-FFF2-40B4-BE49-F238E27FC236}">
+                <a16:creationId xmlns:a16="http://schemas.microsoft.com/office/drawing/2014/main" id="{E01656AC-92A3-8317-2946-A3F286377C81}"/>
+              </a:ext>
+            </a:extLst>
+          </p:cNvPr>
+          <p:cNvSpPr>
+            <a:spLocks noGrp="1"/>
+          </p:cNvSpPr>
+          <p:nvPr>
+            <p:ph idx="1"/>
+          </p:nvPr>
+        </p:nvSpPr>
+        <p:spPr/>
+        <p:txBody>
+          <a:bodyPr/>
+          <a:lstStyle/>
+          <a:p>
+            <a:pPr marL="0" indent="0">
+              <a:buNone/>
+            </a:pPr>
+            <a:r>
+              <a:rPr lang="ru-RU" b="0" i="0" dirty="0">
+                <a:solidFill>
+                  <a:srgbClr val="24292F"/>
+                </a:solidFill>
+                <a:effectLst/>
+                <a:latin typeface="-apple-system"/>
+              </a:rPr>
+              <a:t>Экспериментальное время соответствует теоретической оценке</a:t>
+            </a:r>
+          </a:p>
+          <a:p>
+            <a:pPr marL="0" indent="0">
+              <a:buNone/>
+            </a:pPr>
+            <a:r>
+              <a:rPr lang="en-US" i="1" dirty="0">
+                <a:solidFill>
+                  <a:srgbClr val="24292F"/>
+                </a:solidFill>
+                <a:latin typeface="Times New Roman" panose="02020603050405020304" pitchFamily="18" charset="0"/>
+                <a:cs typeface="Times New Roman" panose="02020603050405020304" pitchFamily="18" charset="0"/>
+              </a:rPr>
+              <a:t>O(n </a:t>
+            </a:r>
+            <a:r>
+              <a:rPr lang="en-US" i="1" dirty="0" err="1">
+                <a:solidFill>
+                  <a:srgbClr val="24292F"/>
+                </a:solidFill>
+                <a:latin typeface="Times New Roman" panose="02020603050405020304" pitchFamily="18" charset="0"/>
+                <a:cs typeface="Times New Roman" panose="02020603050405020304" pitchFamily="18" charset="0"/>
+              </a:rPr>
+              <a:t>logn</a:t>
+            </a:r>
+            <a:r>
+              <a:rPr lang="en-US" i="1" dirty="0">
+                <a:solidFill>
+                  <a:srgbClr val="24292F"/>
+                </a:solidFill>
+                <a:latin typeface="Times New Roman" panose="02020603050405020304" pitchFamily="18" charset="0"/>
+                <a:cs typeface="Times New Roman" panose="02020603050405020304" pitchFamily="18" charset="0"/>
+              </a:rPr>
+              <a:t>)</a:t>
+            </a:r>
+            <a:endParaRPr lang="ru-RU" i="1" dirty="0">
+              <a:latin typeface="Times New Roman" panose="02020603050405020304" pitchFamily="18" charset="0"/>
+              <a:cs typeface="Times New Roman" panose="02020603050405020304" pitchFamily="18" charset="0"/>
+            </a:endParaRPr>
+          </a:p>
+        </p:txBody>
+      </p:sp>
+      <p:sp>
+        <p:nvSpPr>
+          <p:cNvPr id="4" name="Номер слайда 3">
+            <a:extLst>
+              <a:ext uri="{FF2B5EF4-FFF2-40B4-BE49-F238E27FC236}">
+                <a16:creationId xmlns:a16="http://schemas.microsoft.com/office/drawing/2014/main" id="{93A6C808-E6D0-38D3-790A-9DE4ED05F024}"/>
+              </a:ext>
+            </a:extLst>
+          </p:cNvPr>
+          <p:cNvSpPr>
+            <a:spLocks noGrp="1"/>
+          </p:cNvSpPr>
+          <p:nvPr>
+            <p:ph type="sldNum" sz="quarter" idx="12"/>
+          </p:nvPr>
+        </p:nvSpPr>
+        <p:spPr/>
+        <p:txBody>
+          <a:bodyPr/>
+          <a:lstStyle/>
+          <a:p>
+            <a:fld id="{856911BC-71D3-44B2-952E-7B925F4E2A13}" type="slidenum">
+              <a:rPr lang="ru-RU" sz="2800" b="1" smtClean="0"/>
+              <a:t>19</a:t>
+            </a:fld>
+            <a:endParaRPr lang="ru-RU" sz="2800" b="1" dirty="0"/>
+          </a:p>
+        </p:txBody>
+      </p:sp>
+      <p:pic>
+        <p:nvPicPr>
+          <p:cNvPr id="5" name="Picture 4">
+            <a:extLst>
+              <a:ext uri="{FF2B5EF4-FFF2-40B4-BE49-F238E27FC236}">
+                <a16:creationId xmlns:a16="http://schemas.microsoft.com/office/drawing/2014/main" id="{AA951F1D-1FCF-45EF-E278-4CA1095F1D3C}"/>
+              </a:ext>
+            </a:extLst>
+          </p:cNvPr>
+          <p:cNvPicPr>
+            <a:picLocks noChangeAspect="1" noChangeArrowheads="1"/>
+          </p:cNvPicPr>
+          <p:nvPr/>
+        </p:nvPicPr>
+        <p:blipFill>
+          <a:blip r:embed="rId2">
+            <a:extLst>
+              <a:ext uri="{BEBA8EAE-BF5A-486C-A8C5-ECC9F3942E4B}">
+                <a14:imgProps xmlns:a14="http://schemas.microsoft.com/office/drawing/2010/main">
+                  <a14:imgLayer r:embed="rId3">
+                    <a14:imgEffect>
+                      <a14:backgroundRemoval t="10000" b="90000" l="10000" r="90000"/>
+                    </a14:imgEffect>
+                  </a14:imgLayer>
+                </a14:imgProps>
+              </a:ext>
+              <a:ext uri="{28A0092B-C50C-407E-A947-70E740481C1C}">
+                <a14:useLocalDpi xmlns:a14="http://schemas.microsoft.com/office/drawing/2010/main" val="0"/>
+              </a:ext>
+            </a:extLst>
+          </a:blip>
+          <a:srcRect/>
+          <a:stretch>
+            <a:fillRect/>
+          </a:stretch>
+        </p:blipFill>
+        <p:spPr bwMode="auto">
+          <a:xfrm>
+            <a:off x="0" y="5950979"/>
+            <a:ext cx="905934" cy="905934"/>
+          </a:xfrm>
+          <a:prstGeom prst="rect">
+            <a:avLst/>
+          </a:prstGeom>
+          <a:noFill/>
+          <a:extLst>
+            <a:ext uri="{909E8E84-426E-40DD-AFC4-6F175D3DCCD1}">
+              <a14:hiddenFill xmlns:a14="http://schemas.microsoft.com/office/drawing/2010/main">
+                <a:solidFill>
+                  <a:srgbClr val="FFFFFF"/>
+                </a:solidFill>
+              </a14:hiddenFill>
+            </a:ext>
+          </a:extLst>
+        </p:spPr>
+      </p:pic>
+      <p:pic>
+        <p:nvPicPr>
+          <p:cNvPr id="6" name="Рисунок 5">
+            <a:extLst>
+              <a:ext uri="{FF2B5EF4-FFF2-40B4-BE49-F238E27FC236}">
+                <a16:creationId xmlns:a16="http://schemas.microsoft.com/office/drawing/2014/main" id="{B273C961-B24D-DA5B-DFB0-269CAD63814E}"/>
+              </a:ext>
+            </a:extLst>
+          </p:cNvPr>
+          <p:cNvPicPr>
+            <a:picLocks noChangeAspect="1"/>
+          </p:cNvPicPr>
+          <p:nvPr/>
+        </p:nvPicPr>
+        <p:blipFill>
+          <a:blip r:embed="rId4">
+            <a:extLst>
+              <a:ext uri="{28A0092B-C50C-407E-A947-70E740481C1C}">
+                <a14:useLocalDpi xmlns:a14="http://schemas.microsoft.com/office/drawing/2010/main" val="0"/>
+              </a:ext>
+            </a:extLst>
+          </a:blip>
+          <a:stretch>
+            <a:fillRect/>
+          </a:stretch>
+        </p:blipFill>
+        <p:spPr>
+          <a:xfrm>
+            <a:off x="3605094" y="2682136"/>
+            <a:ext cx="4600811" cy="3674214"/>
+          </a:xfrm>
+          <a:prstGeom prst="rect">
+            <a:avLst/>
+          </a:prstGeom>
+        </p:spPr>
+      </p:pic>
+    </p:spTree>
+    <p:extLst>
+      <p:ext uri="{BB962C8B-B14F-4D97-AF65-F5344CB8AC3E}">
+        <p14:creationId xmlns:p14="http://schemas.microsoft.com/office/powerpoint/2010/main" val="2964110124"/>
       </p:ext>
     </p:extLst>
   </p:cSld>
@@ -6216,7 +8645,7 @@
           <a:p>
             <a:r>
               <a:rPr lang="ru-RU" dirty="0"/>
-              <a:t>Длинная арифметика</a:t>
+              <a:t>Определение</a:t>
             </a:r>
           </a:p>
         </p:txBody>
@@ -6250,7 +8679,33 @@
                 <a:effectLst/>
                 <a:latin typeface="Consolas" panose="020B0609020204030204" pitchFamily="49" charset="0"/>
               </a:rPr>
-              <a:t>Длинная арифметика - это метод вычисления для больших чисел, которые не помещаются в стандартные представления чисел компьютера.</a:t>
+              <a:t>Длинная арифметика – </a:t>
+            </a:r>
+          </a:p>
+          <a:p>
+            <a:pPr lvl="1">
+              <a:buFont typeface="Consolas" panose="020B0609020204030204" pitchFamily="49" charset="0"/>
+              <a:buChar char="−"/>
+            </a:pPr>
+            <a:r>
+              <a:rPr lang="ru-RU" b="0" dirty="0">
+                <a:effectLst/>
+                <a:latin typeface="Consolas" panose="020B0609020204030204" pitchFamily="49" charset="0"/>
+              </a:rPr>
+              <a:t>методы вычислений над большими числами</a:t>
+            </a:r>
+          </a:p>
+          <a:p>
+            <a:pPr lvl="1">
+              <a:buFont typeface="Consolas" panose="020B0609020204030204" pitchFamily="49" charset="0"/>
+              <a:buChar char="₋"/>
+            </a:pPr>
+            <a:r>
+              <a:rPr lang="ru-RU" b="0" dirty="0">
+                <a:effectLst/>
+                <a:latin typeface="Consolas" panose="020B0609020204030204" pitchFamily="49" charset="0"/>
+              </a:rPr>
+              <a:t>не помещаются в стандартные 	типы данных</a:t>
             </a:r>
           </a:p>
         </p:txBody>
@@ -6333,10 +8788,13 @@
           <a:lstStyle/>
           <a:p>
             <a:fld id="{856911BC-71D3-44B2-952E-7B925F4E2A13}" type="slidenum">
-              <a:rPr lang="ru-RU" smtClean="0"/>
+              <a:rPr lang="ru-RU" sz="2800" b="1" smtClean="0"/>
               <a:t>2</a:t>
             </a:fld>
-            <a:endParaRPr lang="ru-RU"/>
+            <a:r>
+              <a:rPr lang="ru-RU" sz="2800" b="1" dirty="0"/>
+              <a:t> </a:t>
+            </a:r>
           </a:p>
         </p:txBody>
       </p:sp>
@@ -6369,7 +8827,7 @@
         </p:blipFill>
         <p:spPr bwMode="auto">
           <a:xfrm>
-            <a:off x="3190875" y="3224413"/>
+            <a:off x="3190875" y="3361702"/>
             <a:ext cx="5419725" cy="3042244"/>
           </a:xfrm>
           <a:prstGeom prst="rect">
@@ -6403,6 +8861,708 @@
 </p:sld>
 </file>
 
+<file path=ppt/slides/slide20.xml><?xml version="1.0" encoding="utf-8"?>
+<p:sld xmlns:a="http://schemas.openxmlformats.org/drawingml/2006/main" xmlns:r="http://schemas.openxmlformats.org/officeDocument/2006/relationships" xmlns:p="http://schemas.openxmlformats.org/presentationml/2006/main">
+  <p:cSld>
+    <p:spTree>
+      <p:nvGrpSpPr>
+        <p:cNvPr id="1" name=""/>
+        <p:cNvGrpSpPr/>
+        <p:nvPr/>
+      </p:nvGrpSpPr>
+      <p:grpSpPr>
+        <a:xfrm>
+          <a:off x="0" y="0"/>
+          <a:ext cx="0" cy="0"/>
+          <a:chOff x="0" y="0"/>
+          <a:chExt cx="0" cy="0"/>
+        </a:xfrm>
+      </p:grpSpPr>
+      <p:sp>
+        <p:nvSpPr>
+          <p:cNvPr id="2" name="Заголовок 1">
+            <a:extLst>
+              <a:ext uri="{FF2B5EF4-FFF2-40B4-BE49-F238E27FC236}">
+                <a16:creationId xmlns:a16="http://schemas.microsoft.com/office/drawing/2014/main" id="{2F1D112C-53E3-6B96-D6BB-29D7EE685C7A}"/>
+              </a:ext>
+            </a:extLst>
+          </p:cNvPr>
+          <p:cNvSpPr>
+            <a:spLocks noGrp="1"/>
+          </p:cNvSpPr>
+          <p:nvPr>
+            <p:ph type="title"/>
+          </p:nvPr>
+        </p:nvSpPr>
+        <p:spPr/>
+        <p:txBody>
+          <a:bodyPr/>
+          <a:lstStyle/>
+          <a:p>
+            <a:r>
+              <a:rPr lang="ru-RU" i="0" dirty="0">
+                <a:effectLst/>
+              </a:rPr>
+              <a:t>Анализ операции </a:t>
+            </a:r>
+            <a:r>
+              <a:rPr lang="ru-RU" dirty="0"/>
+              <a:t>деления</a:t>
+            </a:r>
+          </a:p>
+        </p:txBody>
+      </p:sp>
+      <p:sp>
+        <p:nvSpPr>
+          <p:cNvPr id="3" name="Объект 2">
+            <a:extLst>
+              <a:ext uri="{FF2B5EF4-FFF2-40B4-BE49-F238E27FC236}">
+                <a16:creationId xmlns:a16="http://schemas.microsoft.com/office/drawing/2014/main" id="{166AACE6-3AE6-A7C1-B6ED-B8675D3733ED}"/>
+              </a:ext>
+            </a:extLst>
+          </p:cNvPr>
+          <p:cNvSpPr>
+            <a:spLocks noGrp="1"/>
+          </p:cNvSpPr>
+          <p:nvPr>
+            <p:ph idx="1"/>
+          </p:nvPr>
+        </p:nvSpPr>
+        <p:spPr/>
+        <p:txBody>
+          <a:bodyPr/>
+          <a:lstStyle/>
+          <a:p>
+            <a:pPr marL="0" indent="0">
+              <a:buNone/>
+            </a:pPr>
+            <a:r>
+              <a:rPr lang="ru-RU" b="0" i="0" dirty="0">
+                <a:solidFill>
+                  <a:srgbClr val="24292F"/>
+                </a:solidFill>
+                <a:effectLst/>
+                <a:latin typeface="-apple-system"/>
+              </a:rPr>
+              <a:t>Экспериментальное время соответствует теоретической оценке </a:t>
+            </a:r>
+            <a:r>
+              <a:rPr lang="en-US" b="0" i="1" dirty="0">
+                <a:solidFill>
+                  <a:srgbClr val="24292F"/>
+                </a:solidFill>
+                <a:effectLst/>
+                <a:latin typeface="Times New Roman" panose="02020603050405020304" pitchFamily="18" charset="0"/>
+                <a:cs typeface="Times New Roman" panose="02020603050405020304" pitchFamily="18" charset="0"/>
+              </a:rPr>
+              <a:t>O(n^2)</a:t>
+            </a:r>
+            <a:endParaRPr lang="ru-RU" i="1" dirty="0">
+              <a:latin typeface="Times New Roman" panose="02020603050405020304" pitchFamily="18" charset="0"/>
+              <a:cs typeface="Times New Roman" panose="02020603050405020304" pitchFamily="18" charset="0"/>
+            </a:endParaRPr>
+          </a:p>
+        </p:txBody>
+      </p:sp>
+      <p:sp>
+        <p:nvSpPr>
+          <p:cNvPr id="4" name="Номер слайда 3">
+            <a:extLst>
+              <a:ext uri="{FF2B5EF4-FFF2-40B4-BE49-F238E27FC236}">
+                <a16:creationId xmlns:a16="http://schemas.microsoft.com/office/drawing/2014/main" id="{B7D93A52-8087-AE3F-0F42-F8B5796EF9D7}"/>
+              </a:ext>
+            </a:extLst>
+          </p:cNvPr>
+          <p:cNvSpPr>
+            <a:spLocks noGrp="1"/>
+          </p:cNvSpPr>
+          <p:nvPr>
+            <p:ph type="sldNum" sz="quarter" idx="12"/>
+          </p:nvPr>
+        </p:nvSpPr>
+        <p:spPr/>
+        <p:txBody>
+          <a:bodyPr/>
+          <a:lstStyle/>
+          <a:p>
+            <a:fld id="{856911BC-71D3-44B2-952E-7B925F4E2A13}" type="slidenum">
+              <a:rPr lang="ru-RU" sz="2800" b="1" smtClean="0"/>
+              <a:t>20</a:t>
+            </a:fld>
+            <a:endParaRPr lang="ru-RU" sz="2800" b="1" dirty="0"/>
+          </a:p>
+        </p:txBody>
+      </p:sp>
+      <p:pic>
+        <p:nvPicPr>
+          <p:cNvPr id="5" name="Picture 4">
+            <a:extLst>
+              <a:ext uri="{FF2B5EF4-FFF2-40B4-BE49-F238E27FC236}">
+                <a16:creationId xmlns:a16="http://schemas.microsoft.com/office/drawing/2014/main" id="{55BD31F2-EF7E-2AD6-7396-FFFA12C82131}"/>
+              </a:ext>
+            </a:extLst>
+          </p:cNvPr>
+          <p:cNvPicPr>
+            <a:picLocks noChangeAspect="1" noChangeArrowheads="1"/>
+          </p:cNvPicPr>
+          <p:nvPr/>
+        </p:nvPicPr>
+        <p:blipFill>
+          <a:blip r:embed="rId2">
+            <a:extLst>
+              <a:ext uri="{BEBA8EAE-BF5A-486C-A8C5-ECC9F3942E4B}">
+                <a14:imgProps xmlns:a14="http://schemas.microsoft.com/office/drawing/2010/main">
+                  <a14:imgLayer r:embed="rId3">
+                    <a14:imgEffect>
+                      <a14:backgroundRemoval t="10000" b="90000" l="10000" r="90000"/>
+                    </a14:imgEffect>
+                  </a14:imgLayer>
+                </a14:imgProps>
+              </a:ext>
+              <a:ext uri="{28A0092B-C50C-407E-A947-70E740481C1C}">
+                <a14:useLocalDpi xmlns:a14="http://schemas.microsoft.com/office/drawing/2010/main" val="0"/>
+              </a:ext>
+            </a:extLst>
+          </a:blip>
+          <a:srcRect/>
+          <a:stretch>
+            <a:fillRect/>
+          </a:stretch>
+        </p:blipFill>
+        <p:spPr bwMode="auto">
+          <a:xfrm>
+            <a:off x="0" y="5950979"/>
+            <a:ext cx="905934" cy="905934"/>
+          </a:xfrm>
+          <a:prstGeom prst="rect">
+            <a:avLst/>
+          </a:prstGeom>
+          <a:noFill/>
+          <a:extLst>
+            <a:ext uri="{909E8E84-426E-40DD-AFC4-6F175D3DCCD1}">
+              <a14:hiddenFill xmlns:a14="http://schemas.microsoft.com/office/drawing/2010/main">
+                <a:solidFill>
+                  <a:srgbClr val="FFFFFF"/>
+                </a:solidFill>
+              </a14:hiddenFill>
+            </a:ext>
+          </a:extLst>
+        </p:spPr>
+      </p:pic>
+      <p:pic>
+        <p:nvPicPr>
+          <p:cNvPr id="7" name="Рисунок 6">
+            <a:extLst>
+              <a:ext uri="{FF2B5EF4-FFF2-40B4-BE49-F238E27FC236}">
+                <a16:creationId xmlns:a16="http://schemas.microsoft.com/office/drawing/2014/main" id="{736D0BDF-767B-3840-DAD6-BC1C3A1A680B}"/>
+              </a:ext>
+            </a:extLst>
+          </p:cNvPr>
+          <p:cNvPicPr>
+            <a:picLocks noChangeAspect="1"/>
+          </p:cNvPicPr>
+          <p:nvPr/>
+        </p:nvPicPr>
+        <p:blipFill>
+          <a:blip r:embed="rId4"/>
+          <a:stretch>
+            <a:fillRect/>
+          </a:stretch>
+        </p:blipFill>
+        <p:spPr>
+          <a:xfrm>
+            <a:off x="3447820" y="2232926"/>
+            <a:ext cx="5296359" cy="4259949"/>
+          </a:xfrm>
+          <a:prstGeom prst="rect">
+            <a:avLst/>
+          </a:prstGeom>
+        </p:spPr>
+      </p:pic>
+    </p:spTree>
+    <p:extLst>
+      <p:ext uri="{BB962C8B-B14F-4D97-AF65-F5344CB8AC3E}">
+        <p14:creationId xmlns:p14="http://schemas.microsoft.com/office/powerpoint/2010/main" val="3967624196"/>
+      </p:ext>
+    </p:extLst>
+  </p:cSld>
+  <p:clrMapOvr>
+    <a:masterClrMapping/>
+  </p:clrMapOvr>
+  <p:transition spd="slow">
+    <p:push dir="u"/>
+  </p:transition>
+</p:sld>
+</file>
+
+<file path=ppt/slides/slide21.xml><?xml version="1.0" encoding="utf-8"?>
+<p:sld xmlns:a="http://schemas.openxmlformats.org/drawingml/2006/main" xmlns:r="http://schemas.openxmlformats.org/officeDocument/2006/relationships" xmlns:p="http://schemas.openxmlformats.org/presentationml/2006/main">
+  <p:cSld>
+    <p:spTree>
+      <p:nvGrpSpPr>
+        <p:cNvPr id="1" name=""/>
+        <p:cNvGrpSpPr/>
+        <p:nvPr/>
+      </p:nvGrpSpPr>
+      <p:grpSpPr>
+        <a:xfrm>
+          <a:off x="0" y="0"/>
+          <a:ext cx="0" cy="0"/>
+          <a:chOff x="0" y="0"/>
+          <a:chExt cx="0" cy="0"/>
+        </a:xfrm>
+      </p:grpSpPr>
+      <p:sp>
+        <p:nvSpPr>
+          <p:cNvPr id="2" name="Заголовок 1">
+            <a:extLst>
+              <a:ext uri="{FF2B5EF4-FFF2-40B4-BE49-F238E27FC236}">
+                <a16:creationId xmlns:a16="http://schemas.microsoft.com/office/drawing/2014/main" id="{51527F10-3597-6880-BCD8-6B0928353762}"/>
+              </a:ext>
+            </a:extLst>
+          </p:cNvPr>
+          <p:cNvSpPr>
+            <a:spLocks noGrp="1"/>
+          </p:cNvSpPr>
+          <p:nvPr>
+            <p:ph type="title"/>
+          </p:nvPr>
+        </p:nvSpPr>
+        <p:spPr/>
+        <p:txBody>
+          <a:bodyPr/>
+          <a:lstStyle/>
+          <a:p>
+            <a:r>
+              <a:rPr lang="ru-RU" sz="4400" dirty="0"/>
+              <a:t>Заключение</a:t>
+            </a:r>
+            <a:endParaRPr lang="ru-RU" dirty="0"/>
+          </a:p>
+        </p:txBody>
+      </p:sp>
+      <p:sp>
+        <p:nvSpPr>
+          <p:cNvPr id="3" name="Объект 2">
+            <a:extLst>
+              <a:ext uri="{FF2B5EF4-FFF2-40B4-BE49-F238E27FC236}">
+                <a16:creationId xmlns:a16="http://schemas.microsoft.com/office/drawing/2014/main" id="{95E6130E-6E7E-D515-E7F6-FB49188FE421}"/>
+              </a:ext>
+            </a:extLst>
+          </p:cNvPr>
+          <p:cNvSpPr>
+            <a:spLocks noGrp="1"/>
+          </p:cNvSpPr>
+          <p:nvPr>
+            <p:ph idx="1"/>
+          </p:nvPr>
+        </p:nvSpPr>
+        <p:spPr/>
+        <p:txBody>
+          <a:bodyPr/>
+          <a:lstStyle/>
+          <a:p>
+            <a:pPr marL="0" indent="0">
+              <a:buNone/>
+            </a:pPr>
+            <a:r>
+              <a:rPr lang="ru-RU" sz="2800" dirty="0"/>
+              <a:t>В ходе изу</a:t>
+            </a:r>
+            <a:r>
+              <a:rPr lang="ru-RU" dirty="0"/>
+              <a:t>чения</a:t>
+            </a:r>
+            <a:r>
+              <a:rPr lang="ru-RU" sz="2800" dirty="0"/>
+              <a:t> эффективной длинной арифметика были реализованы операции:</a:t>
+            </a:r>
+          </a:p>
+          <a:p>
+            <a:pPr marL="742950" lvl="1" indent="-285750">
+              <a:buFont typeface="Wingdings" panose="05000000000000000000" pitchFamily="2" charset="2"/>
+              <a:buChar char="§"/>
+            </a:pPr>
+            <a:r>
+              <a:rPr lang="ru-RU" sz="2800" dirty="0"/>
+              <a:t>Сложения</a:t>
+            </a:r>
+          </a:p>
+          <a:p>
+            <a:pPr marL="742950" lvl="1" indent="-285750">
+              <a:buFont typeface="Wingdings" panose="05000000000000000000" pitchFamily="2" charset="2"/>
+              <a:buChar char="§"/>
+            </a:pPr>
+            <a:r>
+              <a:rPr lang="ru-RU" sz="2800" dirty="0"/>
+              <a:t>Вычитания</a:t>
+            </a:r>
+          </a:p>
+          <a:p>
+            <a:pPr marL="742950" lvl="1" indent="-285750">
+              <a:buFont typeface="Wingdings" panose="05000000000000000000" pitchFamily="2" charset="2"/>
+              <a:buChar char="§"/>
+            </a:pPr>
+            <a:r>
+              <a:rPr lang="ru-RU" sz="2800" dirty="0"/>
+              <a:t>Умножения</a:t>
+            </a:r>
+          </a:p>
+          <a:p>
+            <a:pPr marL="742950" lvl="1" indent="-285750">
+              <a:buFont typeface="Wingdings" panose="05000000000000000000" pitchFamily="2" charset="2"/>
+              <a:buChar char="§"/>
+            </a:pPr>
+            <a:r>
+              <a:rPr lang="ru-RU" sz="2800" dirty="0"/>
+              <a:t>Деления нацело</a:t>
+            </a:r>
+          </a:p>
+          <a:p>
+            <a:pPr marL="0" indent="0">
+              <a:buNone/>
+            </a:pPr>
+            <a:r>
+              <a:rPr lang="ru-RU" dirty="0"/>
+              <a:t>Был проведен анализ производительности</a:t>
+            </a:r>
+          </a:p>
+        </p:txBody>
+      </p:sp>
+      <p:pic>
+        <p:nvPicPr>
+          <p:cNvPr id="4" name="Picture 4">
+            <a:extLst>
+              <a:ext uri="{FF2B5EF4-FFF2-40B4-BE49-F238E27FC236}">
+                <a16:creationId xmlns:a16="http://schemas.microsoft.com/office/drawing/2014/main" id="{DB893298-E401-D357-F2A4-130D70F283A2}"/>
+              </a:ext>
+            </a:extLst>
+          </p:cNvPr>
+          <p:cNvPicPr>
+            <a:picLocks noChangeAspect="1" noChangeArrowheads="1"/>
+          </p:cNvPicPr>
+          <p:nvPr/>
+        </p:nvPicPr>
+        <p:blipFill>
+          <a:blip r:embed="rId2">
+            <a:extLst>
+              <a:ext uri="{BEBA8EAE-BF5A-486C-A8C5-ECC9F3942E4B}">
+                <a14:imgProps xmlns:a14="http://schemas.microsoft.com/office/drawing/2010/main">
+                  <a14:imgLayer r:embed="rId3">
+                    <a14:imgEffect>
+                      <a14:backgroundRemoval t="10000" b="90000" l="10000" r="90000"/>
+                    </a14:imgEffect>
+                  </a14:imgLayer>
+                </a14:imgProps>
+              </a:ext>
+              <a:ext uri="{28A0092B-C50C-407E-A947-70E740481C1C}">
+                <a14:useLocalDpi xmlns:a14="http://schemas.microsoft.com/office/drawing/2010/main" val="0"/>
+              </a:ext>
+            </a:extLst>
+          </a:blip>
+          <a:srcRect/>
+          <a:stretch>
+            <a:fillRect/>
+          </a:stretch>
+        </p:blipFill>
+        <p:spPr bwMode="auto">
+          <a:xfrm>
+            <a:off x="0" y="5950979"/>
+            <a:ext cx="905934" cy="905934"/>
+          </a:xfrm>
+          <a:prstGeom prst="rect">
+            <a:avLst/>
+          </a:prstGeom>
+          <a:noFill/>
+          <a:extLst>
+            <a:ext uri="{909E8E84-426E-40DD-AFC4-6F175D3DCCD1}">
+              <a14:hiddenFill xmlns:a14="http://schemas.microsoft.com/office/drawing/2010/main">
+                <a:solidFill>
+                  <a:srgbClr val="FFFFFF"/>
+                </a:solidFill>
+              </a14:hiddenFill>
+            </a:ext>
+          </a:extLst>
+        </p:spPr>
+      </p:pic>
+      <p:sp>
+        <p:nvSpPr>
+          <p:cNvPr id="5" name="Номер слайда 4">
+            <a:extLst>
+              <a:ext uri="{FF2B5EF4-FFF2-40B4-BE49-F238E27FC236}">
+                <a16:creationId xmlns:a16="http://schemas.microsoft.com/office/drawing/2014/main" id="{04B6E45D-D33B-D7B3-B2C7-4D0DF56842F2}"/>
+              </a:ext>
+            </a:extLst>
+          </p:cNvPr>
+          <p:cNvSpPr>
+            <a:spLocks noGrp="1"/>
+          </p:cNvSpPr>
+          <p:nvPr>
+            <p:ph type="sldNum" sz="quarter" idx="12"/>
+          </p:nvPr>
+        </p:nvSpPr>
+        <p:spPr/>
+        <p:txBody>
+          <a:bodyPr/>
+          <a:lstStyle/>
+          <a:p>
+            <a:fld id="{856911BC-71D3-44B2-952E-7B925F4E2A13}" type="slidenum">
+              <a:rPr lang="ru-RU" sz="2800" b="1" smtClean="0"/>
+              <a:t>21</a:t>
+            </a:fld>
+            <a:endParaRPr lang="ru-RU" sz="2800" b="1" dirty="0"/>
+          </a:p>
+        </p:txBody>
+      </p:sp>
+    </p:spTree>
+    <p:extLst>
+      <p:ext uri="{BB962C8B-B14F-4D97-AF65-F5344CB8AC3E}">
+        <p14:creationId xmlns:p14="http://schemas.microsoft.com/office/powerpoint/2010/main" val="3024499235"/>
+      </p:ext>
+    </p:extLst>
+  </p:cSld>
+  <p:clrMapOvr>
+    <a:masterClrMapping/>
+  </p:clrMapOvr>
+  <p:transition spd="slow">
+    <p:push dir="u"/>
+  </p:transition>
+</p:sld>
+</file>
+
+<file path=ppt/slides/slide22.xml><?xml version="1.0" encoding="utf-8"?>
+<p:sld xmlns:a="http://schemas.openxmlformats.org/drawingml/2006/main" xmlns:r="http://schemas.openxmlformats.org/officeDocument/2006/relationships" xmlns:p="http://schemas.openxmlformats.org/presentationml/2006/main">
+  <p:cSld>
+    <p:spTree>
+      <p:nvGrpSpPr>
+        <p:cNvPr id="1" name=""/>
+        <p:cNvGrpSpPr/>
+        <p:nvPr/>
+      </p:nvGrpSpPr>
+      <p:grpSpPr>
+        <a:xfrm>
+          <a:off x="0" y="0"/>
+          <a:ext cx="0" cy="0"/>
+          <a:chOff x="0" y="0"/>
+          <a:chExt cx="0" cy="0"/>
+        </a:xfrm>
+      </p:grpSpPr>
+      <p:sp>
+        <p:nvSpPr>
+          <p:cNvPr id="2" name="Заголовок 1">
+            <a:extLst>
+              <a:ext uri="{FF2B5EF4-FFF2-40B4-BE49-F238E27FC236}">
+                <a16:creationId xmlns:a16="http://schemas.microsoft.com/office/drawing/2014/main" id="{FDC83768-E960-21C7-3FE4-4FB94ADE478F}"/>
+              </a:ext>
+            </a:extLst>
+          </p:cNvPr>
+          <p:cNvSpPr>
+            <a:spLocks noGrp="1"/>
+          </p:cNvSpPr>
+          <p:nvPr>
+            <p:ph type="title"/>
+          </p:nvPr>
+        </p:nvSpPr>
+        <p:spPr/>
+        <p:txBody>
+          <a:bodyPr/>
+          <a:lstStyle/>
+          <a:p>
+            <a:r>
+              <a:rPr lang="ru-RU" dirty="0"/>
+              <a:t>Результаты</a:t>
+            </a:r>
+          </a:p>
+        </p:txBody>
+      </p:sp>
+      <p:sp>
+        <p:nvSpPr>
+          <p:cNvPr id="3" name="Объект 2">
+            <a:extLst>
+              <a:ext uri="{FF2B5EF4-FFF2-40B4-BE49-F238E27FC236}">
+                <a16:creationId xmlns:a16="http://schemas.microsoft.com/office/drawing/2014/main" id="{29277D2F-867C-58B0-F8D0-A6FF4BA746F5}"/>
+              </a:ext>
+            </a:extLst>
+          </p:cNvPr>
+          <p:cNvSpPr>
+            <a:spLocks noGrp="1"/>
+          </p:cNvSpPr>
+          <p:nvPr>
+            <p:ph idx="1"/>
+          </p:nvPr>
+        </p:nvSpPr>
+        <p:spPr/>
+        <p:txBody>
+          <a:bodyPr/>
+          <a:lstStyle/>
+          <a:p>
+            <a:pPr marL="0" indent="0">
+              <a:buNone/>
+            </a:pPr>
+            <a:r>
+              <a:rPr lang="ru-RU" sz="2800" dirty="0"/>
+              <a:t>В репозиторий на </a:t>
+            </a:r>
+            <a:r>
+              <a:rPr lang="en-US" sz="2800" dirty="0"/>
+              <a:t>GitHub </a:t>
+            </a:r>
+            <a:r>
+              <a:rPr lang="ru-RU" sz="2800" dirty="0"/>
+              <a:t>выложены</a:t>
+            </a:r>
+            <a:r>
+              <a:rPr lang="en-US" sz="2800" dirty="0"/>
+              <a:t>:</a:t>
+            </a:r>
+          </a:p>
+          <a:p>
+            <a:pPr marL="342900" indent="-342900">
+              <a:buFont typeface="+mj-lt"/>
+              <a:buAutoNum type="arabicPeriod"/>
+            </a:pPr>
+            <a:r>
+              <a:rPr lang="ru-RU" sz="2800" dirty="0"/>
+              <a:t>Описание алгоритма</a:t>
+            </a:r>
+          </a:p>
+          <a:p>
+            <a:pPr marL="342900" indent="-342900">
+              <a:buFont typeface="+mj-lt"/>
+              <a:buAutoNum type="arabicPeriod"/>
+            </a:pPr>
+            <a:r>
+              <a:rPr lang="ru-RU" sz="2800" dirty="0"/>
+              <a:t>Исходный код алгоритма</a:t>
+            </a:r>
+          </a:p>
+          <a:p>
+            <a:pPr marL="342900" indent="-342900">
+              <a:buFont typeface="+mj-lt"/>
+              <a:buAutoNum type="arabicPeriod"/>
+            </a:pPr>
+            <a:r>
+              <a:rPr lang="ru-RU" sz="2800" dirty="0"/>
+              <a:t>Тестирующая система</a:t>
+            </a:r>
+          </a:p>
+          <a:p>
+            <a:pPr marL="342900" indent="-342900">
+              <a:buFont typeface="+mj-lt"/>
+              <a:buAutoNum type="arabicPeriod"/>
+            </a:pPr>
+            <a:r>
+              <a:rPr lang="ru-RU" sz="2800" dirty="0"/>
+              <a:t>Презентация</a:t>
+            </a:r>
+          </a:p>
+          <a:p>
+            <a:pPr marL="342900" indent="-342900">
+              <a:buFont typeface="+mj-lt"/>
+              <a:buAutoNum type="arabicPeriod"/>
+            </a:pPr>
+            <a:r>
+              <a:rPr lang="ru-RU" sz="2800" dirty="0"/>
+              <a:t>Результаты анализа производительности</a:t>
+            </a:r>
+          </a:p>
+          <a:p>
+            <a:pPr marL="0" indent="0">
+              <a:buNone/>
+            </a:pPr>
+            <a:endParaRPr lang="ru-RU" dirty="0"/>
+          </a:p>
+        </p:txBody>
+      </p:sp>
+      <p:sp>
+        <p:nvSpPr>
+          <p:cNvPr id="4" name="Номер слайда 3">
+            <a:extLst>
+              <a:ext uri="{FF2B5EF4-FFF2-40B4-BE49-F238E27FC236}">
+                <a16:creationId xmlns:a16="http://schemas.microsoft.com/office/drawing/2014/main" id="{7E772578-3CD4-7A39-241D-93D36D130064}"/>
+              </a:ext>
+            </a:extLst>
+          </p:cNvPr>
+          <p:cNvSpPr>
+            <a:spLocks noGrp="1"/>
+          </p:cNvSpPr>
+          <p:nvPr>
+            <p:ph type="sldNum" sz="quarter" idx="12"/>
+          </p:nvPr>
+        </p:nvSpPr>
+        <p:spPr/>
+        <p:txBody>
+          <a:bodyPr/>
+          <a:lstStyle/>
+          <a:p>
+            <a:fld id="{856911BC-71D3-44B2-952E-7B925F4E2A13}" type="slidenum">
+              <a:rPr lang="ru-RU" sz="2800" b="1" smtClean="0"/>
+              <a:t>22</a:t>
+            </a:fld>
+            <a:endParaRPr lang="ru-RU" sz="2800" b="1" dirty="0"/>
+          </a:p>
+        </p:txBody>
+      </p:sp>
+      <p:pic>
+        <p:nvPicPr>
+          <p:cNvPr id="6" name="Picture 2">
+            <a:extLst>
+              <a:ext uri="{FF2B5EF4-FFF2-40B4-BE49-F238E27FC236}">
+                <a16:creationId xmlns:a16="http://schemas.microsoft.com/office/drawing/2014/main" id="{B93ADE30-B850-FC5D-8084-D5C24CC228B5}"/>
+              </a:ext>
+            </a:extLst>
+          </p:cNvPr>
+          <p:cNvPicPr>
+            <a:picLocks noChangeAspect="1" noChangeArrowheads="1"/>
+          </p:cNvPicPr>
+          <p:nvPr/>
+        </p:nvPicPr>
+        <p:blipFill>
+          <a:blip r:embed="rId2">
+            <a:extLst>
+              <a:ext uri="{28A0092B-C50C-407E-A947-70E740481C1C}">
+                <a14:useLocalDpi xmlns:a14="http://schemas.microsoft.com/office/drawing/2010/main" val="0"/>
+              </a:ext>
+            </a:extLst>
+          </a:blip>
+          <a:srcRect/>
+          <a:stretch>
+            <a:fillRect/>
+          </a:stretch>
+        </p:blipFill>
+        <p:spPr bwMode="auto">
+          <a:xfrm>
+            <a:off x="7939087" y="1504950"/>
+            <a:ext cx="3552825" cy="3552825"/>
+          </a:xfrm>
+          <a:prstGeom prst="rect">
+            <a:avLst/>
+          </a:prstGeom>
+          <a:noFill/>
+          <a:extLst>
+            <a:ext uri="{909E8E84-426E-40DD-AFC4-6F175D3DCCD1}">
+              <a14:hiddenFill xmlns:a14="http://schemas.microsoft.com/office/drawing/2010/main">
+                <a:solidFill>
+                  <a:srgbClr val="FFFFFF"/>
+                </a:solidFill>
+              </a14:hiddenFill>
+            </a:ext>
+          </a:extLst>
+        </p:spPr>
+      </p:pic>
+    </p:spTree>
+    <p:extLst>
+      <p:ext uri="{BB962C8B-B14F-4D97-AF65-F5344CB8AC3E}">
+        <p14:creationId xmlns:p14="http://schemas.microsoft.com/office/powerpoint/2010/main" val="3331694092"/>
+      </p:ext>
+    </p:extLst>
+  </p:cSld>
+  <p:clrMapOvr>
+    <a:masterClrMapping/>
+  </p:clrMapOvr>
+</p:sld>
+</file>
+
 <file path=ppt/slides/slide3.xml><?xml version="1.0" encoding="utf-8"?>
 <p:sld xmlns:a="http://schemas.openxmlformats.org/drawingml/2006/main" xmlns:r="http://schemas.openxmlformats.org/officeDocument/2006/relationships" xmlns:p="http://schemas.openxmlformats.org/presentationml/2006/main">
   <p:cSld>
@@ -6436,14 +9596,19 @@
             <p:ph type="title"/>
           </p:nvPr>
         </p:nvSpPr>
-        <p:spPr/>
+        <p:spPr>
+          <a:xfrm>
+            <a:off x="838200" y="18255"/>
+            <a:ext cx="10515600" cy="1325563"/>
+          </a:xfrm>
+        </p:spPr>
         <p:txBody>
           <a:bodyPr/>
           <a:lstStyle/>
           <a:p>
             <a:r>
               <a:rPr lang="ru-RU" dirty="0"/>
-              <a:t>Применение</a:t>
+              <a:t>Применение </a:t>
             </a:r>
           </a:p>
         </p:txBody>
@@ -6501,10 +9666,10 @@
           <a:lstStyle/>
           <a:p>
             <a:fld id="{856911BC-71D3-44B2-952E-7B925F4E2A13}" type="slidenum">
-              <a:rPr lang="ru-RU" smtClean="0"/>
+              <a:rPr lang="ru-RU" sz="2800" b="1" smtClean="0"/>
               <a:t>3</a:t>
             </a:fld>
-            <a:endParaRPr lang="ru-RU"/>
+            <a:endParaRPr lang="ru-RU" sz="2800" b="1" dirty="0"/>
           </a:p>
         </p:txBody>
       </p:sp>
@@ -6711,34 +9876,6 @@
       </p:grpSpPr>
       <p:sp>
         <p:nvSpPr>
-          <p:cNvPr id="2" name="Заголовок 1">
-            <a:extLst>
-              <a:ext uri="{FF2B5EF4-FFF2-40B4-BE49-F238E27FC236}">
-                <a16:creationId xmlns:a16="http://schemas.microsoft.com/office/drawing/2014/main" id="{A727125A-1CD3-E801-1C8C-EACAF1897028}"/>
-              </a:ext>
-            </a:extLst>
-          </p:cNvPr>
-          <p:cNvSpPr>
-            <a:spLocks noGrp="1"/>
-          </p:cNvSpPr>
-          <p:nvPr>
-            <p:ph type="title"/>
-          </p:nvPr>
-        </p:nvSpPr>
-        <p:spPr/>
-        <p:txBody>
-          <a:bodyPr/>
-          <a:lstStyle/>
-          <a:p>
-            <a:r>
-              <a:rPr lang="ru-RU" dirty="0"/>
-              <a:t>Применение</a:t>
-            </a:r>
-          </a:p>
-        </p:txBody>
-      </p:sp>
-      <p:sp>
-        <p:nvSpPr>
           <p:cNvPr id="3" name="Объект 2">
             <a:extLst>
               <a:ext uri="{FF2B5EF4-FFF2-40B4-BE49-F238E27FC236}">
@@ -6790,10 +9927,10 @@
           <a:lstStyle/>
           <a:p>
             <a:fld id="{856911BC-71D3-44B2-952E-7B925F4E2A13}" type="slidenum">
-              <a:rPr lang="ru-RU" smtClean="0"/>
+              <a:rPr lang="ru-RU" sz="2800" b="1" smtClean="0"/>
               <a:t>4</a:t>
             </a:fld>
-            <a:endParaRPr lang="ru-RU"/>
+            <a:endParaRPr lang="ru-RU" sz="2800" b="1" dirty="0"/>
           </a:p>
         </p:txBody>
       </p:sp>
@@ -7021,7 +10158,7 @@
           <a:p>
             <a:r>
               <a:rPr lang="ru-RU" dirty="0"/>
-              <a:t>Структура длинной арифметики</a:t>
+              <a:t>Структуры данных</a:t>
             </a:r>
           </a:p>
         </p:txBody>
@@ -7049,7 +10186,7 @@
           <a:p>
             <a:r>
               <a:rPr lang="ru-RU" dirty="0"/>
-              <a:t>Числа, представленные в виде строки – </a:t>
+              <a:t>Два числа, представленных в виде строки – </a:t>
             </a:r>
             <a:r>
               <a:rPr lang="en-US" dirty="0"/>
@@ -7059,7 +10196,7 @@
           <a:p>
             <a:r>
               <a:rPr lang="ru-RU" dirty="0"/>
-              <a:t>Числа, представленные в виде массива – </a:t>
+              <a:t>Два числа, представленные в виде массива – </a:t>
             </a:r>
             <a:r>
               <a:rPr lang="en-US" dirty="0"/>
@@ -7069,7 +10206,7 @@
           <a:p>
             <a:r>
               <a:rPr lang="ru-RU" dirty="0"/>
-              <a:t>Знак числа </a:t>
+              <a:t>Знаки чисел </a:t>
             </a:r>
             <a:r>
               <a:rPr lang="en-US" dirty="0"/>
@@ -7161,10 +10298,10 @@
           <a:lstStyle/>
           <a:p>
             <a:fld id="{856911BC-71D3-44B2-952E-7B925F4E2A13}" type="slidenum">
-              <a:rPr lang="ru-RU" smtClean="0"/>
+              <a:rPr lang="ru-RU" sz="2800" b="1" smtClean="0"/>
               <a:t>5</a:t>
             </a:fld>
-            <a:endParaRPr lang="ru-RU"/>
+            <a:endParaRPr lang="ru-RU" sz="2800" b="1" dirty="0"/>
           </a:p>
         </p:txBody>
       </p:sp>
@@ -7262,7 +10399,7 @@
                 <a:effectLst/>
                 <a:latin typeface="Consolas" panose="020B0609020204030204" pitchFamily="49" charset="0"/>
               </a:rPr>
-              <a:t> – функция, определяющая какое число больше</a:t>
+              <a:t> – определяет какое число больше</a:t>
             </a:r>
             <a:endParaRPr lang="en-US" sz="2000" b="0" dirty="0">
               <a:effectLst/>
@@ -7280,13 +10417,36 @@
               <a:rPr lang="en-US" sz="2000" dirty="0">
                 <a:latin typeface="Consolas" panose="020B0609020204030204" pitchFamily="49" charset="0"/>
               </a:rPr>
-              <a:t> – </a:t>
+              <a:t> –</a:t>
             </a:r>
             <a:r>
               <a:rPr lang="ru-RU" sz="2000" dirty="0">
                 <a:latin typeface="Consolas" panose="020B0609020204030204" pitchFamily="49" charset="0"/>
               </a:rPr>
-              <a:t>функция, удаляющая лидирующие нули</a:t>
+              <a:t> удаляет лидирующие нули</a:t>
+            </a:r>
+            <a:endParaRPr lang="en-US" sz="2000" dirty="0">
+              <a:latin typeface="Consolas" panose="020B0609020204030204" pitchFamily="49" charset="0"/>
+            </a:endParaRPr>
+          </a:p>
+          <a:p>
+            <a:r>
+              <a:rPr lang="en-US" sz="2000" dirty="0" err="1">
+                <a:latin typeface="Consolas" panose="020B0609020204030204" pitchFamily="49" charset="0"/>
+              </a:rPr>
+              <a:t>add_zeroes</a:t>
+            </a:r>
+            <a:r>
+              <a:rPr lang="en-US" sz="2000" dirty="0">
+                <a:latin typeface="Consolas" panose="020B0609020204030204" pitchFamily="49" charset="0"/>
+              </a:rPr>
+              <a:t> - </a:t>
+            </a:r>
+            <a:r>
+              <a:rPr lang="ru-RU" sz="2000" dirty="0">
+                <a:latin typeface="Consolas" panose="020B0609020204030204" pitchFamily="49" charset="0"/>
+              </a:rPr>
+              <a:t>добавляет лидирующие нули</a:t>
             </a:r>
           </a:p>
           <a:p>
@@ -7300,13 +10460,13 @@
               <a:rPr lang="en-US" sz="2000" dirty="0">
                 <a:latin typeface="Consolas" panose="020B0609020204030204" pitchFamily="49" charset="0"/>
               </a:rPr>
-              <a:t> – </a:t>
+              <a:t> –</a:t>
             </a:r>
             <a:r>
               <a:rPr lang="ru-RU" sz="2000" dirty="0">
                 <a:latin typeface="Consolas" panose="020B0609020204030204" pitchFamily="49" charset="0"/>
               </a:rPr>
-              <a:t>функция, конвертирующая </a:t>
+              <a:t> конвертирует </a:t>
             </a:r>
             <a:r>
               <a:rPr lang="en-US" sz="2000" dirty="0">
@@ -7328,12 +10488,44 @@
             </a:r>
           </a:p>
           <a:p>
-            <a:endParaRPr lang="ru-RU" sz="2000" b="0" dirty="0">
-              <a:effectLst/>
-              <a:latin typeface="Consolas" panose="020B0609020204030204" pitchFamily="49" charset="0"/>
-            </a:endParaRPr>
-          </a:p>
-          <a:p>
+            <a:r>
+              <a:rPr lang="en-US" sz="2000" b="0" dirty="0" err="1">
+                <a:effectLst/>
+                <a:latin typeface="Consolas" panose="020B0609020204030204" pitchFamily="49" charset="0"/>
+              </a:rPr>
+              <a:t>read_big</a:t>
+            </a:r>
+            <a:r>
+              <a:rPr lang="en-US" sz="2000" b="0" dirty="0">
+                <a:effectLst/>
+                <a:latin typeface="Consolas" panose="020B0609020204030204" pitchFamily="49" charset="0"/>
+              </a:rPr>
+              <a:t> - </a:t>
+            </a:r>
+            <a:r>
+              <a:rPr lang="ru-RU" sz="2000" dirty="0">
+                <a:latin typeface="Consolas" panose="020B0609020204030204" pitchFamily="49" charset="0"/>
+              </a:rPr>
+              <a:t>конвертирует </a:t>
+            </a:r>
+            <a:r>
+              <a:rPr lang="en-US" sz="2000" dirty="0">
+                <a:latin typeface="Consolas" panose="020B0609020204030204" pitchFamily="49" charset="0"/>
+              </a:rPr>
+              <a:t>string </a:t>
+            </a:r>
+            <a:r>
+              <a:rPr lang="ru-RU" sz="2000" dirty="0">
+                <a:latin typeface="Consolas" panose="020B0609020204030204" pitchFamily="49" charset="0"/>
+              </a:rPr>
+              <a:t>в </a:t>
+            </a:r>
+            <a:r>
+              <a:rPr lang="en-US" sz="2000" dirty="0">
+                <a:latin typeface="Consolas" panose="020B0609020204030204" pitchFamily="49" charset="0"/>
+              </a:rPr>
+              <a:t>vector&lt;int&gt; </a:t>
+            </a:r>
             <a:endParaRPr lang="en-US" sz="2000" b="0" dirty="0">
               <a:effectLst/>
               <a:latin typeface="Consolas" panose="020B0609020204030204" pitchFamily="49" charset="0"/>
@@ -7428,10 +10620,10 @@
           <a:lstStyle/>
           <a:p>
             <a:fld id="{856911BC-71D3-44B2-952E-7B925F4E2A13}" type="slidenum">
-              <a:rPr lang="ru-RU" smtClean="0"/>
+              <a:rPr lang="ru-RU" sz="2800" b="1" smtClean="0"/>
               <a:t>6</a:t>
             </a:fld>
-            <a:endParaRPr lang="ru-RU"/>
+            <a:endParaRPr lang="ru-RU" sz="2800" b="1" dirty="0"/>
           </a:p>
         </p:txBody>
       </p:sp>
@@ -7473,7 +10665,7 @@
           <p:cNvPr id="2" name="Заголовок 1">
             <a:extLst>
               <a:ext uri="{FF2B5EF4-FFF2-40B4-BE49-F238E27FC236}">
-                <a16:creationId xmlns:a16="http://schemas.microsoft.com/office/drawing/2014/main" id="{49CD7794-9744-C70F-0BFA-C7E0AE2A3967}"/>
+                <a16:creationId xmlns:a16="http://schemas.microsoft.com/office/drawing/2014/main" id="{BCE9A0D6-2D3B-D4C3-EC58-FF66EFA55F70}"/>
               </a:ext>
             </a:extLst>
           </p:cNvPr>
@@ -7484,6 +10676,273 @@
             <p:ph type="title"/>
           </p:nvPr>
         </p:nvSpPr>
+        <p:spPr/>
+        <p:txBody>
+          <a:bodyPr/>
+          <a:lstStyle/>
+          <a:p>
+            <a:r>
+              <a:rPr lang="ru-RU" dirty="0"/>
+              <a:t>Ввод данных</a:t>
+            </a:r>
+          </a:p>
+        </p:txBody>
+      </p:sp>
+      <p:sp>
+        <p:nvSpPr>
+          <p:cNvPr id="3" name="Объект 2">
+            <a:extLst>
+              <a:ext uri="{FF2B5EF4-FFF2-40B4-BE49-F238E27FC236}">
+                <a16:creationId xmlns:a16="http://schemas.microsoft.com/office/drawing/2014/main" id="{48B859C6-82AA-DA25-664C-EFC2B66A3936}"/>
+              </a:ext>
+            </a:extLst>
+          </p:cNvPr>
+          <p:cNvSpPr>
+            <a:spLocks noGrp="1"/>
+          </p:cNvSpPr>
+          <p:nvPr>
+            <p:ph idx="1"/>
+          </p:nvPr>
+        </p:nvSpPr>
+        <p:spPr/>
+        <p:txBody>
+          <a:bodyPr/>
+          <a:lstStyle/>
+          <a:p>
+            <a:pPr marL="514350" indent="-514350">
+              <a:buFont typeface="+mj-lt"/>
+              <a:buAutoNum type="arabicPeriod"/>
+            </a:pPr>
+            <a:r>
+              <a:rPr lang="ru-RU" dirty="0"/>
+              <a:t>Первое входное число присваивается </a:t>
+            </a:r>
+            <a:r>
+              <a:rPr lang="en-US" dirty="0"/>
+              <a:t>string num</a:t>
+            </a:r>
+            <a:r>
+              <a:rPr lang="ru-RU" dirty="0"/>
+              <a:t>1</a:t>
+            </a:r>
+          </a:p>
+          <a:p>
+            <a:pPr marL="514350" indent="-514350">
+              <a:buFont typeface="+mj-lt"/>
+              <a:buAutoNum type="arabicPeriod"/>
+            </a:pPr>
+            <a:r>
+              <a:rPr lang="ru-RU" dirty="0"/>
+              <a:t>Знак операции присваивается </a:t>
+            </a:r>
+            <a:r>
+              <a:rPr lang="en-US" dirty="0"/>
+              <a:t>string </a:t>
+            </a:r>
+            <a:r>
+              <a:rPr lang="en-US" dirty="0" err="1"/>
+              <a:t>operation_sign</a:t>
+            </a:r>
+            <a:endParaRPr lang="en-US" dirty="0"/>
+          </a:p>
+          <a:p>
+            <a:pPr marL="514350" indent="-514350">
+              <a:buFont typeface="+mj-lt"/>
+              <a:buAutoNum type="arabicPeriod"/>
+            </a:pPr>
+            <a:r>
+              <a:rPr lang="ru-RU" dirty="0"/>
+              <a:t>Второе входное число присваивается </a:t>
+            </a:r>
+            <a:r>
+              <a:rPr lang="en-US" dirty="0"/>
+              <a:t>string num</a:t>
+            </a:r>
+            <a:r>
+              <a:rPr lang="ru-RU" dirty="0"/>
+              <a:t>2</a:t>
+            </a:r>
+            <a:endParaRPr lang="en-US" dirty="0"/>
+          </a:p>
+          <a:p>
+            <a:pPr marL="514350" indent="-514350">
+              <a:buFont typeface="+mj-lt"/>
+              <a:buAutoNum type="arabicPeriod"/>
+            </a:pPr>
+            <a:r>
+              <a:rPr lang="ru-RU" dirty="0"/>
+              <a:t>Если </a:t>
+            </a:r>
+            <a:r>
+              <a:rPr lang="en-US" dirty="0" err="1"/>
+              <a:t>operation_sign</a:t>
+            </a:r>
+            <a:r>
+              <a:rPr lang="ru-RU" dirty="0"/>
+              <a:t> = </a:t>
+            </a:r>
+            <a:r>
+              <a:rPr lang="en-US" dirty="0"/>
+              <a:t>“-”</a:t>
+            </a:r>
+            <a:r>
+              <a:rPr lang="ru-RU" dirty="0"/>
+              <a:t>, то </a:t>
+            </a:r>
+            <a:r>
+              <a:rPr lang="en-US" dirty="0"/>
+              <a:t>int</a:t>
+            </a:r>
+            <a:r>
+              <a:rPr lang="ru-RU" dirty="0"/>
+              <a:t> </a:t>
+            </a:r>
+            <a:r>
+              <a:rPr lang="en-US" dirty="0" err="1"/>
+              <a:t>is_negative</a:t>
+            </a:r>
+            <a:r>
+              <a:rPr lang="en-US" dirty="0"/>
+              <a:t> </a:t>
+            </a:r>
+            <a:r>
+              <a:rPr lang="ru-RU" dirty="0"/>
+              <a:t>= 1</a:t>
+            </a:r>
+          </a:p>
+        </p:txBody>
+      </p:sp>
+      <p:sp>
+        <p:nvSpPr>
+          <p:cNvPr id="4" name="Номер слайда 3">
+            <a:extLst>
+              <a:ext uri="{FF2B5EF4-FFF2-40B4-BE49-F238E27FC236}">
+                <a16:creationId xmlns:a16="http://schemas.microsoft.com/office/drawing/2014/main" id="{D68E92CB-89B9-B693-F935-33296E8C1124}"/>
+              </a:ext>
+            </a:extLst>
+          </p:cNvPr>
+          <p:cNvSpPr>
+            <a:spLocks noGrp="1"/>
+          </p:cNvSpPr>
+          <p:nvPr>
+            <p:ph type="sldNum" sz="quarter" idx="12"/>
+          </p:nvPr>
+        </p:nvSpPr>
+        <p:spPr/>
+        <p:txBody>
+          <a:bodyPr/>
+          <a:lstStyle/>
+          <a:p>
+            <a:fld id="{856911BC-71D3-44B2-952E-7B925F4E2A13}" type="slidenum">
+              <a:rPr lang="ru-RU" sz="2800" b="1" smtClean="0"/>
+              <a:t>7</a:t>
+            </a:fld>
+            <a:endParaRPr lang="ru-RU" sz="2800" b="1" dirty="0"/>
+          </a:p>
+        </p:txBody>
+      </p:sp>
+      <p:pic>
+        <p:nvPicPr>
+          <p:cNvPr id="5" name="Picture 4">
+            <a:extLst>
+              <a:ext uri="{FF2B5EF4-FFF2-40B4-BE49-F238E27FC236}">
+                <a16:creationId xmlns:a16="http://schemas.microsoft.com/office/drawing/2014/main" id="{7E019187-A67E-2E2C-7883-5DDF07B98E64}"/>
+              </a:ext>
+            </a:extLst>
+          </p:cNvPr>
+          <p:cNvPicPr>
+            <a:picLocks noChangeAspect="1" noChangeArrowheads="1"/>
+          </p:cNvPicPr>
+          <p:nvPr/>
+        </p:nvPicPr>
+        <p:blipFill>
+          <a:blip r:embed="rId2">
+            <a:extLst>
+              <a:ext uri="{BEBA8EAE-BF5A-486C-A8C5-ECC9F3942E4B}">
+                <a14:imgProps xmlns:a14="http://schemas.microsoft.com/office/drawing/2010/main">
+                  <a14:imgLayer r:embed="rId3">
+                    <a14:imgEffect>
+                      <a14:backgroundRemoval t="10000" b="90000" l="10000" r="90000"/>
+                    </a14:imgEffect>
+                  </a14:imgLayer>
+                </a14:imgProps>
+              </a:ext>
+              <a:ext uri="{28A0092B-C50C-407E-A947-70E740481C1C}">
+                <a14:useLocalDpi xmlns:a14="http://schemas.microsoft.com/office/drawing/2010/main" val="0"/>
+              </a:ext>
+            </a:extLst>
+          </a:blip>
+          <a:srcRect/>
+          <a:stretch>
+            <a:fillRect/>
+          </a:stretch>
+        </p:blipFill>
+        <p:spPr bwMode="auto">
+          <a:xfrm>
+            <a:off x="0" y="5950979"/>
+            <a:ext cx="905934" cy="905934"/>
+          </a:xfrm>
+          <a:prstGeom prst="rect">
+            <a:avLst/>
+          </a:prstGeom>
+          <a:noFill/>
+          <a:extLst>
+            <a:ext uri="{909E8E84-426E-40DD-AFC4-6F175D3DCCD1}">
+              <a14:hiddenFill xmlns:a14="http://schemas.microsoft.com/office/drawing/2010/main">
+                <a:solidFill>
+                  <a:srgbClr val="FFFFFF"/>
+                </a:solidFill>
+              </a14:hiddenFill>
+            </a:ext>
+          </a:extLst>
+        </p:spPr>
+      </p:pic>
+    </p:spTree>
+    <p:extLst>
+      <p:ext uri="{BB962C8B-B14F-4D97-AF65-F5344CB8AC3E}">
+        <p14:creationId xmlns:p14="http://schemas.microsoft.com/office/powerpoint/2010/main" val="35172224"/>
+      </p:ext>
+    </p:extLst>
+  </p:cSld>
+  <p:clrMapOvr>
+    <a:masterClrMapping/>
+  </p:clrMapOvr>
+</p:sld>
+</file>
+
+<file path=ppt/slides/slide8.xml><?xml version="1.0" encoding="utf-8"?>
+<p:sld xmlns:a="http://schemas.openxmlformats.org/drawingml/2006/main" xmlns:r="http://schemas.openxmlformats.org/officeDocument/2006/relationships" xmlns:p="http://schemas.openxmlformats.org/presentationml/2006/main">
+  <p:cSld>
+    <p:spTree>
+      <p:nvGrpSpPr>
+        <p:cNvPr id="1" name=""/>
+        <p:cNvGrpSpPr/>
+        <p:nvPr/>
+      </p:nvGrpSpPr>
+      <p:grpSpPr>
+        <a:xfrm>
+          <a:off x="0" y="0"/>
+          <a:ext cx="0" cy="0"/>
+          <a:chOff x="0" y="0"/>
+          <a:chExt cx="0" cy="0"/>
+        </a:xfrm>
+      </p:grpSpPr>
+      <p:sp>
+        <p:nvSpPr>
+          <p:cNvPr id="2" name="Заголовок 1">
+            <a:extLst>
+              <a:ext uri="{FF2B5EF4-FFF2-40B4-BE49-F238E27FC236}">
+                <a16:creationId xmlns:a16="http://schemas.microsoft.com/office/drawing/2014/main" id="{49CD7794-9744-C70F-0BFA-C7E0AE2A3967}"/>
+              </a:ext>
+            </a:extLst>
+          </p:cNvPr>
+          <p:cNvSpPr>
+            <a:spLocks noGrp="1"/>
+          </p:cNvSpPr>
+          <p:nvPr>
+            <p:ph type="title"/>
+          </p:nvPr>
+        </p:nvSpPr>
         <p:spPr>
           <a:xfrm>
             <a:off x="838200" y="365125"/>
@@ -7498,7 +10957,7 @@
           <a:p>
             <a:r>
               <a:rPr lang="ru-RU" sz="3200" dirty="0"/>
-              <a:t>Ввод длинных чисел</a:t>
+              <a:t>Преобразование длинного числа</a:t>
             </a:r>
           </a:p>
         </p:txBody>
@@ -7522,24 +10981,51 @@
         <p:spPr>
           <a:xfrm>
             <a:off x="838200" y="1253331"/>
-            <a:ext cx="10515600" cy="4351338"/>
+            <a:ext cx="10668000" cy="4351338"/>
           </a:xfrm>
         </p:spPr>
         <p:txBody>
           <a:bodyPr/>
           <a:lstStyle/>
           <a:p>
+            <a:pPr marL="0" indent="0">
+              <a:buNone/>
+            </a:pPr>
+            <a:r>
+              <a:rPr lang="en-US" dirty="0"/>
+              <a:t>vector&lt;int&gt; op = </a:t>
+            </a:r>
             <a:r>
               <a:rPr lang="en-US" dirty="0" err="1"/>
               <a:t>read_big</a:t>
             </a:r>
             <a:r>
+              <a:rPr lang="ru-RU" dirty="0"/>
+              <a:t>(</a:t>
+            </a:r>
+            <a:r>
               <a:rPr lang="en-US" dirty="0"/>
-              <a:t> – </a:t>
+              <a:t>string num) – </a:t>
             </a:r>
             <a:r>
               <a:rPr lang="ru-RU" dirty="0"/>
-              <a:t>функция, вносящая цифры числа в массив в обратном порядке.</a:t>
+              <a:t>вносит символы из </a:t>
+            </a:r>
+            <a:r>
+              <a:rPr lang="en-US" dirty="0"/>
+              <a:t>string num</a:t>
+            </a:r>
+            <a:r>
+              <a:rPr lang="ru-RU" dirty="0"/>
+              <a:t> в числовой массив </a:t>
+            </a:r>
+            <a:r>
+              <a:rPr lang="en-US" dirty="0"/>
+              <a:t>vector&lt;int&gt; op</a:t>
+            </a:r>
+            <a:r>
+              <a:rPr lang="ru-RU" dirty="0"/>
+              <a:t> поразрядно в обратном порядке.</a:t>
             </a:r>
           </a:p>
         </p:txBody>
@@ -8389,9 +11875,10 @@
           <a:p>
             <a:pPr algn="r"/>
             <a:r>
-              <a:rPr lang="ru-RU" dirty="0"/>
-              <a:t>Ввод</a:t>
-            </a:r>
+              <a:rPr lang="en-US" dirty="0"/>
+              <a:t>string num</a:t>
+            </a:r>
+            <a:endParaRPr lang="ru-RU" dirty="0"/>
           </a:p>
         </p:txBody>
       </p:sp>
@@ -8735,10 +12222,10 @@
           <a:lstStyle/>
           <a:p>
             <a:fld id="{856911BC-71D3-44B2-952E-7B925F4E2A13}" type="slidenum">
-              <a:rPr lang="ru-RU" smtClean="0"/>
-              <a:t>7</a:t>
+              <a:rPr lang="ru-RU" sz="2800" b="1" smtClean="0"/>
+              <a:t>8</a:t>
             </a:fld>
-            <a:endParaRPr lang="ru-RU"/>
+            <a:endParaRPr lang="ru-RU" sz="2800" b="1" dirty="0"/>
           </a:p>
         </p:txBody>
       </p:sp>
@@ -8758,7 +12245,7 @@
 </p:sld>
 </file>
 
-<file path=ppt/slides/slide8.xml><?xml version="1.0" encoding="utf-8"?>
+<file path=ppt/slides/slide9.xml><?xml version="1.0" encoding="utf-8"?>
 <p:sld xmlns:a="http://schemas.openxmlformats.org/drawingml/2006/main" xmlns:r="http://schemas.openxmlformats.org/officeDocument/2006/relationships" xmlns:p="http://schemas.openxmlformats.org/presentationml/2006/main">
   <p:cSld>
     <p:spTree>
@@ -8791,7 +12278,12 @@
             <p:ph type="title"/>
           </p:nvPr>
         </p:nvSpPr>
-        <p:spPr/>
+        <p:spPr>
+          <a:xfrm>
+            <a:off x="818089" y="125361"/>
+            <a:ext cx="10515600" cy="905935"/>
+          </a:xfrm>
+        </p:spPr>
         <p:txBody>
           <a:bodyPr/>
           <a:lstStyle/>
@@ -8827,22 +12319,42 @@
             <p:ph idx="1"/>
           </p:nvPr>
         </p:nvSpPr>
-        <p:spPr/>
+        <p:spPr>
+          <a:xfrm>
+            <a:off x="714375" y="1253331"/>
+            <a:ext cx="10515600" cy="4351338"/>
+          </a:xfrm>
+        </p:spPr>
         <p:txBody>
           <a:bodyPr/>
           <a:lstStyle/>
           <a:p>
+            <a:pPr marL="0" indent="0">
+              <a:buNone/>
+            </a:pPr>
             <a:r>
               <a:rPr lang="en-US" dirty="0" err="1"/>
               <a:t>print_big</a:t>
             </a:r>
             <a:r>
+              <a:rPr lang="ru-RU" dirty="0"/>
+              <a:t>(</a:t>
+            </a:r>
+            <a:r>
               <a:rPr lang="en-US" dirty="0"/>
-              <a:t> – </a:t>
+              <a:t>vector&lt;int&gt; op) – </a:t>
             </a:r>
             <a:r>
               <a:rPr lang="ru-RU" dirty="0"/>
-              <a:t>функция работает аналогично функции ввода, выводит числа в обратном порядке.</a:t>
+              <a:t>функция выводит в файл цифры из массива </a:t>
+            </a:r>
+            <a:r>
+              <a:rPr lang="en-US" dirty="0"/>
+              <a:t>vector&lt;int&gt; op</a:t>
+            </a:r>
+            <a:r>
+              <a:rPr lang="ru-RU" dirty="0"/>
+              <a:t> в обратном порядке</a:t>
             </a:r>
           </a:p>
         </p:txBody>
@@ -8925,10 +12437,10 @@
           <a:lstStyle/>
           <a:p>
             <a:fld id="{856911BC-71D3-44B2-952E-7B925F4E2A13}" type="slidenum">
-              <a:rPr lang="ru-RU" smtClean="0"/>
-              <a:t>8</a:t>
+              <a:rPr lang="ru-RU" sz="2800" b="1" smtClean="0"/>
+              <a:t>9</a:t>
             </a:fld>
-            <a:endParaRPr lang="ru-RU"/>
+            <a:endParaRPr lang="ru-RU" sz="2800" b="1" dirty="0"/>
           </a:p>
         </p:txBody>
       </p:sp>
@@ -8947,13 +12459,13 @@
           <p:nvPr>
             <p:extLst>
               <p:ext uri="{D42A27DB-BD31-4B8C-83A1-F6EECF244321}">
-                <p14:modId xmlns:p14="http://schemas.microsoft.com/office/powerpoint/2010/main" val="443426314"/>
+                <p14:modId xmlns:p14="http://schemas.microsoft.com/office/powerpoint/2010/main" val="3188061599"/>
               </p:ext>
             </p:extLst>
           </p:nvPr>
         </p:nvGraphicFramePr>
         <p:xfrm>
-          <a:off x="2477826" y="3297844"/>
+          <a:off x="2074972" y="2793019"/>
           <a:ext cx="3618174" cy="396240"/>
         </p:xfrm>
         <a:graphic>
@@ -9223,13 +12735,13 @@
           <p:nvPr>
             <p:extLst>
               <p:ext uri="{D42A27DB-BD31-4B8C-83A1-F6EECF244321}">
-                <p14:modId xmlns:p14="http://schemas.microsoft.com/office/powerpoint/2010/main" val="3020789880"/>
+                <p14:modId xmlns:p14="http://schemas.microsoft.com/office/powerpoint/2010/main" val="4004917036"/>
               </p:ext>
             </p:extLst>
           </p:nvPr>
         </p:nvGraphicFramePr>
         <p:xfrm>
-          <a:off x="2477826" y="4663789"/>
+          <a:off x="2074972" y="4158964"/>
           <a:ext cx="3618174" cy="396240"/>
         </p:xfrm>
         <a:graphic>
@@ -9519,7 +13031,7 @@
         </p:nvSpPr>
         <p:spPr>
           <a:xfrm>
-            <a:off x="1220943" y="3274214"/>
+            <a:off x="818089" y="2769389"/>
             <a:ext cx="1256883" cy="369332"/>
           </a:xfrm>
           <a:prstGeom prst="rect">
@@ -9556,7 +13068,7 @@
         </p:nvSpPr>
         <p:spPr>
           <a:xfrm>
-            <a:off x="1659974" y="4640159"/>
+            <a:off x="1257120" y="4135334"/>
             <a:ext cx="817853" cy="369332"/>
           </a:xfrm>
           <a:prstGeom prst="rect">
@@ -9594,7 +13106,7 @@
         </p:nvCxnSpPr>
         <p:spPr>
           <a:xfrm>
-            <a:off x="2757454" y="3694084"/>
+            <a:off x="2354600" y="3189259"/>
             <a:ext cx="3043451" cy="969705"/>
           </a:xfrm>
           <a:prstGeom prst="straightConnector1">
@@ -9635,7 +13147,7 @@
         </p:nvCxnSpPr>
         <p:spPr>
           <a:xfrm>
-            <a:off x="3262422" y="3682269"/>
+            <a:off x="2859568" y="3177444"/>
             <a:ext cx="2047164" cy="991674"/>
           </a:xfrm>
           <a:prstGeom prst="straightConnector1">
@@ -9676,7 +13188,7 @@
         </p:nvCxnSpPr>
         <p:spPr>
           <a:xfrm>
-            <a:off x="3655629" y="3660300"/>
+            <a:off x="3252775" y="3155475"/>
             <a:ext cx="1222346" cy="1013643"/>
           </a:xfrm>
           <a:prstGeom prst="straightConnector1">
@@ -9717,7 +13229,7 @@
         </p:nvCxnSpPr>
         <p:spPr>
           <a:xfrm>
-            <a:off x="4286004" y="3682269"/>
+            <a:off x="3883150" y="3177444"/>
             <a:ext cx="909" cy="981520"/>
           </a:xfrm>
           <a:prstGeom prst="straightConnector1">
@@ -9756,7 +13268,7 @@
         </p:nvCxnSpPr>
         <p:spPr>
           <a:xfrm flipH="1">
-            <a:off x="3734709" y="3676362"/>
+            <a:off x="3331855" y="3171537"/>
             <a:ext cx="1142812" cy="1008966"/>
           </a:xfrm>
           <a:prstGeom prst="straightConnector1">
@@ -9795,7 +13307,7 @@
         </p:nvCxnSpPr>
         <p:spPr>
           <a:xfrm flipH="1">
-            <a:off x="3262422" y="3676362"/>
+            <a:off x="2859568" y="3171537"/>
             <a:ext cx="2047164" cy="997581"/>
           </a:xfrm>
           <a:prstGeom prst="straightConnector1">
@@ -9834,7 +13346,7 @@
         </p:nvCxnSpPr>
         <p:spPr>
           <a:xfrm flipH="1">
-            <a:off x="2757453" y="3676362"/>
+            <a:off x="2354599" y="3171537"/>
             <a:ext cx="3043452" cy="1008966"/>
           </a:xfrm>
           <a:prstGeom prst="straightConnector1">
@@ -9874,13 +13386,13 @@
           <p:nvPr>
             <p:extLst>
               <p:ext uri="{D42A27DB-BD31-4B8C-83A1-F6EECF244321}">
-                <p14:modId xmlns:p14="http://schemas.microsoft.com/office/powerpoint/2010/main" val="1982656307"/>
+                <p14:modId xmlns:p14="http://schemas.microsoft.com/office/powerpoint/2010/main" val="3707103631"/>
               </p:ext>
             </p:extLst>
           </p:nvPr>
         </p:nvGraphicFramePr>
         <p:xfrm>
-          <a:off x="2457715" y="2810992"/>
+          <a:off x="2054861" y="2306167"/>
           <a:ext cx="3618174" cy="370840"/>
         </p:xfrm>
         <a:graphic>
@@ -10109,463 +13621,6 @@
     <p:extLst>
       <p:ext uri="{BB962C8B-B14F-4D97-AF65-F5344CB8AC3E}">
         <p14:creationId xmlns:p14="http://schemas.microsoft.com/office/powerpoint/2010/main" val="299932075"/>
-      </p:ext>
-    </p:extLst>
-  </p:cSld>
-  <p:clrMapOvr>
-    <a:masterClrMapping/>
-  </p:clrMapOvr>
-  <p:transition spd="slow">
-    <p:push dir="u"/>
-  </p:transition>
-</p:sld>
-</file>
-
-<file path=ppt/slides/slide9.xml><?xml version="1.0" encoding="utf-8"?>
-<p:sld xmlns:a="http://schemas.openxmlformats.org/drawingml/2006/main" xmlns:r="http://schemas.openxmlformats.org/officeDocument/2006/relationships" xmlns:p="http://schemas.openxmlformats.org/presentationml/2006/main">
-  <p:cSld>
-    <p:spTree>
-      <p:nvGrpSpPr>
-        <p:cNvPr id="1" name=""/>
-        <p:cNvGrpSpPr/>
-        <p:nvPr/>
-      </p:nvGrpSpPr>
-      <p:grpSpPr>
-        <a:xfrm>
-          <a:off x="0" y="0"/>
-          <a:ext cx="0" cy="0"/>
-          <a:chOff x="0" y="0"/>
-          <a:chExt cx="0" cy="0"/>
-        </a:xfrm>
-      </p:grpSpPr>
-      <p:sp>
-        <p:nvSpPr>
-          <p:cNvPr id="2" name="Заголовок 1">
-            <a:extLst>
-              <a:ext uri="{FF2B5EF4-FFF2-40B4-BE49-F238E27FC236}">
-                <a16:creationId xmlns:a16="http://schemas.microsoft.com/office/drawing/2014/main" id="{27D03904-5F1A-F534-81DA-A9AC49F8FE07}"/>
-              </a:ext>
-            </a:extLst>
-          </p:cNvPr>
-          <p:cNvSpPr>
-            <a:spLocks noGrp="1"/>
-          </p:cNvSpPr>
-          <p:nvPr>
-            <p:ph type="title"/>
-          </p:nvPr>
-        </p:nvSpPr>
-        <p:spPr/>
-        <p:txBody>
-          <a:bodyPr>
-            <a:normAutofit/>
-          </a:bodyPr>
-          <a:lstStyle/>
-          <a:p>
-            <a:r>
-              <a:rPr lang="ru-RU" sz="3200" dirty="0">
-                <a:solidFill>
-                  <a:schemeClr val="tx1"/>
-                </a:solidFill>
-              </a:rPr>
-              <a:t>Операции длинной арифметики</a:t>
-            </a:r>
-            <a:endParaRPr lang="ru-RU" sz="3200" dirty="0"/>
-          </a:p>
-        </p:txBody>
-      </p:sp>
-      <p:sp>
-        <p:nvSpPr>
-          <p:cNvPr id="3" name="Объект 2">
-            <a:extLst>
-              <a:ext uri="{FF2B5EF4-FFF2-40B4-BE49-F238E27FC236}">
-                <a16:creationId xmlns:a16="http://schemas.microsoft.com/office/drawing/2014/main" id="{1423F3BF-DB59-4472-78C0-07DC0A23312E}"/>
-              </a:ext>
-            </a:extLst>
-          </p:cNvPr>
-          <p:cNvSpPr>
-            <a:spLocks noGrp="1"/>
-          </p:cNvSpPr>
-          <p:nvPr>
-            <p:ph idx="1"/>
-          </p:nvPr>
-        </p:nvSpPr>
-        <p:spPr/>
-        <p:txBody>
-          <a:bodyPr/>
-          <a:lstStyle/>
-          <a:p>
-            <a:r>
-              <a:rPr lang="ru-RU" dirty="0"/>
-              <a:t>Сложение</a:t>
-            </a:r>
-          </a:p>
-          <a:p>
-            <a:r>
-              <a:rPr lang="ru-RU" dirty="0"/>
-              <a:t>Вычитание</a:t>
-            </a:r>
-          </a:p>
-          <a:p>
-            <a:r>
-              <a:rPr lang="ru-RU" dirty="0"/>
-              <a:t>Целочисленное умножение</a:t>
-            </a:r>
-          </a:p>
-          <a:p>
-            <a:r>
-              <a:rPr lang="ru-RU" dirty="0"/>
-              <a:t>Целочисленное деление</a:t>
-            </a:r>
-          </a:p>
-        </p:txBody>
-      </p:sp>
-      <p:pic>
-        <p:nvPicPr>
-          <p:cNvPr id="4" name="Picture 4">
-            <a:extLst>
-              <a:ext uri="{FF2B5EF4-FFF2-40B4-BE49-F238E27FC236}">
-                <a16:creationId xmlns:a16="http://schemas.microsoft.com/office/drawing/2014/main" id="{FA960A87-9C87-5C7C-E8D4-3E42DA16D376}"/>
-              </a:ext>
-            </a:extLst>
-          </p:cNvPr>
-          <p:cNvPicPr>
-            <a:picLocks noChangeAspect="1" noChangeArrowheads="1"/>
-          </p:cNvPicPr>
-          <p:nvPr/>
-        </p:nvPicPr>
-        <p:blipFill>
-          <a:blip r:embed="rId2">
-            <a:extLst>
-              <a:ext uri="{BEBA8EAE-BF5A-486C-A8C5-ECC9F3942E4B}">
-                <a14:imgProps xmlns:a14="http://schemas.microsoft.com/office/drawing/2010/main">
-                  <a14:imgLayer r:embed="rId3">
-                    <a14:imgEffect>
-                      <a14:backgroundRemoval t="10000" b="90000" l="10000" r="90000"/>
-                    </a14:imgEffect>
-                  </a14:imgLayer>
-                </a14:imgProps>
-              </a:ext>
-              <a:ext uri="{28A0092B-C50C-407E-A947-70E740481C1C}">
-                <a14:useLocalDpi xmlns:a14="http://schemas.microsoft.com/office/drawing/2010/main" val="0"/>
-              </a:ext>
-            </a:extLst>
-          </a:blip>
-          <a:srcRect/>
-          <a:stretch>
-            <a:fillRect/>
-          </a:stretch>
-        </p:blipFill>
-        <p:spPr bwMode="auto">
-          <a:xfrm>
-            <a:off x="0" y="5950979"/>
-            <a:ext cx="905934" cy="905934"/>
-          </a:xfrm>
-          <a:prstGeom prst="rect">
-            <a:avLst/>
-          </a:prstGeom>
-          <a:noFill/>
-          <a:extLst>
-            <a:ext uri="{909E8E84-426E-40DD-AFC4-6F175D3DCCD1}">
-              <a14:hiddenFill xmlns:a14="http://schemas.microsoft.com/office/drawing/2010/main">
-                <a:solidFill>
-                  <a:srgbClr val="FFFFFF"/>
-                </a:solidFill>
-              </a14:hiddenFill>
-            </a:ext>
-          </a:extLst>
-        </p:spPr>
-      </p:pic>
-      <p:sp>
-        <p:nvSpPr>
-          <p:cNvPr id="5" name="Номер слайда 4">
-            <a:extLst>
-              <a:ext uri="{FF2B5EF4-FFF2-40B4-BE49-F238E27FC236}">
-                <a16:creationId xmlns:a16="http://schemas.microsoft.com/office/drawing/2014/main" id="{614855E0-B645-5838-E0CC-2EB8409B3C9D}"/>
-              </a:ext>
-            </a:extLst>
-          </p:cNvPr>
-          <p:cNvSpPr>
-            <a:spLocks noGrp="1"/>
-          </p:cNvSpPr>
-          <p:nvPr>
-            <p:ph type="sldNum" sz="quarter" idx="12"/>
-          </p:nvPr>
-        </p:nvSpPr>
-        <p:spPr/>
-        <p:txBody>
-          <a:bodyPr/>
-          <a:lstStyle/>
-          <a:p>
-            <a:fld id="{856911BC-71D3-44B2-952E-7B925F4E2A13}" type="slidenum">
-              <a:rPr lang="ru-RU" smtClean="0"/>
-              <a:t>9</a:t>
-            </a:fld>
-            <a:endParaRPr lang="ru-RU"/>
-          </a:p>
-        </p:txBody>
-      </p:sp>
-      <p:graphicFrame>
-        <p:nvGraphicFramePr>
-          <p:cNvPr id="7" name="Таблица 6">
-            <a:extLst>
-              <a:ext uri="{FF2B5EF4-FFF2-40B4-BE49-F238E27FC236}">
-                <a16:creationId xmlns:a16="http://schemas.microsoft.com/office/drawing/2014/main" id="{EF762F5E-6981-846F-877C-3030FCB69BDC}"/>
-              </a:ext>
-            </a:extLst>
-          </p:cNvPr>
-          <p:cNvGraphicFramePr>
-            <a:graphicFrameLocks noGrp="1"/>
-          </p:cNvGraphicFramePr>
-          <p:nvPr>
-            <p:extLst>
-              <p:ext uri="{D42A27DB-BD31-4B8C-83A1-F6EECF244321}">
-                <p14:modId xmlns:p14="http://schemas.microsoft.com/office/powerpoint/2010/main" val="2194139299"/>
-              </p:ext>
-            </p:extLst>
-          </p:nvPr>
-        </p:nvGraphicFramePr>
-        <p:xfrm>
-          <a:off x="7877175" y="1825625"/>
-          <a:ext cx="2486026" cy="2352676"/>
-        </p:xfrm>
-        <a:graphic>
-          <a:graphicData uri="http://schemas.openxmlformats.org/drawingml/2006/table">
-            <a:tbl>
-              <a:tblPr/>
-              <a:tblGrid>
-                <a:gridCol w="1243013">
-                  <a:extLst>
-                    <a:ext uri="{9D8B030D-6E8A-4147-A177-3AD203B41FA5}">
-                      <a16:colId xmlns:a16="http://schemas.microsoft.com/office/drawing/2014/main" val="1258270245"/>
-                    </a:ext>
-                  </a:extLst>
-                </a:gridCol>
-                <a:gridCol w="1243013">
-                  <a:extLst>
-                    <a:ext uri="{9D8B030D-6E8A-4147-A177-3AD203B41FA5}">
-                      <a16:colId xmlns:a16="http://schemas.microsoft.com/office/drawing/2014/main" val="2462480938"/>
-                    </a:ext>
-                  </a:extLst>
-                </a:gridCol>
-              </a:tblGrid>
-              <a:tr h="1176338">
-                <a:tc>
-                  <a:txBody>
-                    <a:bodyPr/>
-                    <a:lstStyle/>
-                    <a:p>
-                      <a:pPr algn="ctr"/>
-                      <a:r>
-                        <a:rPr lang="en-US" sz="6600" dirty="0"/>
-                        <a:t>+</a:t>
-                      </a:r>
-                      <a:endParaRPr lang="ru-RU" sz="6600" dirty="0"/>
-                    </a:p>
-                  </a:txBody>
-                  <a:tcPr>
-                    <a:lnL w="12700" cmpd="sng">
-                      <a:solidFill>
-                        <a:schemeClr val="tx1"/>
-                      </a:solidFill>
-                      <a:prstDash val="solid"/>
-                    </a:lnL>
-                    <a:lnR w="12700" cap="flat" cmpd="sng" algn="ctr">
-                      <a:solidFill>
-                        <a:schemeClr val="tx1"/>
-                      </a:solidFill>
-                      <a:prstDash val="solid"/>
-                      <a:round/>
-                      <a:headEnd type="none" w="med" len="med"/>
-                      <a:tailEnd type="none" w="med" len="med"/>
-                    </a:lnR>
-                    <a:lnT w="12700" cmpd="sng">
-                      <a:solidFill>
-                        <a:schemeClr val="tx1"/>
-                      </a:solidFill>
-                      <a:prstDash val="solid"/>
-                    </a:lnT>
-                    <a:lnB w="12700" cap="flat" cmpd="sng" algn="ctr">
-                      <a:solidFill>
-                        <a:schemeClr val="tx1"/>
-                      </a:solidFill>
-                      <a:prstDash val="solid"/>
-                      <a:round/>
-                      <a:headEnd type="none" w="med" len="med"/>
-                      <a:tailEnd type="none" w="med" len="med"/>
-                    </a:lnB>
-                  </a:tcPr>
-                </a:tc>
-                <a:tc>
-                  <a:txBody>
-                    <a:bodyPr/>
-                    <a:lstStyle/>
-                    <a:p>
-                      <a:pPr algn="ctr"/>
-                      <a:r>
-                        <a:rPr lang="en-US" sz="6600" dirty="0"/>
-                        <a:t>-</a:t>
-                      </a:r>
-                      <a:endParaRPr lang="ru-RU" sz="6600" dirty="0"/>
-                    </a:p>
-                  </a:txBody>
-                  <a:tcPr>
-                    <a:lnL w="12700" cap="flat" cmpd="sng" algn="ctr">
-                      <a:solidFill>
-                        <a:schemeClr val="tx1"/>
-                      </a:solidFill>
-                      <a:prstDash val="solid"/>
-                      <a:round/>
-                      <a:headEnd type="none" w="med" len="med"/>
-                      <a:tailEnd type="none" w="med" len="med"/>
-                    </a:lnL>
-                    <a:lnR w="12700" cmpd="sng">
-                      <a:solidFill>
-                        <a:schemeClr val="tx1"/>
-                      </a:solidFill>
-                      <a:prstDash val="solid"/>
-                    </a:lnR>
-                    <a:lnT w="12700" cap="flat" cmpd="sng" algn="ctr">
-                      <a:solidFill>
-                        <a:schemeClr val="tx1"/>
-                      </a:solidFill>
-                      <a:prstDash val="solid"/>
-                      <a:round/>
-                      <a:headEnd type="none" w="med" len="med"/>
-                      <a:tailEnd type="none" w="med" len="med"/>
-                    </a:lnT>
-                    <a:lnB w="12700" cap="flat" cmpd="sng" algn="ctr">
-                      <a:solidFill>
-                        <a:schemeClr val="tx1"/>
-                      </a:solidFill>
-                      <a:prstDash val="solid"/>
-                      <a:round/>
-                      <a:headEnd type="none" w="med" len="med"/>
-                      <a:tailEnd type="none" w="med" len="med"/>
-                    </a:lnB>
-                  </a:tcPr>
-                </a:tc>
-                <a:extLst>
-                  <a:ext uri="{0D108BD9-81ED-4DB2-BD59-A6C34878D82A}">
-                    <a16:rowId xmlns:a16="http://schemas.microsoft.com/office/drawing/2014/main" val="2425374942"/>
-                  </a:ext>
-                </a:extLst>
-              </a:tr>
-              <a:tr h="1176338">
-                <a:tc>
-                  <a:txBody>
-                    <a:bodyPr/>
-                    <a:lstStyle/>
-                    <a:p>
-                      <a:pPr algn="ctr"/>
-                      <a:r>
-                        <a:rPr lang="en-US" sz="6600" dirty="0"/>
-                        <a:t>*</a:t>
-                      </a:r>
-                      <a:endParaRPr lang="ru-RU" sz="6600" dirty="0"/>
-                    </a:p>
-                  </a:txBody>
-                  <a:tcPr>
-                    <a:lnL w="12700" cap="flat" cmpd="sng" algn="ctr">
-                      <a:solidFill>
-                        <a:schemeClr val="tx1"/>
-                      </a:solidFill>
-                      <a:prstDash val="solid"/>
-                      <a:round/>
-                      <a:headEnd type="none" w="med" len="med"/>
-                      <a:tailEnd type="none" w="med" len="med"/>
-                    </a:lnL>
-                    <a:lnR w="12700" cap="flat" cmpd="sng" algn="ctr">
-                      <a:solidFill>
-                        <a:schemeClr val="tx1"/>
-                      </a:solidFill>
-                      <a:prstDash val="solid"/>
-                      <a:round/>
-                      <a:headEnd type="none" w="med" len="med"/>
-                      <a:tailEnd type="none" w="med" len="med"/>
-                    </a:lnR>
-                    <a:lnT w="12700" cap="flat" cmpd="sng" algn="ctr">
-                      <a:solidFill>
-                        <a:schemeClr val="tx1"/>
-                      </a:solidFill>
-                      <a:prstDash val="solid"/>
-                      <a:round/>
-                      <a:headEnd type="none" w="med" len="med"/>
-                      <a:tailEnd type="none" w="med" len="med"/>
-                    </a:lnT>
-                    <a:lnB w="12700" cmpd="sng">
-                      <a:solidFill>
-                        <a:schemeClr val="tx1"/>
-                      </a:solidFill>
-                      <a:prstDash val="solid"/>
-                    </a:lnB>
-                  </a:tcPr>
-                </a:tc>
-                <a:tc>
-                  <a:txBody>
-                    <a:bodyPr/>
-                    <a:lstStyle/>
-                    <a:p>
-                      <a:pPr algn="ctr"/>
-                      <a:r>
-                        <a:rPr lang="en-US" sz="6000" dirty="0"/>
-                        <a:t>/</a:t>
-                      </a:r>
-                      <a:endParaRPr lang="ru-RU" sz="6000" dirty="0"/>
-                    </a:p>
-                  </a:txBody>
-                  <a:tcPr>
-                    <a:lnL w="12700" cap="flat" cmpd="sng" algn="ctr">
-                      <a:solidFill>
-                        <a:schemeClr val="tx1"/>
-                      </a:solidFill>
-                      <a:prstDash val="solid"/>
-                      <a:round/>
-                      <a:headEnd type="none" w="med" len="med"/>
-                      <a:tailEnd type="none" w="med" len="med"/>
-                    </a:lnL>
-                    <a:lnR w="12700" cap="flat" cmpd="sng" algn="ctr">
-                      <a:solidFill>
-                        <a:schemeClr val="tx1"/>
-                      </a:solidFill>
-                      <a:prstDash val="solid"/>
-                      <a:round/>
-                      <a:headEnd type="none" w="med" len="med"/>
-                      <a:tailEnd type="none" w="med" len="med"/>
-                    </a:lnR>
-                    <a:lnT w="12700" cap="flat" cmpd="sng" algn="ctr">
-                      <a:solidFill>
-                        <a:schemeClr val="tx1"/>
-                      </a:solidFill>
-                      <a:prstDash val="solid"/>
-                      <a:round/>
-                      <a:headEnd type="none" w="med" len="med"/>
-                      <a:tailEnd type="none" w="med" len="med"/>
-                    </a:lnT>
-                    <a:lnB w="12700" cap="flat" cmpd="sng" algn="ctr">
-                      <a:solidFill>
-                        <a:schemeClr val="tx1"/>
-                      </a:solidFill>
-                      <a:prstDash val="solid"/>
-                      <a:round/>
-                      <a:headEnd type="none" w="med" len="med"/>
-                      <a:tailEnd type="none" w="med" len="med"/>
-                    </a:lnB>
-                  </a:tcPr>
-                </a:tc>
-                <a:extLst>
-                  <a:ext uri="{0D108BD9-81ED-4DB2-BD59-A6C34878D82A}">
-                    <a16:rowId xmlns:a16="http://schemas.microsoft.com/office/drawing/2014/main" val="3494968725"/>
-                  </a:ext>
-                </a:extLst>
-              </a:tr>
-            </a:tbl>
-          </a:graphicData>
-        </a:graphic>
-      </p:graphicFrame>
-    </p:spTree>
-    <p:extLst>
-      <p:ext uri="{BB962C8B-B14F-4D97-AF65-F5344CB8AC3E}">
-        <p14:creationId xmlns:p14="http://schemas.microsoft.com/office/powerpoint/2010/main" val="3121398843"/>
       </p:ext>
     </p:extLst>
   </p:cSld>
